--- a/weekly-updates/20210615_progress.pptx
+++ b/weekly-updates/20210615_progress.pptx
@@ -13,10 +13,10 @@
     <p:sldId id="375" r:id="rId7"/>
     <p:sldId id="415" r:id="rId8"/>
     <p:sldId id="442" r:id="rId9"/>
-    <p:sldId id="446" r:id="rId10"/>
-    <p:sldId id="447" r:id="rId11"/>
-    <p:sldId id="448" r:id="rId12"/>
-    <p:sldId id="418" r:id="rId13"/>
+    <p:sldId id="418" r:id="rId10"/>
+    <p:sldId id="446" r:id="rId11"/>
+    <p:sldId id="447" r:id="rId12"/>
+    <p:sldId id="448" r:id="rId13"/>
     <p:sldId id="377" r:id="rId14"/>
     <p:sldId id="404" r:id="rId15"/>
     <p:sldId id="437" r:id="rId16"/>
@@ -7490,7 +7490,7 @@
             </a:pPr>
             <a:r>
               <a:rPr lang="en-US" sz="2000" dirty="0"/>
-              <a:t>Provide draft report to UDL Wednesday</a:t>
+              <a:t>Provide draft report to UDL Wednesday EOD</a:t>
             </a:r>
           </a:p>
           <a:p>
@@ -7924,6 +7924,36 @@
           </a:p>
         </p:txBody>
       </p:sp>
+      <p:pic>
+        <p:nvPicPr>
+          <p:cNvPr id="9" name="Picture 8">
+            <a:extLst>
+              <a:ext uri="{FF2B5EF4-FFF2-40B4-BE49-F238E27FC236}">
+                <a16:creationId xmlns:a16="http://schemas.microsoft.com/office/drawing/2014/main" id="{D8539A36-1E55-4FF5-873D-50B6E2583D4E}"/>
+              </a:ext>
+            </a:extLst>
+          </p:cNvPr>
+          <p:cNvPicPr>
+            <a:picLocks noChangeAspect="1"/>
+          </p:cNvPicPr>
+          <p:nvPr/>
+        </p:nvPicPr>
+        <p:blipFill>
+          <a:blip r:embed="rId2"/>
+          <a:stretch>
+            <a:fillRect/>
+          </a:stretch>
+        </p:blipFill>
+        <p:spPr>
+          <a:xfrm>
+            <a:off x="930179" y="2133603"/>
+            <a:ext cx="10375208" cy="3219632"/>
+          </a:xfrm>
+          <a:prstGeom prst="rect">
+            <a:avLst/>
+          </a:prstGeom>
+        </p:spPr>
+      </p:pic>
     </p:spTree>
     <p:extLst>
       <p:ext uri="{BB962C8B-B14F-4D97-AF65-F5344CB8AC3E}">
@@ -10556,7 +10586,7 @@
             </a:pPr>
             <a:r>
               <a:rPr lang="en-US" sz="1600" dirty="0"/>
-              <a:t>Dashboard still ongoing</a:t>
+              <a:t>Dashboard (complete today)</a:t>
             </a:r>
           </a:p>
           <a:p>
@@ -10566,7 +10596,7 @@
             </a:pPr>
             <a:r>
               <a:rPr lang="en-US" sz="1600" dirty="0"/>
-              <a:t>Complete final model tests (Mon)</a:t>
+              <a:t>Complete final model tests (complete Mon)</a:t>
             </a:r>
           </a:p>
           <a:p>
@@ -10576,7 +10606,7 @@
             </a:pPr>
             <a:r>
               <a:rPr lang="en-US" sz="1600" dirty="0"/>
-              <a:t>Continue reporting</a:t>
+              <a:t>Continued reporting (ahead of schedule)</a:t>
             </a:r>
           </a:p>
           <a:p>
@@ -10586,7 +10616,7 @@
             </a:pPr>
             <a:r>
               <a:rPr lang="en-US" sz="1600" dirty="0"/>
-              <a:t>Test environment ongoing</a:t>
+              <a:t>Test environment (not completed, ongoing)</a:t>
             </a:r>
           </a:p>
           <a:p>
@@ -15307,7 +15337,7 @@
         </p:nvSpPr>
         <p:spPr>
           <a:xfrm>
-            <a:off x="1028699" y="2183101"/>
+            <a:off x="1028699" y="2183102"/>
             <a:ext cx="9791700" cy="3568696"/>
           </a:xfrm>
           <a:prstGeom prst="rect">
@@ -15483,17 +15513,22 @@
           <a:p>
             <a:r>
               <a:rPr lang="en-US" sz="2000" b="1" dirty="0"/>
-              <a:t>Model Implementation</a:t>
-            </a:r>
-          </a:p>
-          <a:p>
-            <a:pPr marL="342900" indent="-342900">
+              <a:t>Continued Reporting</a:t>
+            </a:r>
+            <a:endParaRPr lang="en-US" sz="2000" dirty="0">
+              <a:solidFill>
+                <a:schemeClr val="accent3"/>
+              </a:solidFill>
+            </a:endParaRPr>
+          </a:p>
+          <a:p>
+            <a:pPr marL="285750" indent="-285750">
               <a:buFont typeface="Arial" panose="020B0604020202020204" pitchFamily="34" charset="0"/>
               <a:buChar char="•"/>
             </a:pPr>
             <a:r>
               <a:rPr lang="en-US" sz="2000" dirty="0"/>
-              <a:t>Implementation in test environment with notebook walk-through</a:t>
+              <a:t>Mainly complete, just needs additional results and several figures</a:t>
             </a:r>
           </a:p>
           <a:p>
@@ -15503,7 +15538,7 @@
             </a:pPr>
             <a:r>
               <a:rPr lang="en-US" sz="2000" dirty="0"/>
-              <a:t>Still needs additional work</a:t>
+              <a:t>Targeting final draft report completion for Wednesday</a:t>
             </a:r>
           </a:p>
           <a:p>
@@ -15513,29 +15548,34 @@
             </a:pPr>
             <a:r>
               <a:rPr lang="en-US" sz="2000" dirty="0"/>
-              <a:t>As real-time data streaming to InfluxDB is not available this will be the main implementation</a:t>
-            </a:r>
-            <a:endParaRPr lang="en-US" dirty="0"/>
-          </a:p>
-          <a:p>
-            <a:pPr marL="742950" lvl="1" indent="-285750">
+              <a:t>Already started final presentation</a:t>
+            </a:r>
+          </a:p>
+          <a:p>
+            <a:pPr marL="285750" indent="-285750">
               <a:buFont typeface="Arial" panose="020B0604020202020204" pitchFamily="34" charset="0"/>
               <a:buChar char="•"/>
             </a:pPr>
             <a:endParaRPr lang="en-US" sz="2000" dirty="0"/>
           </a:p>
           <a:p>
-            <a:pPr lvl="1"/>
             <a:endParaRPr lang="en-US" sz="2000" dirty="0"/>
           </a:p>
           <a:p>
+            <a:endParaRPr lang="en-US" sz="2000" dirty="0">
+              <a:solidFill>
+                <a:srgbClr val="00B050"/>
+              </a:solidFill>
+            </a:endParaRPr>
+          </a:p>
+          <a:p>
             <a:r>
               <a:rPr lang="en-US" sz="2000" dirty="0">
                 <a:solidFill>
-                  <a:srgbClr val="FFC000"/>
+                  <a:srgbClr val="00B050"/>
                 </a:solidFill>
               </a:rPr>
-              <a:t>Additional work required on this during the week</a:t>
+              <a:t>On track (and ahead of schedule)</a:t>
             </a:r>
           </a:p>
           <a:p>
@@ -15546,7 +15586,7 @@
     </p:spTree>
     <p:extLst>
       <p:ext uri="{BB962C8B-B14F-4D97-AF65-F5344CB8AC3E}">
-        <p14:creationId xmlns:p14="http://schemas.microsoft.com/office/powerpoint/2010/main" val="567051792"/>
+        <p14:creationId xmlns:p14="http://schemas.microsoft.com/office/powerpoint/2010/main" val="1579526029"/>
       </p:ext>
     </p:extLst>
   </p:cSld>
@@ -15951,18 +15991,17 @@
           <a:p>
             <a:r>
               <a:rPr lang="en-US" sz="2000" b="1" dirty="0"/>
-              <a:t>Dashboard and Notification System</a:t>
-            </a:r>
-            <a:endParaRPr lang="en-US" sz="2000" dirty="0"/>
-          </a:p>
-          <a:p>
-            <a:pPr marL="285750" indent="-285750">
+              <a:t>Model Implementation</a:t>
+            </a:r>
+          </a:p>
+          <a:p>
+            <a:pPr marL="342900" indent="-342900">
               <a:buFont typeface="Arial" panose="020B0604020202020204" pitchFamily="34" charset="0"/>
               <a:buChar char="•"/>
             </a:pPr>
             <a:r>
               <a:rPr lang="en-US" sz="2000" dirty="0"/>
-              <a:t>Simple dashboard built directly into InfluxDB</a:t>
+              <a:t>Implementation in test environment with notebook walk-through</a:t>
             </a:r>
           </a:p>
           <a:p>
@@ -15972,12 +16011,22 @@
             </a:pPr>
             <a:r>
               <a:rPr lang="en-US" sz="2000" dirty="0"/>
-              <a:t>Simple notification system – if an anomaly is predicted for a sensor a notification is sent to a Slack channel</a:t>
-            </a:r>
-            <a:endParaRPr lang="en-US" sz="2200" dirty="0"/>
+              <a:t>Still needs additional work</a:t>
+            </a:r>
           </a:p>
           <a:p>
             <a:pPr marL="285750" indent="-285750">
+              <a:buFont typeface="Arial" panose="020B0604020202020204" pitchFamily="34" charset="0"/>
+              <a:buChar char="•"/>
+            </a:pPr>
+            <a:r>
+              <a:rPr lang="en-US" sz="2000" dirty="0"/>
+              <a:t>As real-time data streaming to InfluxDB is not available this will be the main implementation</a:t>
+            </a:r>
+            <a:endParaRPr lang="en-US" dirty="0"/>
+          </a:p>
+          <a:p>
+            <a:pPr marL="742950" lvl="1" indent="-285750">
               <a:buFont typeface="Arial" panose="020B0604020202020204" pitchFamily="34" charset="0"/>
               <a:buChar char="•"/>
             </a:pPr>
@@ -15988,17 +16037,13 @@
             <a:endParaRPr lang="en-US" sz="2000" dirty="0"/>
           </a:p>
           <a:p>
-            <a:pPr lvl="1"/>
-            <a:endParaRPr lang="en-US" sz="2000" dirty="0"/>
-          </a:p>
-          <a:p>
             <a:r>
               <a:rPr lang="en-US" sz="2000" dirty="0">
                 <a:solidFill>
                   <a:srgbClr val="FFC000"/>
                 </a:solidFill>
               </a:rPr>
-              <a:t>Still finishing dashboard and notification system</a:t>
+              <a:t>Additional work required on this during the week</a:t>
             </a:r>
           </a:p>
           <a:p>
@@ -16009,7 +16054,7 @@
     </p:spTree>
     <p:extLst>
       <p:ext uri="{BB962C8B-B14F-4D97-AF65-F5344CB8AC3E}">
-        <p14:creationId xmlns:p14="http://schemas.microsoft.com/office/powerpoint/2010/main" val="492495433"/>
+        <p14:creationId xmlns:p14="http://schemas.microsoft.com/office/powerpoint/2010/main" val="567051792"/>
       </p:ext>
     </p:extLst>
   </p:cSld>
@@ -16038,6 +16083,46 @@
       </p:grpSpPr>
       <p:sp>
         <p:nvSpPr>
+          <p:cNvPr id="2" name="Title 1">
+            <a:extLst>
+              <a:ext uri="{FF2B5EF4-FFF2-40B4-BE49-F238E27FC236}">
+                <a16:creationId xmlns:a16="http://schemas.microsoft.com/office/drawing/2014/main" id="{A8E966EE-4FBD-534E-AAED-6C54465EF91C}"/>
+              </a:ext>
+            </a:extLst>
+          </p:cNvPr>
+          <p:cNvSpPr>
+            <a:spLocks noGrp="1"/>
+          </p:cNvSpPr>
+          <p:nvPr>
+            <p:ph type="title"/>
+          </p:nvPr>
+        </p:nvSpPr>
+        <p:spPr>
+          <a:xfrm>
+            <a:off x="1028699" y="381000"/>
+            <a:ext cx="10086976" cy="1263352"/>
+          </a:xfrm>
+        </p:spPr>
+        <p:txBody>
+          <a:bodyPr/>
+          <a:lstStyle/>
+          <a:p>
+            <a:r>
+              <a:rPr lang="en-US" dirty="0"/>
+              <a:t>Week 6 Tasks</a:t>
+            </a:r>
+            <a:br>
+              <a:rPr lang="en-US" dirty="0"/>
+            </a:br>
+            <a:r>
+              <a:rPr lang="en-US" sz="3000" dirty="0"/>
+              <a:t>Previous Week (June 7 - 13)</a:t>
+            </a:r>
+          </a:p>
+        </p:txBody>
+      </p:sp>
+      <p:sp>
+        <p:nvSpPr>
           <p:cNvPr id="3" name="Content Placeholder 2">
             <a:extLst>
               <a:ext uri="{FF2B5EF4-FFF2-40B4-BE49-F238E27FC236}">
@@ -16184,48 +16269,255 @@
       </p:sp>
       <p:sp>
         <p:nvSpPr>
-          <p:cNvPr id="15" name="Title 1">
-            <a:extLst>
-              <a:ext uri="{FF2B5EF4-FFF2-40B4-BE49-F238E27FC236}">
-                <a16:creationId xmlns:a16="http://schemas.microsoft.com/office/drawing/2014/main" id="{6858403A-E227-449E-ABFD-2D82F5B39E0B}"/>
-              </a:ext>
-            </a:extLst>
-          </p:cNvPr>
-          <p:cNvSpPr>
-            <a:spLocks noGrp="1"/>
-          </p:cNvSpPr>
-          <p:nvPr>
-            <p:ph type="title"/>
-          </p:nvPr>
-        </p:nvSpPr>
-        <p:spPr>
-          <a:xfrm>
-            <a:off x="1028699" y="381000"/>
-            <a:ext cx="10086976" cy="1263352"/>
-          </a:xfrm>
-        </p:spPr>
-        <p:txBody>
-          <a:bodyPr/>
-          <a:lstStyle/>
-          <a:p>
-            <a:r>
-              <a:rPr lang="en-US" dirty="0"/>
-              <a:t>Week 6 Tasks</a:t>
-            </a:r>
-            <a:br>
-              <a:rPr lang="en-US" dirty="0"/>
-            </a:br>
-            <a:r>
-              <a:rPr lang="en-US" sz="3000" dirty="0"/>
-              <a:t>Previous Week (June 7 - 13)</a:t>
-            </a:r>
+          <p:cNvPr id="10" name="Content Placeholder 2">
+            <a:extLst>
+              <a:ext uri="{FF2B5EF4-FFF2-40B4-BE49-F238E27FC236}">
+                <a16:creationId xmlns:a16="http://schemas.microsoft.com/office/drawing/2014/main" id="{02C52A92-3263-4C50-A3F1-1A01857F5740}"/>
+              </a:ext>
+            </a:extLst>
+          </p:cNvPr>
+          <p:cNvSpPr txBox="1">
+            <a:spLocks/>
+          </p:cNvSpPr>
+          <p:nvPr/>
+        </p:nvSpPr>
+        <p:spPr>
+          <a:xfrm>
+            <a:off x="1028699" y="2183101"/>
+            <a:ext cx="9791700" cy="3568696"/>
+          </a:xfrm>
+          <a:prstGeom prst="rect">
+            <a:avLst/>
+          </a:prstGeom>
+        </p:spPr>
+        <p:txBody>
+          <a:bodyPr lIns="0" tIns="0" rIns="0" bIns="0"/>
+          <a:lstStyle>
+            <a:lvl1pPr marL="0" indent="0" algn="l" defTabSz="914400" rtl="0" eaLnBrk="1" latinLnBrk="0" hangingPunct="1">
+              <a:lnSpc>
+                <a:spcPct val="100000"/>
+              </a:lnSpc>
+              <a:spcBef>
+                <a:spcPts val="1000"/>
+              </a:spcBef>
+              <a:buFont typeface="Arial" panose="020B0604020202020204" pitchFamily="34" charset="0"/>
+              <a:buNone/>
+              <a:defRPr sz="1800" kern="1200">
+                <a:solidFill>
+                  <a:schemeClr val="bg1"/>
+                </a:solidFill>
+                <a:latin typeface="+mn-lt"/>
+                <a:ea typeface="+mn-ea"/>
+                <a:cs typeface="+mn-cs"/>
+              </a:defRPr>
+            </a:lvl1pPr>
+            <a:lvl2pPr marL="457200" indent="0" algn="l" defTabSz="914400" rtl="0" eaLnBrk="1" latinLnBrk="0" hangingPunct="1">
+              <a:lnSpc>
+                <a:spcPct val="90000"/>
+              </a:lnSpc>
+              <a:spcBef>
+                <a:spcPts val="500"/>
+              </a:spcBef>
+              <a:buFont typeface="Arial" panose="020B0604020202020204" pitchFamily="34" charset="0"/>
+              <a:buNone/>
+              <a:defRPr sz="2000" kern="1200">
+                <a:solidFill>
+                  <a:schemeClr val="bg1"/>
+                </a:solidFill>
+                <a:latin typeface="+mn-lt"/>
+                <a:ea typeface="+mn-ea"/>
+                <a:cs typeface="+mn-cs"/>
+              </a:defRPr>
+            </a:lvl2pPr>
+            <a:lvl3pPr marL="914400" indent="0" algn="l" defTabSz="914400" rtl="0" eaLnBrk="1" latinLnBrk="0" hangingPunct="1">
+              <a:lnSpc>
+                <a:spcPct val="90000"/>
+              </a:lnSpc>
+              <a:spcBef>
+                <a:spcPts val="500"/>
+              </a:spcBef>
+              <a:buFont typeface="Arial" panose="020B0604020202020204" pitchFamily="34" charset="0"/>
+              <a:buNone/>
+              <a:defRPr sz="2000" kern="1200">
+                <a:solidFill>
+                  <a:schemeClr val="bg1"/>
+                </a:solidFill>
+                <a:latin typeface="+mn-lt"/>
+                <a:ea typeface="+mn-ea"/>
+                <a:cs typeface="+mn-cs"/>
+              </a:defRPr>
+            </a:lvl3pPr>
+            <a:lvl4pPr marL="1371600" indent="0" algn="l" defTabSz="914400" rtl="0" eaLnBrk="1" latinLnBrk="0" hangingPunct="1">
+              <a:lnSpc>
+                <a:spcPct val="90000"/>
+              </a:lnSpc>
+              <a:spcBef>
+                <a:spcPts val="500"/>
+              </a:spcBef>
+              <a:buFont typeface="Arial" panose="020B0604020202020204" pitchFamily="34" charset="0"/>
+              <a:buNone/>
+              <a:defRPr sz="2000" kern="1200">
+                <a:solidFill>
+                  <a:schemeClr val="bg1"/>
+                </a:solidFill>
+                <a:latin typeface="+mn-lt"/>
+                <a:ea typeface="+mn-ea"/>
+                <a:cs typeface="+mn-cs"/>
+              </a:defRPr>
+            </a:lvl4pPr>
+            <a:lvl5pPr marL="1828800" indent="0" algn="l" defTabSz="914400" rtl="0" eaLnBrk="1" latinLnBrk="0" hangingPunct="1">
+              <a:lnSpc>
+                <a:spcPct val="90000"/>
+              </a:lnSpc>
+              <a:spcBef>
+                <a:spcPts val="500"/>
+              </a:spcBef>
+              <a:buFont typeface="Arial" panose="020B0604020202020204" pitchFamily="34" charset="0"/>
+              <a:buNone/>
+              <a:defRPr sz="2000" kern="1200">
+                <a:solidFill>
+                  <a:schemeClr val="bg1"/>
+                </a:solidFill>
+                <a:latin typeface="+mn-lt"/>
+                <a:ea typeface="+mn-ea"/>
+                <a:cs typeface="+mn-cs"/>
+              </a:defRPr>
+            </a:lvl5pPr>
+            <a:lvl6pPr marL="2514600" indent="-228600" algn="l" defTabSz="914400" rtl="0" eaLnBrk="1" latinLnBrk="0" hangingPunct="1">
+              <a:lnSpc>
+                <a:spcPct val="90000"/>
+              </a:lnSpc>
+              <a:spcBef>
+                <a:spcPts val="500"/>
+              </a:spcBef>
+              <a:buFont typeface="Arial" panose="020B0604020202020204" pitchFamily="34" charset="0"/>
+              <a:buChar char="•"/>
+              <a:defRPr sz="1800" kern="1200">
+                <a:solidFill>
+                  <a:schemeClr val="tx1"/>
+                </a:solidFill>
+                <a:latin typeface="+mn-lt"/>
+                <a:ea typeface="+mn-ea"/>
+                <a:cs typeface="+mn-cs"/>
+              </a:defRPr>
+            </a:lvl6pPr>
+            <a:lvl7pPr marL="2971800" indent="-228600" algn="l" defTabSz="914400" rtl="0" eaLnBrk="1" latinLnBrk="0" hangingPunct="1">
+              <a:lnSpc>
+                <a:spcPct val="90000"/>
+              </a:lnSpc>
+              <a:spcBef>
+                <a:spcPts val="500"/>
+              </a:spcBef>
+              <a:buFont typeface="Arial" panose="020B0604020202020204" pitchFamily="34" charset="0"/>
+              <a:buChar char="•"/>
+              <a:defRPr sz="1800" kern="1200">
+                <a:solidFill>
+                  <a:schemeClr val="tx1"/>
+                </a:solidFill>
+                <a:latin typeface="+mn-lt"/>
+                <a:ea typeface="+mn-ea"/>
+                <a:cs typeface="+mn-cs"/>
+              </a:defRPr>
+            </a:lvl7pPr>
+            <a:lvl8pPr marL="3429000" indent="-228600" algn="l" defTabSz="914400" rtl="0" eaLnBrk="1" latinLnBrk="0" hangingPunct="1">
+              <a:lnSpc>
+                <a:spcPct val="90000"/>
+              </a:lnSpc>
+              <a:spcBef>
+                <a:spcPts val="500"/>
+              </a:spcBef>
+              <a:buFont typeface="Arial" panose="020B0604020202020204" pitchFamily="34" charset="0"/>
+              <a:buChar char="•"/>
+              <a:defRPr sz="1800" kern="1200">
+                <a:solidFill>
+                  <a:schemeClr val="tx1"/>
+                </a:solidFill>
+                <a:latin typeface="+mn-lt"/>
+                <a:ea typeface="+mn-ea"/>
+                <a:cs typeface="+mn-cs"/>
+              </a:defRPr>
+            </a:lvl8pPr>
+            <a:lvl9pPr marL="3886200" indent="-228600" algn="l" defTabSz="914400" rtl="0" eaLnBrk="1" latinLnBrk="0" hangingPunct="1">
+              <a:lnSpc>
+                <a:spcPct val="90000"/>
+              </a:lnSpc>
+              <a:spcBef>
+                <a:spcPts val="500"/>
+              </a:spcBef>
+              <a:buFont typeface="Arial" panose="020B0604020202020204" pitchFamily="34" charset="0"/>
+              <a:buChar char="•"/>
+              <a:defRPr sz="1800" kern="1200">
+                <a:solidFill>
+                  <a:schemeClr val="tx1"/>
+                </a:solidFill>
+                <a:latin typeface="+mn-lt"/>
+                <a:ea typeface="+mn-ea"/>
+                <a:cs typeface="+mn-cs"/>
+              </a:defRPr>
+            </a:lvl9pPr>
+          </a:lstStyle>
+          <a:p>
+            <a:r>
+              <a:rPr lang="en-US" sz="2000" b="1" dirty="0"/>
+              <a:t>Dashboard and Notification System</a:t>
+            </a:r>
+            <a:endParaRPr lang="en-US" sz="2000" dirty="0"/>
+          </a:p>
+          <a:p>
+            <a:pPr marL="285750" indent="-285750">
+              <a:buFont typeface="Arial" panose="020B0604020202020204" pitchFamily="34" charset="0"/>
+              <a:buChar char="•"/>
+            </a:pPr>
+            <a:r>
+              <a:rPr lang="en-US" sz="2000" dirty="0"/>
+              <a:t>Simple dashboard built directly into InfluxDB</a:t>
+            </a:r>
+          </a:p>
+          <a:p>
+            <a:pPr marL="285750" indent="-285750">
+              <a:buFont typeface="Arial" panose="020B0604020202020204" pitchFamily="34" charset="0"/>
+              <a:buChar char="•"/>
+            </a:pPr>
+            <a:r>
+              <a:rPr lang="en-US" sz="2000" dirty="0"/>
+              <a:t>Simple notification system – if an anomaly is predicted for a sensor a notification is sent to a Slack channel</a:t>
+            </a:r>
+            <a:endParaRPr lang="en-US" sz="2200" dirty="0"/>
+          </a:p>
+          <a:p>
+            <a:pPr marL="285750" indent="-285750">
+              <a:buFont typeface="Arial" panose="020B0604020202020204" pitchFamily="34" charset="0"/>
+              <a:buChar char="•"/>
+            </a:pPr>
+            <a:endParaRPr lang="en-US" sz="2000" dirty="0"/>
+          </a:p>
+          <a:p>
+            <a:pPr lvl="1"/>
+            <a:endParaRPr lang="en-US" sz="2000" dirty="0"/>
+          </a:p>
+          <a:p>
+            <a:pPr lvl="1"/>
+            <a:endParaRPr lang="en-US" sz="2000" dirty="0"/>
+          </a:p>
+          <a:p>
+            <a:r>
+              <a:rPr lang="en-US" sz="2000" dirty="0">
+                <a:solidFill>
+                  <a:srgbClr val="FFC000"/>
+                </a:solidFill>
+              </a:rPr>
+              <a:t>Still finishing dashboard and notification system – hopefully wrapped up today</a:t>
+            </a:r>
+          </a:p>
+          <a:p>
+            <a:endParaRPr lang="en-US" sz="2400" dirty="0"/>
           </a:p>
         </p:txBody>
       </p:sp>
     </p:spTree>
     <p:extLst>
       <p:ext uri="{BB962C8B-B14F-4D97-AF65-F5344CB8AC3E}">
-        <p14:creationId xmlns:p14="http://schemas.microsoft.com/office/powerpoint/2010/main" val="441478039"/>
+        <p14:creationId xmlns:p14="http://schemas.microsoft.com/office/powerpoint/2010/main" val="492495433"/>
       </p:ext>
     </p:extLst>
   </p:cSld>
@@ -16254,46 +16546,6 @@
       </p:grpSpPr>
       <p:sp>
         <p:nvSpPr>
-          <p:cNvPr id="2" name="Title 1">
-            <a:extLst>
-              <a:ext uri="{FF2B5EF4-FFF2-40B4-BE49-F238E27FC236}">
-                <a16:creationId xmlns:a16="http://schemas.microsoft.com/office/drawing/2014/main" id="{A8E966EE-4FBD-534E-AAED-6C54465EF91C}"/>
-              </a:ext>
-            </a:extLst>
-          </p:cNvPr>
-          <p:cNvSpPr>
-            <a:spLocks noGrp="1"/>
-          </p:cNvSpPr>
-          <p:nvPr>
-            <p:ph type="title"/>
-          </p:nvPr>
-        </p:nvSpPr>
-        <p:spPr>
-          <a:xfrm>
-            <a:off x="1028699" y="381000"/>
-            <a:ext cx="10086976" cy="1263352"/>
-          </a:xfrm>
-        </p:spPr>
-        <p:txBody>
-          <a:bodyPr/>
-          <a:lstStyle/>
-          <a:p>
-            <a:r>
-              <a:rPr lang="en-US" dirty="0"/>
-              <a:t>Week 6 Tasks</a:t>
-            </a:r>
-            <a:br>
-              <a:rPr lang="en-US" dirty="0"/>
-            </a:br>
-            <a:r>
-              <a:rPr lang="en-US" sz="3000" dirty="0"/>
-              <a:t>Previous Week (June 7 - 13)</a:t>
-            </a:r>
-          </a:p>
-        </p:txBody>
-      </p:sp>
-      <p:sp>
-        <p:nvSpPr>
           <p:cNvPr id="3" name="Content Placeholder 2">
             <a:extLst>
               <a:ext uri="{FF2B5EF4-FFF2-40B4-BE49-F238E27FC236}">
@@ -16440,270 +16692,48 @@
       </p:sp>
       <p:sp>
         <p:nvSpPr>
-          <p:cNvPr id="10" name="Content Placeholder 2">
-            <a:extLst>
-              <a:ext uri="{FF2B5EF4-FFF2-40B4-BE49-F238E27FC236}">
-                <a16:creationId xmlns:a16="http://schemas.microsoft.com/office/drawing/2014/main" id="{02C52A92-3263-4C50-A3F1-1A01857F5740}"/>
-              </a:ext>
-            </a:extLst>
-          </p:cNvPr>
-          <p:cNvSpPr txBox="1">
-            <a:spLocks/>
-          </p:cNvSpPr>
-          <p:nvPr/>
-        </p:nvSpPr>
-        <p:spPr>
-          <a:xfrm>
-            <a:off x="1028699" y="2183102"/>
-            <a:ext cx="9791700" cy="3568696"/>
-          </a:xfrm>
-          <a:prstGeom prst="rect">
-            <a:avLst/>
-          </a:prstGeom>
-        </p:spPr>
-        <p:txBody>
-          <a:bodyPr lIns="0" tIns="0" rIns="0" bIns="0"/>
-          <a:lstStyle>
-            <a:lvl1pPr marL="0" indent="0" algn="l" defTabSz="914400" rtl="0" eaLnBrk="1" latinLnBrk="0" hangingPunct="1">
-              <a:lnSpc>
-                <a:spcPct val="100000"/>
-              </a:lnSpc>
-              <a:spcBef>
-                <a:spcPts val="1000"/>
-              </a:spcBef>
-              <a:buFont typeface="Arial" panose="020B0604020202020204" pitchFamily="34" charset="0"/>
-              <a:buNone/>
-              <a:defRPr sz="1800" kern="1200">
-                <a:solidFill>
-                  <a:schemeClr val="bg1"/>
-                </a:solidFill>
-                <a:latin typeface="+mn-lt"/>
-                <a:ea typeface="+mn-ea"/>
-                <a:cs typeface="+mn-cs"/>
-              </a:defRPr>
-            </a:lvl1pPr>
-            <a:lvl2pPr marL="457200" indent="0" algn="l" defTabSz="914400" rtl="0" eaLnBrk="1" latinLnBrk="0" hangingPunct="1">
-              <a:lnSpc>
-                <a:spcPct val="90000"/>
-              </a:lnSpc>
-              <a:spcBef>
-                <a:spcPts val="500"/>
-              </a:spcBef>
-              <a:buFont typeface="Arial" panose="020B0604020202020204" pitchFamily="34" charset="0"/>
-              <a:buNone/>
-              <a:defRPr sz="2000" kern="1200">
-                <a:solidFill>
-                  <a:schemeClr val="bg1"/>
-                </a:solidFill>
-                <a:latin typeface="+mn-lt"/>
-                <a:ea typeface="+mn-ea"/>
-                <a:cs typeface="+mn-cs"/>
-              </a:defRPr>
-            </a:lvl2pPr>
-            <a:lvl3pPr marL="914400" indent="0" algn="l" defTabSz="914400" rtl="0" eaLnBrk="1" latinLnBrk="0" hangingPunct="1">
-              <a:lnSpc>
-                <a:spcPct val="90000"/>
-              </a:lnSpc>
-              <a:spcBef>
-                <a:spcPts val="500"/>
-              </a:spcBef>
-              <a:buFont typeface="Arial" panose="020B0604020202020204" pitchFamily="34" charset="0"/>
-              <a:buNone/>
-              <a:defRPr sz="2000" kern="1200">
-                <a:solidFill>
-                  <a:schemeClr val="bg1"/>
-                </a:solidFill>
-                <a:latin typeface="+mn-lt"/>
-                <a:ea typeface="+mn-ea"/>
-                <a:cs typeface="+mn-cs"/>
-              </a:defRPr>
-            </a:lvl3pPr>
-            <a:lvl4pPr marL="1371600" indent="0" algn="l" defTabSz="914400" rtl="0" eaLnBrk="1" latinLnBrk="0" hangingPunct="1">
-              <a:lnSpc>
-                <a:spcPct val="90000"/>
-              </a:lnSpc>
-              <a:spcBef>
-                <a:spcPts val="500"/>
-              </a:spcBef>
-              <a:buFont typeface="Arial" panose="020B0604020202020204" pitchFamily="34" charset="0"/>
-              <a:buNone/>
-              <a:defRPr sz="2000" kern="1200">
-                <a:solidFill>
-                  <a:schemeClr val="bg1"/>
-                </a:solidFill>
-                <a:latin typeface="+mn-lt"/>
-                <a:ea typeface="+mn-ea"/>
-                <a:cs typeface="+mn-cs"/>
-              </a:defRPr>
-            </a:lvl4pPr>
-            <a:lvl5pPr marL="1828800" indent="0" algn="l" defTabSz="914400" rtl="0" eaLnBrk="1" latinLnBrk="0" hangingPunct="1">
-              <a:lnSpc>
-                <a:spcPct val="90000"/>
-              </a:lnSpc>
-              <a:spcBef>
-                <a:spcPts val="500"/>
-              </a:spcBef>
-              <a:buFont typeface="Arial" panose="020B0604020202020204" pitchFamily="34" charset="0"/>
-              <a:buNone/>
-              <a:defRPr sz="2000" kern="1200">
-                <a:solidFill>
-                  <a:schemeClr val="bg1"/>
-                </a:solidFill>
-                <a:latin typeface="+mn-lt"/>
-                <a:ea typeface="+mn-ea"/>
-                <a:cs typeface="+mn-cs"/>
-              </a:defRPr>
-            </a:lvl5pPr>
-            <a:lvl6pPr marL="2514600" indent="-228600" algn="l" defTabSz="914400" rtl="0" eaLnBrk="1" latinLnBrk="0" hangingPunct="1">
-              <a:lnSpc>
-                <a:spcPct val="90000"/>
-              </a:lnSpc>
-              <a:spcBef>
-                <a:spcPts val="500"/>
-              </a:spcBef>
-              <a:buFont typeface="Arial" panose="020B0604020202020204" pitchFamily="34" charset="0"/>
-              <a:buChar char="•"/>
-              <a:defRPr sz="1800" kern="1200">
-                <a:solidFill>
-                  <a:schemeClr val="tx1"/>
-                </a:solidFill>
-                <a:latin typeface="+mn-lt"/>
-                <a:ea typeface="+mn-ea"/>
-                <a:cs typeface="+mn-cs"/>
-              </a:defRPr>
-            </a:lvl6pPr>
-            <a:lvl7pPr marL="2971800" indent="-228600" algn="l" defTabSz="914400" rtl="0" eaLnBrk="1" latinLnBrk="0" hangingPunct="1">
-              <a:lnSpc>
-                <a:spcPct val="90000"/>
-              </a:lnSpc>
-              <a:spcBef>
-                <a:spcPts val="500"/>
-              </a:spcBef>
-              <a:buFont typeface="Arial" panose="020B0604020202020204" pitchFamily="34" charset="0"/>
-              <a:buChar char="•"/>
-              <a:defRPr sz="1800" kern="1200">
-                <a:solidFill>
-                  <a:schemeClr val="tx1"/>
-                </a:solidFill>
-                <a:latin typeface="+mn-lt"/>
-                <a:ea typeface="+mn-ea"/>
-                <a:cs typeface="+mn-cs"/>
-              </a:defRPr>
-            </a:lvl7pPr>
-            <a:lvl8pPr marL="3429000" indent="-228600" algn="l" defTabSz="914400" rtl="0" eaLnBrk="1" latinLnBrk="0" hangingPunct="1">
-              <a:lnSpc>
-                <a:spcPct val="90000"/>
-              </a:lnSpc>
-              <a:spcBef>
-                <a:spcPts val="500"/>
-              </a:spcBef>
-              <a:buFont typeface="Arial" panose="020B0604020202020204" pitchFamily="34" charset="0"/>
-              <a:buChar char="•"/>
-              <a:defRPr sz="1800" kern="1200">
-                <a:solidFill>
-                  <a:schemeClr val="tx1"/>
-                </a:solidFill>
-                <a:latin typeface="+mn-lt"/>
-                <a:ea typeface="+mn-ea"/>
-                <a:cs typeface="+mn-cs"/>
-              </a:defRPr>
-            </a:lvl8pPr>
-            <a:lvl9pPr marL="3886200" indent="-228600" algn="l" defTabSz="914400" rtl="0" eaLnBrk="1" latinLnBrk="0" hangingPunct="1">
-              <a:lnSpc>
-                <a:spcPct val="90000"/>
-              </a:lnSpc>
-              <a:spcBef>
-                <a:spcPts val="500"/>
-              </a:spcBef>
-              <a:buFont typeface="Arial" panose="020B0604020202020204" pitchFamily="34" charset="0"/>
-              <a:buChar char="•"/>
-              <a:defRPr sz="1800" kern="1200">
-                <a:solidFill>
-                  <a:schemeClr val="tx1"/>
-                </a:solidFill>
-                <a:latin typeface="+mn-lt"/>
-                <a:ea typeface="+mn-ea"/>
-                <a:cs typeface="+mn-cs"/>
-              </a:defRPr>
-            </a:lvl9pPr>
-          </a:lstStyle>
-          <a:p>
-            <a:r>
-              <a:rPr lang="en-US" sz="2000" b="1" dirty="0"/>
-              <a:t>Continued Reporting</a:t>
-            </a:r>
-            <a:endParaRPr lang="en-US" sz="2000" dirty="0">
-              <a:solidFill>
-                <a:schemeClr val="accent3"/>
-              </a:solidFill>
-            </a:endParaRPr>
-          </a:p>
-          <a:p>
-            <a:pPr marL="285750" indent="-285750">
-              <a:buFont typeface="Arial" panose="020B0604020202020204" pitchFamily="34" charset="0"/>
-              <a:buChar char="•"/>
-            </a:pPr>
-            <a:r>
-              <a:rPr lang="en-US" sz="2000" dirty="0"/>
-              <a:t>Mainly complete, just needs results and several figures</a:t>
-            </a:r>
-          </a:p>
-          <a:p>
-            <a:pPr marL="285750" indent="-285750">
-              <a:buFont typeface="Arial" panose="020B0604020202020204" pitchFamily="34" charset="0"/>
-              <a:buChar char="•"/>
-            </a:pPr>
-            <a:r>
-              <a:rPr lang="en-US" sz="2000" dirty="0"/>
-              <a:t>Targeting final draft report completion for Wednesday</a:t>
-            </a:r>
-          </a:p>
-          <a:p>
-            <a:pPr marL="285750" indent="-285750">
-              <a:buFont typeface="Arial" panose="020B0604020202020204" pitchFamily="34" charset="0"/>
-              <a:buChar char="•"/>
-            </a:pPr>
-            <a:r>
-              <a:rPr lang="en-US" sz="2000" dirty="0"/>
-              <a:t>Already started final presentation</a:t>
-            </a:r>
-          </a:p>
-          <a:p>
-            <a:pPr marL="285750" indent="-285750">
-              <a:buFont typeface="Arial" panose="020B0604020202020204" pitchFamily="34" charset="0"/>
-              <a:buChar char="•"/>
-            </a:pPr>
-            <a:endParaRPr lang="en-US" sz="2000" dirty="0"/>
-          </a:p>
-          <a:p>
-            <a:endParaRPr lang="en-US" sz="2000" dirty="0"/>
-          </a:p>
-          <a:p>
-            <a:endParaRPr lang="en-US" sz="2000" dirty="0">
-              <a:solidFill>
-                <a:srgbClr val="00B050"/>
-              </a:solidFill>
-            </a:endParaRPr>
-          </a:p>
-          <a:p>
-            <a:r>
-              <a:rPr lang="en-US" sz="2000" dirty="0">
-                <a:solidFill>
-                  <a:srgbClr val="00B050"/>
-                </a:solidFill>
-              </a:rPr>
-              <a:t>On track (and ahead)</a:t>
-            </a:r>
-          </a:p>
-          <a:p>
-            <a:endParaRPr lang="en-US" sz="2400" dirty="0"/>
+          <p:cNvPr id="15" name="Title 1">
+            <a:extLst>
+              <a:ext uri="{FF2B5EF4-FFF2-40B4-BE49-F238E27FC236}">
+                <a16:creationId xmlns:a16="http://schemas.microsoft.com/office/drawing/2014/main" id="{6858403A-E227-449E-ABFD-2D82F5B39E0B}"/>
+              </a:ext>
+            </a:extLst>
+          </p:cNvPr>
+          <p:cNvSpPr>
+            <a:spLocks noGrp="1"/>
+          </p:cNvSpPr>
+          <p:nvPr>
+            <p:ph type="title"/>
+          </p:nvPr>
+        </p:nvSpPr>
+        <p:spPr>
+          <a:xfrm>
+            <a:off x="1028699" y="381000"/>
+            <a:ext cx="10086976" cy="1263352"/>
+          </a:xfrm>
+        </p:spPr>
+        <p:txBody>
+          <a:bodyPr/>
+          <a:lstStyle/>
+          <a:p>
+            <a:r>
+              <a:rPr lang="en-US" dirty="0"/>
+              <a:t>Week 6 Tasks</a:t>
+            </a:r>
+            <a:br>
+              <a:rPr lang="en-US" dirty="0"/>
+            </a:br>
+            <a:r>
+              <a:rPr lang="en-US" sz="3000" dirty="0"/>
+              <a:t>Previous Week (June 7 - 13)</a:t>
+            </a:r>
           </a:p>
         </p:txBody>
       </p:sp>
     </p:spTree>
     <p:extLst>
       <p:ext uri="{BB962C8B-B14F-4D97-AF65-F5344CB8AC3E}">
-        <p14:creationId xmlns:p14="http://schemas.microsoft.com/office/powerpoint/2010/main" val="1579526029"/>
+        <p14:creationId xmlns:p14="http://schemas.microsoft.com/office/powerpoint/2010/main" val="441478039"/>
       </p:ext>
     </p:extLst>
   </p:cSld>
@@ -17210,6 +17240,15 @@
 </file>
 
 <file path=customXml/item1.xml><?xml version="1.0" encoding="utf-8"?>
+<p:properties xmlns:p="http://schemas.microsoft.com/office/2006/metadata/properties" xmlns:xsi="http://www.w3.org/2001/XMLSchema-instance" xmlns:pc="http://schemas.microsoft.com/office/infopath/2007/PartnerControls">
+  <documentManagement>
+    <Status xmlns="71af3243-3dd4-4a8d-8c0d-dd76da1f02a5">Not started</Status>
+    <MediaServiceKeyPoints xmlns="71af3243-3dd4-4a8d-8c0d-dd76da1f02a5" xsi:nil="true"/>
+  </documentManagement>
+</p:properties>
+</file>
+
+<file path=customXml/item2.xml><?xml version="1.0" encoding="utf-8"?>
 <ct:contentTypeSchema xmlns:ct="http://schemas.microsoft.com/office/2006/metadata/contentType" xmlns:ma="http://schemas.microsoft.com/office/2006/metadata/properties/metaAttributes" ct:_="" ma:_="" ma:contentTypeName="Document" ma:contentTypeID="0x01010079F111ED35F8CC479449609E8A0923A6" ma:contentTypeVersion="12" ma:contentTypeDescription="Create a new document." ma:contentTypeScope="" ma:versionID="426e97fa315356fffbdcd9876fe988c2">
   <xsd:schema xmlns:xsd="http://www.w3.org/2001/XMLSchema" xmlns:xs="http://www.w3.org/2001/XMLSchema" xmlns:p="http://schemas.microsoft.com/office/2006/metadata/properties" xmlns:ns2="71af3243-3dd4-4a8d-8c0d-dd76da1f02a5" xmlns:ns3="16c05727-aa75-4e4a-9b5f-8a80a1165891" targetNamespace="http://schemas.microsoft.com/office/2006/metadata/properties" ma:root="true" ma:fieldsID="14b8f0def80e6d70ce3def20c90759ae" ns2:_="" ns3:_="">
     <xsd:import namespace="71af3243-3dd4-4a8d-8c0d-dd76da1f02a5"/>
@@ -17430,15 +17469,6 @@
 </ct:contentTypeSchema>
 </file>
 
-<file path=customXml/item2.xml><?xml version="1.0" encoding="utf-8"?>
-<p:properties xmlns:p="http://schemas.microsoft.com/office/2006/metadata/properties" xmlns:xsi="http://www.w3.org/2001/XMLSchema-instance" xmlns:pc="http://schemas.microsoft.com/office/infopath/2007/PartnerControls">
-  <documentManagement>
-    <Status xmlns="71af3243-3dd4-4a8d-8c0d-dd76da1f02a5">Not started</Status>
-    <MediaServiceKeyPoints xmlns="71af3243-3dd4-4a8d-8c0d-dd76da1f02a5" xsi:nil="true"/>
-  </documentManagement>
-</p:properties>
-</file>
-
 <file path=customXml/item3.xml><?xml version="1.0" encoding="utf-8"?>
 <?mso-contentType ?>
 <FormTemplates xmlns="http://schemas.microsoft.com/sharepoint/v3/contenttype/forms">
@@ -17449,6 +17479,16 @@
 </file>
 
 <file path=customXml/itemProps1.xml><?xml version="1.0" encoding="utf-8"?>
+<ds:datastoreItem xmlns:ds="http://schemas.openxmlformats.org/officeDocument/2006/customXml" ds:itemID="{E24273A0-A4DF-47AA-BF1F-8758123399CE}">
+  <ds:schemaRefs>
+    <ds:schemaRef ds:uri="71af3243-3dd4-4a8d-8c0d-dd76da1f02a5"/>
+    <ds:schemaRef ds:uri="http://schemas.microsoft.com/office/2006/metadata/properties"/>
+    <ds:schemaRef ds:uri="http://schemas.microsoft.com/office/infopath/2007/PartnerControls"/>
+  </ds:schemaRefs>
+</ds:datastoreItem>
+</file>
+
+<file path=customXml/itemProps2.xml><?xml version="1.0" encoding="utf-8"?>
 <ds:datastoreItem xmlns:ds="http://schemas.openxmlformats.org/officeDocument/2006/customXml" ds:itemID="{FD975AF8-B1C6-436B-A274-2C3ADC7798ED}">
   <ds:schemaRefs>
     <ds:schemaRef ds:uri="16c05727-aa75-4e4a-9b5f-8a80a1165891"/>
@@ -17467,16 +17507,6 @@
 </ds:datastoreItem>
 </file>
 
-<file path=customXml/itemProps2.xml><?xml version="1.0" encoding="utf-8"?>
-<ds:datastoreItem xmlns:ds="http://schemas.openxmlformats.org/officeDocument/2006/customXml" ds:itemID="{E24273A0-A4DF-47AA-BF1F-8758123399CE}">
-  <ds:schemaRefs>
-    <ds:schemaRef ds:uri="71af3243-3dd4-4a8d-8c0d-dd76da1f02a5"/>
-    <ds:schemaRef ds:uri="http://schemas.microsoft.com/office/2006/metadata/properties"/>
-    <ds:schemaRef ds:uri="http://schemas.microsoft.com/office/infopath/2007/PartnerControls"/>
-  </ds:schemaRefs>
-</ds:datastoreItem>
-</file>
-
 <file path=customXml/itemProps3.xml><?xml version="1.0" encoding="utf-8"?>
 <ds:datastoreItem xmlns:ds="http://schemas.openxmlformats.org/officeDocument/2006/customXml" ds:itemID="{182F651C-E5DA-470F-A6A6-D70E9A5EBFB8}">
   <ds:schemaRefs>

--- a/weekly-updates/20210615_progress.pptx
+++ b/weekly-updates/20210615_progress.pptx
@@ -5,7 +5,7 @@
     <p:sldMasterId id="2147483658" r:id="rId4"/>
   </p:sldMasterIdLst>
   <p:notesMasterIdLst>
-    <p:notesMasterId r:id="rId26"/>
+    <p:notesMasterId r:id="rId24"/>
   </p:notesMasterIdLst>
   <p:sldIdLst>
     <p:sldId id="335" r:id="rId5"/>
@@ -14,9 +14,9 @@
     <p:sldId id="415" r:id="rId8"/>
     <p:sldId id="442" r:id="rId9"/>
     <p:sldId id="418" r:id="rId10"/>
-    <p:sldId id="446" r:id="rId11"/>
-    <p:sldId id="447" r:id="rId12"/>
-    <p:sldId id="448" r:id="rId13"/>
+    <p:sldId id="447" r:id="rId11"/>
+    <p:sldId id="448" r:id="rId12"/>
+    <p:sldId id="446" r:id="rId13"/>
     <p:sldId id="377" r:id="rId14"/>
     <p:sldId id="404" r:id="rId15"/>
     <p:sldId id="437" r:id="rId16"/>
@@ -27,8 +27,6 @@
     <p:sldId id="399" r:id="rId21"/>
     <p:sldId id="400" r:id="rId22"/>
     <p:sldId id="443" r:id="rId23"/>
-    <p:sldId id="439" r:id="rId24"/>
-    <p:sldId id="441" r:id="rId25"/>
   </p:sldIdLst>
   <p:sldSz cx="12192000" cy="6858000"/>
   <p:notesSz cx="6858000" cy="9144000"/>
@@ -362,7 +360,7 @@
           <a:p>
             <a:fld id="{6EE7A52F-9D89-7442-A8E9-48D1527B5F6B}" type="datetimeFigureOut">
               <a:rPr lang="en-US" smtClean="0"/>
-              <a:t>6/14/2021</a:t>
+              <a:t>6/15/2021</a:t>
             </a:fld>
             <a:endParaRPr lang="en-US"/>
           </a:p>
@@ -10596,7 +10594,7 @@
             </a:pPr>
             <a:r>
               <a:rPr lang="en-US" sz="1600" dirty="0"/>
-              <a:t>Complete final model tests (complete Mon)</a:t>
+              <a:t>Complete final model tests (complete Monday)</a:t>
             </a:r>
           </a:p>
           <a:p>
@@ -12349,1681 +12347,6 @@
 </p:sld>
 </file>
 
-<file path=ppt/slides/slide20.xml><?xml version="1.0" encoding="utf-8"?>
-<p:sld xmlns:a="http://schemas.openxmlformats.org/drawingml/2006/main" xmlns:r="http://schemas.openxmlformats.org/officeDocument/2006/relationships" xmlns:p="http://schemas.openxmlformats.org/presentationml/2006/main">
-  <p:cSld>
-    <p:spTree>
-      <p:nvGrpSpPr>
-        <p:cNvPr id="1" name=""/>
-        <p:cNvGrpSpPr/>
-        <p:nvPr/>
-      </p:nvGrpSpPr>
-      <p:grpSpPr>
-        <a:xfrm>
-          <a:off x="0" y="0"/>
-          <a:ext cx="0" cy="0"/>
-          <a:chOff x="0" y="0"/>
-          <a:chExt cx="0" cy="0"/>
-        </a:xfrm>
-      </p:grpSpPr>
-      <p:sp>
-        <p:nvSpPr>
-          <p:cNvPr id="2" name="Title 1">
-            <a:extLst>
-              <a:ext uri="{FF2B5EF4-FFF2-40B4-BE49-F238E27FC236}">
-                <a16:creationId xmlns:a16="http://schemas.microsoft.com/office/drawing/2014/main" id="{A8E966EE-4FBD-534E-AAED-6C54465EF91C}"/>
-              </a:ext>
-            </a:extLst>
-          </p:cNvPr>
-          <p:cNvSpPr>
-            <a:spLocks noGrp="1"/>
-          </p:cNvSpPr>
-          <p:nvPr>
-            <p:ph type="title"/>
-          </p:nvPr>
-        </p:nvSpPr>
-        <p:spPr>
-          <a:xfrm>
-            <a:off x="1028699" y="381000"/>
-            <a:ext cx="10086976" cy="1263352"/>
-          </a:xfrm>
-        </p:spPr>
-        <p:txBody>
-          <a:bodyPr/>
-          <a:lstStyle/>
-          <a:p>
-            <a:r>
-              <a:rPr lang="en-US" dirty="0"/>
-              <a:t>Anomaly Detection Framework</a:t>
-            </a:r>
-            <a:br>
-              <a:rPr lang="en-US" dirty="0"/>
-            </a:br>
-            <a:r>
-              <a:rPr lang="en-US" sz="3000" dirty="0"/>
-              <a:t>Additional Slides</a:t>
-            </a:r>
-          </a:p>
-        </p:txBody>
-      </p:sp>
-      <p:sp>
-        <p:nvSpPr>
-          <p:cNvPr id="3" name="Content Placeholder 2">
-            <a:extLst>
-              <a:ext uri="{FF2B5EF4-FFF2-40B4-BE49-F238E27FC236}">
-                <a16:creationId xmlns:a16="http://schemas.microsoft.com/office/drawing/2014/main" id="{0EC737E2-1EBF-6244-8E0A-274D170CCCE9}"/>
-              </a:ext>
-            </a:extLst>
-          </p:cNvPr>
-          <p:cNvSpPr>
-            <a:spLocks noGrp="1"/>
-          </p:cNvSpPr>
-          <p:nvPr>
-            <p:ph sz="half" idx="1"/>
-          </p:nvPr>
-        </p:nvSpPr>
-        <p:spPr>
-          <a:xfrm>
-            <a:off x="1028699" y="2183101"/>
-            <a:ext cx="9791700" cy="3741837"/>
-          </a:xfrm>
-        </p:spPr>
-        <p:txBody>
-          <a:bodyPr/>
-          <a:lstStyle/>
-          <a:p>
-            <a:pPr marL="285750" indent="-285750">
-              <a:buFont typeface="Arial" panose="020B0604020202020204" pitchFamily="34" charset="0"/>
-              <a:buChar char="•"/>
-            </a:pPr>
-            <a:endParaRPr lang="en-US" dirty="0"/>
-          </a:p>
-          <a:p>
-            <a:pPr marL="342900" indent="-342900">
-              <a:buFont typeface="Arial" panose="020B0604020202020204" pitchFamily="34" charset="0"/>
-              <a:buChar char="•"/>
-            </a:pPr>
-            <a:endParaRPr lang="en-US" sz="2400" dirty="0"/>
-          </a:p>
-        </p:txBody>
-      </p:sp>
-      <p:sp>
-        <p:nvSpPr>
-          <p:cNvPr id="4" name="Date Placeholder 3">
-            <a:extLst>
-              <a:ext uri="{FF2B5EF4-FFF2-40B4-BE49-F238E27FC236}">
-                <a16:creationId xmlns:a16="http://schemas.microsoft.com/office/drawing/2014/main" id="{D8E5B39E-73CB-4B96-BBFA-E350F71F2E1F}"/>
-              </a:ext>
-            </a:extLst>
-          </p:cNvPr>
-          <p:cNvSpPr>
-            <a:spLocks noGrp="1"/>
-          </p:cNvSpPr>
-          <p:nvPr>
-            <p:ph type="dt" sz="half" idx="11"/>
-          </p:nvPr>
-        </p:nvSpPr>
-        <p:spPr>
-          <a:xfrm>
-            <a:off x="9830818" y="6292334"/>
-            <a:ext cx="1522982" cy="182880"/>
-          </a:xfrm>
-        </p:spPr>
-        <p:txBody>
-          <a:bodyPr/>
-          <a:lstStyle/>
-          <a:p>
-            <a:r>
-              <a:rPr lang="en-US" dirty="0"/>
-              <a:t>June 15, 2021</a:t>
-            </a:r>
-          </a:p>
-        </p:txBody>
-      </p:sp>
-      <p:sp>
-        <p:nvSpPr>
-          <p:cNvPr id="5" name="Footer Placeholder 4">
-            <a:extLst>
-              <a:ext uri="{FF2B5EF4-FFF2-40B4-BE49-F238E27FC236}">
-                <a16:creationId xmlns:a16="http://schemas.microsoft.com/office/drawing/2014/main" id="{CD9C25C0-C28C-43A9-A830-FCBFC8BAA610}"/>
-              </a:ext>
-            </a:extLst>
-          </p:cNvPr>
-          <p:cNvSpPr>
-            <a:spLocks noGrp="1"/>
-          </p:cNvSpPr>
-          <p:nvPr>
-            <p:ph type="ftr" sz="quarter" idx="12"/>
-          </p:nvPr>
-        </p:nvSpPr>
-        <p:spPr>
-          <a:xfrm>
-            <a:off x="8298180" y="6294120"/>
-            <a:ext cx="1462788" cy="182880"/>
-          </a:xfrm>
-        </p:spPr>
-        <p:txBody>
-          <a:bodyPr/>
-          <a:lstStyle/>
-          <a:p>
-            <a:r>
-              <a:rPr lang="en-US" dirty="0">
-                <a:solidFill>
-                  <a:schemeClr val="bg1"/>
-                </a:solidFill>
-              </a:rPr>
-              <a:t>Week 7 Status</a:t>
-            </a:r>
-          </a:p>
-        </p:txBody>
-      </p:sp>
-      <p:sp>
-        <p:nvSpPr>
-          <p:cNvPr id="6" name="Slide Number Placeholder 5">
-            <a:extLst>
-              <a:ext uri="{FF2B5EF4-FFF2-40B4-BE49-F238E27FC236}">
-                <a16:creationId xmlns:a16="http://schemas.microsoft.com/office/drawing/2014/main" id="{2ADE5F9E-39DA-49B7-8AA0-FF8E2B15DEEB}"/>
-              </a:ext>
-            </a:extLst>
-          </p:cNvPr>
-          <p:cNvSpPr>
-            <a:spLocks noGrp="1"/>
-          </p:cNvSpPr>
-          <p:nvPr>
-            <p:ph type="sldNum" sz="quarter" idx="13"/>
-          </p:nvPr>
-        </p:nvSpPr>
-        <p:spPr>
-          <a:xfrm>
-            <a:off x="11493500" y="6292334"/>
-            <a:ext cx="412750" cy="182880"/>
-          </a:xfrm>
-        </p:spPr>
-        <p:txBody>
-          <a:bodyPr/>
-          <a:lstStyle/>
-          <a:p>
-            <a:fld id="{7782931A-7D25-4B4B-9464-57AE418934A3}" type="slidenum">
-              <a:rPr lang="en-US" smtClean="0"/>
-              <a:pPr/>
-              <a:t>20</a:t>
-            </a:fld>
-            <a:endParaRPr lang="en-US"/>
-          </a:p>
-        </p:txBody>
-      </p:sp>
-      <p:sp>
-        <p:nvSpPr>
-          <p:cNvPr id="8" name="TextBox 7">
-            <a:extLst>
-              <a:ext uri="{FF2B5EF4-FFF2-40B4-BE49-F238E27FC236}">
-                <a16:creationId xmlns:a16="http://schemas.microsoft.com/office/drawing/2014/main" id="{808E8157-3E0E-42DF-9E9A-A926EBC55C90}"/>
-              </a:ext>
-            </a:extLst>
-          </p:cNvPr>
-          <p:cNvSpPr txBox="1"/>
-          <p:nvPr/>
-        </p:nvSpPr>
-        <p:spPr>
-          <a:xfrm>
-            <a:off x="961644" y="2189176"/>
-            <a:ext cx="9302097" cy="1631216"/>
-          </a:xfrm>
-          <a:prstGeom prst="rect">
-            <a:avLst/>
-          </a:prstGeom>
-          <a:noFill/>
-        </p:spPr>
-        <p:txBody>
-          <a:bodyPr wrap="square" rtlCol="0">
-            <a:spAutoFit/>
-          </a:bodyPr>
-          <a:lstStyle/>
-          <a:p>
-            <a:pPr marL="285750" indent="-285750">
-              <a:buFont typeface="Arial" panose="020B0604020202020204" pitchFamily="34" charset="0"/>
-              <a:buChar char="•"/>
-            </a:pPr>
-            <a:r>
-              <a:rPr lang="en-US" sz="2000" dirty="0">
-                <a:solidFill>
-                  <a:schemeClr val="bg1"/>
-                </a:solidFill>
-              </a:rPr>
-              <a:t>Anomaly detection model are trained and parameters stored</a:t>
-            </a:r>
-          </a:p>
-          <a:p>
-            <a:pPr marL="285750" indent="-285750">
-              <a:buFont typeface="Arial" panose="020B0604020202020204" pitchFamily="34" charset="0"/>
-              <a:buChar char="•"/>
-            </a:pPr>
-            <a:r>
-              <a:rPr lang="en-US" sz="2000" dirty="0">
-                <a:solidFill>
-                  <a:schemeClr val="bg1"/>
-                </a:solidFill>
-              </a:rPr>
-              <a:t>Anomaly detector only reads latest points and uses stored parameters</a:t>
-            </a:r>
-          </a:p>
-          <a:p>
-            <a:endParaRPr lang="en-US" sz="1400" dirty="0">
-              <a:solidFill>
-                <a:schemeClr val="bg1"/>
-              </a:solidFill>
-            </a:endParaRPr>
-          </a:p>
-          <a:p>
-            <a:pPr marL="285750" indent="-285750">
-              <a:buFont typeface="Arial" panose="020B0604020202020204" pitchFamily="34" charset="0"/>
-              <a:buChar char="•"/>
-            </a:pPr>
-            <a:endParaRPr lang="en-US" sz="1400" dirty="0">
-              <a:solidFill>
-                <a:schemeClr val="bg1"/>
-              </a:solidFill>
-            </a:endParaRPr>
-          </a:p>
-          <a:p>
-            <a:endParaRPr lang="en-US" sz="1400" dirty="0">
-              <a:solidFill>
-                <a:schemeClr val="bg1"/>
-              </a:solidFill>
-            </a:endParaRPr>
-          </a:p>
-          <a:p>
-            <a:endParaRPr lang="en-US" dirty="0">
-              <a:solidFill>
-                <a:schemeClr val="bg1"/>
-              </a:solidFill>
-            </a:endParaRPr>
-          </a:p>
-        </p:txBody>
-      </p:sp>
-      <p:grpSp>
-        <p:nvGrpSpPr>
-          <p:cNvPr id="9" name="Group 8">
-            <a:extLst>
-              <a:ext uri="{FF2B5EF4-FFF2-40B4-BE49-F238E27FC236}">
-                <a16:creationId xmlns:a16="http://schemas.microsoft.com/office/drawing/2014/main" id="{7387EB89-2BE6-4097-BC77-DEFD36AF8502}"/>
-              </a:ext>
-            </a:extLst>
-          </p:cNvPr>
-          <p:cNvGrpSpPr/>
-          <p:nvPr/>
-        </p:nvGrpSpPr>
-        <p:grpSpPr>
-          <a:xfrm>
-            <a:off x="9728308" y="3614762"/>
-            <a:ext cx="1303724" cy="1709083"/>
-            <a:chOff x="9688124" y="4298015"/>
-            <a:chExt cx="1303724" cy="1709083"/>
-          </a:xfrm>
-        </p:grpSpPr>
-        <p:cxnSp>
-          <p:nvCxnSpPr>
-            <p:cNvPr id="11" name="Straight Arrow Connector 10">
-              <a:extLst>
-                <a:ext uri="{FF2B5EF4-FFF2-40B4-BE49-F238E27FC236}">
-                  <a16:creationId xmlns:a16="http://schemas.microsoft.com/office/drawing/2014/main" id="{1FBCAD4F-4712-4118-ABE5-C22203F0DB03}"/>
-                </a:ext>
-              </a:extLst>
-            </p:cNvPr>
-            <p:cNvCxnSpPr>
-              <a:cxnSpLocks/>
-            </p:cNvCxnSpPr>
-            <p:nvPr/>
-          </p:nvCxnSpPr>
-          <p:spPr>
-            <a:xfrm>
-              <a:off x="9879408" y="4598136"/>
-              <a:ext cx="867410" cy="2571"/>
-            </a:xfrm>
-            <a:prstGeom prst="straightConnector1">
-              <a:avLst/>
-            </a:prstGeom>
-            <a:ln>
-              <a:tailEnd type="triangle"/>
-            </a:ln>
-          </p:spPr>
-          <p:style>
-            <a:lnRef idx="1">
-              <a:schemeClr val="accent1"/>
-            </a:lnRef>
-            <a:fillRef idx="0">
-              <a:schemeClr val="accent1"/>
-            </a:fillRef>
-            <a:effectRef idx="0">
-              <a:schemeClr val="accent1"/>
-            </a:effectRef>
-            <a:fontRef idx="minor">
-              <a:schemeClr val="tx1"/>
-            </a:fontRef>
-          </p:style>
-        </p:cxnSp>
-        <p:cxnSp>
-          <p:nvCxnSpPr>
-            <p:cNvPr id="12" name="Straight Arrow Connector 11">
-              <a:extLst>
-                <a:ext uri="{FF2B5EF4-FFF2-40B4-BE49-F238E27FC236}">
-                  <a16:creationId xmlns:a16="http://schemas.microsoft.com/office/drawing/2014/main" id="{00D113CF-8C33-4CB0-8CE3-BEC93192C429}"/>
-                </a:ext>
-              </a:extLst>
-            </p:cNvPr>
-            <p:cNvCxnSpPr>
-              <a:cxnSpLocks/>
-            </p:cNvCxnSpPr>
-            <p:nvPr/>
-          </p:nvCxnSpPr>
-          <p:spPr>
-            <a:xfrm>
-              <a:off x="9874756" y="5343257"/>
-              <a:ext cx="855291" cy="0"/>
-            </a:xfrm>
-            <a:prstGeom prst="straightConnector1">
-              <a:avLst/>
-            </a:prstGeom>
-            <a:ln>
-              <a:solidFill>
-                <a:schemeClr val="accent6">
-                  <a:lumMod val="75000"/>
-                </a:schemeClr>
-              </a:solidFill>
-              <a:prstDash val="solid"/>
-              <a:tailEnd type="triangle"/>
-            </a:ln>
-          </p:spPr>
-          <p:style>
-            <a:lnRef idx="1">
-              <a:schemeClr val="accent1"/>
-            </a:lnRef>
-            <a:fillRef idx="0">
-              <a:schemeClr val="accent1"/>
-            </a:fillRef>
-            <a:effectRef idx="0">
-              <a:schemeClr val="accent1"/>
-            </a:effectRef>
-            <a:fontRef idx="minor">
-              <a:schemeClr val="tx1"/>
-            </a:fontRef>
-          </p:style>
-        </p:cxnSp>
-        <p:sp>
-          <p:nvSpPr>
-            <p:cNvPr id="13" name="TextBox 12">
-              <a:extLst>
-                <a:ext uri="{FF2B5EF4-FFF2-40B4-BE49-F238E27FC236}">
-                  <a16:creationId xmlns:a16="http://schemas.microsoft.com/office/drawing/2014/main" id="{9FD2B373-B242-4528-B7CA-973A636FAFF1}"/>
-                </a:ext>
-              </a:extLst>
-            </p:cNvPr>
-            <p:cNvSpPr txBox="1"/>
-            <p:nvPr/>
-          </p:nvSpPr>
-          <p:spPr>
-            <a:xfrm>
-              <a:off x="9820578" y="4354486"/>
-              <a:ext cx="651249" cy="246221"/>
-            </a:xfrm>
-            <a:prstGeom prst="rect">
-              <a:avLst/>
-            </a:prstGeom>
-            <a:noFill/>
-          </p:spPr>
-          <p:txBody>
-            <a:bodyPr wrap="square" rtlCol="0">
-              <a:spAutoFit/>
-            </a:bodyPr>
-            <a:lstStyle/>
-            <a:p>
-              <a:r>
-                <a:rPr lang="en-US" sz="1000" b="1" dirty="0">
-                  <a:solidFill>
-                    <a:schemeClr val="bg1"/>
-                  </a:solidFill>
-                </a:rPr>
-                <a:t>Raw</a:t>
-              </a:r>
-            </a:p>
-          </p:txBody>
-        </p:sp>
-        <p:sp>
-          <p:nvSpPr>
-            <p:cNvPr id="14" name="TextBox 13">
-              <a:extLst>
-                <a:ext uri="{FF2B5EF4-FFF2-40B4-BE49-F238E27FC236}">
-                  <a16:creationId xmlns:a16="http://schemas.microsoft.com/office/drawing/2014/main" id="{947D0050-1ADA-48DB-86A4-6122212BD7EE}"/>
-                </a:ext>
-              </a:extLst>
-            </p:cNvPr>
-            <p:cNvSpPr txBox="1"/>
-            <p:nvPr/>
-          </p:nvSpPr>
-          <p:spPr>
-            <a:xfrm>
-              <a:off x="9830818" y="4668090"/>
-              <a:ext cx="651249" cy="246221"/>
-            </a:xfrm>
-            <a:prstGeom prst="rect">
-              <a:avLst/>
-            </a:prstGeom>
-            <a:noFill/>
-          </p:spPr>
-          <p:txBody>
-            <a:bodyPr wrap="square" rtlCol="0">
-              <a:spAutoFit/>
-            </a:bodyPr>
-            <a:lstStyle/>
-            <a:p>
-              <a:r>
-                <a:rPr lang="en-US" sz="1000" b="1" dirty="0">
-                  <a:solidFill>
-                    <a:schemeClr val="bg1"/>
-                  </a:solidFill>
-                </a:rPr>
-                <a:t>Parsed</a:t>
-              </a:r>
-            </a:p>
-          </p:txBody>
-        </p:sp>
-        <p:sp>
-          <p:nvSpPr>
-            <p:cNvPr id="15" name="TextBox 14">
-              <a:extLst>
-                <a:ext uri="{FF2B5EF4-FFF2-40B4-BE49-F238E27FC236}">
-                  <a16:creationId xmlns:a16="http://schemas.microsoft.com/office/drawing/2014/main" id="{C41C77EA-8062-4694-B48B-B949B41F15A5}"/>
-                </a:ext>
-              </a:extLst>
-            </p:cNvPr>
-            <p:cNvSpPr txBox="1"/>
-            <p:nvPr/>
-          </p:nvSpPr>
-          <p:spPr>
-            <a:xfrm>
-              <a:off x="9820578" y="5063083"/>
-              <a:ext cx="926240" cy="246221"/>
-            </a:xfrm>
-            <a:prstGeom prst="rect">
-              <a:avLst/>
-            </a:prstGeom>
-            <a:noFill/>
-          </p:spPr>
-          <p:txBody>
-            <a:bodyPr wrap="square" rtlCol="0">
-              <a:spAutoFit/>
-            </a:bodyPr>
-            <a:lstStyle/>
-            <a:p>
-              <a:r>
-                <a:rPr lang="en-US" sz="1000" b="1" dirty="0">
-                  <a:solidFill>
-                    <a:schemeClr val="bg1"/>
-                  </a:solidFill>
-                </a:rPr>
-                <a:t>Detected</a:t>
-              </a:r>
-            </a:p>
-          </p:txBody>
-        </p:sp>
-        <p:sp>
-          <p:nvSpPr>
-            <p:cNvPr id="16" name="Rectangle 15">
-              <a:extLst>
-                <a:ext uri="{FF2B5EF4-FFF2-40B4-BE49-F238E27FC236}">
-                  <a16:creationId xmlns:a16="http://schemas.microsoft.com/office/drawing/2014/main" id="{2771F5C5-F768-472A-A2AF-162B94EA4EE8}"/>
-                </a:ext>
-              </a:extLst>
-            </p:cNvPr>
-            <p:cNvSpPr/>
-            <p:nvPr/>
-          </p:nvSpPr>
-          <p:spPr>
-            <a:xfrm>
-              <a:off x="9688124" y="4298015"/>
-              <a:ext cx="1303724" cy="1709083"/>
-            </a:xfrm>
-            <a:prstGeom prst="rect">
-              <a:avLst/>
-            </a:prstGeom>
-            <a:noFill/>
-            <a:ln>
-              <a:solidFill>
-                <a:schemeClr val="bg1"/>
-              </a:solidFill>
-            </a:ln>
-          </p:spPr>
-          <p:style>
-            <a:lnRef idx="2">
-              <a:schemeClr val="accent1">
-                <a:shade val="50000"/>
-              </a:schemeClr>
-            </a:lnRef>
-            <a:fillRef idx="1">
-              <a:schemeClr val="accent1"/>
-            </a:fillRef>
-            <a:effectRef idx="0">
-              <a:schemeClr val="accent1"/>
-            </a:effectRef>
-            <a:fontRef idx="minor">
-              <a:schemeClr val="lt1"/>
-            </a:fontRef>
-          </p:style>
-          <p:txBody>
-            <a:bodyPr rtlCol="0" anchor="ctr"/>
-            <a:lstStyle/>
-            <a:p>
-              <a:pPr algn="ctr"/>
-              <a:endParaRPr lang="en-US"/>
-            </a:p>
-          </p:txBody>
-        </p:sp>
-        <p:cxnSp>
-          <p:nvCxnSpPr>
-            <p:cNvPr id="17" name="Straight Arrow Connector 16">
-              <a:extLst>
-                <a:ext uri="{FF2B5EF4-FFF2-40B4-BE49-F238E27FC236}">
-                  <a16:creationId xmlns:a16="http://schemas.microsoft.com/office/drawing/2014/main" id="{E97C7903-2659-486E-A829-5BADB050E6F4}"/>
-                </a:ext>
-              </a:extLst>
-            </p:cNvPr>
-            <p:cNvCxnSpPr>
-              <a:cxnSpLocks/>
-            </p:cNvCxnSpPr>
-            <p:nvPr/>
-          </p:nvCxnSpPr>
-          <p:spPr>
-            <a:xfrm>
-              <a:off x="9886721" y="5885667"/>
-              <a:ext cx="860097" cy="0"/>
-            </a:xfrm>
-            <a:prstGeom prst="straightConnector1">
-              <a:avLst/>
-            </a:prstGeom>
-            <a:ln>
-              <a:solidFill>
-                <a:schemeClr val="bg1"/>
-              </a:solidFill>
-              <a:prstDash val="solid"/>
-              <a:tailEnd type="triangle"/>
-            </a:ln>
-          </p:spPr>
-          <p:style>
-            <a:lnRef idx="1">
-              <a:schemeClr val="accent1"/>
-            </a:lnRef>
-            <a:fillRef idx="0">
-              <a:schemeClr val="accent1"/>
-            </a:fillRef>
-            <a:effectRef idx="0">
-              <a:schemeClr val="accent1"/>
-            </a:effectRef>
-            <a:fontRef idx="minor">
-              <a:schemeClr val="tx1"/>
-            </a:fontRef>
-          </p:style>
-        </p:cxnSp>
-        <p:sp>
-          <p:nvSpPr>
-            <p:cNvPr id="18" name="TextBox 17">
-              <a:extLst>
-                <a:ext uri="{FF2B5EF4-FFF2-40B4-BE49-F238E27FC236}">
-                  <a16:creationId xmlns:a16="http://schemas.microsoft.com/office/drawing/2014/main" id="{F0201B70-E088-4444-91E2-4142C743752F}"/>
-                </a:ext>
-              </a:extLst>
-            </p:cNvPr>
-            <p:cNvSpPr txBox="1"/>
-            <p:nvPr/>
-          </p:nvSpPr>
-          <p:spPr>
-            <a:xfrm>
-              <a:off x="9820578" y="5453149"/>
-              <a:ext cx="926240" cy="400110"/>
-            </a:xfrm>
-            <a:prstGeom prst="rect">
-              <a:avLst/>
-            </a:prstGeom>
-            <a:noFill/>
-          </p:spPr>
-          <p:txBody>
-            <a:bodyPr wrap="square" rtlCol="0">
-              <a:spAutoFit/>
-            </a:bodyPr>
-            <a:lstStyle/>
-            <a:p>
-              <a:r>
-                <a:rPr lang="en-US" sz="1000" b="1" dirty="0">
-                  <a:solidFill>
-                    <a:schemeClr val="bg1"/>
-                  </a:solidFill>
-                </a:rPr>
-                <a:t>Train Parameters</a:t>
-              </a:r>
-            </a:p>
-          </p:txBody>
-        </p:sp>
-        <p:cxnSp>
-          <p:nvCxnSpPr>
-            <p:cNvPr id="19" name="Straight Arrow Connector 18">
-              <a:extLst>
-                <a:ext uri="{FF2B5EF4-FFF2-40B4-BE49-F238E27FC236}">
-                  <a16:creationId xmlns:a16="http://schemas.microsoft.com/office/drawing/2014/main" id="{0B06E592-4ADE-4A9F-81BA-3584A59B46B2}"/>
-                </a:ext>
-              </a:extLst>
-            </p:cNvPr>
-            <p:cNvCxnSpPr>
-              <a:cxnSpLocks/>
-            </p:cNvCxnSpPr>
-            <p:nvPr/>
-          </p:nvCxnSpPr>
-          <p:spPr>
-            <a:xfrm>
-              <a:off x="9862637" y="4991381"/>
-              <a:ext cx="867410" cy="2571"/>
-            </a:xfrm>
-            <a:prstGeom prst="straightConnector1">
-              <a:avLst/>
-            </a:prstGeom>
-            <a:ln>
-              <a:solidFill>
-                <a:schemeClr val="tx2"/>
-              </a:solidFill>
-              <a:tailEnd type="triangle"/>
-            </a:ln>
-          </p:spPr>
-          <p:style>
-            <a:lnRef idx="1">
-              <a:schemeClr val="accent1"/>
-            </a:lnRef>
-            <a:fillRef idx="0">
-              <a:schemeClr val="accent1"/>
-            </a:fillRef>
-            <a:effectRef idx="0">
-              <a:schemeClr val="accent1"/>
-            </a:effectRef>
-            <a:fontRef idx="minor">
-              <a:schemeClr val="tx1"/>
-            </a:fontRef>
-          </p:style>
-        </p:cxnSp>
-      </p:grpSp>
-      <p:grpSp>
-        <p:nvGrpSpPr>
-          <p:cNvPr id="20" name="Group 19">
-            <a:extLst>
-              <a:ext uri="{FF2B5EF4-FFF2-40B4-BE49-F238E27FC236}">
-                <a16:creationId xmlns:a16="http://schemas.microsoft.com/office/drawing/2014/main" id="{ECB2E87A-2633-4B05-AC38-8ACA89917191}"/>
-              </a:ext>
-            </a:extLst>
-          </p:cNvPr>
-          <p:cNvGrpSpPr/>
-          <p:nvPr/>
-        </p:nvGrpSpPr>
-        <p:grpSpPr>
-          <a:xfrm>
-            <a:off x="2387065" y="3642212"/>
-            <a:ext cx="7125921" cy="2033223"/>
-            <a:chOff x="2019821" y="3922386"/>
-            <a:chExt cx="7125921" cy="2033223"/>
-          </a:xfrm>
-        </p:grpSpPr>
-        <p:cxnSp>
-          <p:nvCxnSpPr>
-            <p:cNvPr id="21" name="Straight Arrow Connector 20">
-              <a:extLst>
-                <a:ext uri="{FF2B5EF4-FFF2-40B4-BE49-F238E27FC236}">
-                  <a16:creationId xmlns:a16="http://schemas.microsoft.com/office/drawing/2014/main" id="{6C1420A4-9F70-42C8-9E8A-E6FEF9D9AF8B}"/>
-                </a:ext>
-              </a:extLst>
-            </p:cNvPr>
-            <p:cNvCxnSpPr>
-              <a:cxnSpLocks/>
-            </p:cNvCxnSpPr>
-            <p:nvPr/>
-          </p:nvCxnSpPr>
-          <p:spPr>
-            <a:xfrm flipH="1">
-              <a:off x="5490056" y="5483831"/>
-              <a:ext cx="514867" cy="0"/>
-            </a:xfrm>
-            <a:prstGeom prst="straightConnector1">
-              <a:avLst/>
-            </a:prstGeom>
-            <a:ln>
-              <a:solidFill>
-                <a:schemeClr val="accent6">
-                  <a:lumMod val="75000"/>
-                </a:schemeClr>
-              </a:solidFill>
-              <a:tailEnd type="triangle"/>
-            </a:ln>
-          </p:spPr>
-          <p:style>
-            <a:lnRef idx="1">
-              <a:schemeClr val="accent1"/>
-            </a:lnRef>
-            <a:fillRef idx="0">
-              <a:schemeClr val="accent1"/>
-            </a:fillRef>
-            <a:effectRef idx="0">
-              <a:schemeClr val="accent1"/>
-            </a:effectRef>
-            <a:fontRef idx="minor">
-              <a:schemeClr val="tx1"/>
-            </a:fontRef>
-          </p:style>
-        </p:cxnSp>
-        <p:cxnSp>
-          <p:nvCxnSpPr>
-            <p:cNvPr id="22" name="Straight Arrow Connector 21">
-              <a:extLst>
-                <a:ext uri="{FF2B5EF4-FFF2-40B4-BE49-F238E27FC236}">
-                  <a16:creationId xmlns:a16="http://schemas.microsoft.com/office/drawing/2014/main" id="{0FC6D7C0-4A2A-4251-A61F-5EE0EB929924}"/>
-                </a:ext>
-              </a:extLst>
-            </p:cNvPr>
-            <p:cNvCxnSpPr>
-              <a:cxnSpLocks/>
-            </p:cNvCxnSpPr>
-            <p:nvPr/>
-          </p:nvCxnSpPr>
-          <p:spPr>
-            <a:xfrm>
-              <a:off x="5490055" y="5144450"/>
-              <a:ext cx="514867" cy="0"/>
-            </a:xfrm>
-            <a:prstGeom prst="straightConnector1">
-              <a:avLst/>
-            </a:prstGeom>
-            <a:ln>
-              <a:solidFill>
-                <a:schemeClr val="tx2"/>
-              </a:solidFill>
-              <a:tailEnd type="triangle"/>
-            </a:ln>
-          </p:spPr>
-          <p:style>
-            <a:lnRef idx="1">
-              <a:schemeClr val="accent1"/>
-            </a:lnRef>
-            <a:fillRef idx="0">
-              <a:schemeClr val="accent1"/>
-            </a:fillRef>
-            <a:effectRef idx="0">
-              <a:schemeClr val="accent1"/>
-            </a:effectRef>
-            <a:fontRef idx="minor">
-              <a:schemeClr val="tx1"/>
-            </a:fontRef>
-          </p:style>
-        </p:cxnSp>
-        <p:grpSp>
-          <p:nvGrpSpPr>
-            <p:cNvPr id="23" name="Group 22">
-              <a:extLst>
-                <a:ext uri="{FF2B5EF4-FFF2-40B4-BE49-F238E27FC236}">
-                  <a16:creationId xmlns:a16="http://schemas.microsoft.com/office/drawing/2014/main" id="{1101BBD4-2472-4439-B7A6-8EE30DA7361B}"/>
-                </a:ext>
-              </a:extLst>
-            </p:cNvPr>
-            <p:cNvGrpSpPr/>
-            <p:nvPr/>
-          </p:nvGrpSpPr>
-          <p:grpSpPr>
-            <a:xfrm>
-              <a:off x="2019821" y="3922386"/>
-              <a:ext cx="7125921" cy="2033223"/>
-              <a:chOff x="2037513" y="3861139"/>
-              <a:chExt cx="7125921" cy="2033223"/>
-            </a:xfrm>
-          </p:grpSpPr>
-          <p:grpSp>
-            <p:nvGrpSpPr>
-              <p:cNvPr id="24" name="Group 23">
-                <a:extLst>
-                  <a:ext uri="{FF2B5EF4-FFF2-40B4-BE49-F238E27FC236}">
-                    <a16:creationId xmlns:a16="http://schemas.microsoft.com/office/drawing/2014/main" id="{00309FCA-089A-4F64-B60A-C71FE04437E1}"/>
-                  </a:ext>
-                </a:extLst>
-              </p:cNvPr>
-              <p:cNvGrpSpPr/>
-              <p:nvPr/>
-            </p:nvGrpSpPr>
-            <p:grpSpPr>
-              <a:xfrm>
-                <a:off x="2037513" y="4668193"/>
-                <a:ext cx="4733795" cy="1226169"/>
-                <a:chOff x="910938" y="1639039"/>
-                <a:chExt cx="7239986" cy="2067756"/>
-              </a:xfrm>
-            </p:grpSpPr>
-            <p:pic>
-              <p:nvPicPr>
-                <p:cNvPr id="33" name="Graphic 32">
-                  <a:extLst>
-                    <a:ext uri="{FF2B5EF4-FFF2-40B4-BE49-F238E27FC236}">
-                      <a16:creationId xmlns:a16="http://schemas.microsoft.com/office/drawing/2014/main" id="{F29CB977-906A-442B-B10A-9090EAEFE417}"/>
-                    </a:ext>
-                  </a:extLst>
-                </p:cNvPr>
-                <p:cNvPicPr>
-                  <a:picLocks noChangeAspect="1"/>
-                </p:cNvPicPr>
-                <p:nvPr/>
-              </p:nvPicPr>
-              <p:blipFill>
-                <a:blip r:embed="rId2">
-                  <a:extLst>
-                    <a:ext uri="{28A0092B-C50C-407E-A947-70E740481C1C}">
-                      <a14:useLocalDpi xmlns:a14="http://schemas.microsoft.com/office/drawing/2010/main" val="0"/>
-                    </a:ext>
-                    <a:ext uri="{96DAC541-7B7A-43D3-8B79-37D633B846F1}">
-                      <asvg:svgBlip xmlns:asvg="http://schemas.microsoft.com/office/drawing/2016/SVG/main" r:embed="rId3"/>
-                    </a:ext>
-                  </a:extLst>
-                </a:blip>
-                <a:stretch>
-                  <a:fillRect/>
-                </a:stretch>
-              </p:blipFill>
-              <p:spPr>
-                <a:xfrm>
-                  <a:off x="4020846" y="1639039"/>
-                  <a:ext cx="2067756" cy="2067756"/>
-                </a:xfrm>
-                <a:prstGeom prst="rect">
-                  <a:avLst/>
-                </a:prstGeom>
-              </p:spPr>
-            </p:pic>
-            <p:pic>
-              <p:nvPicPr>
-                <p:cNvPr id="34" name="Graphic 33">
-                  <a:extLst>
-                    <a:ext uri="{FF2B5EF4-FFF2-40B4-BE49-F238E27FC236}">
-                      <a16:creationId xmlns:a16="http://schemas.microsoft.com/office/drawing/2014/main" id="{1D13AE09-7DBE-4E54-979B-674CC44FE46F}"/>
-                    </a:ext>
-                  </a:extLst>
-                </p:cNvPr>
-                <p:cNvPicPr>
-                  <a:picLocks noChangeAspect="1"/>
-                </p:cNvPicPr>
-                <p:nvPr/>
-              </p:nvPicPr>
-              <p:blipFill>
-                <a:blip r:embed="rId4">
-                  <a:extLst>
-                    <a:ext uri="{28A0092B-C50C-407E-A947-70E740481C1C}">
-                      <a14:useLocalDpi xmlns:a14="http://schemas.microsoft.com/office/drawing/2010/main" val="0"/>
-                    </a:ext>
-                    <a:ext uri="{96DAC541-7B7A-43D3-8B79-37D633B846F1}">
-                      <asvg:svgBlip xmlns:asvg="http://schemas.microsoft.com/office/drawing/2016/SVG/main" r:embed="rId5"/>
-                    </a:ext>
-                  </a:extLst>
-                </a:blip>
-                <a:stretch>
-                  <a:fillRect/>
-                </a:stretch>
-              </p:blipFill>
-              <p:spPr>
-                <a:xfrm>
-                  <a:off x="1737801" y="1782931"/>
-                  <a:ext cx="1779972" cy="1779972"/>
-                </a:xfrm>
-                <a:prstGeom prst="rect">
-                  <a:avLst/>
-                </a:prstGeom>
-              </p:spPr>
-            </p:pic>
-            <p:pic>
-              <p:nvPicPr>
-                <p:cNvPr id="35" name="Graphic 34">
-                  <a:extLst>
-                    <a:ext uri="{FF2B5EF4-FFF2-40B4-BE49-F238E27FC236}">
-                      <a16:creationId xmlns:a16="http://schemas.microsoft.com/office/drawing/2014/main" id="{4E108B3F-C963-41F6-A5A6-60CF110F4BA7}"/>
-                    </a:ext>
-                  </a:extLst>
-                </p:cNvPr>
-                <p:cNvPicPr>
-                  <a:picLocks noChangeAspect="1"/>
-                </p:cNvPicPr>
-                <p:nvPr/>
-              </p:nvPicPr>
-              <p:blipFill>
-                <a:blip r:embed="rId6">
-                  <a:extLst>
-                    <a:ext uri="{28A0092B-C50C-407E-A947-70E740481C1C}">
-                      <a14:useLocalDpi xmlns:a14="http://schemas.microsoft.com/office/drawing/2010/main" val="0"/>
-                    </a:ext>
-                    <a:ext uri="{96DAC541-7B7A-43D3-8B79-37D633B846F1}">
-                      <asvg:svgBlip xmlns:asvg="http://schemas.microsoft.com/office/drawing/2016/SVG/main" r:embed="rId7"/>
-                    </a:ext>
-                  </a:extLst>
-                </a:blip>
-                <a:stretch>
-                  <a:fillRect/>
-                </a:stretch>
-              </p:blipFill>
-              <p:spPr>
-                <a:xfrm>
-                  <a:off x="7405248" y="2368214"/>
-                  <a:ext cx="745676" cy="745676"/>
-                </a:xfrm>
-                <a:prstGeom prst="rect">
-                  <a:avLst/>
-                </a:prstGeom>
-              </p:spPr>
-            </p:pic>
-            <p:cxnSp>
-              <p:nvCxnSpPr>
-                <p:cNvPr id="36" name="Straight Arrow Connector 35">
-                  <a:extLst>
-                    <a:ext uri="{FF2B5EF4-FFF2-40B4-BE49-F238E27FC236}">
-                      <a16:creationId xmlns:a16="http://schemas.microsoft.com/office/drawing/2014/main" id="{DB0BB539-20FB-4E65-B966-B975F6863D07}"/>
-                    </a:ext>
-                  </a:extLst>
-                </p:cNvPr>
-                <p:cNvCxnSpPr>
-                  <a:cxnSpLocks/>
-                </p:cNvCxnSpPr>
-                <p:nvPr/>
-              </p:nvCxnSpPr>
-              <p:spPr>
-                <a:xfrm>
-                  <a:off x="910938" y="2672916"/>
-                  <a:ext cx="688792" cy="0"/>
-                </a:xfrm>
-                <a:prstGeom prst="straightConnector1">
-                  <a:avLst/>
-                </a:prstGeom>
-                <a:ln>
-                  <a:tailEnd type="triangle"/>
-                </a:ln>
-              </p:spPr>
-              <p:style>
-                <a:lnRef idx="1">
-                  <a:schemeClr val="accent1"/>
-                </a:lnRef>
-                <a:fillRef idx="0">
-                  <a:schemeClr val="accent1"/>
-                </a:fillRef>
-                <a:effectRef idx="0">
-                  <a:schemeClr val="accent1"/>
-                </a:effectRef>
-                <a:fontRef idx="minor">
-                  <a:schemeClr val="tx1"/>
-                </a:fontRef>
-              </p:style>
-            </p:cxnSp>
-            <p:cxnSp>
-              <p:nvCxnSpPr>
-                <p:cNvPr id="37" name="Straight Arrow Connector 36">
-                  <a:extLst>
-                    <a:ext uri="{FF2B5EF4-FFF2-40B4-BE49-F238E27FC236}">
-                      <a16:creationId xmlns:a16="http://schemas.microsoft.com/office/drawing/2014/main" id="{C2CB6E33-0888-4503-981F-E651C236B5D8}"/>
-                    </a:ext>
-                  </a:extLst>
-                </p:cNvPr>
-                <p:cNvCxnSpPr>
-                  <a:cxnSpLocks/>
-                </p:cNvCxnSpPr>
-                <p:nvPr/>
-              </p:nvCxnSpPr>
-              <p:spPr>
-                <a:xfrm>
-                  <a:off x="3517773" y="2656638"/>
-                  <a:ext cx="616257" cy="0"/>
-                </a:xfrm>
-                <a:prstGeom prst="straightConnector1">
-                  <a:avLst/>
-                </a:prstGeom>
-                <a:ln>
-                  <a:solidFill>
-                    <a:schemeClr val="tx2"/>
-                  </a:solidFill>
-                  <a:tailEnd type="triangle"/>
-                </a:ln>
-              </p:spPr>
-              <p:style>
-                <a:lnRef idx="1">
-                  <a:schemeClr val="accent1"/>
-                </a:lnRef>
-                <a:fillRef idx="0">
-                  <a:schemeClr val="accent1"/>
-                </a:fillRef>
-                <a:effectRef idx="0">
-                  <a:schemeClr val="accent1"/>
-                </a:effectRef>
-                <a:fontRef idx="minor">
-                  <a:schemeClr val="tx1"/>
-                </a:fontRef>
-              </p:style>
-            </p:cxnSp>
-          </p:grpSp>
-          <p:pic>
-            <p:nvPicPr>
-              <p:cNvPr id="25" name="Graphic 24">
-                <a:extLst>
-                  <a:ext uri="{FF2B5EF4-FFF2-40B4-BE49-F238E27FC236}">
-                    <a16:creationId xmlns:a16="http://schemas.microsoft.com/office/drawing/2014/main" id="{D0CB135D-C686-48D7-B710-EE0600DAB32A}"/>
-                  </a:ext>
-                </a:extLst>
-              </p:cNvPr>
-              <p:cNvPicPr>
-                <a:picLocks noChangeAspect="1"/>
-              </p:cNvPicPr>
-              <p:nvPr/>
-            </p:nvPicPr>
-            <p:blipFill>
-              <a:blip r:embed="rId6">
-                <a:extLst>
-                  <a:ext uri="{28A0092B-C50C-407E-A947-70E740481C1C}">
-                    <a14:useLocalDpi xmlns:a14="http://schemas.microsoft.com/office/drawing/2010/main" val="0"/>
-                  </a:ext>
-                  <a:ext uri="{96DAC541-7B7A-43D3-8B79-37D633B846F1}">
-                    <asvg:svgBlip xmlns:asvg="http://schemas.microsoft.com/office/drawing/2016/SVG/main" r:embed="rId7"/>
-                  </a:ext>
-                </a:extLst>
-              </a:blip>
-              <a:stretch>
-                <a:fillRect/>
-              </a:stretch>
-            </p:blipFill>
-            <p:spPr>
-              <a:xfrm>
-                <a:off x="4478206" y="3941284"/>
-                <a:ext cx="487553" cy="442182"/>
-              </a:xfrm>
-              <a:prstGeom prst="rect">
-                <a:avLst/>
-              </a:prstGeom>
-            </p:spPr>
-          </p:pic>
-          <p:pic>
-            <p:nvPicPr>
-              <p:cNvPr id="26" name="Graphic 25" descr="Paper">
-                <a:extLst>
-                  <a:ext uri="{FF2B5EF4-FFF2-40B4-BE49-F238E27FC236}">
-                    <a16:creationId xmlns:a16="http://schemas.microsoft.com/office/drawing/2014/main" id="{CEF5DB8B-A1A4-48DA-8CE1-A301E15E64E6}"/>
-                  </a:ext>
-                </a:extLst>
-              </p:cNvPr>
-              <p:cNvPicPr>
-                <a:picLocks noChangeAspect="1"/>
-              </p:cNvPicPr>
-              <p:nvPr/>
-            </p:nvPicPr>
-            <p:blipFill>
-              <a:blip r:embed="rId8">
-                <a:extLst>
-                  <a:ext uri="{28A0092B-C50C-407E-A947-70E740481C1C}">
-                    <a14:useLocalDpi xmlns:a14="http://schemas.microsoft.com/office/drawing/2010/main" val="0"/>
-                  </a:ext>
-                  <a:ext uri="{96DAC541-7B7A-43D3-8B79-37D633B846F1}">
-                    <asvg:svgBlip xmlns:asvg="http://schemas.microsoft.com/office/drawing/2016/SVG/main" r:embed="rId9"/>
-                  </a:ext>
-                </a:extLst>
-              </a:blip>
-              <a:stretch>
-                <a:fillRect/>
-              </a:stretch>
-            </p:blipFill>
-            <p:spPr>
-              <a:xfrm>
-                <a:off x="6178236" y="3861139"/>
-                <a:ext cx="568168" cy="568168"/>
-              </a:xfrm>
-              <a:prstGeom prst="rect">
-                <a:avLst/>
-              </a:prstGeom>
-            </p:spPr>
-          </p:pic>
-          <p:cxnSp>
-            <p:nvCxnSpPr>
-              <p:cNvPr id="27" name="Straight Arrow Connector 26">
-                <a:extLst>
-                  <a:ext uri="{FF2B5EF4-FFF2-40B4-BE49-F238E27FC236}">
-                    <a16:creationId xmlns:a16="http://schemas.microsoft.com/office/drawing/2014/main" id="{31C49C7C-D8C4-431F-B806-6239F4DE9CBB}"/>
-                  </a:ext>
-                </a:extLst>
-              </p:cNvPr>
-              <p:cNvCxnSpPr>
-                <a:cxnSpLocks/>
-              </p:cNvCxnSpPr>
-              <p:nvPr/>
-            </p:nvCxnSpPr>
-            <p:spPr>
-              <a:xfrm flipV="1">
-                <a:off x="5232621" y="4159515"/>
-                <a:ext cx="772301" cy="2860"/>
-              </a:xfrm>
-              <a:prstGeom prst="straightConnector1">
-                <a:avLst/>
-              </a:prstGeom>
-              <a:ln>
-                <a:solidFill>
-                  <a:schemeClr val="bg1"/>
-                </a:solidFill>
-                <a:tailEnd type="triangle"/>
-              </a:ln>
-            </p:spPr>
-            <p:style>
-              <a:lnRef idx="1">
-                <a:schemeClr val="accent1"/>
-              </a:lnRef>
-              <a:fillRef idx="0">
-                <a:schemeClr val="accent1"/>
-              </a:fillRef>
-              <a:effectRef idx="0">
-                <a:schemeClr val="accent1"/>
-              </a:effectRef>
-              <a:fontRef idx="minor">
-                <a:schemeClr val="tx1"/>
-              </a:fontRef>
-            </p:style>
-          </p:cxnSp>
-          <p:cxnSp>
-            <p:nvCxnSpPr>
-              <p:cNvPr id="28" name="Straight Arrow Connector 27">
-                <a:extLst>
-                  <a:ext uri="{FF2B5EF4-FFF2-40B4-BE49-F238E27FC236}">
-                    <a16:creationId xmlns:a16="http://schemas.microsoft.com/office/drawing/2014/main" id="{BE5241BB-AB5C-45F9-8124-8C9B5EA55150}"/>
-                  </a:ext>
-                </a:extLst>
-              </p:cNvPr>
-              <p:cNvCxnSpPr>
-                <a:cxnSpLocks/>
-              </p:cNvCxnSpPr>
-              <p:nvPr/>
-            </p:nvCxnSpPr>
-            <p:spPr>
-              <a:xfrm>
-                <a:off x="6462320" y="4531095"/>
-                <a:ext cx="0" cy="423795"/>
-              </a:xfrm>
-              <a:prstGeom prst="straightConnector1">
-                <a:avLst/>
-              </a:prstGeom>
-              <a:ln>
-                <a:solidFill>
-                  <a:schemeClr val="bg1"/>
-                </a:solidFill>
-                <a:tailEnd type="triangle"/>
-              </a:ln>
-            </p:spPr>
-            <p:style>
-              <a:lnRef idx="1">
-                <a:schemeClr val="accent1"/>
-              </a:lnRef>
-              <a:fillRef idx="0">
-                <a:schemeClr val="accent1"/>
-              </a:fillRef>
-              <a:effectRef idx="0">
-                <a:schemeClr val="accent1"/>
-              </a:effectRef>
-              <a:fontRef idx="minor">
-                <a:schemeClr val="tx1"/>
-              </a:fontRef>
-            </p:style>
-          </p:cxnSp>
-          <p:sp>
-            <p:nvSpPr>
-              <p:cNvPr id="29" name="TextBox 28">
-                <a:extLst>
-                  <a:ext uri="{FF2B5EF4-FFF2-40B4-BE49-F238E27FC236}">
-                    <a16:creationId xmlns:a16="http://schemas.microsoft.com/office/drawing/2014/main" id="{ACD994DB-B223-45B5-BE4D-DADDB644B2C1}"/>
-                  </a:ext>
-                </a:extLst>
-              </p:cNvPr>
-              <p:cNvSpPr txBox="1"/>
-              <p:nvPr/>
-            </p:nvSpPr>
-            <p:spPr>
-              <a:xfrm>
-                <a:off x="6811490" y="4040331"/>
-                <a:ext cx="2351944" cy="276999"/>
-              </a:xfrm>
-              <a:prstGeom prst="rect">
-                <a:avLst/>
-              </a:prstGeom>
-              <a:noFill/>
-            </p:spPr>
-            <p:txBody>
-              <a:bodyPr wrap="square" rtlCol="0">
-                <a:spAutoFit/>
-              </a:bodyPr>
-              <a:lstStyle/>
-              <a:p>
-                <a:r>
-                  <a:rPr lang="en-US" sz="1200" dirty="0">
-                    <a:solidFill>
-                      <a:schemeClr val="bg1"/>
-                    </a:solidFill>
-                  </a:rPr>
-                  <a:t>Model Parameters Stored</a:t>
-                </a:r>
-              </a:p>
-            </p:txBody>
-          </p:sp>
-          <p:sp>
-            <p:nvSpPr>
-              <p:cNvPr id="30" name="TextBox 29">
-                <a:extLst>
-                  <a:ext uri="{FF2B5EF4-FFF2-40B4-BE49-F238E27FC236}">
-                    <a16:creationId xmlns:a16="http://schemas.microsoft.com/office/drawing/2014/main" id="{8099FDEF-4CF1-4D38-A2A8-7A64CE47F77A}"/>
-                  </a:ext>
-                </a:extLst>
-              </p:cNvPr>
-              <p:cNvSpPr txBox="1"/>
-              <p:nvPr/>
-            </p:nvSpPr>
-            <p:spPr>
-              <a:xfrm>
-                <a:off x="6811490" y="5173187"/>
-                <a:ext cx="2351944" cy="276999"/>
-              </a:xfrm>
-              <a:prstGeom prst="rect">
-                <a:avLst/>
-              </a:prstGeom>
-              <a:noFill/>
-            </p:spPr>
-            <p:txBody>
-              <a:bodyPr wrap="square" rtlCol="0">
-                <a:spAutoFit/>
-              </a:bodyPr>
-              <a:lstStyle/>
-              <a:p>
-                <a:r>
-                  <a:rPr lang="en-US" sz="1200" dirty="0">
-                    <a:solidFill>
-                      <a:schemeClr val="bg1"/>
-                    </a:solidFill>
-                  </a:rPr>
-                  <a:t>Continuous Read/Detect/Write</a:t>
-                </a:r>
-              </a:p>
-            </p:txBody>
-          </p:sp>
-          <p:sp>
-            <p:nvSpPr>
-              <p:cNvPr id="31" name="TextBox 30">
-                <a:extLst>
-                  <a:ext uri="{FF2B5EF4-FFF2-40B4-BE49-F238E27FC236}">
-                    <a16:creationId xmlns:a16="http://schemas.microsoft.com/office/drawing/2014/main" id="{DD4EECC7-F6BA-491A-B91D-45C9184A9B6C}"/>
-                  </a:ext>
-                </a:extLst>
-              </p:cNvPr>
-              <p:cNvSpPr txBox="1"/>
-              <p:nvPr/>
-            </p:nvSpPr>
-            <p:spPr>
-              <a:xfrm>
-                <a:off x="2737869" y="3957302"/>
-                <a:ext cx="1627367" cy="461665"/>
-              </a:xfrm>
-              <a:prstGeom prst="rect">
-                <a:avLst/>
-              </a:prstGeom>
-              <a:noFill/>
-            </p:spPr>
-            <p:txBody>
-              <a:bodyPr wrap="square" rtlCol="0">
-                <a:spAutoFit/>
-              </a:bodyPr>
-              <a:lstStyle/>
-              <a:p>
-                <a:r>
-                  <a:rPr lang="en-US" sz="1200" dirty="0">
-                    <a:solidFill>
-                      <a:schemeClr val="bg1"/>
-                    </a:solidFill>
-                  </a:rPr>
-                  <a:t>Run Weekly/Monthly to Update Model</a:t>
-                </a:r>
-              </a:p>
-            </p:txBody>
-          </p:sp>
-          <p:cxnSp>
-            <p:nvCxnSpPr>
-              <p:cNvPr id="32" name="Straight Arrow Connector 31">
-                <a:extLst>
-                  <a:ext uri="{FF2B5EF4-FFF2-40B4-BE49-F238E27FC236}">
-                    <a16:creationId xmlns:a16="http://schemas.microsoft.com/office/drawing/2014/main" id="{023D2461-AD83-4D17-BA7E-95FC870746FC}"/>
-                  </a:ext>
-                </a:extLst>
-              </p:cNvPr>
-              <p:cNvCxnSpPr>
-                <a:cxnSpLocks/>
-              </p:cNvCxnSpPr>
-              <p:nvPr/>
-            </p:nvCxnSpPr>
-            <p:spPr>
-              <a:xfrm flipV="1">
-                <a:off x="4721982" y="4531096"/>
-                <a:ext cx="1" cy="496396"/>
-              </a:xfrm>
-              <a:prstGeom prst="straightConnector1">
-                <a:avLst/>
-              </a:prstGeom>
-              <a:ln>
-                <a:solidFill>
-                  <a:schemeClr val="bg1"/>
-                </a:solidFill>
-                <a:tailEnd type="triangle"/>
-              </a:ln>
-            </p:spPr>
-            <p:style>
-              <a:lnRef idx="1">
-                <a:schemeClr val="accent1"/>
-              </a:lnRef>
-              <a:fillRef idx="0">
-                <a:schemeClr val="accent1"/>
-              </a:fillRef>
-              <a:effectRef idx="0">
-                <a:schemeClr val="accent1"/>
-              </a:effectRef>
-              <a:fontRef idx="minor">
-                <a:schemeClr val="tx1"/>
-              </a:fontRef>
-            </p:style>
-          </p:cxnSp>
-        </p:grpSp>
-      </p:grpSp>
-      <p:pic>
-        <p:nvPicPr>
-          <p:cNvPr id="38" name="Picture 37">
-            <a:extLst>
-              <a:ext uri="{FF2B5EF4-FFF2-40B4-BE49-F238E27FC236}">
-                <a16:creationId xmlns:a16="http://schemas.microsoft.com/office/drawing/2014/main" id="{A9FBBC96-EA86-4875-BA41-F933951FCF47}"/>
-              </a:ext>
-            </a:extLst>
-          </p:cNvPr>
-          <p:cNvPicPr>
-            <a:picLocks noChangeAspect="1"/>
-          </p:cNvPicPr>
-          <p:nvPr/>
-        </p:nvPicPr>
-        <p:blipFill>
-          <a:blip r:embed="rId10"/>
-          <a:stretch>
-            <a:fillRect/>
-          </a:stretch>
-        </p:blipFill>
-        <p:spPr>
-          <a:xfrm>
-            <a:off x="1517410" y="4660004"/>
-            <a:ext cx="686922" cy="1277434"/>
-          </a:xfrm>
-          <a:prstGeom prst="rect">
-            <a:avLst/>
-          </a:prstGeom>
-        </p:spPr>
-      </p:pic>
-    </p:spTree>
-    <p:extLst>
-      <p:ext uri="{BB962C8B-B14F-4D97-AF65-F5344CB8AC3E}">
-        <p14:creationId xmlns:p14="http://schemas.microsoft.com/office/powerpoint/2010/main" val="4073950568"/>
-      </p:ext>
-    </p:extLst>
-  </p:cSld>
-  <p:clrMapOvr>
-    <a:masterClrMapping/>
-  </p:clrMapOvr>
-</p:sld>
-</file>
-
-<file path=ppt/slides/slide21.xml><?xml version="1.0" encoding="utf-8"?>
-<p:sld xmlns:a="http://schemas.openxmlformats.org/drawingml/2006/main" xmlns:r="http://schemas.openxmlformats.org/officeDocument/2006/relationships" xmlns:p="http://schemas.openxmlformats.org/presentationml/2006/main">
-  <p:cSld>
-    <p:spTree>
-      <p:nvGrpSpPr>
-        <p:cNvPr id="1" name=""/>
-        <p:cNvGrpSpPr/>
-        <p:nvPr/>
-      </p:nvGrpSpPr>
-      <p:grpSpPr>
-        <a:xfrm>
-          <a:off x="0" y="0"/>
-          <a:ext cx="0" cy="0"/>
-          <a:chOff x="0" y="0"/>
-          <a:chExt cx="0" cy="0"/>
-        </a:xfrm>
-      </p:grpSpPr>
-      <p:sp>
-        <p:nvSpPr>
-          <p:cNvPr id="2" name="Title 1">
-            <a:extLst>
-              <a:ext uri="{FF2B5EF4-FFF2-40B4-BE49-F238E27FC236}">
-                <a16:creationId xmlns:a16="http://schemas.microsoft.com/office/drawing/2014/main" id="{A8E966EE-4FBD-534E-AAED-6C54465EF91C}"/>
-              </a:ext>
-            </a:extLst>
-          </p:cNvPr>
-          <p:cNvSpPr>
-            <a:spLocks noGrp="1"/>
-          </p:cNvSpPr>
-          <p:nvPr>
-            <p:ph type="title"/>
-          </p:nvPr>
-        </p:nvSpPr>
-        <p:spPr>
-          <a:xfrm>
-            <a:off x="1028699" y="381000"/>
-            <a:ext cx="10086976" cy="1263352"/>
-          </a:xfrm>
-        </p:spPr>
-        <p:txBody>
-          <a:bodyPr/>
-          <a:lstStyle/>
-          <a:p>
-            <a:r>
-              <a:rPr lang="en-US" dirty="0"/>
-              <a:t>Pipeline Schematic</a:t>
-            </a:r>
-            <a:br>
-              <a:rPr lang="en-US" dirty="0"/>
-            </a:br>
-            <a:r>
-              <a:rPr lang="en-US" sz="3000" dirty="0"/>
-              <a:t>Additional Slides</a:t>
-            </a:r>
-          </a:p>
-        </p:txBody>
-      </p:sp>
-      <p:sp>
-        <p:nvSpPr>
-          <p:cNvPr id="3" name="Content Placeholder 2">
-            <a:extLst>
-              <a:ext uri="{FF2B5EF4-FFF2-40B4-BE49-F238E27FC236}">
-                <a16:creationId xmlns:a16="http://schemas.microsoft.com/office/drawing/2014/main" id="{0EC737E2-1EBF-6244-8E0A-274D170CCCE9}"/>
-              </a:ext>
-            </a:extLst>
-          </p:cNvPr>
-          <p:cNvSpPr>
-            <a:spLocks noGrp="1"/>
-          </p:cNvSpPr>
-          <p:nvPr>
-            <p:ph sz="half" idx="1"/>
-          </p:nvPr>
-        </p:nvSpPr>
-        <p:spPr>
-          <a:xfrm>
-            <a:off x="1028699" y="2183101"/>
-            <a:ext cx="9791700" cy="3741837"/>
-          </a:xfrm>
-        </p:spPr>
-        <p:txBody>
-          <a:bodyPr/>
-          <a:lstStyle/>
-          <a:p>
-            <a:pPr marL="285750" indent="-285750">
-              <a:buFont typeface="Arial" panose="020B0604020202020204" pitchFamily="34" charset="0"/>
-              <a:buChar char="•"/>
-            </a:pPr>
-            <a:endParaRPr lang="en-US" dirty="0"/>
-          </a:p>
-          <a:p>
-            <a:pPr marL="342900" indent="-342900">
-              <a:buFont typeface="Arial" panose="020B0604020202020204" pitchFamily="34" charset="0"/>
-              <a:buChar char="•"/>
-            </a:pPr>
-            <a:endParaRPr lang="en-US" sz="2400" dirty="0"/>
-          </a:p>
-        </p:txBody>
-      </p:sp>
-      <p:sp>
-        <p:nvSpPr>
-          <p:cNvPr id="4" name="Date Placeholder 3">
-            <a:extLst>
-              <a:ext uri="{FF2B5EF4-FFF2-40B4-BE49-F238E27FC236}">
-                <a16:creationId xmlns:a16="http://schemas.microsoft.com/office/drawing/2014/main" id="{D8E5B39E-73CB-4B96-BBFA-E350F71F2E1F}"/>
-              </a:ext>
-            </a:extLst>
-          </p:cNvPr>
-          <p:cNvSpPr>
-            <a:spLocks noGrp="1"/>
-          </p:cNvSpPr>
-          <p:nvPr>
-            <p:ph type="dt" sz="half" idx="11"/>
-          </p:nvPr>
-        </p:nvSpPr>
-        <p:spPr>
-          <a:xfrm>
-            <a:off x="9830818" y="6292334"/>
-            <a:ext cx="1522982" cy="182880"/>
-          </a:xfrm>
-        </p:spPr>
-        <p:txBody>
-          <a:bodyPr/>
-          <a:lstStyle/>
-          <a:p>
-            <a:r>
-              <a:rPr lang="en-US" dirty="0"/>
-              <a:t>June 15, 2021</a:t>
-            </a:r>
-          </a:p>
-        </p:txBody>
-      </p:sp>
-      <p:sp>
-        <p:nvSpPr>
-          <p:cNvPr id="5" name="Footer Placeholder 4">
-            <a:extLst>
-              <a:ext uri="{FF2B5EF4-FFF2-40B4-BE49-F238E27FC236}">
-                <a16:creationId xmlns:a16="http://schemas.microsoft.com/office/drawing/2014/main" id="{CD9C25C0-C28C-43A9-A830-FCBFC8BAA610}"/>
-              </a:ext>
-            </a:extLst>
-          </p:cNvPr>
-          <p:cNvSpPr>
-            <a:spLocks noGrp="1"/>
-          </p:cNvSpPr>
-          <p:nvPr>
-            <p:ph type="ftr" sz="quarter" idx="12"/>
-          </p:nvPr>
-        </p:nvSpPr>
-        <p:spPr>
-          <a:xfrm>
-            <a:off x="8298180" y="6294120"/>
-            <a:ext cx="1462788" cy="182880"/>
-          </a:xfrm>
-        </p:spPr>
-        <p:txBody>
-          <a:bodyPr/>
-          <a:lstStyle/>
-          <a:p>
-            <a:r>
-              <a:rPr lang="en-US" dirty="0">
-                <a:solidFill>
-                  <a:schemeClr val="bg1"/>
-                </a:solidFill>
-              </a:rPr>
-              <a:t>Week 7 Status</a:t>
-            </a:r>
-          </a:p>
-        </p:txBody>
-      </p:sp>
-      <p:sp>
-        <p:nvSpPr>
-          <p:cNvPr id="6" name="Slide Number Placeholder 5">
-            <a:extLst>
-              <a:ext uri="{FF2B5EF4-FFF2-40B4-BE49-F238E27FC236}">
-                <a16:creationId xmlns:a16="http://schemas.microsoft.com/office/drawing/2014/main" id="{2ADE5F9E-39DA-49B7-8AA0-FF8E2B15DEEB}"/>
-              </a:ext>
-            </a:extLst>
-          </p:cNvPr>
-          <p:cNvSpPr>
-            <a:spLocks noGrp="1"/>
-          </p:cNvSpPr>
-          <p:nvPr>
-            <p:ph type="sldNum" sz="quarter" idx="13"/>
-          </p:nvPr>
-        </p:nvSpPr>
-        <p:spPr>
-          <a:xfrm>
-            <a:off x="11493500" y="6292334"/>
-            <a:ext cx="412750" cy="182880"/>
-          </a:xfrm>
-        </p:spPr>
-        <p:txBody>
-          <a:bodyPr/>
-          <a:lstStyle/>
-          <a:p>
-            <a:fld id="{7782931A-7D25-4B4B-9464-57AE418934A3}" type="slidenum">
-              <a:rPr lang="en-US" smtClean="0"/>
-              <a:pPr/>
-              <a:t>21</a:t>
-            </a:fld>
-            <a:endParaRPr lang="en-US"/>
-          </a:p>
-        </p:txBody>
-      </p:sp>
-      <p:pic>
-        <p:nvPicPr>
-          <p:cNvPr id="8" name="Picture 7">
-            <a:extLst>
-              <a:ext uri="{FF2B5EF4-FFF2-40B4-BE49-F238E27FC236}">
-                <a16:creationId xmlns:a16="http://schemas.microsoft.com/office/drawing/2014/main" id="{891073B6-D958-436F-BCDB-968276C16227}"/>
-              </a:ext>
-            </a:extLst>
-          </p:cNvPr>
-          <p:cNvPicPr>
-            <a:picLocks noChangeAspect="1"/>
-          </p:cNvPicPr>
-          <p:nvPr/>
-        </p:nvPicPr>
-        <p:blipFill>
-          <a:blip r:embed="rId2">
-            <a:extLst>
-              <a:ext uri="{28A0092B-C50C-407E-A947-70E740481C1C}">
-                <a14:useLocalDpi xmlns:a14="http://schemas.microsoft.com/office/drawing/2010/main" val="0"/>
-              </a:ext>
-            </a:extLst>
-          </a:blip>
-          <a:stretch>
-            <a:fillRect/>
-          </a:stretch>
-        </p:blipFill>
-        <p:spPr>
-          <a:xfrm>
-            <a:off x="1590261" y="2030151"/>
-            <a:ext cx="10601739" cy="4077592"/>
-          </a:xfrm>
-          <a:prstGeom prst="rect">
-            <a:avLst/>
-          </a:prstGeom>
-        </p:spPr>
-      </p:pic>
-    </p:spTree>
-    <p:extLst>
-      <p:ext uri="{BB962C8B-B14F-4D97-AF65-F5344CB8AC3E}">
-        <p14:creationId xmlns:p14="http://schemas.microsoft.com/office/powerpoint/2010/main" val="2512557404"/>
-      </p:ext>
-    </p:extLst>
-  </p:cSld>
-  <p:clrMapOvr>
-    <a:masterClrMapping/>
-  </p:clrMapOvr>
-</p:sld>
-</file>
-
 <file path=ppt/slides/slide3.xml><?xml version="1.0" encoding="utf-8"?>
 <p:sld xmlns:a="http://schemas.openxmlformats.org/drawingml/2006/main" xmlns:r="http://schemas.openxmlformats.org/officeDocument/2006/relationships" xmlns:p="http://schemas.openxmlformats.org/presentationml/2006/main">
   <p:cSld>
@@ -15105,6 +13428,76 @@
           </a:p>
         </p:txBody>
       </p:sp>
+      <p:pic>
+        <p:nvPicPr>
+          <p:cNvPr id="7" name="Picture 6" descr="Chart&#10;&#10;Description automatically generated">
+            <a:extLst>
+              <a:ext uri="{FF2B5EF4-FFF2-40B4-BE49-F238E27FC236}">
+                <a16:creationId xmlns:a16="http://schemas.microsoft.com/office/drawing/2014/main" id="{934A1729-3A90-40E7-8EB7-9644CD3B6ADE}"/>
+              </a:ext>
+            </a:extLst>
+          </p:cNvPr>
+          <p:cNvPicPr>
+            <a:picLocks noChangeAspect="1"/>
+          </p:cNvPicPr>
+          <p:nvPr/>
+        </p:nvPicPr>
+        <p:blipFill rotWithShape="1">
+          <a:blip r:embed="rId2">
+            <a:extLst>
+              <a:ext uri="{28A0092B-C50C-407E-A947-70E740481C1C}">
+                <a14:useLocalDpi xmlns:a14="http://schemas.microsoft.com/office/drawing/2010/main" val="0"/>
+              </a:ext>
+            </a:extLst>
+          </a:blip>
+          <a:srcRect l="3801"/>
+          <a:stretch/>
+        </p:blipFill>
+        <p:spPr>
+          <a:xfrm>
+            <a:off x="1028699" y="2401431"/>
+            <a:ext cx="4581048" cy="3464219"/>
+          </a:xfrm>
+          <a:prstGeom prst="rect">
+            <a:avLst/>
+          </a:prstGeom>
+        </p:spPr>
+      </p:pic>
+      <p:pic>
+        <p:nvPicPr>
+          <p:cNvPr id="9" name="Picture 8" descr="Chart, line chart&#10;&#10;Description automatically generated">
+            <a:extLst>
+              <a:ext uri="{FF2B5EF4-FFF2-40B4-BE49-F238E27FC236}">
+                <a16:creationId xmlns:a16="http://schemas.microsoft.com/office/drawing/2014/main" id="{2DC335B0-E9CD-4AAE-956D-58A8B7790EE2}"/>
+              </a:ext>
+            </a:extLst>
+          </p:cNvPr>
+          <p:cNvPicPr>
+            <a:picLocks noChangeAspect="1"/>
+          </p:cNvPicPr>
+          <p:nvPr/>
+        </p:nvPicPr>
+        <p:blipFill rotWithShape="1">
+          <a:blip r:embed="rId3">
+            <a:extLst>
+              <a:ext uri="{28A0092B-C50C-407E-A947-70E740481C1C}">
+                <a14:useLocalDpi xmlns:a14="http://schemas.microsoft.com/office/drawing/2010/main" val="0"/>
+              </a:ext>
+            </a:extLst>
+          </a:blip>
+          <a:srcRect l="3801"/>
+          <a:stretch/>
+        </p:blipFill>
+        <p:spPr>
+          <a:xfrm>
+            <a:off x="6484035" y="2183101"/>
+            <a:ext cx="4869765" cy="3682549"/>
+          </a:xfrm>
+          <a:prstGeom prst="rect">
+            <a:avLst/>
+          </a:prstGeom>
+        </p:spPr>
+      </p:pic>
     </p:spTree>
     <p:extLst>
       <p:ext uri="{BB962C8B-B14F-4D97-AF65-F5344CB8AC3E}">
@@ -15991,17 +14384,18 @@
           <a:p>
             <a:r>
               <a:rPr lang="en-US" sz="2000" b="1" dirty="0"/>
-              <a:t>Model Implementation</a:t>
-            </a:r>
-          </a:p>
-          <a:p>
-            <a:pPr marL="342900" indent="-342900">
+              <a:t>Dashboard and Notification System</a:t>
+            </a:r>
+            <a:endParaRPr lang="en-US" sz="2000" dirty="0"/>
+          </a:p>
+          <a:p>
+            <a:pPr marL="285750" indent="-285750">
               <a:buFont typeface="Arial" panose="020B0604020202020204" pitchFamily="34" charset="0"/>
               <a:buChar char="•"/>
             </a:pPr>
             <a:r>
               <a:rPr lang="en-US" sz="2000" dirty="0"/>
-              <a:t>Implementation in test environment with notebook walk-through</a:t>
+              <a:t>Simple dashboard built directly into InfluxDB</a:t>
             </a:r>
           </a:p>
           <a:p>
@@ -16011,22 +14405,12 @@
             </a:pPr>
             <a:r>
               <a:rPr lang="en-US" sz="2000" dirty="0"/>
-              <a:t>Still needs additional work</a:t>
-            </a:r>
+              <a:t>Simple notification system – if an anomaly is predicted for a sensor a notification is sent to a Slack channel</a:t>
+            </a:r>
+            <a:endParaRPr lang="en-US" sz="2200" dirty="0"/>
           </a:p>
           <a:p>
             <a:pPr marL="285750" indent="-285750">
-              <a:buFont typeface="Arial" panose="020B0604020202020204" pitchFamily="34" charset="0"/>
-              <a:buChar char="•"/>
-            </a:pPr>
-            <a:r>
-              <a:rPr lang="en-US" sz="2000" dirty="0"/>
-              <a:t>As real-time data streaming to InfluxDB is not available this will be the main implementation</a:t>
-            </a:r>
-            <a:endParaRPr lang="en-US" dirty="0"/>
-          </a:p>
-          <a:p>
-            <a:pPr marL="742950" lvl="1" indent="-285750">
               <a:buFont typeface="Arial" panose="020B0604020202020204" pitchFamily="34" charset="0"/>
               <a:buChar char="•"/>
             </a:pPr>
@@ -16037,13 +14421,17 @@
             <a:endParaRPr lang="en-US" sz="2000" dirty="0"/>
           </a:p>
           <a:p>
+            <a:pPr lvl="1"/>
+            <a:endParaRPr lang="en-US" sz="2000" dirty="0"/>
+          </a:p>
+          <a:p>
             <a:r>
               <a:rPr lang="en-US" sz="2000" dirty="0">
                 <a:solidFill>
                   <a:srgbClr val="FFC000"/>
                 </a:solidFill>
               </a:rPr>
-              <a:t>Additional work required on this during the week</a:t>
+              <a:t>Still finishing dashboard and notification system – wrapping up today</a:t>
             </a:r>
           </a:p>
           <a:p>
@@ -16054,7 +14442,7 @@
     </p:spTree>
     <p:extLst>
       <p:ext uri="{BB962C8B-B14F-4D97-AF65-F5344CB8AC3E}">
-        <p14:creationId xmlns:p14="http://schemas.microsoft.com/office/powerpoint/2010/main" val="567051792"/>
+        <p14:creationId xmlns:p14="http://schemas.microsoft.com/office/powerpoint/2010/main" val="492495433"/>
       </p:ext>
     </p:extLst>
   </p:cSld>
@@ -16083,46 +14471,6 @@
       </p:grpSpPr>
       <p:sp>
         <p:nvSpPr>
-          <p:cNvPr id="2" name="Title 1">
-            <a:extLst>
-              <a:ext uri="{FF2B5EF4-FFF2-40B4-BE49-F238E27FC236}">
-                <a16:creationId xmlns:a16="http://schemas.microsoft.com/office/drawing/2014/main" id="{A8E966EE-4FBD-534E-AAED-6C54465EF91C}"/>
-              </a:ext>
-            </a:extLst>
-          </p:cNvPr>
-          <p:cNvSpPr>
-            <a:spLocks noGrp="1"/>
-          </p:cNvSpPr>
-          <p:nvPr>
-            <p:ph type="title"/>
-          </p:nvPr>
-        </p:nvSpPr>
-        <p:spPr>
-          <a:xfrm>
-            <a:off x="1028699" y="381000"/>
-            <a:ext cx="10086976" cy="1263352"/>
-          </a:xfrm>
-        </p:spPr>
-        <p:txBody>
-          <a:bodyPr/>
-          <a:lstStyle/>
-          <a:p>
-            <a:r>
-              <a:rPr lang="en-US" dirty="0"/>
-              <a:t>Week 6 Tasks</a:t>
-            </a:r>
-            <a:br>
-              <a:rPr lang="en-US" dirty="0"/>
-            </a:br>
-            <a:r>
-              <a:rPr lang="en-US" sz="3000" dirty="0"/>
-              <a:t>Previous Week (June 7 - 13)</a:t>
-            </a:r>
-          </a:p>
-        </p:txBody>
-      </p:sp>
-      <p:sp>
-        <p:nvSpPr>
           <p:cNvPr id="3" name="Content Placeholder 2">
             <a:extLst>
               <a:ext uri="{FF2B5EF4-FFF2-40B4-BE49-F238E27FC236}">
@@ -16269,255 +14617,114 @@
       </p:sp>
       <p:sp>
         <p:nvSpPr>
-          <p:cNvPr id="10" name="Content Placeholder 2">
-            <a:extLst>
-              <a:ext uri="{FF2B5EF4-FFF2-40B4-BE49-F238E27FC236}">
-                <a16:creationId xmlns:a16="http://schemas.microsoft.com/office/drawing/2014/main" id="{02C52A92-3263-4C50-A3F1-1A01857F5740}"/>
-              </a:ext>
-            </a:extLst>
-          </p:cNvPr>
-          <p:cNvSpPr txBox="1">
-            <a:spLocks/>
-          </p:cNvSpPr>
+          <p:cNvPr id="15" name="Title 1">
+            <a:extLst>
+              <a:ext uri="{FF2B5EF4-FFF2-40B4-BE49-F238E27FC236}">
+                <a16:creationId xmlns:a16="http://schemas.microsoft.com/office/drawing/2014/main" id="{6858403A-E227-449E-ABFD-2D82F5B39E0B}"/>
+              </a:ext>
+            </a:extLst>
+          </p:cNvPr>
+          <p:cNvSpPr>
+            <a:spLocks noGrp="1"/>
+          </p:cNvSpPr>
+          <p:nvPr>
+            <p:ph type="title"/>
+          </p:nvPr>
+        </p:nvSpPr>
+        <p:spPr>
+          <a:xfrm>
+            <a:off x="1028699" y="381000"/>
+            <a:ext cx="10086976" cy="1263352"/>
+          </a:xfrm>
+        </p:spPr>
+        <p:txBody>
+          <a:bodyPr/>
+          <a:lstStyle/>
+          <a:p>
+            <a:r>
+              <a:rPr lang="en-US" dirty="0"/>
+              <a:t>Week 6 Tasks</a:t>
+            </a:r>
+            <a:br>
+              <a:rPr lang="en-US" dirty="0"/>
+            </a:br>
+            <a:r>
+              <a:rPr lang="en-US" sz="3000" dirty="0"/>
+              <a:t>Previous Week (June 7 - 13)</a:t>
+            </a:r>
+          </a:p>
+        </p:txBody>
+      </p:sp>
+      <p:pic>
+        <p:nvPicPr>
+          <p:cNvPr id="11" name="Picture 10">
+            <a:extLst>
+              <a:ext uri="{FF2B5EF4-FFF2-40B4-BE49-F238E27FC236}">
+                <a16:creationId xmlns:a16="http://schemas.microsoft.com/office/drawing/2014/main" id="{1FA05FB7-D37A-4D61-B21F-58DD8A0AA5E5}"/>
+              </a:ext>
+            </a:extLst>
+          </p:cNvPr>
+          <p:cNvPicPr>
+            <a:picLocks noChangeAspect="1"/>
+          </p:cNvPicPr>
           <p:nvPr/>
-        </p:nvSpPr>
-        <p:spPr>
-          <a:xfrm>
-            <a:off x="1028699" y="2183101"/>
-            <a:ext cx="9791700" cy="3568696"/>
+        </p:nvPicPr>
+        <p:blipFill>
+          <a:blip r:embed="rId2">
+            <a:extLst>
+              <a:ext uri="{28A0092B-C50C-407E-A947-70E740481C1C}">
+                <a14:useLocalDpi xmlns:a14="http://schemas.microsoft.com/office/drawing/2010/main" val="0"/>
+              </a:ext>
+            </a:extLst>
+          </a:blip>
+          <a:stretch>
+            <a:fillRect/>
+          </a:stretch>
+        </p:blipFill>
+        <p:spPr>
+          <a:xfrm>
+            <a:off x="1028699" y="2194702"/>
+            <a:ext cx="7467231" cy="3406655"/>
           </a:xfrm>
           <a:prstGeom prst="rect">
             <a:avLst/>
           </a:prstGeom>
         </p:spPr>
-        <p:txBody>
-          <a:bodyPr lIns="0" tIns="0" rIns="0" bIns="0"/>
-          <a:lstStyle>
-            <a:lvl1pPr marL="0" indent="0" algn="l" defTabSz="914400" rtl="0" eaLnBrk="1" latinLnBrk="0" hangingPunct="1">
-              <a:lnSpc>
-                <a:spcPct val="100000"/>
-              </a:lnSpc>
-              <a:spcBef>
-                <a:spcPts val="1000"/>
-              </a:spcBef>
-              <a:buFont typeface="Arial" panose="020B0604020202020204" pitchFamily="34" charset="0"/>
-              <a:buNone/>
-              <a:defRPr sz="1800" kern="1200">
-                <a:solidFill>
-                  <a:schemeClr val="bg1"/>
-                </a:solidFill>
-                <a:latin typeface="+mn-lt"/>
-                <a:ea typeface="+mn-ea"/>
-                <a:cs typeface="+mn-cs"/>
-              </a:defRPr>
-            </a:lvl1pPr>
-            <a:lvl2pPr marL="457200" indent="0" algn="l" defTabSz="914400" rtl="0" eaLnBrk="1" latinLnBrk="0" hangingPunct="1">
-              <a:lnSpc>
-                <a:spcPct val="90000"/>
-              </a:lnSpc>
-              <a:spcBef>
-                <a:spcPts val="500"/>
-              </a:spcBef>
-              <a:buFont typeface="Arial" panose="020B0604020202020204" pitchFamily="34" charset="0"/>
-              <a:buNone/>
-              <a:defRPr sz="2000" kern="1200">
-                <a:solidFill>
-                  <a:schemeClr val="bg1"/>
-                </a:solidFill>
-                <a:latin typeface="+mn-lt"/>
-                <a:ea typeface="+mn-ea"/>
-                <a:cs typeface="+mn-cs"/>
-              </a:defRPr>
-            </a:lvl2pPr>
-            <a:lvl3pPr marL="914400" indent="0" algn="l" defTabSz="914400" rtl="0" eaLnBrk="1" latinLnBrk="0" hangingPunct="1">
-              <a:lnSpc>
-                <a:spcPct val="90000"/>
-              </a:lnSpc>
-              <a:spcBef>
-                <a:spcPts val="500"/>
-              </a:spcBef>
-              <a:buFont typeface="Arial" panose="020B0604020202020204" pitchFamily="34" charset="0"/>
-              <a:buNone/>
-              <a:defRPr sz="2000" kern="1200">
-                <a:solidFill>
-                  <a:schemeClr val="bg1"/>
-                </a:solidFill>
-                <a:latin typeface="+mn-lt"/>
-                <a:ea typeface="+mn-ea"/>
-                <a:cs typeface="+mn-cs"/>
-              </a:defRPr>
-            </a:lvl3pPr>
-            <a:lvl4pPr marL="1371600" indent="0" algn="l" defTabSz="914400" rtl="0" eaLnBrk="1" latinLnBrk="0" hangingPunct="1">
-              <a:lnSpc>
-                <a:spcPct val="90000"/>
-              </a:lnSpc>
-              <a:spcBef>
-                <a:spcPts val="500"/>
-              </a:spcBef>
-              <a:buFont typeface="Arial" panose="020B0604020202020204" pitchFamily="34" charset="0"/>
-              <a:buNone/>
-              <a:defRPr sz="2000" kern="1200">
-                <a:solidFill>
-                  <a:schemeClr val="bg1"/>
-                </a:solidFill>
-                <a:latin typeface="+mn-lt"/>
-                <a:ea typeface="+mn-ea"/>
-                <a:cs typeface="+mn-cs"/>
-              </a:defRPr>
-            </a:lvl4pPr>
-            <a:lvl5pPr marL="1828800" indent="0" algn="l" defTabSz="914400" rtl="0" eaLnBrk="1" latinLnBrk="0" hangingPunct="1">
-              <a:lnSpc>
-                <a:spcPct val="90000"/>
-              </a:lnSpc>
-              <a:spcBef>
-                <a:spcPts val="500"/>
-              </a:spcBef>
-              <a:buFont typeface="Arial" panose="020B0604020202020204" pitchFamily="34" charset="0"/>
-              <a:buNone/>
-              <a:defRPr sz="2000" kern="1200">
-                <a:solidFill>
-                  <a:schemeClr val="bg1"/>
-                </a:solidFill>
-                <a:latin typeface="+mn-lt"/>
-                <a:ea typeface="+mn-ea"/>
-                <a:cs typeface="+mn-cs"/>
-              </a:defRPr>
-            </a:lvl5pPr>
-            <a:lvl6pPr marL="2514600" indent="-228600" algn="l" defTabSz="914400" rtl="0" eaLnBrk="1" latinLnBrk="0" hangingPunct="1">
-              <a:lnSpc>
-                <a:spcPct val="90000"/>
-              </a:lnSpc>
-              <a:spcBef>
-                <a:spcPts val="500"/>
-              </a:spcBef>
-              <a:buFont typeface="Arial" panose="020B0604020202020204" pitchFamily="34" charset="0"/>
-              <a:buChar char="•"/>
-              <a:defRPr sz="1800" kern="1200">
-                <a:solidFill>
-                  <a:schemeClr val="tx1"/>
-                </a:solidFill>
-                <a:latin typeface="+mn-lt"/>
-                <a:ea typeface="+mn-ea"/>
-                <a:cs typeface="+mn-cs"/>
-              </a:defRPr>
-            </a:lvl6pPr>
-            <a:lvl7pPr marL="2971800" indent="-228600" algn="l" defTabSz="914400" rtl="0" eaLnBrk="1" latinLnBrk="0" hangingPunct="1">
-              <a:lnSpc>
-                <a:spcPct val="90000"/>
-              </a:lnSpc>
-              <a:spcBef>
-                <a:spcPts val="500"/>
-              </a:spcBef>
-              <a:buFont typeface="Arial" panose="020B0604020202020204" pitchFamily="34" charset="0"/>
-              <a:buChar char="•"/>
-              <a:defRPr sz="1800" kern="1200">
-                <a:solidFill>
-                  <a:schemeClr val="tx1"/>
-                </a:solidFill>
-                <a:latin typeface="+mn-lt"/>
-                <a:ea typeface="+mn-ea"/>
-                <a:cs typeface="+mn-cs"/>
-              </a:defRPr>
-            </a:lvl7pPr>
-            <a:lvl8pPr marL="3429000" indent="-228600" algn="l" defTabSz="914400" rtl="0" eaLnBrk="1" latinLnBrk="0" hangingPunct="1">
-              <a:lnSpc>
-                <a:spcPct val="90000"/>
-              </a:lnSpc>
-              <a:spcBef>
-                <a:spcPts val="500"/>
-              </a:spcBef>
-              <a:buFont typeface="Arial" panose="020B0604020202020204" pitchFamily="34" charset="0"/>
-              <a:buChar char="•"/>
-              <a:defRPr sz="1800" kern="1200">
-                <a:solidFill>
-                  <a:schemeClr val="tx1"/>
-                </a:solidFill>
-                <a:latin typeface="+mn-lt"/>
-                <a:ea typeface="+mn-ea"/>
-                <a:cs typeface="+mn-cs"/>
-              </a:defRPr>
-            </a:lvl8pPr>
-            <a:lvl9pPr marL="3886200" indent="-228600" algn="l" defTabSz="914400" rtl="0" eaLnBrk="1" latinLnBrk="0" hangingPunct="1">
-              <a:lnSpc>
-                <a:spcPct val="90000"/>
-              </a:lnSpc>
-              <a:spcBef>
-                <a:spcPts val="500"/>
-              </a:spcBef>
-              <a:buFont typeface="Arial" panose="020B0604020202020204" pitchFamily="34" charset="0"/>
-              <a:buChar char="•"/>
-              <a:defRPr sz="1800" kern="1200">
-                <a:solidFill>
-                  <a:schemeClr val="tx1"/>
-                </a:solidFill>
-                <a:latin typeface="+mn-lt"/>
-                <a:ea typeface="+mn-ea"/>
-                <a:cs typeface="+mn-cs"/>
-              </a:defRPr>
-            </a:lvl9pPr>
-          </a:lstStyle>
-          <a:p>
-            <a:r>
-              <a:rPr lang="en-US" sz="2000" b="1" dirty="0"/>
-              <a:t>Dashboard and Notification System</a:t>
-            </a:r>
-            <a:endParaRPr lang="en-US" sz="2000" dirty="0"/>
-          </a:p>
-          <a:p>
-            <a:pPr marL="285750" indent="-285750">
-              <a:buFont typeface="Arial" panose="020B0604020202020204" pitchFamily="34" charset="0"/>
-              <a:buChar char="•"/>
-            </a:pPr>
-            <a:r>
-              <a:rPr lang="en-US" sz="2000" dirty="0"/>
-              <a:t>Simple dashboard built directly into InfluxDB</a:t>
-            </a:r>
-          </a:p>
-          <a:p>
-            <a:pPr marL="285750" indent="-285750">
-              <a:buFont typeface="Arial" panose="020B0604020202020204" pitchFamily="34" charset="0"/>
-              <a:buChar char="•"/>
-            </a:pPr>
-            <a:r>
-              <a:rPr lang="en-US" sz="2000" dirty="0"/>
-              <a:t>Simple notification system – if an anomaly is predicted for a sensor a notification is sent to a Slack channel</a:t>
-            </a:r>
-            <a:endParaRPr lang="en-US" sz="2200" dirty="0"/>
-          </a:p>
-          <a:p>
-            <a:pPr marL="285750" indent="-285750">
-              <a:buFont typeface="Arial" panose="020B0604020202020204" pitchFamily="34" charset="0"/>
-              <a:buChar char="•"/>
-            </a:pPr>
-            <a:endParaRPr lang="en-US" sz="2000" dirty="0"/>
-          </a:p>
-          <a:p>
-            <a:pPr lvl="1"/>
-            <a:endParaRPr lang="en-US" sz="2000" dirty="0"/>
-          </a:p>
-          <a:p>
-            <a:pPr lvl="1"/>
-            <a:endParaRPr lang="en-US" sz="2000" dirty="0"/>
-          </a:p>
-          <a:p>
-            <a:r>
-              <a:rPr lang="en-US" sz="2000" dirty="0">
-                <a:solidFill>
-                  <a:srgbClr val="FFC000"/>
-                </a:solidFill>
-              </a:rPr>
-              <a:t>Still finishing dashboard and notification system – hopefully wrapped up today</a:t>
-            </a:r>
-          </a:p>
-          <a:p>
-            <a:endParaRPr lang="en-US" sz="2400" dirty="0"/>
-          </a:p>
-        </p:txBody>
-      </p:sp>
+      </p:pic>
+      <p:pic>
+        <p:nvPicPr>
+          <p:cNvPr id="13" name="Picture 12">
+            <a:extLst>
+              <a:ext uri="{FF2B5EF4-FFF2-40B4-BE49-F238E27FC236}">
+                <a16:creationId xmlns:a16="http://schemas.microsoft.com/office/drawing/2014/main" id="{E7CA5356-7660-41FC-8122-A31BF578D1C2}"/>
+              </a:ext>
+            </a:extLst>
+          </p:cNvPr>
+          <p:cNvPicPr>
+            <a:picLocks noChangeAspect="1"/>
+          </p:cNvPicPr>
+          <p:nvPr/>
+        </p:nvPicPr>
+        <p:blipFill>
+          <a:blip r:embed="rId3"/>
+          <a:stretch>
+            <a:fillRect/>
+          </a:stretch>
+        </p:blipFill>
+        <p:spPr>
+          <a:xfrm>
+            <a:off x="1005303" y="5662866"/>
+            <a:ext cx="6124575" cy="847725"/>
+          </a:xfrm>
+          <a:prstGeom prst="rect">
+            <a:avLst/>
+          </a:prstGeom>
+        </p:spPr>
+      </p:pic>
     </p:spTree>
     <p:extLst>
       <p:ext uri="{BB962C8B-B14F-4D97-AF65-F5344CB8AC3E}">
-        <p14:creationId xmlns:p14="http://schemas.microsoft.com/office/powerpoint/2010/main" val="492495433"/>
+        <p14:creationId xmlns:p14="http://schemas.microsoft.com/office/powerpoint/2010/main" val="441478039"/>
       </p:ext>
     </p:extLst>
   </p:cSld>
@@ -16546,6 +14753,46 @@
       </p:grpSpPr>
       <p:sp>
         <p:nvSpPr>
+          <p:cNvPr id="2" name="Title 1">
+            <a:extLst>
+              <a:ext uri="{FF2B5EF4-FFF2-40B4-BE49-F238E27FC236}">
+                <a16:creationId xmlns:a16="http://schemas.microsoft.com/office/drawing/2014/main" id="{A8E966EE-4FBD-534E-AAED-6C54465EF91C}"/>
+              </a:ext>
+            </a:extLst>
+          </p:cNvPr>
+          <p:cNvSpPr>
+            <a:spLocks noGrp="1"/>
+          </p:cNvSpPr>
+          <p:nvPr>
+            <p:ph type="title"/>
+          </p:nvPr>
+        </p:nvSpPr>
+        <p:spPr>
+          <a:xfrm>
+            <a:off x="1028699" y="381000"/>
+            <a:ext cx="10086976" cy="1263352"/>
+          </a:xfrm>
+        </p:spPr>
+        <p:txBody>
+          <a:bodyPr/>
+          <a:lstStyle/>
+          <a:p>
+            <a:r>
+              <a:rPr lang="en-US" dirty="0"/>
+              <a:t>Week 6 Tasks</a:t>
+            </a:r>
+            <a:br>
+              <a:rPr lang="en-US" dirty="0"/>
+            </a:br>
+            <a:r>
+              <a:rPr lang="en-US" sz="3000" dirty="0"/>
+              <a:t>Previous Week (June 7 - 13)</a:t>
+            </a:r>
+          </a:p>
+        </p:txBody>
+      </p:sp>
+      <p:sp>
+        <p:nvSpPr>
           <p:cNvPr id="3" name="Content Placeholder 2">
             <a:extLst>
               <a:ext uri="{FF2B5EF4-FFF2-40B4-BE49-F238E27FC236}">
@@ -16692,48 +14939,260 @@
       </p:sp>
       <p:sp>
         <p:nvSpPr>
-          <p:cNvPr id="15" name="Title 1">
-            <a:extLst>
-              <a:ext uri="{FF2B5EF4-FFF2-40B4-BE49-F238E27FC236}">
-                <a16:creationId xmlns:a16="http://schemas.microsoft.com/office/drawing/2014/main" id="{6858403A-E227-449E-ABFD-2D82F5B39E0B}"/>
-              </a:ext>
-            </a:extLst>
-          </p:cNvPr>
-          <p:cNvSpPr>
-            <a:spLocks noGrp="1"/>
-          </p:cNvSpPr>
-          <p:nvPr>
-            <p:ph type="title"/>
-          </p:nvPr>
-        </p:nvSpPr>
-        <p:spPr>
-          <a:xfrm>
-            <a:off x="1028699" y="381000"/>
-            <a:ext cx="10086976" cy="1263352"/>
-          </a:xfrm>
-        </p:spPr>
-        <p:txBody>
-          <a:bodyPr/>
-          <a:lstStyle/>
-          <a:p>
-            <a:r>
-              <a:rPr lang="en-US" dirty="0"/>
-              <a:t>Week 6 Tasks</a:t>
-            </a:r>
-            <a:br>
-              <a:rPr lang="en-US" dirty="0"/>
-            </a:br>
-            <a:r>
-              <a:rPr lang="en-US" sz="3000" dirty="0"/>
-              <a:t>Previous Week (June 7 - 13)</a:t>
-            </a:r>
+          <p:cNvPr id="10" name="Content Placeholder 2">
+            <a:extLst>
+              <a:ext uri="{FF2B5EF4-FFF2-40B4-BE49-F238E27FC236}">
+                <a16:creationId xmlns:a16="http://schemas.microsoft.com/office/drawing/2014/main" id="{02C52A92-3263-4C50-A3F1-1A01857F5740}"/>
+              </a:ext>
+            </a:extLst>
+          </p:cNvPr>
+          <p:cNvSpPr txBox="1">
+            <a:spLocks/>
+          </p:cNvSpPr>
+          <p:nvPr/>
+        </p:nvSpPr>
+        <p:spPr>
+          <a:xfrm>
+            <a:off x="1028699" y="2183101"/>
+            <a:ext cx="9791700" cy="3568696"/>
+          </a:xfrm>
+          <a:prstGeom prst="rect">
+            <a:avLst/>
+          </a:prstGeom>
+        </p:spPr>
+        <p:txBody>
+          <a:bodyPr lIns="0" tIns="0" rIns="0" bIns="0"/>
+          <a:lstStyle>
+            <a:lvl1pPr marL="0" indent="0" algn="l" defTabSz="914400" rtl="0" eaLnBrk="1" latinLnBrk="0" hangingPunct="1">
+              <a:lnSpc>
+                <a:spcPct val="100000"/>
+              </a:lnSpc>
+              <a:spcBef>
+                <a:spcPts val="1000"/>
+              </a:spcBef>
+              <a:buFont typeface="Arial" panose="020B0604020202020204" pitchFamily="34" charset="0"/>
+              <a:buNone/>
+              <a:defRPr sz="1800" kern="1200">
+                <a:solidFill>
+                  <a:schemeClr val="bg1"/>
+                </a:solidFill>
+                <a:latin typeface="+mn-lt"/>
+                <a:ea typeface="+mn-ea"/>
+                <a:cs typeface="+mn-cs"/>
+              </a:defRPr>
+            </a:lvl1pPr>
+            <a:lvl2pPr marL="457200" indent="0" algn="l" defTabSz="914400" rtl="0" eaLnBrk="1" latinLnBrk="0" hangingPunct="1">
+              <a:lnSpc>
+                <a:spcPct val="90000"/>
+              </a:lnSpc>
+              <a:spcBef>
+                <a:spcPts val="500"/>
+              </a:spcBef>
+              <a:buFont typeface="Arial" panose="020B0604020202020204" pitchFamily="34" charset="0"/>
+              <a:buNone/>
+              <a:defRPr sz="2000" kern="1200">
+                <a:solidFill>
+                  <a:schemeClr val="bg1"/>
+                </a:solidFill>
+                <a:latin typeface="+mn-lt"/>
+                <a:ea typeface="+mn-ea"/>
+                <a:cs typeface="+mn-cs"/>
+              </a:defRPr>
+            </a:lvl2pPr>
+            <a:lvl3pPr marL="914400" indent="0" algn="l" defTabSz="914400" rtl="0" eaLnBrk="1" latinLnBrk="0" hangingPunct="1">
+              <a:lnSpc>
+                <a:spcPct val="90000"/>
+              </a:lnSpc>
+              <a:spcBef>
+                <a:spcPts val="500"/>
+              </a:spcBef>
+              <a:buFont typeface="Arial" panose="020B0604020202020204" pitchFamily="34" charset="0"/>
+              <a:buNone/>
+              <a:defRPr sz="2000" kern="1200">
+                <a:solidFill>
+                  <a:schemeClr val="bg1"/>
+                </a:solidFill>
+                <a:latin typeface="+mn-lt"/>
+                <a:ea typeface="+mn-ea"/>
+                <a:cs typeface="+mn-cs"/>
+              </a:defRPr>
+            </a:lvl3pPr>
+            <a:lvl4pPr marL="1371600" indent="0" algn="l" defTabSz="914400" rtl="0" eaLnBrk="1" latinLnBrk="0" hangingPunct="1">
+              <a:lnSpc>
+                <a:spcPct val="90000"/>
+              </a:lnSpc>
+              <a:spcBef>
+                <a:spcPts val="500"/>
+              </a:spcBef>
+              <a:buFont typeface="Arial" panose="020B0604020202020204" pitchFamily="34" charset="0"/>
+              <a:buNone/>
+              <a:defRPr sz="2000" kern="1200">
+                <a:solidFill>
+                  <a:schemeClr val="bg1"/>
+                </a:solidFill>
+                <a:latin typeface="+mn-lt"/>
+                <a:ea typeface="+mn-ea"/>
+                <a:cs typeface="+mn-cs"/>
+              </a:defRPr>
+            </a:lvl4pPr>
+            <a:lvl5pPr marL="1828800" indent="0" algn="l" defTabSz="914400" rtl="0" eaLnBrk="1" latinLnBrk="0" hangingPunct="1">
+              <a:lnSpc>
+                <a:spcPct val="90000"/>
+              </a:lnSpc>
+              <a:spcBef>
+                <a:spcPts val="500"/>
+              </a:spcBef>
+              <a:buFont typeface="Arial" panose="020B0604020202020204" pitchFamily="34" charset="0"/>
+              <a:buNone/>
+              <a:defRPr sz="2000" kern="1200">
+                <a:solidFill>
+                  <a:schemeClr val="bg1"/>
+                </a:solidFill>
+                <a:latin typeface="+mn-lt"/>
+                <a:ea typeface="+mn-ea"/>
+                <a:cs typeface="+mn-cs"/>
+              </a:defRPr>
+            </a:lvl5pPr>
+            <a:lvl6pPr marL="2514600" indent="-228600" algn="l" defTabSz="914400" rtl="0" eaLnBrk="1" latinLnBrk="0" hangingPunct="1">
+              <a:lnSpc>
+                <a:spcPct val="90000"/>
+              </a:lnSpc>
+              <a:spcBef>
+                <a:spcPts val="500"/>
+              </a:spcBef>
+              <a:buFont typeface="Arial" panose="020B0604020202020204" pitchFamily="34" charset="0"/>
+              <a:buChar char="•"/>
+              <a:defRPr sz="1800" kern="1200">
+                <a:solidFill>
+                  <a:schemeClr val="tx1"/>
+                </a:solidFill>
+                <a:latin typeface="+mn-lt"/>
+                <a:ea typeface="+mn-ea"/>
+                <a:cs typeface="+mn-cs"/>
+              </a:defRPr>
+            </a:lvl6pPr>
+            <a:lvl7pPr marL="2971800" indent="-228600" algn="l" defTabSz="914400" rtl="0" eaLnBrk="1" latinLnBrk="0" hangingPunct="1">
+              <a:lnSpc>
+                <a:spcPct val="90000"/>
+              </a:lnSpc>
+              <a:spcBef>
+                <a:spcPts val="500"/>
+              </a:spcBef>
+              <a:buFont typeface="Arial" panose="020B0604020202020204" pitchFamily="34" charset="0"/>
+              <a:buChar char="•"/>
+              <a:defRPr sz="1800" kern="1200">
+                <a:solidFill>
+                  <a:schemeClr val="tx1"/>
+                </a:solidFill>
+                <a:latin typeface="+mn-lt"/>
+                <a:ea typeface="+mn-ea"/>
+                <a:cs typeface="+mn-cs"/>
+              </a:defRPr>
+            </a:lvl7pPr>
+            <a:lvl8pPr marL="3429000" indent="-228600" algn="l" defTabSz="914400" rtl="0" eaLnBrk="1" latinLnBrk="0" hangingPunct="1">
+              <a:lnSpc>
+                <a:spcPct val="90000"/>
+              </a:lnSpc>
+              <a:spcBef>
+                <a:spcPts val="500"/>
+              </a:spcBef>
+              <a:buFont typeface="Arial" panose="020B0604020202020204" pitchFamily="34" charset="0"/>
+              <a:buChar char="•"/>
+              <a:defRPr sz="1800" kern="1200">
+                <a:solidFill>
+                  <a:schemeClr val="tx1"/>
+                </a:solidFill>
+                <a:latin typeface="+mn-lt"/>
+                <a:ea typeface="+mn-ea"/>
+                <a:cs typeface="+mn-cs"/>
+              </a:defRPr>
+            </a:lvl8pPr>
+            <a:lvl9pPr marL="3886200" indent="-228600" algn="l" defTabSz="914400" rtl="0" eaLnBrk="1" latinLnBrk="0" hangingPunct="1">
+              <a:lnSpc>
+                <a:spcPct val="90000"/>
+              </a:lnSpc>
+              <a:spcBef>
+                <a:spcPts val="500"/>
+              </a:spcBef>
+              <a:buFont typeface="Arial" panose="020B0604020202020204" pitchFamily="34" charset="0"/>
+              <a:buChar char="•"/>
+              <a:defRPr sz="1800" kern="1200">
+                <a:solidFill>
+                  <a:schemeClr val="tx1"/>
+                </a:solidFill>
+                <a:latin typeface="+mn-lt"/>
+                <a:ea typeface="+mn-ea"/>
+                <a:cs typeface="+mn-cs"/>
+              </a:defRPr>
+            </a:lvl9pPr>
+          </a:lstStyle>
+          <a:p>
+            <a:r>
+              <a:rPr lang="en-US" sz="2000" b="1" dirty="0"/>
+              <a:t>Model Implementation</a:t>
+            </a:r>
+          </a:p>
+          <a:p>
+            <a:pPr marL="342900" indent="-342900">
+              <a:buFont typeface="Arial" panose="020B0604020202020204" pitchFamily="34" charset="0"/>
+              <a:buChar char="•"/>
+            </a:pPr>
+            <a:r>
+              <a:rPr lang="en-US" sz="2000" dirty="0"/>
+              <a:t>Implementation in test environment with notebook walk-through</a:t>
+            </a:r>
+          </a:p>
+          <a:p>
+            <a:pPr marL="285750" indent="-285750">
+              <a:buFont typeface="Arial" panose="020B0604020202020204" pitchFamily="34" charset="0"/>
+              <a:buChar char="•"/>
+            </a:pPr>
+            <a:r>
+              <a:rPr lang="en-US" sz="2000" dirty="0"/>
+              <a:t>Still needs additional work</a:t>
+            </a:r>
+          </a:p>
+          <a:p>
+            <a:pPr marL="285750" indent="-285750">
+              <a:buFont typeface="Arial" panose="020B0604020202020204" pitchFamily="34" charset="0"/>
+              <a:buChar char="•"/>
+            </a:pPr>
+            <a:r>
+              <a:rPr lang="en-US" sz="2000" dirty="0"/>
+              <a:t>As real-time data streaming to InfluxDB is not available this will be the main implementation</a:t>
+            </a:r>
+            <a:endParaRPr lang="en-US" dirty="0"/>
+          </a:p>
+          <a:p>
+            <a:pPr marL="742950" lvl="1" indent="-285750">
+              <a:buFont typeface="Arial" panose="020B0604020202020204" pitchFamily="34" charset="0"/>
+              <a:buChar char="•"/>
+            </a:pPr>
+            <a:endParaRPr lang="en-US" sz="2000" dirty="0"/>
+          </a:p>
+          <a:p>
+            <a:pPr lvl="1"/>
+            <a:endParaRPr lang="en-US" sz="2000" dirty="0"/>
+          </a:p>
+          <a:p>
+            <a:r>
+              <a:rPr lang="en-US" sz="2000" dirty="0">
+                <a:solidFill>
+                  <a:srgbClr val="FFC000"/>
+                </a:solidFill>
+              </a:rPr>
+              <a:t>Additional work required on this during the week</a:t>
+            </a:r>
+          </a:p>
+          <a:p>
+            <a:endParaRPr lang="en-US" sz="2400" dirty="0"/>
           </a:p>
         </p:txBody>
       </p:sp>
     </p:spTree>
     <p:extLst>
       <p:ext uri="{BB962C8B-B14F-4D97-AF65-F5344CB8AC3E}">
-        <p14:creationId xmlns:p14="http://schemas.microsoft.com/office/powerpoint/2010/main" val="441478039"/>
+        <p14:creationId xmlns:p14="http://schemas.microsoft.com/office/powerpoint/2010/main" val="567051792"/>
       </p:ext>
     </p:extLst>
   </p:cSld>
@@ -17240,15 +15699,6 @@
 </file>
 
 <file path=customXml/item1.xml><?xml version="1.0" encoding="utf-8"?>
-<p:properties xmlns:p="http://schemas.microsoft.com/office/2006/metadata/properties" xmlns:xsi="http://www.w3.org/2001/XMLSchema-instance" xmlns:pc="http://schemas.microsoft.com/office/infopath/2007/PartnerControls">
-  <documentManagement>
-    <Status xmlns="71af3243-3dd4-4a8d-8c0d-dd76da1f02a5">Not started</Status>
-    <MediaServiceKeyPoints xmlns="71af3243-3dd4-4a8d-8c0d-dd76da1f02a5" xsi:nil="true"/>
-  </documentManagement>
-</p:properties>
-</file>
-
-<file path=customXml/item2.xml><?xml version="1.0" encoding="utf-8"?>
 <ct:contentTypeSchema xmlns:ct="http://schemas.microsoft.com/office/2006/metadata/contentType" xmlns:ma="http://schemas.microsoft.com/office/2006/metadata/properties/metaAttributes" ct:_="" ma:_="" ma:contentTypeName="Document" ma:contentTypeID="0x01010079F111ED35F8CC479449609E8A0923A6" ma:contentTypeVersion="12" ma:contentTypeDescription="Create a new document." ma:contentTypeScope="" ma:versionID="426e97fa315356fffbdcd9876fe988c2">
   <xsd:schema xmlns:xsd="http://www.w3.org/2001/XMLSchema" xmlns:xs="http://www.w3.org/2001/XMLSchema" xmlns:p="http://schemas.microsoft.com/office/2006/metadata/properties" xmlns:ns2="71af3243-3dd4-4a8d-8c0d-dd76da1f02a5" xmlns:ns3="16c05727-aa75-4e4a-9b5f-8a80a1165891" targetNamespace="http://schemas.microsoft.com/office/2006/metadata/properties" ma:root="true" ma:fieldsID="14b8f0def80e6d70ce3def20c90759ae" ns2:_="" ns3:_="">
     <xsd:import namespace="71af3243-3dd4-4a8d-8c0d-dd76da1f02a5"/>
@@ -17469,6 +15919,15 @@
 </ct:contentTypeSchema>
 </file>
 
+<file path=customXml/item2.xml><?xml version="1.0" encoding="utf-8"?>
+<p:properties xmlns:p="http://schemas.microsoft.com/office/2006/metadata/properties" xmlns:xsi="http://www.w3.org/2001/XMLSchema-instance" xmlns:pc="http://schemas.microsoft.com/office/infopath/2007/PartnerControls">
+  <documentManagement>
+    <Status xmlns="71af3243-3dd4-4a8d-8c0d-dd76da1f02a5">Not started</Status>
+    <MediaServiceKeyPoints xmlns="71af3243-3dd4-4a8d-8c0d-dd76da1f02a5" xsi:nil="true"/>
+  </documentManagement>
+</p:properties>
+</file>
+
 <file path=customXml/item3.xml><?xml version="1.0" encoding="utf-8"?>
 <?mso-contentType ?>
 <FormTemplates xmlns="http://schemas.microsoft.com/sharepoint/v3/contenttype/forms">
@@ -17479,16 +15938,6 @@
 </file>
 
 <file path=customXml/itemProps1.xml><?xml version="1.0" encoding="utf-8"?>
-<ds:datastoreItem xmlns:ds="http://schemas.openxmlformats.org/officeDocument/2006/customXml" ds:itemID="{E24273A0-A4DF-47AA-BF1F-8758123399CE}">
-  <ds:schemaRefs>
-    <ds:schemaRef ds:uri="71af3243-3dd4-4a8d-8c0d-dd76da1f02a5"/>
-    <ds:schemaRef ds:uri="http://schemas.microsoft.com/office/2006/metadata/properties"/>
-    <ds:schemaRef ds:uri="http://schemas.microsoft.com/office/infopath/2007/PartnerControls"/>
-  </ds:schemaRefs>
-</ds:datastoreItem>
-</file>
-
-<file path=customXml/itemProps2.xml><?xml version="1.0" encoding="utf-8"?>
 <ds:datastoreItem xmlns:ds="http://schemas.openxmlformats.org/officeDocument/2006/customXml" ds:itemID="{FD975AF8-B1C6-436B-A274-2C3ADC7798ED}">
   <ds:schemaRefs>
     <ds:schemaRef ds:uri="16c05727-aa75-4e4a-9b5f-8a80a1165891"/>
@@ -17507,6 +15956,16 @@
 </ds:datastoreItem>
 </file>
 
+<file path=customXml/itemProps2.xml><?xml version="1.0" encoding="utf-8"?>
+<ds:datastoreItem xmlns:ds="http://schemas.openxmlformats.org/officeDocument/2006/customXml" ds:itemID="{E24273A0-A4DF-47AA-BF1F-8758123399CE}">
+  <ds:schemaRefs>
+    <ds:schemaRef ds:uri="71af3243-3dd4-4a8d-8c0d-dd76da1f02a5"/>
+    <ds:schemaRef ds:uri="http://schemas.microsoft.com/office/2006/metadata/properties"/>
+    <ds:schemaRef ds:uri="http://schemas.microsoft.com/office/infopath/2007/PartnerControls"/>
+  </ds:schemaRefs>
+</ds:datastoreItem>
+</file>
+
 <file path=customXml/itemProps3.xml><?xml version="1.0" encoding="utf-8"?>
 <ds:datastoreItem xmlns:ds="http://schemas.openxmlformats.org/officeDocument/2006/customXml" ds:itemID="{182F651C-E5DA-470F-A6A6-D70E9A5EBFB8}">
   <ds:schemaRefs>

--- a/weekly-updates/20210615_progress.pptx
+++ b/weekly-updates/20210615_progress.pptx
@@ -5,7 +5,7 @@
     <p:sldMasterId id="2147483658" r:id="rId4"/>
   </p:sldMasterIdLst>
   <p:notesMasterIdLst>
-    <p:notesMasterId r:id="rId24"/>
+    <p:notesMasterId r:id="rId25"/>
   </p:notesMasterIdLst>
   <p:sldIdLst>
     <p:sldId id="335" r:id="rId5"/>
@@ -13,20 +13,21 @@
     <p:sldId id="375" r:id="rId7"/>
     <p:sldId id="415" r:id="rId8"/>
     <p:sldId id="442" r:id="rId9"/>
-    <p:sldId id="418" r:id="rId10"/>
-    <p:sldId id="447" r:id="rId11"/>
-    <p:sldId id="448" r:id="rId12"/>
-    <p:sldId id="446" r:id="rId13"/>
-    <p:sldId id="377" r:id="rId14"/>
-    <p:sldId id="404" r:id="rId15"/>
-    <p:sldId id="437" r:id="rId16"/>
-    <p:sldId id="395" r:id="rId17"/>
-    <p:sldId id="422" r:id="rId18"/>
-    <p:sldId id="396" r:id="rId19"/>
-    <p:sldId id="398" r:id="rId20"/>
-    <p:sldId id="399" r:id="rId21"/>
-    <p:sldId id="400" r:id="rId22"/>
-    <p:sldId id="443" r:id="rId23"/>
+    <p:sldId id="449" r:id="rId10"/>
+    <p:sldId id="418" r:id="rId11"/>
+    <p:sldId id="447" r:id="rId12"/>
+    <p:sldId id="448" r:id="rId13"/>
+    <p:sldId id="446" r:id="rId14"/>
+    <p:sldId id="377" r:id="rId15"/>
+    <p:sldId id="404" r:id="rId16"/>
+    <p:sldId id="437" r:id="rId17"/>
+    <p:sldId id="395" r:id="rId18"/>
+    <p:sldId id="422" r:id="rId19"/>
+    <p:sldId id="396" r:id="rId20"/>
+    <p:sldId id="398" r:id="rId21"/>
+    <p:sldId id="399" r:id="rId22"/>
+    <p:sldId id="400" r:id="rId23"/>
+    <p:sldId id="443" r:id="rId24"/>
   </p:sldIdLst>
   <p:sldSz cx="12192000" cy="6858000"/>
   <p:notesSz cx="6858000" cy="9144000"/>
@@ -692,7 +693,7 @@
           <a:p>
             <a:fld id="{A89C7E07-3C67-C64C-8DA0-0404F6303970}" type="slidenum">
               <a:rPr lang="en-US" smtClean="0"/>
-              <a:t>16</a:t>
+              <a:t>17</a:t>
             </a:fld>
             <a:endParaRPr lang="en-US"/>
           </a:p>
@@ -6467,7 +6468,7 @@
           <a:p>
             <a:r>
               <a:rPr lang="en-US" dirty="0"/>
-              <a:t>Challenges</a:t>
+              <a:t>Week 6 Tasks</a:t>
             </a:r>
             <a:br>
               <a:rPr lang="en-US" dirty="0"/>
@@ -6497,24 +6498,26 @@
         </p:nvSpPr>
         <p:spPr>
           <a:xfrm>
-            <a:off x="1028700" y="2286003"/>
-            <a:ext cx="9791700" cy="3568696"/>
+            <a:off x="1028699" y="2183101"/>
+            <a:ext cx="9791700" cy="3741837"/>
           </a:xfrm>
         </p:spPr>
         <p:txBody>
           <a:bodyPr/>
           <a:lstStyle/>
           <a:p>
+            <a:pPr marL="285750" indent="-285750">
+              <a:buFont typeface="Arial" panose="020B0604020202020204" pitchFamily="34" charset="0"/>
+              <a:buChar char="•"/>
+            </a:pPr>
             <a:endParaRPr lang="en-US" dirty="0"/>
           </a:p>
           <a:p>
+            <a:pPr marL="342900" indent="-342900">
+              <a:buFont typeface="Arial" panose="020B0604020202020204" pitchFamily="34" charset="0"/>
+              <a:buChar char="•"/>
+            </a:pPr>
             <a:endParaRPr lang="en-US" sz="2400" dirty="0"/>
-          </a:p>
-          <a:p>
-            <a:endParaRPr lang="en-US" sz="2400" dirty="0"/>
-          </a:p>
-          <a:p>
-            <a:endParaRPr lang="en-US" sz="2400" u="sng" dirty="0"/>
           </a:p>
         </p:txBody>
       </p:sp>
@@ -6578,14 +6581,13 @@
           <a:lstStyle/>
           <a:p>
             <a:r>
-              <a:rPr lang="en-US" dirty="0"/>
+              <a:rPr lang="en-US" dirty="0">
+                <a:solidFill>
+                  <a:schemeClr val="bg1"/>
+                </a:solidFill>
+              </a:rPr>
               <a:t>Week 7 Status</a:t>
             </a:r>
-            <a:endParaRPr lang="en-US" dirty="0">
-              <a:solidFill>
-                <a:schemeClr val="bg1"/>
-              </a:solidFill>
-            </a:endParaRPr>
           </a:p>
         </p:txBody>
       </p:sp>
@@ -6626,10 +6628,10 @@
       </p:sp>
       <p:sp>
         <p:nvSpPr>
-          <p:cNvPr id="8" name="Content Placeholder 2">
-            <a:extLst>
-              <a:ext uri="{FF2B5EF4-FFF2-40B4-BE49-F238E27FC236}">
-                <a16:creationId xmlns:a16="http://schemas.microsoft.com/office/drawing/2014/main" id="{0602D64C-7A74-4F54-BE39-917963439AAF}"/>
+          <p:cNvPr id="10" name="Content Placeholder 2">
+            <a:extLst>
+              <a:ext uri="{FF2B5EF4-FFF2-40B4-BE49-F238E27FC236}">
+                <a16:creationId xmlns:a16="http://schemas.microsoft.com/office/drawing/2014/main" id="{02C52A92-3263-4C50-A3F1-1A01857F5740}"/>
               </a:ext>
             </a:extLst>
           </p:cNvPr>
@@ -6640,7 +6642,7 @@
         </p:nvSpPr>
         <p:spPr>
           <a:xfrm>
-            <a:off x="1181100" y="2438403"/>
+            <a:off x="1028699" y="2183101"/>
             <a:ext cx="9791700" cy="3568696"/>
           </a:xfrm>
           <a:prstGeom prst="rect">
@@ -6814,203 +6816,9 @@
             </a:lvl9pPr>
           </a:lstStyle>
           <a:p>
-            <a:endParaRPr lang="en-US" sz="2400"/>
-          </a:p>
-        </p:txBody>
-      </p:sp>
-      <p:sp>
-        <p:nvSpPr>
-          <p:cNvPr id="9" name="Content Placeholder 2">
-            <a:extLst>
-              <a:ext uri="{FF2B5EF4-FFF2-40B4-BE49-F238E27FC236}">
-                <a16:creationId xmlns:a16="http://schemas.microsoft.com/office/drawing/2014/main" id="{39A4B542-AD86-4947-BE50-B8A0EC20CC09}"/>
-              </a:ext>
-            </a:extLst>
-          </p:cNvPr>
-          <p:cNvSpPr txBox="1">
-            <a:spLocks/>
-          </p:cNvSpPr>
-          <p:nvPr/>
-        </p:nvSpPr>
-        <p:spPr>
-          <a:xfrm>
-            <a:off x="1028700" y="2183994"/>
-            <a:ext cx="10464800" cy="4020863"/>
-          </a:xfrm>
-          <a:prstGeom prst="rect">
-            <a:avLst/>
-          </a:prstGeom>
-        </p:spPr>
-        <p:txBody>
-          <a:bodyPr lIns="0" tIns="0" rIns="0" bIns="0"/>
-          <a:lstStyle>
-            <a:lvl1pPr marL="0" indent="0" algn="l" defTabSz="914400" rtl="0" eaLnBrk="1" latinLnBrk="0" hangingPunct="1">
-              <a:lnSpc>
-                <a:spcPct val="100000"/>
-              </a:lnSpc>
-              <a:spcBef>
-                <a:spcPts val="1000"/>
-              </a:spcBef>
-              <a:buFont typeface="Arial" panose="020B0604020202020204" pitchFamily="34" charset="0"/>
-              <a:buNone/>
-              <a:defRPr sz="1800" kern="1200">
-                <a:solidFill>
-                  <a:schemeClr val="bg1"/>
-                </a:solidFill>
-                <a:latin typeface="+mn-lt"/>
-                <a:ea typeface="+mn-ea"/>
-                <a:cs typeface="+mn-cs"/>
-              </a:defRPr>
-            </a:lvl1pPr>
-            <a:lvl2pPr marL="457200" indent="0" algn="l" defTabSz="914400" rtl="0" eaLnBrk="1" latinLnBrk="0" hangingPunct="1">
-              <a:lnSpc>
-                <a:spcPct val="90000"/>
-              </a:lnSpc>
-              <a:spcBef>
-                <a:spcPts val="500"/>
-              </a:spcBef>
-              <a:buFont typeface="Arial" panose="020B0604020202020204" pitchFamily="34" charset="0"/>
-              <a:buNone/>
-              <a:defRPr sz="2000" kern="1200">
-                <a:solidFill>
-                  <a:schemeClr val="bg1"/>
-                </a:solidFill>
-                <a:latin typeface="+mn-lt"/>
-                <a:ea typeface="+mn-ea"/>
-                <a:cs typeface="+mn-cs"/>
-              </a:defRPr>
-            </a:lvl2pPr>
-            <a:lvl3pPr marL="914400" indent="0" algn="l" defTabSz="914400" rtl="0" eaLnBrk="1" latinLnBrk="0" hangingPunct="1">
-              <a:lnSpc>
-                <a:spcPct val="90000"/>
-              </a:lnSpc>
-              <a:spcBef>
-                <a:spcPts val="500"/>
-              </a:spcBef>
-              <a:buFont typeface="Arial" panose="020B0604020202020204" pitchFamily="34" charset="0"/>
-              <a:buNone/>
-              <a:defRPr sz="2000" kern="1200">
-                <a:solidFill>
-                  <a:schemeClr val="bg1"/>
-                </a:solidFill>
-                <a:latin typeface="+mn-lt"/>
-                <a:ea typeface="+mn-ea"/>
-                <a:cs typeface="+mn-cs"/>
-              </a:defRPr>
-            </a:lvl3pPr>
-            <a:lvl4pPr marL="1371600" indent="0" algn="l" defTabSz="914400" rtl="0" eaLnBrk="1" latinLnBrk="0" hangingPunct="1">
-              <a:lnSpc>
-                <a:spcPct val="90000"/>
-              </a:lnSpc>
-              <a:spcBef>
-                <a:spcPts val="500"/>
-              </a:spcBef>
-              <a:buFont typeface="Arial" panose="020B0604020202020204" pitchFamily="34" charset="0"/>
-              <a:buNone/>
-              <a:defRPr sz="2000" kern="1200">
-                <a:solidFill>
-                  <a:schemeClr val="bg1"/>
-                </a:solidFill>
-                <a:latin typeface="+mn-lt"/>
-                <a:ea typeface="+mn-ea"/>
-                <a:cs typeface="+mn-cs"/>
-              </a:defRPr>
-            </a:lvl4pPr>
-            <a:lvl5pPr marL="1828800" indent="0" algn="l" defTabSz="914400" rtl="0" eaLnBrk="1" latinLnBrk="0" hangingPunct="1">
-              <a:lnSpc>
-                <a:spcPct val="90000"/>
-              </a:lnSpc>
-              <a:spcBef>
-                <a:spcPts val="500"/>
-              </a:spcBef>
-              <a:buFont typeface="Arial" panose="020B0604020202020204" pitchFamily="34" charset="0"/>
-              <a:buNone/>
-              <a:defRPr sz="2000" kern="1200">
-                <a:solidFill>
-                  <a:schemeClr val="bg1"/>
-                </a:solidFill>
-                <a:latin typeface="+mn-lt"/>
-                <a:ea typeface="+mn-ea"/>
-                <a:cs typeface="+mn-cs"/>
-              </a:defRPr>
-            </a:lvl5pPr>
-            <a:lvl6pPr marL="2514600" indent="-228600" algn="l" defTabSz="914400" rtl="0" eaLnBrk="1" latinLnBrk="0" hangingPunct="1">
-              <a:lnSpc>
-                <a:spcPct val="90000"/>
-              </a:lnSpc>
-              <a:spcBef>
-                <a:spcPts val="500"/>
-              </a:spcBef>
-              <a:buFont typeface="Arial" panose="020B0604020202020204" pitchFamily="34" charset="0"/>
-              <a:buChar char="•"/>
-              <a:defRPr sz="1800" kern="1200">
-                <a:solidFill>
-                  <a:schemeClr val="tx1"/>
-                </a:solidFill>
-                <a:latin typeface="+mn-lt"/>
-                <a:ea typeface="+mn-ea"/>
-                <a:cs typeface="+mn-cs"/>
-              </a:defRPr>
-            </a:lvl6pPr>
-            <a:lvl7pPr marL="2971800" indent="-228600" algn="l" defTabSz="914400" rtl="0" eaLnBrk="1" latinLnBrk="0" hangingPunct="1">
-              <a:lnSpc>
-                <a:spcPct val="90000"/>
-              </a:lnSpc>
-              <a:spcBef>
-                <a:spcPts val="500"/>
-              </a:spcBef>
-              <a:buFont typeface="Arial" panose="020B0604020202020204" pitchFamily="34" charset="0"/>
-              <a:buChar char="•"/>
-              <a:defRPr sz="1800" kern="1200">
-                <a:solidFill>
-                  <a:schemeClr val="tx1"/>
-                </a:solidFill>
-                <a:latin typeface="+mn-lt"/>
-                <a:ea typeface="+mn-ea"/>
-                <a:cs typeface="+mn-cs"/>
-              </a:defRPr>
-            </a:lvl7pPr>
-            <a:lvl8pPr marL="3429000" indent="-228600" algn="l" defTabSz="914400" rtl="0" eaLnBrk="1" latinLnBrk="0" hangingPunct="1">
-              <a:lnSpc>
-                <a:spcPct val="90000"/>
-              </a:lnSpc>
-              <a:spcBef>
-                <a:spcPts val="500"/>
-              </a:spcBef>
-              <a:buFont typeface="Arial" panose="020B0604020202020204" pitchFamily="34" charset="0"/>
-              <a:buChar char="•"/>
-              <a:defRPr sz="1800" kern="1200">
-                <a:solidFill>
-                  <a:schemeClr val="tx1"/>
-                </a:solidFill>
-                <a:latin typeface="+mn-lt"/>
-                <a:ea typeface="+mn-ea"/>
-                <a:cs typeface="+mn-cs"/>
-              </a:defRPr>
-            </a:lvl8pPr>
-            <a:lvl9pPr marL="3886200" indent="-228600" algn="l" defTabSz="914400" rtl="0" eaLnBrk="1" latinLnBrk="0" hangingPunct="1">
-              <a:lnSpc>
-                <a:spcPct val="90000"/>
-              </a:lnSpc>
-              <a:spcBef>
-                <a:spcPts val="500"/>
-              </a:spcBef>
-              <a:buFont typeface="Arial" panose="020B0604020202020204" pitchFamily="34" charset="0"/>
-              <a:buChar char="•"/>
-              <a:defRPr sz="1800" kern="1200">
-                <a:solidFill>
-                  <a:schemeClr val="tx1"/>
-                </a:solidFill>
-                <a:latin typeface="+mn-lt"/>
-                <a:ea typeface="+mn-ea"/>
-                <a:cs typeface="+mn-cs"/>
-              </a:defRPr>
-            </a:lvl9pPr>
-          </a:lstStyle>
-          <a:p>
             <a:r>
               <a:rPr lang="en-US" sz="2000" b="1" dirty="0"/>
-              <a:t>Wrap-up</a:t>
+              <a:t>Model Implementation</a:t>
             </a:r>
           </a:p>
           <a:p>
@@ -7020,47 +6828,50 @@
             </a:pPr>
             <a:r>
               <a:rPr lang="en-US" sz="2000" dirty="0"/>
-              <a:t>Needed to focus on wrapping up scope</a:t>
-            </a:r>
-          </a:p>
-          <a:p>
-            <a:pPr marL="342900" indent="-342900">
+              <a:t>Implementation in test environment with notebook walk-through</a:t>
+            </a:r>
+          </a:p>
+          <a:p>
+            <a:pPr marL="285750" indent="-285750">
               <a:buFont typeface="Arial" panose="020B0604020202020204" pitchFamily="34" charset="0"/>
               <a:buChar char="•"/>
             </a:pPr>
             <a:r>
               <a:rPr lang="en-US" sz="2000" dirty="0"/>
-              <a:t>Test environment walkthrough added some scope</a:t>
-            </a:r>
-          </a:p>
-          <a:p>
-            <a:pPr marL="342900" indent="-342900">
+              <a:t>Still needs additional work</a:t>
+            </a:r>
+          </a:p>
+          <a:p>
+            <a:pPr marL="285750" indent="-285750">
+              <a:buFont typeface="Arial" panose="020B0604020202020204" pitchFamily="34" charset="0"/>
+              <a:buChar char="•"/>
+            </a:pPr>
+            <a:r>
+              <a:rPr lang="en-US" sz="2000" dirty="0"/>
+              <a:t>As real-time data streaming to InfluxDB is not available this will be the main implementation</a:t>
+            </a:r>
+            <a:endParaRPr lang="en-US" dirty="0"/>
+          </a:p>
+          <a:p>
+            <a:pPr marL="742950" lvl="1" indent="-285750">
               <a:buFont typeface="Arial" panose="020B0604020202020204" pitchFamily="34" charset="0"/>
               <a:buChar char="•"/>
             </a:pPr>
             <a:endParaRPr lang="en-US" sz="2000" dirty="0"/>
           </a:p>
           <a:p>
-            <a:r>
-              <a:rPr lang="en-US" sz="2000" b="1" dirty="0"/>
-              <a:t>Dashboard</a:t>
-            </a:r>
-          </a:p>
-          <a:p>
-            <a:pPr marL="342900" indent="-342900">
-              <a:buFont typeface="Arial" panose="020B0604020202020204" pitchFamily="34" charset="0"/>
-              <a:buChar char="•"/>
-            </a:pPr>
-            <a:r>
-              <a:rPr lang="en-US" sz="2000" dirty="0"/>
-              <a:t>Dashboard didn’t go as fast as hoped – while the Dashboard implementation in InfluxDB is easy, Boolean data is not handled well</a:t>
-            </a:r>
-          </a:p>
-          <a:p>
-            <a:endParaRPr lang="en-US" dirty="0"/>
-          </a:p>
-          <a:p>
-            <a:endParaRPr lang="en-US" dirty="0"/>
+            <a:pPr lvl="1"/>
+            <a:endParaRPr lang="en-US" sz="2000" dirty="0"/>
+          </a:p>
+          <a:p>
+            <a:r>
+              <a:rPr lang="en-US" sz="2000" dirty="0">
+                <a:solidFill>
+                  <a:srgbClr val="FFC000"/>
+                </a:solidFill>
+              </a:rPr>
+              <a:t>Additional work required on this during the week</a:t>
+            </a:r>
           </a:p>
           <a:p>
             <a:endParaRPr lang="en-US" sz="2400" dirty="0"/>
@@ -7070,7 +6881,7 @@
     </p:spTree>
     <p:extLst>
       <p:ext uri="{BB962C8B-B14F-4D97-AF65-F5344CB8AC3E}">
-        <p14:creationId xmlns:p14="http://schemas.microsoft.com/office/powerpoint/2010/main" val="1978768509"/>
+        <p14:creationId xmlns:p14="http://schemas.microsoft.com/office/powerpoint/2010/main" val="567051792"/>
       </p:ext>
     </p:extLst>
   </p:cSld>
@@ -7125,7 +6936,7 @@
           <a:p>
             <a:r>
               <a:rPr lang="en-US" dirty="0"/>
-              <a:t>Client Meetings</a:t>
+              <a:t>Challenges</a:t>
             </a:r>
             <a:br>
               <a:rPr lang="en-US" dirty="0"/>
@@ -7167,6 +6978,12 @@
           </a:p>
           <a:p>
             <a:endParaRPr lang="en-US" sz="2400" dirty="0"/>
+          </a:p>
+          <a:p>
+            <a:endParaRPr lang="en-US" sz="2400" dirty="0"/>
+          </a:p>
+          <a:p>
+            <a:endParaRPr lang="en-US" sz="2400" u="sng" dirty="0"/>
           </a:p>
         </p:txBody>
       </p:sp>
@@ -7278,10 +7095,10 @@
       </p:sp>
       <p:sp>
         <p:nvSpPr>
-          <p:cNvPr id="9" name="Content Placeholder 2">
-            <a:extLst>
-              <a:ext uri="{FF2B5EF4-FFF2-40B4-BE49-F238E27FC236}">
-                <a16:creationId xmlns:a16="http://schemas.microsoft.com/office/drawing/2014/main" id="{7C172C58-D932-4A77-BB13-53AB5F9B696A}"/>
+          <p:cNvPr id="8" name="Content Placeholder 2">
+            <a:extLst>
+              <a:ext uri="{FF2B5EF4-FFF2-40B4-BE49-F238E27FC236}">
+                <a16:creationId xmlns:a16="http://schemas.microsoft.com/office/drawing/2014/main" id="{0602D64C-7A74-4F54-BE39-917963439AAF}"/>
               </a:ext>
             </a:extLst>
           </p:cNvPr>
@@ -7292,8 +7109,8 @@
         </p:nvSpPr>
         <p:spPr>
           <a:xfrm>
-            <a:off x="1028699" y="2183102"/>
-            <a:ext cx="9791700" cy="2995388"/>
+            <a:off x="1181100" y="2438403"/>
+            <a:ext cx="9791700" cy="3568696"/>
           </a:xfrm>
           <a:prstGeom prst="rect">
             <a:avLst/>
@@ -7466,57 +7283,263 @@
             </a:lvl9pPr>
           </a:lstStyle>
           <a:p>
+            <a:endParaRPr lang="en-US" sz="2400"/>
+          </a:p>
+        </p:txBody>
+      </p:sp>
+      <p:sp>
+        <p:nvSpPr>
+          <p:cNvPr id="9" name="Content Placeholder 2">
+            <a:extLst>
+              <a:ext uri="{FF2B5EF4-FFF2-40B4-BE49-F238E27FC236}">
+                <a16:creationId xmlns:a16="http://schemas.microsoft.com/office/drawing/2014/main" id="{39A4B542-AD86-4947-BE50-B8A0EC20CC09}"/>
+              </a:ext>
+            </a:extLst>
+          </p:cNvPr>
+          <p:cNvSpPr txBox="1">
+            <a:spLocks/>
+          </p:cNvSpPr>
+          <p:nvPr/>
+        </p:nvSpPr>
+        <p:spPr>
+          <a:xfrm>
+            <a:off x="1028700" y="2183994"/>
+            <a:ext cx="10464800" cy="4020863"/>
+          </a:xfrm>
+          <a:prstGeom prst="rect">
+            <a:avLst/>
+          </a:prstGeom>
+        </p:spPr>
+        <p:txBody>
+          <a:bodyPr lIns="0" tIns="0" rIns="0" bIns="0"/>
+          <a:lstStyle>
+            <a:lvl1pPr marL="0" indent="0" algn="l" defTabSz="914400" rtl="0" eaLnBrk="1" latinLnBrk="0" hangingPunct="1">
+              <a:lnSpc>
+                <a:spcPct val="100000"/>
+              </a:lnSpc>
+              <a:spcBef>
+                <a:spcPts val="1000"/>
+              </a:spcBef>
+              <a:buFont typeface="Arial" panose="020B0604020202020204" pitchFamily="34" charset="0"/>
+              <a:buNone/>
+              <a:defRPr sz="1800" kern="1200">
+                <a:solidFill>
+                  <a:schemeClr val="bg1"/>
+                </a:solidFill>
+                <a:latin typeface="+mn-lt"/>
+                <a:ea typeface="+mn-ea"/>
+                <a:cs typeface="+mn-cs"/>
+              </a:defRPr>
+            </a:lvl1pPr>
+            <a:lvl2pPr marL="457200" indent="0" algn="l" defTabSz="914400" rtl="0" eaLnBrk="1" latinLnBrk="0" hangingPunct="1">
+              <a:lnSpc>
+                <a:spcPct val="90000"/>
+              </a:lnSpc>
+              <a:spcBef>
+                <a:spcPts val="500"/>
+              </a:spcBef>
+              <a:buFont typeface="Arial" panose="020B0604020202020204" pitchFamily="34" charset="0"/>
+              <a:buNone/>
+              <a:defRPr sz="2000" kern="1200">
+                <a:solidFill>
+                  <a:schemeClr val="bg1"/>
+                </a:solidFill>
+                <a:latin typeface="+mn-lt"/>
+                <a:ea typeface="+mn-ea"/>
+                <a:cs typeface="+mn-cs"/>
+              </a:defRPr>
+            </a:lvl2pPr>
+            <a:lvl3pPr marL="914400" indent="0" algn="l" defTabSz="914400" rtl="0" eaLnBrk="1" latinLnBrk="0" hangingPunct="1">
+              <a:lnSpc>
+                <a:spcPct val="90000"/>
+              </a:lnSpc>
+              <a:spcBef>
+                <a:spcPts val="500"/>
+              </a:spcBef>
+              <a:buFont typeface="Arial" panose="020B0604020202020204" pitchFamily="34" charset="0"/>
+              <a:buNone/>
+              <a:defRPr sz="2000" kern="1200">
+                <a:solidFill>
+                  <a:schemeClr val="bg1"/>
+                </a:solidFill>
+                <a:latin typeface="+mn-lt"/>
+                <a:ea typeface="+mn-ea"/>
+                <a:cs typeface="+mn-cs"/>
+              </a:defRPr>
+            </a:lvl3pPr>
+            <a:lvl4pPr marL="1371600" indent="0" algn="l" defTabSz="914400" rtl="0" eaLnBrk="1" latinLnBrk="0" hangingPunct="1">
+              <a:lnSpc>
+                <a:spcPct val="90000"/>
+              </a:lnSpc>
+              <a:spcBef>
+                <a:spcPts val="500"/>
+              </a:spcBef>
+              <a:buFont typeface="Arial" panose="020B0604020202020204" pitchFamily="34" charset="0"/>
+              <a:buNone/>
+              <a:defRPr sz="2000" kern="1200">
+                <a:solidFill>
+                  <a:schemeClr val="bg1"/>
+                </a:solidFill>
+                <a:latin typeface="+mn-lt"/>
+                <a:ea typeface="+mn-ea"/>
+                <a:cs typeface="+mn-cs"/>
+              </a:defRPr>
+            </a:lvl4pPr>
+            <a:lvl5pPr marL="1828800" indent="0" algn="l" defTabSz="914400" rtl="0" eaLnBrk="1" latinLnBrk="0" hangingPunct="1">
+              <a:lnSpc>
+                <a:spcPct val="90000"/>
+              </a:lnSpc>
+              <a:spcBef>
+                <a:spcPts val="500"/>
+              </a:spcBef>
+              <a:buFont typeface="Arial" panose="020B0604020202020204" pitchFamily="34" charset="0"/>
+              <a:buNone/>
+              <a:defRPr sz="2000" kern="1200">
+                <a:solidFill>
+                  <a:schemeClr val="bg1"/>
+                </a:solidFill>
+                <a:latin typeface="+mn-lt"/>
+                <a:ea typeface="+mn-ea"/>
+                <a:cs typeface="+mn-cs"/>
+              </a:defRPr>
+            </a:lvl5pPr>
+            <a:lvl6pPr marL="2514600" indent="-228600" algn="l" defTabSz="914400" rtl="0" eaLnBrk="1" latinLnBrk="0" hangingPunct="1">
+              <a:lnSpc>
+                <a:spcPct val="90000"/>
+              </a:lnSpc>
+              <a:spcBef>
+                <a:spcPts val="500"/>
+              </a:spcBef>
+              <a:buFont typeface="Arial" panose="020B0604020202020204" pitchFamily="34" charset="0"/>
+              <a:buChar char="•"/>
+              <a:defRPr sz="1800" kern="1200">
+                <a:solidFill>
+                  <a:schemeClr val="tx1"/>
+                </a:solidFill>
+                <a:latin typeface="+mn-lt"/>
+                <a:ea typeface="+mn-ea"/>
+                <a:cs typeface="+mn-cs"/>
+              </a:defRPr>
+            </a:lvl6pPr>
+            <a:lvl7pPr marL="2971800" indent="-228600" algn="l" defTabSz="914400" rtl="0" eaLnBrk="1" latinLnBrk="0" hangingPunct="1">
+              <a:lnSpc>
+                <a:spcPct val="90000"/>
+              </a:lnSpc>
+              <a:spcBef>
+                <a:spcPts val="500"/>
+              </a:spcBef>
+              <a:buFont typeface="Arial" panose="020B0604020202020204" pitchFamily="34" charset="0"/>
+              <a:buChar char="•"/>
+              <a:defRPr sz="1800" kern="1200">
+                <a:solidFill>
+                  <a:schemeClr val="tx1"/>
+                </a:solidFill>
+                <a:latin typeface="+mn-lt"/>
+                <a:ea typeface="+mn-ea"/>
+                <a:cs typeface="+mn-cs"/>
+              </a:defRPr>
+            </a:lvl7pPr>
+            <a:lvl8pPr marL="3429000" indent="-228600" algn="l" defTabSz="914400" rtl="0" eaLnBrk="1" latinLnBrk="0" hangingPunct="1">
+              <a:lnSpc>
+                <a:spcPct val="90000"/>
+              </a:lnSpc>
+              <a:spcBef>
+                <a:spcPts val="500"/>
+              </a:spcBef>
+              <a:buFont typeface="Arial" panose="020B0604020202020204" pitchFamily="34" charset="0"/>
+              <a:buChar char="•"/>
+              <a:defRPr sz="1800" kern="1200">
+                <a:solidFill>
+                  <a:schemeClr val="tx1"/>
+                </a:solidFill>
+                <a:latin typeface="+mn-lt"/>
+                <a:ea typeface="+mn-ea"/>
+                <a:cs typeface="+mn-cs"/>
+              </a:defRPr>
+            </a:lvl8pPr>
+            <a:lvl9pPr marL="3886200" indent="-228600" algn="l" defTabSz="914400" rtl="0" eaLnBrk="1" latinLnBrk="0" hangingPunct="1">
+              <a:lnSpc>
+                <a:spcPct val="90000"/>
+              </a:lnSpc>
+              <a:spcBef>
+                <a:spcPts val="500"/>
+              </a:spcBef>
+              <a:buFont typeface="Arial" panose="020B0604020202020204" pitchFamily="34" charset="0"/>
+              <a:buChar char="•"/>
+              <a:defRPr sz="1800" kern="1200">
+                <a:solidFill>
+                  <a:schemeClr val="tx1"/>
+                </a:solidFill>
+                <a:latin typeface="+mn-lt"/>
+                <a:ea typeface="+mn-ea"/>
+                <a:cs typeface="+mn-cs"/>
+              </a:defRPr>
+            </a:lvl9pPr>
+          </a:lstStyle>
+          <a:p>
             <a:r>
               <a:rPr lang="en-US" sz="2000" b="1" dirty="0"/>
-              <a:t>Thursday Sprint Planning</a:t>
-            </a:r>
-          </a:p>
-          <a:p>
-            <a:pPr marL="285750" indent="-285750">
+              <a:t>Wrap-up</a:t>
+            </a:r>
+          </a:p>
+          <a:p>
+            <a:pPr marL="342900" indent="-342900">
               <a:buFont typeface="Arial" panose="020B0604020202020204" pitchFamily="34" charset="0"/>
               <a:buChar char="•"/>
             </a:pPr>
             <a:r>
               <a:rPr lang="en-US" sz="2000" dirty="0"/>
-              <a:t>Plan for next week tasks, discuss final project wrap-up</a:t>
-            </a:r>
-          </a:p>
-          <a:p>
-            <a:pPr marL="285750" indent="-285750">
+              <a:t>Needed to focus on wrapping up scope</a:t>
+            </a:r>
+          </a:p>
+          <a:p>
+            <a:pPr marL="342900" indent="-342900">
               <a:buFont typeface="Arial" panose="020B0604020202020204" pitchFamily="34" charset="0"/>
               <a:buChar char="•"/>
             </a:pPr>
             <a:r>
               <a:rPr lang="en-US" sz="2000" dirty="0"/>
-              <a:t>Provide draft report to UDL Wednesday EOD</a:t>
-            </a:r>
-          </a:p>
-          <a:p>
-            <a:pPr marL="285750" indent="-285750">
-              <a:buFont typeface="Arial" panose="020B0604020202020204" pitchFamily="34" charset="0"/>
-              <a:buChar char="•"/>
-            </a:pPr>
-            <a:r>
-              <a:rPr lang="en-US" sz="2000" dirty="0"/>
-              <a:t>Present to UDL the following Wednesday</a:t>
-            </a:r>
-          </a:p>
-          <a:p>
-            <a:pPr marL="285750" indent="-285750">
+              <a:t>Test environment walkthrough added some scope</a:t>
+            </a:r>
+          </a:p>
+          <a:p>
+            <a:pPr marL="342900" indent="-342900">
               <a:buFont typeface="Arial" panose="020B0604020202020204" pitchFamily="34" charset="0"/>
               <a:buChar char="•"/>
             </a:pPr>
             <a:endParaRPr lang="en-US" sz="2000" dirty="0"/>
           </a:p>
           <a:p>
-            <a:endParaRPr lang="en-US" sz="2000" dirty="0"/>
+            <a:r>
+              <a:rPr lang="en-US" sz="2000" b="1" dirty="0"/>
+              <a:t>Dashboard</a:t>
+            </a:r>
+          </a:p>
+          <a:p>
+            <a:pPr marL="342900" indent="-342900">
+              <a:buFont typeface="Arial" panose="020B0604020202020204" pitchFamily="34" charset="0"/>
+              <a:buChar char="•"/>
+            </a:pPr>
+            <a:r>
+              <a:rPr lang="en-US" sz="2000" dirty="0"/>
+              <a:t>Dashboard didn’t go as fast as hoped – while the Dashboard implementation in InfluxDB is easy, Boolean data is not handled well</a:t>
+            </a:r>
+          </a:p>
+          <a:p>
+            <a:endParaRPr lang="en-US" dirty="0"/>
+          </a:p>
+          <a:p>
+            <a:endParaRPr lang="en-US" dirty="0"/>
+          </a:p>
+          <a:p>
+            <a:endParaRPr lang="en-US" sz="2400" dirty="0"/>
           </a:p>
         </p:txBody>
       </p:sp>
     </p:spTree>
     <p:extLst>
       <p:ext uri="{BB962C8B-B14F-4D97-AF65-F5344CB8AC3E}">
-        <p14:creationId xmlns:p14="http://schemas.microsoft.com/office/powerpoint/2010/main" val="292486484"/>
+        <p14:creationId xmlns:p14="http://schemas.microsoft.com/office/powerpoint/2010/main" val="1978768509"/>
       </p:ext>
     </p:extLst>
   </p:cSld>
@@ -7571,7 +7594,7 @@
           <a:p>
             <a:r>
               <a:rPr lang="en-US" dirty="0"/>
-              <a:t>Time Summary</a:t>
+              <a:t>Client Meetings</a:t>
             </a:r>
             <a:br>
               <a:rPr lang="en-US" dirty="0"/>
@@ -7613,12 +7636,6 @@
           </a:p>
           <a:p>
             <a:endParaRPr lang="en-US" sz="2400" dirty="0"/>
-          </a:p>
-          <a:p>
-            <a:endParaRPr lang="en-US" sz="2400" dirty="0"/>
-          </a:p>
-          <a:p>
-            <a:endParaRPr lang="en-US" sz="2400" u="sng" dirty="0"/>
           </a:p>
         </p:txBody>
       </p:sp>
@@ -7730,10 +7747,10 @@
       </p:sp>
       <p:sp>
         <p:nvSpPr>
-          <p:cNvPr id="8" name="Content Placeholder 2">
-            <a:extLst>
-              <a:ext uri="{FF2B5EF4-FFF2-40B4-BE49-F238E27FC236}">
-                <a16:creationId xmlns:a16="http://schemas.microsoft.com/office/drawing/2014/main" id="{0602D64C-7A74-4F54-BE39-917963439AAF}"/>
+          <p:cNvPr id="9" name="Content Placeholder 2">
+            <a:extLst>
+              <a:ext uri="{FF2B5EF4-FFF2-40B4-BE49-F238E27FC236}">
+                <a16:creationId xmlns:a16="http://schemas.microsoft.com/office/drawing/2014/main" id="{7C172C58-D932-4A77-BB13-53AB5F9B696A}"/>
               </a:ext>
             </a:extLst>
           </p:cNvPr>
@@ -7744,8 +7761,8 @@
         </p:nvSpPr>
         <p:spPr>
           <a:xfrm>
-            <a:off x="1181100" y="2438403"/>
-            <a:ext cx="9791700" cy="3568696"/>
+            <a:off x="1028699" y="2183102"/>
+            <a:ext cx="9791700" cy="2995388"/>
           </a:xfrm>
           <a:prstGeom prst="rect">
             <a:avLst/>
@@ -7918,44 +7935,57 @@
             </a:lvl9pPr>
           </a:lstStyle>
           <a:p>
-            <a:endParaRPr lang="en-US" sz="2400"/>
-          </a:p>
-        </p:txBody>
-      </p:sp>
-      <p:pic>
-        <p:nvPicPr>
-          <p:cNvPr id="9" name="Picture 8">
-            <a:extLst>
-              <a:ext uri="{FF2B5EF4-FFF2-40B4-BE49-F238E27FC236}">
-                <a16:creationId xmlns:a16="http://schemas.microsoft.com/office/drawing/2014/main" id="{D8539A36-1E55-4FF5-873D-50B6E2583D4E}"/>
-              </a:ext>
-            </a:extLst>
-          </p:cNvPr>
-          <p:cNvPicPr>
-            <a:picLocks noChangeAspect="1"/>
-          </p:cNvPicPr>
-          <p:nvPr/>
-        </p:nvPicPr>
-        <p:blipFill>
-          <a:blip r:embed="rId2"/>
-          <a:stretch>
-            <a:fillRect/>
-          </a:stretch>
-        </p:blipFill>
-        <p:spPr>
-          <a:xfrm>
-            <a:off x="930179" y="2133603"/>
-            <a:ext cx="10375208" cy="3219632"/>
-          </a:xfrm>
-          <a:prstGeom prst="rect">
-            <a:avLst/>
-          </a:prstGeom>
-        </p:spPr>
-      </p:pic>
+            <a:r>
+              <a:rPr lang="en-US" sz="2000" b="1" dirty="0"/>
+              <a:t>Thursday Sprint Planning</a:t>
+            </a:r>
+          </a:p>
+          <a:p>
+            <a:pPr marL="285750" indent="-285750">
+              <a:buFont typeface="Arial" panose="020B0604020202020204" pitchFamily="34" charset="0"/>
+              <a:buChar char="•"/>
+            </a:pPr>
+            <a:r>
+              <a:rPr lang="en-US" sz="2000" dirty="0"/>
+              <a:t>Plan for next week tasks, discuss final project wrap-up</a:t>
+            </a:r>
+          </a:p>
+          <a:p>
+            <a:pPr marL="285750" indent="-285750">
+              <a:buFont typeface="Arial" panose="020B0604020202020204" pitchFamily="34" charset="0"/>
+              <a:buChar char="•"/>
+            </a:pPr>
+            <a:r>
+              <a:rPr lang="en-US" sz="2000" dirty="0"/>
+              <a:t>Provide draft report to UDL Wednesday EOD</a:t>
+            </a:r>
+          </a:p>
+          <a:p>
+            <a:pPr marL="285750" indent="-285750">
+              <a:buFont typeface="Arial" panose="020B0604020202020204" pitchFamily="34" charset="0"/>
+              <a:buChar char="•"/>
+            </a:pPr>
+            <a:r>
+              <a:rPr lang="en-US" sz="2000" dirty="0"/>
+              <a:t>Present to UDL the following Wednesday</a:t>
+            </a:r>
+          </a:p>
+          <a:p>
+            <a:pPr marL="285750" indent="-285750">
+              <a:buFont typeface="Arial" panose="020B0604020202020204" pitchFamily="34" charset="0"/>
+              <a:buChar char="•"/>
+            </a:pPr>
+            <a:endParaRPr lang="en-US" sz="2000" dirty="0"/>
+          </a:p>
+          <a:p>
+            <a:endParaRPr lang="en-US" sz="2000" dirty="0"/>
+          </a:p>
+        </p:txBody>
+      </p:sp>
     </p:spTree>
     <p:extLst>
       <p:ext uri="{BB962C8B-B14F-4D97-AF65-F5344CB8AC3E}">
-        <p14:creationId xmlns:p14="http://schemas.microsoft.com/office/powerpoint/2010/main" val="145380010"/>
+        <p14:creationId xmlns:p14="http://schemas.microsoft.com/office/powerpoint/2010/main" val="292486484"/>
       </p:ext>
     </p:extLst>
   </p:cSld>
@@ -7984,10 +8014,10 @@
       </p:grpSpPr>
       <p:sp>
         <p:nvSpPr>
-          <p:cNvPr id="3" name="Title 2">
-            <a:extLst>
-              <a:ext uri="{FF2B5EF4-FFF2-40B4-BE49-F238E27FC236}">
-                <a16:creationId xmlns:a16="http://schemas.microsoft.com/office/drawing/2014/main" id="{AB324FA0-0DB4-3942-B6B8-27D09C4FFA0C}"/>
+          <p:cNvPr id="2" name="Title 1">
+            <a:extLst>
+              <a:ext uri="{FF2B5EF4-FFF2-40B4-BE49-F238E27FC236}">
+                <a16:creationId xmlns:a16="http://schemas.microsoft.com/office/drawing/2014/main" id="{A8E966EE-4FBD-534E-AAED-6C54465EF91C}"/>
               </a:ext>
             </a:extLst>
           </p:cNvPr>
@@ -7998,15 +8028,66 @@
             <p:ph type="title"/>
           </p:nvPr>
         </p:nvSpPr>
-        <p:spPr/>
+        <p:spPr>
+          <a:xfrm>
+            <a:off x="1028699" y="381000"/>
+            <a:ext cx="10086976" cy="1263352"/>
+          </a:xfrm>
+        </p:spPr>
         <p:txBody>
           <a:bodyPr/>
           <a:lstStyle/>
           <a:p>
             <a:r>
               <a:rPr lang="en-US" dirty="0"/>
-              <a:t>Next/Final Week Planning</a:t>
-            </a:r>
+              <a:t>Time Summary</a:t>
+            </a:r>
+            <a:br>
+              <a:rPr lang="en-US" dirty="0"/>
+            </a:br>
+            <a:r>
+              <a:rPr lang="en-US" sz="3000" dirty="0"/>
+              <a:t>Previous Week (June 7 - 13)</a:t>
+            </a:r>
+          </a:p>
+        </p:txBody>
+      </p:sp>
+      <p:sp>
+        <p:nvSpPr>
+          <p:cNvPr id="3" name="Content Placeholder 2">
+            <a:extLst>
+              <a:ext uri="{FF2B5EF4-FFF2-40B4-BE49-F238E27FC236}">
+                <a16:creationId xmlns:a16="http://schemas.microsoft.com/office/drawing/2014/main" id="{0EC737E2-1EBF-6244-8E0A-274D170CCCE9}"/>
+              </a:ext>
+            </a:extLst>
+          </p:cNvPr>
+          <p:cNvSpPr>
+            <a:spLocks noGrp="1"/>
+          </p:cNvSpPr>
+          <p:nvPr>
+            <p:ph sz="half" idx="1"/>
+          </p:nvPr>
+        </p:nvSpPr>
+        <p:spPr>
+          <a:xfrm>
+            <a:off x="1028700" y="2286003"/>
+            <a:ext cx="9791700" cy="3568696"/>
+          </a:xfrm>
+        </p:spPr>
+        <p:txBody>
+          <a:bodyPr/>
+          <a:lstStyle/>
+          <a:p>
+            <a:endParaRPr lang="en-US" dirty="0"/>
+          </a:p>
+          <a:p>
+            <a:endParaRPr lang="en-US" sz="2400" dirty="0"/>
+          </a:p>
+          <a:p>
+            <a:endParaRPr lang="en-US" sz="2400" dirty="0"/>
+          </a:p>
+          <a:p>
+            <a:endParaRPr lang="en-US" sz="2400" u="sng" dirty="0"/>
           </a:p>
         </p:txBody>
       </p:sp>
@@ -8015,7 +8096,7 @@
           <p:cNvPr id="4" name="Date Placeholder 3">
             <a:extLst>
               <a:ext uri="{FF2B5EF4-FFF2-40B4-BE49-F238E27FC236}">
-                <a16:creationId xmlns:a16="http://schemas.microsoft.com/office/drawing/2014/main" id="{872757B9-F955-4193-88D9-F4EA85D547DA}"/>
+                <a16:creationId xmlns:a16="http://schemas.microsoft.com/office/drawing/2014/main" id="{D8E5B39E-73CB-4B96-BBFA-E350F71F2E1F}"/>
               </a:ext>
             </a:extLst>
           </p:cNvPr>
@@ -8038,7 +8119,7 @@
           <a:p>
             <a:r>
               <a:rPr lang="en-US" dirty="0"/>
-              <a:t>June 15, 2021 </a:t>
+              <a:t>June 15, 2021</a:t>
             </a:r>
           </a:p>
         </p:txBody>
@@ -8048,7 +8129,7 @@
           <p:cNvPr id="5" name="Footer Placeholder 4">
             <a:extLst>
               <a:ext uri="{FF2B5EF4-FFF2-40B4-BE49-F238E27FC236}">
-                <a16:creationId xmlns:a16="http://schemas.microsoft.com/office/drawing/2014/main" id="{23AB3FA8-4599-46DB-9C0B-749220AC2384}"/>
+                <a16:creationId xmlns:a16="http://schemas.microsoft.com/office/drawing/2014/main" id="{CD9C25C0-C28C-43A9-A830-FCBFC8BAA610}"/>
               </a:ext>
             </a:extLst>
           </p:cNvPr>
@@ -8086,7 +8167,7 @@
           <p:cNvPr id="6" name="Slide Number Placeholder 5">
             <a:extLst>
               <a:ext uri="{FF2B5EF4-FFF2-40B4-BE49-F238E27FC236}">
-                <a16:creationId xmlns:a16="http://schemas.microsoft.com/office/drawing/2014/main" id="{6841C65C-0714-4BCD-8550-1DD2C44FAD8F}"/>
+                <a16:creationId xmlns:a16="http://schemas.microsoft.com/office/drawing/2014/main" id="{2ADE5F9E-39DA-49B7-8AA0-FF8E2B15DEEB}"/>
               </a:ext>
             </a:extLst>
           </p:cNvPr>
@@ -8118,10 +8199,10 @@
       </p:sp>
       <p:sp>
         <p:nvSpPr>
-          <p:cNvPr id="7" name="Content Placeholder 2">
-            <a:extLst>
-              <a:ext uri="{FF2B5EF4-FFF2-40B4-BE49-F238E27FC236}">
-                <a16:creationId xmlns:a16="http://schemas.microsoft.com/office/drawing/2014/main" id="{1B053E32-00B8-4F5A-A2D8-2B2D76DB5655}"/>
+          <p:cNvPr id="8" name="Content Placeholder 2">
+            <a:extLst>
+              <a:ext uri="{FF2B5EF4-FFF2-40B4-BE49-F238E27FC236}">
+                <a16:creationId xmlns:a16="http://schemas.microsoft.com/office/drawing/2014/main" id="{0602D64C-7A74-4F54-BE39-917963439AAF}"/>
               </a:ext>
             </a:extLst>
           </p:cNvPr>
@@ -8132,7 +8213,7 @@
         </p:nvSpPr>
         <p:spPr>
           <a:xfrm>
-            <a:off x="1028699" y="2183102"/>
+            <a:off x="1181100" y="2438403"/>
             <a:ext cx="9791700" cy="3568696"/>
           </a:xfrm>
           <a:prstGeom prst="rect">
@@ -8306,48 +8387,44 @@
             </a:lvl9pPr>
           </a:lstStyle>
           <a:p>
-            <a:r>
-              <a:rPr lang="en-US" sz="2400" b="1" dirty="0"/>
-              <a:t>Week 7 Goals: Reporting</a:t>
-            </a:r>
-          </a:p>
-          <a:p>
-            <a:pPr marL="285750" indent="-285750">
-              <a:buFont typeface="Arial" panose="020B0604020202020204" pitchFamily="34" charset="0"/>
-              <a:buChar char="•"/>
-            </a:pPr>
-            <a:r>
-              <a:rPr lang="en-US" sz="2000" dirty="0"/>
-              <a:t>Complete Report</a:t>
-            </a:r>
-          </a:p>
-          <a:p>
-            <a:pPr marL="285750" indent="-285750">
-              <a:buFont typeface="Arial" panose="020B0604020202020204" pitchFamily="34" charset="0"/>
-              <a:buChar char="•"/>
-            </a:pPr>
-            <a:r>
-              <a:rPr lang="en-US" sz="2000" dirty="0"/>
-              <a:t>Complete Presentation</a:t>
-            </a:r>
-          </a:p>
-          <a:p>
-            <a:pPr marL="285750" indent="-285750">
-              <a:buFont typeface="Arial" panose="020B0604020202020204" pitchFamily="34" charset="0"/>
-              <a:buChar char="•"/>
-            </a:pPr>
-            <a:r>
-              <a:rPr lang="en-US" sz="2000" dirty="0"/>
-              <a:t>Complete Walkthrough/Code/Repo Wrap-up Code</a:t>
-            </a:r>
-            <a:endParaRPr lang="en-US" sz="2400" dirty="0"/>
-          </a:p>
-        </p:txBody>
-      </p:sp>
+            <a:endParaRPr lang="en-US" sz="2400"/>
+          </a:p>
+        </p:txBody>
+      </p:sp>
+      <p:pic>
+        <p:nvPicPr>
+          <p:cNvPr id="9" name="Picture 8">
+            <a:extLst>
+              <a:ext uri="{FF2B5EF4-FFF2-40B4-BE49-F238E27FC236}">
+                <a16:creationId xmlns:a16="http://schemas.microsoft.com/office/drawing/2014/main" id="{D8539A36-1E55-4FF5-873D-50B6E2583D4E}"/>
+              </a:ext>
+            </a:extLst>
+          </p:cNvPr>
+          <p:cNvPicPr>
+            <a:picLocks noChangeAspect="1"/>
+          </p:cNvPicPr>
+          <p:nvPr/>
+        </p:nvPicPr>
+        <p:blipFill>
+          <a:blip r:embed="rId2"/>
+          <a:stretch>
+            <a:fillRect/>
+          </a:stretch>
+        </p:blipFill>
+        <p:spPr>
+          <a:xfrm>
+            <a:off x="930179" y="2133603"/>
+            <a:ext cx="10375208" cy="3219632"/>
+          </a:xfrm>
+          <a:prstGeom prst="rect">
+            <a:avLst/>
+          </a:prstGeom>
+        </p:spPr>
+      </p:pic>
     </p:spTree>
     <p:extLst>
       <p:ext uri="{BB962C8B-B14F-4D97-AF65-F5344CB8AC3E}">
-        <p14:creationId xmlns:p14="http://schemas.microsoft.com/office/powerpoint/2010/main" val="3702769432"/>
+        <p14:creationId xmlns:p14="http://schemas.microsoft.com/office/powerpoint/2010/main" val="145380010"/>
       </p:ext>
     </p:extLst>
   </p:cSld>
@@ -8376,10 +8453,10 @@
       </p:grpSpPr>
       <p:sp>
         <p:nvSpPr>
-          <p:cNvPr id="2" name="Title 1">
-            <a:extLst>
-              <a:ext uri="{FF2B5EF4-FFF2-40B4-BE49-F238E27FC236}">
-                <a16:creationId xmlns:a16="http://schemas.microsoft.com/office/drawing/2014/main" id="{A8E966EE-4FBD-534E-AAED-6C54465EF91C}"/>
+          <p:cNvPr id="3" name="Title 2">
+            <a:extLst>
+              <a:ext uri="{FF2B5EF4-FFF2-40B4-BE49-F238E27FC236}">
+                <a16:creationId xmlns:a16="http://schemas.microsoft.com/office/drawing/2014/main" id="{AB324FA0-0DB4-3942-B6B8-27D09C4FFA0C}"/>
               </a:ext>
             </a:extLst>
           </p:cNvPr>
@@ -8390,92 +8467,47 @@
             <p:ph type="title"/>
           </p:nvPr>
         </p:nvSpPr>
-        <p:spPr>
-          <a:xfrm>
-            <a:off x="1028699" y="381000"/>
-            <a:ext cx="10086976" cy="1263352"/>
-          </a:xfrm>
-        </p:spPr>
+        <p:spPr/>
         <p:txBody>
           <a:bodyPr/>
           <a:lstStyle/>
           <a:p>
             <a:r>
               <a:rPr lang="en-US" dirty="0"/>
-              <a:t>Individual Tasks</a:t>
-            </a:r>
-            <a:br>
-              <a:rPr lang="en-US" dirty="0"/>
-            </a:br>
-            <a:r>
-              <a:rPr lang="en-US" sz="3000" dirty="0"/>
-              <a:t>Next Week (June 14 - 22)</a:t>
-            </a:r>
-          </a:p>
-        </p:txBody>
-      </p:sp>
-      <p:sp>
-        <p:nvSpPr>
-          <p:cNvPr id="3" name="Content Placeholder 2">
-            <a:extLst>
-              <a:ext uri="{FF2B5EF4-FFF2-40B4-BE49-F238E27FC236}">
-                <a16:creationId xmlns:a16="http://schemas.microsoft.com/office/drawing/2014/main" id="{0EC737E2-1EBF-6244-8E0A-274D170CCCE9}"/>
-              </a:ext>
-            </a:extLst>
-          </p:cNvPr>
-          <p:cNvSpPr>
-            <a:spLocks noGrp="1"/>
-          </p:cNvSpPr>
-          <p:nvPr>
-            <p:ph sz="half" idx="1"/>
-          </p:nvPr>
-        </p:nvSpPr>
-        <p:spPr>
-          <a:xfrm>
-            <a:off x="1028700" y="2286003"/>
-            <a:ext cx="9791700" cy="3568696"/>
+              <a:t>Next/Final Week Planning</a:t>
+            </a:r>
+          </a:p>
+        </p:txBody>
+      </p:sp>
+      <p:sp>
+        <p:nvSpPr>
+          <p:cNvPr id="4" name="Date Placeholder 3">
+            <a:extLst>
+              <a:ext uri="{FF2B5EF4-FFF2-40B4-BE49-F238E27FC236}">
+                <a16:creationId xmlns:a16="http://schemas.microsoft.com/office/drawing/2014/main" id="{872757B9-F955-4193-88D9-F4EA85D547DA}"/>
+              </a:ext>
+            </a:extLst>
+          </p:cNvPr>
+          <p:cNvSpPr>
+            <a:spLocks noGrp="1"/>
+          </p:cNvSpPr>
+          <p:nvPr>
+            <p:ph type="dt" sz="half" idx="11"/>
+          </p:nvPr>
+        </p:nvSpPr>
+        <p:spPr>
+          <a:xfrm>
+            <a:off x="9830818" y="6292334"/>
+            <a:ext cx="1522982" cy="182880"/>
           </a:xfrm>
         </p:spPr>
         <p:txBody>
           <a:bodyPr/>
           <a:lstStyle/>
           <a:p>
-            <a:endParaRPr lang="en-US" dirty="0"/>
-          </a:p>
-          <a:p>
-            <a:endParaRPr lang="en-US" sz="2400" dirty="0"/>
-          </a:p>
-        </p:txBody>
-      </p:sp>
-      <p:sp>
-        <p:nvSpPr>
-          <p:cNvPr id="4" name="Date Placeholder 3">
-            <a:extLst>
-              <a:ext uri="{FF2B5EF4-FFF2-40B4-BE49-F238E27FC236}">
-                <a16:creationId xmlns:a16="http://schemas.microsoft.com/office/drawing/2014/main" id="{D8E5B39E-73CB-4B96-BBFA-E350F71F2E1F}"/>
-              </a:ext>
-            </a:extLst>
-          </p:cNvPr>
-          <p:cNvSpPr>
-            <a:spLocks noGrp="1"/>
-          </p:cNvSpPr>
-          <p:nvPr>
-            <p:ph type="dt" sz="half" idx="11"/>
-          </p:nvPr>
-        </p:nvSpPr>
-        <p:spPr>
-          <a:xfrm>
-            <a:off x="9830818" y="6292334"/>
-            <a:ext cx="1522982" cy="182880"/>
-          </a:xfrm>
-        </p:spPr>
-        <p:txBody>
-          <a:bodyPr/>
-          <a:lstStyle/>
-          <a:p>
             <a:r>
               <a:rPr lang="en-US" dirty="0"/>
-              <a:t>June 15, 2021</a:t>
+              <a:t>June 15, 2021 </a:t>
             </a:r>
           </a:p>
         </p:txBody>
@@ -8485,7 +8517,7 @@
           <p:cNvPr id="5" name="Footer Placeholder 4">
             <a:extLst>
               <a:ext uri="{FF2B5EF4-FFF2-40B4-BE49-F238E27FC236}">
-                <a16:creationId xmlns:a16="http://schemas.microsoft.com/office/drawing/2014/main" id="{CD9C25C0-C28C-43A9-A830-FCBFC8BAA610}"/>
+                <a16:creationId xmlns:a16="http://schemas.microsoft.com/office/drawing/2014/main" id="{23AB3FA8-4599-46DB-9C0B-749220AC2384}"/>
               </a:ext>
             </a:extLst>
           </p:cNvPr>
@@ -8523,7 +8555,7 @@
           <p:cNvPr id="6" name="Slide Number Placeholder 5">
             <a:extLst>
               <a:ext uri="{FF2B5EF4-FFF2-40B4-BE49-F238E27FC236}">
-                <a16:creationId xmlns:a16="http://schemas.microsoft.com/office/drawing/2014/main" id="{2ADE5F9E-39DA-49B7-8AA0-FF8E2B15DEEB}"/>
+                <a16:creationId xmlns:a16="http://schemas.microsoft.com/office/drawing/2014/main" id="{6841C65C-0714-4BCD-8550-1DD2C44FAD8F}"/>
               </a:ext>
             </a:extLst>
           </p:cNvPr>
@@ -8555,10 +8587,10 @@
       </p:sp>
       <p:sp>
         <p:nvSpPr>
-          <p:cNvPr id="8" name="Content Placeholder 2">
-            <a:extLst>
-              <a:ext uri="{FF2B5EF4-FFF2-40B4-BE49-F238E27FC236}">
-                <a16:creationId xmlns:a16="http://schemas.microsoft.com/office/drawing/2014/main" id="{5094C500-A21D-4E55-94E1-177D317663DE}"/>
+          <p:cNvPr id="7" name="Content Placeholder 2">
+            <a:extLst>
+              <a:ext uri="{FF2B5EF4-FFF2-40B4-BE49-F238E27FC236}">
+                <a16:creationId xmlns:a16="http://schemas.microsoft.com/office/drawing/2014/main" id="{1B053E32-00B8-4F5A-A2D8-2B2D76DB5655}"/>
               </a:ext>
             </a:extLst>
           </p:cNvPr>
@@ -8569,8 +8601,8 @@
         </p:nvSpPr>
         <p:spPr>
           <a:xfrm>
-            <a:off x="1028699" y="2428619"/>
-            <a:ext cx="10086976" cy="3568696"/>
+            <a:off x="1028699" y="2183102"/>
+            <a:ext cx="9791700" cy="3568696"/>
           </a:xfrm>
           <a:prstGeom prst="rect">
             <a:avLst/>
@@ -8744,66 +8776,39 @@
           </a:lstStyle>
           <a:p>
             <a:r>
-              <a:rPr lang="en-US" sz="2000" b="1" dirty="0">
-                <a:solidFill>
-                  <a:schemeClr val="accent3"/>
-                </a:solidFill>
-              </a:rPr>
-              <a:t>Mitch:	</a:t>
-            </a:r>
+              <a:rPr lang="en-US" sz="2400" b="1" dirty="0"/>
+              <a:t>Week 7 Goals: Reporting</a:t>
+            </a:r>
+          </a:p>
+          <a:p>
+            <a:pPr marL="285750" indent="-285750">
+              <a:buFont typeface="Arial" panose="020B0604020202020204" pitchFamily="34" charset="0"/>
+              <a:buChar char="•"/>
+            </a:pPr>
             <a:r>
               <a:rPr lang="en-US" sz="2000" dirty="0"/>
-              <a:t>	Complete Dashboard and Package Wrap-up</a:t>
-            </a:r>
-          </a:p>
-          <a:p>
-            <a:endParaRPr lang="en-US" sz="2000" dirty="0"/>
-          </a:p>
-          <a:p>
-            <a:r>
-              <a:rPr lang="en-US" sz="2000" b="1" dirty="0">
-                <a:solidFill>
-                  <a:schemeClr val="accent3"/>
-                </a:solidFill>
-              </a:rPr>
-              <a:t>Ryan:	</a:t>
-            </a:r>
+              <a:t>Complete Report</a:t>
+            </a:r>
+          </a:p>
+          <a:p>
+            <a:pPr marL="285750" indent="-285750">
+              <a:buFont typeface="Arial" panose="020B0604020202020204" pitchFamily="34" charset="0"/>
+              <a:buChar char="•"/>
+            </a:pPr>
             <a:r>
               <a:rPr lang="en-US" sz="2000" dirty="0"/>
-              <a:t>	Results Section of Report</a:t>
-            </a:r>
-          </a:p>
-          <a:p>
-            <a:endParaRPr lang="en-US" sz="2000" dirty="0"/>
-          </a:p>
-          <a:p>
-            <a:r>
-              <a:rPr lang="en-US" sz="2400" b="1" dirty="0">
-                <a:solidFill>
-                  <a:schemeClr val="accent3"/>
-                </a:solidFill>
-              </a:rPr>
-              <a:t>Nate:</a:t>
-            </a:r>
-            <a:r>
-              <a:rPr lang="en-US" sz="2400" dirty="0"/>
-              <a:t>		</a:t>
-            </a:r>
+              <a:t>Complete Presentation</a:t>
+            </a:r>
+          </a:p>
+          <a:p>
+            <a:pPr marL="285750" indent="-285750">
+              <a:buFont typeface="Arial" panose="020B0604020202020204" pitchFamily="34" charset="0"/>
+              <a:buChar char="•"/>
+            </a:pPr>
             <a:r>
               <a:rPr lang="en-US" sz="2000" dirty="0"/>
-              <a:t>Complete Walkthrough and Repo Wrap-up</a:t>
-            </a:r>
-          </a:p>
-          <a:p>
-            <a:endParaRPr lang="en-US" sz="2000" dirty="0"/>
-          </a:p>
-          <a:p>
-            <a:r>
-              <a:rPr lang="en-US" sz="2000" b="1" dirty="0"/>
-              <a:t>We have a detailed daily task list to ensure we’re on track</a:t>
-            </a:r>
-          </a:p>
-          <a:p>
+              <a:t>Complete Walkthrough/Code/Repo Wrap-up Code</a:t>
+            </a:r>
             <a:endParaRPr lang="en-US" sz="2400" dirty="0"/>
           </a:p>
         </p:txBody>
@@ -8811,7 +8816,7 @@
     </p:spTree>
     <p:extLst>
       <p:ext uri="{BB962C8B-B14F-4D97-AF65-F5344CB8AC3E}">
-        <p14:creationId xmlns:p14="http://schemas.microsoft.com/office/powerpoint/2010/main" val="3302555714"/>
+        <p14:creationId xmlns:p14="http://schemas.microsoft.com/office/powerpoint/2010/main" val="3702769432"/>
       </p:ext>
     </p:extLst>
   </p:cSld>
@@ -8866,7 +8871,7 @@
           <a:p>
             <a:r>
               <a:rPr lang="en-US" dirty="0"/>
-              <a:t>Challenges</a:t>
+              <a:t>Individual Tasks</a:t>
             </a:r>
             <a:br>
               <a:rPr lang="en-US" dirty="0"/>
@@ -8905,12 +8910,6 @@
           <a:lstStyle/>
           <a:p>
             <a:endParaRPr lang="en-US" dirty="0"/>
-          </a:p>
-          <a:p>
-            <a:endParaRPr lang="en-US" sz="2400" dirty="0"/>
-          </a:p>
-          <a:p>
-            <a:endParaRPr lang="en-US" sz="2400" dirty="0"/>
           </a:p>
           <a:p>
             <a:endParaRPr lang="en-US" sz="2400" dirty="0"/>
@@ -9028,7 +9027,7 @@
           <p:cNvPr id="8" name="Content Placeholder 2">
             <a:extLst>
               <a:ext uri="{FF2B5EF4-FFF2-40B4-BE49-F238E27FC236}">
-                <a16:creationId xmlns:a16="http://schemas.microsoft.com/office/drawing/2014/main" id="{0602D64C-7A74-4F54-BE39-917963439AAF}"/>
+                <a16:creationId xmlns:a16="http://schemas.microsoft.com/office/drawing/2014/main" id="{5094C500-A21D-4E55-94E1-177D317663DE}"/>
               </a:ext>
             </a:extLst>
           </p:cNvPr>
@@ -9039,8 +9038,8 @@
         </p:nvSpPr>
         <p:spPr>
           <a:xfrm>
-            <a:off x="1181100" y="2438403"/>
-            <a:ext cx="9791700" cy="3568696"/>
+            <a:off x="1028699" y="2428619"/>
+            <a:ext cx="10086976" cy="3568696"/>
           </a:xfrm>
           <a:prstGeom prst="rect">
             <a:avLst/>
@@ -9213,218 +9212,79 @@
             </a:lvl9pPr>
           </a:lstStyle>
           <a:p>
-            <a:endParaRPr lang="en-US" sz="2400"/>
-          </a:p>
-        </p:txBody>
-      </p:sp>
-      <p:sp>
-        <p:nvSpPr>
-          <p:cNvPr id="9" name="Content Placeholder 2">
-            <a:extLst>
-              <a:ext uri="{FF2B5EF4-FFF2-40B4-BE49-F238E27FC236}">
-                <a16:creationId xmlns:a16="http://schemas.microsoft.com/office/drawing/2014/main" id="{39A4B542-AD86-4947-BE50-B8A0EC20CC09}"/>
-              </a:ext>
-            </a:extLst>
-          </p:cNvPr>
-          <p:cNvSpPr txBox="1">
-            <a:spLocks/>
-          </p:cNvSpPr>
-          <p:nvPr/>
-        </p:nvSpPr>
-        <p:spPr>
-          <a:xfrm>
-            <a:off x="1028700" y="2183994"/>
-            <a:ext cx="10464800" cy="4020863"/>
-          </a:xfrm>
-          <a:prstGeom prst="rect">
-            <a:avLst/>
-          </a:prstGeom>
-        </p:spPr>
-        <p:txBody>
-          <a:bodyPr lIns="0" tIns="0" rIns="0" bIns="0"/>
-          <a:lstStyle>
-            <a:lvl1pPr marL="0" indent="0" algn="l" defTabSz="914400" rtl="0" eaLnBrk="1" latinLnBrk="0" hangingPunct="1">
-              <a:lnSpc>
-                <a:spcPct val="100000"/>
-              </a:lnSpc>
-              <a:spcBef>
-                <a:spcPts val="1000"/>
-              </a:spcBef>
-              <a:buFont typeface="Arial" panose="020B0604020202020204" pitchFamily="34" charset="0"/>
-              <a:buNone/>
-              <a:defRPr sz="1800" kern="1200">
-                <a:solidFill>
-                  <a:schemeClr val="bg1"/>
-                </a:solidFill>
-                <a:latin typeface="+mn-lt"/>
-                <a:ea typeface="+mn-ea"/>
-                <a:cs typeface="+mn-cs"/>
-              </a:defRPr>
-            </a:lvl1pPr>
-            <a:lvl2pPr marL="457200" indent="0" algn="l" defTabSz="914400" rtl="0" eaLnBrk="1" latinLnBrk="0" hangingPunct="1">
-              <a:lnSpc>
-                <a:spcPct val="90000"/>
-              </a:lnSpc>
-              <a:spcBef>
-                <a:spcPts val="500"/>
-              </a:spcBef>
-              <a:buFont typeface="Arial" panose="020B0604020202020204" pitchFamily="34" charset="0"/>
-              <a:buNone/>
-              <a:defRPr sz="2000" kern="1200">
-                <a:solidFill>
-                  <a:schemeClr val="bg1"/>
-                </a:solidFill>
-                <a:latin typeface="+mn-lt"/>
-                <a:ea typeface="+mn-ea"/>
-                <a:cs typeface="+mn-cs"/>
-              </a:defRPr>
-            </a:lvl2pPr>
-            <a:lvl3pPr marL="914400" indent="0" algn="l" defTabSz="914400" rtl="0" eaLnBrk="1" latinLnBrk="0" hangingPunct="1">
-              <a:lnSpc>
-                <a:spcPct val="90000"/>
-              </a:lnSpc>
-              <a:spcBef>
-                <a:spcPts val="500"/>
-              </a:spcBef>
-              <a:buFont typeface="Arial" panose="020B0604020202020204" pitchFamily="34" charset="0"/>
-              <a:buNone/>
-              <a:defRPr sz="2000" kern="1200">
-                <a:solidFill>
-                  <a:schemeClr val="bg1"/>
-                </a:solidFill>
-                <a:latin typeface="+mn-lt"/>
-                <a:ea typeface="+mn-ea"/>
-                <a:cs typeface="+mn-cs"/>
-              </a:defRPr>
-            </a:lvl3pPr>
-            <a:lvl4pPr marL="1371600" indent="0" algn="l" defTabSz="914400" rtl="0" eaLnBrk="1" latinLnBrk="0" hangingPunct="1">
-              <a:lnSpc>
-                <a:spcPct val="90000"/>
-              </a:lnSpc>
-              <a:spcBef>
-                <a:spcPts val="500"/>
-              </a:spcBef>
-              <a:buFont typeface="Arial" panose="020B0604020202020204" pitchFamily="34" charset="0"/>
-              <a:buNone/>
-              <a:defRPr sz="2000" kern="1200">
-                <a:solidFill>
-                  <a:schemeClr val="bg1"/>
-                </a:solidFill>
-                <a:latin typeface="+mn-lt"/>
-                <a:ea typeface="+mn-ea"/>
-                <a:cs typeface="+mn-cs"/>
-              </a:defRPr>
-            </a:lvl4pPr>
-            <a:lvl5pPr marL="1828800" indent="0" algn="l" defTabSz="914400" rtl="0" eaLnBrk="1" latinLnBrk="0" hangingPunct="1">
-              <a:lnSpc>
-                <a:spcPct val="90000"/>
-              </a:lnSpc>
-              <a:spcBef>
-                <a:spcPts val="500"/>
-              </a:spcBef>
-              <a:buFont typeface="Arial" panose="020B0604020202020204" pitchFamily="34" charset="0"/>
-              <a:buNone/>
-              <a:defRPr sz="2000" kern="1200">
-                <a:solidFill>
-                  <a:schemeClr val="bg1"/>
-                </a:solidFill>
-                <a:latin typeface="+mn-lt"/>
-                <a:ea typeface="+mn-ea"/>
-                <a:cs typeface="+mn-cs"/>
-              </a:defRPr>
-            </a:lvl5pPr>
-            <a:lvl6pPr marL="2514600" indent="-228600" algn="l" defTabSz="914400" rtl="0" eaLnBrk="1" latinLnBrk="0" hangingPunct="1">
-              <a:lnSpc>
-                <a:spcPct val="90000"/>
-              </a:lnSpc>
-              <a:spcBef>
-                <a:spcPts val="500"/>
-              </a:spcBef>
-              <a:buFont typeface="Arial" panose="020B0604020202020204" pitchFamily="34" charset="0"/>
-              <a:buChar char="•"/>
-              <a:defRPr sz="1800" kern="1200">
-                <a:solidFill>
-                  <a:schemeClr val="tx1"/>
-                </a:solidFill>
-                <a:latin typeface="+mn-lt"/>
-                <a:ea typeface="+mn-ea"/>
-                <a:cs typeface="+mn-cs"/>
-              </a:defRPr>
-            </a:lvl6pPr>
-            <a:lvl7pPr marL="2971800" indent="-228600" algn="l" defTabSz="914400" rtl="0" eaLnBrk="1" latinLnBrk="0" hangingPunct="1">
-              <a:lnSpc>
-                <a:spcPct val="90000"/>
-              </a:lnSpc>
-              <a:spcBef>
-                <a:spcPts val="500"/>
-              </a:spcBef>
-              <a:buFont typeface="Arial" panose="020B0604020202020204" pitchFamily="34" charset="0"/>
-              <a:buChar char="•"/>
-              <a:defRPr sz="1800" kern="1200">
-                <a:solidFill>
-                  <a:schemeClr val="tx1"/>
-                </a:solidFill>
-                <a:latin typeface="+mn-lt"/>
-                <a:ea typeface="+mn-ea"/>
-                <a:cs typeface="+mn-cs"/>
-              </a:defRPr>
-            </a:lvl7pPr>
-            <a:lvl8pPr marL="3429000" indent="-228600" algn="l" defTabSz="914400" rtl="0" eaLnBrk="1" latinLnBrk="0" hangingPunct="1">
-              <a:lnSpc>
-                <a:spcPct val="90000"/>
-              </a:lnSpc>
-              <a:spcBef>
-                <a:spcPts val="500"/>
-              </a:spcBef>
-              <a:buFont typeface="Arial" panose="020B0604020202020204" pitchFamily="34" charset="0"/>
-              <a:buChar char="•"/>
-              <a:defRPr sz="1800" kern="1200">
-                <a:solidFill>
-                  <a:schemeClr val="tx1"/>
-                </a:solidFill>
-                <a:latin typeface="+mn-lt"/>
-                <a:ea typeface="+mn-ea"/>
-                <a:cs typeface="+mn-cs"/>
-              </a:defRPr>
-            </a:lvl8pPr>
-            <a:lvl9pPr marL="3886200" indent="-228600" algn="l" defTabSz="914400" rtl="0" eaLnBrk="1" latinLnBrk="0" hangingPunct="1">
-              <a:lnSpc>
-                <a:spcPct val="90000"/>
-              </a:lnSpc>
-              <a:spcBef>
-                <a:spcPts val="500"/>
-              </a:spcBef>
-              <a:buFont typeface="Arial" panose="020B0604020202020204" pitchFamily="34" charset="0"/>
-              <a:buChar char="•"/>
-              <a:defRPr sz="1800" kern="1200">
-                <a:solidFill>
-                  <a:schemeClr val="tx1"/>
-                </a:solidFill>
-                <a:latin typeface="+mn-lt"/>
-                <a:ea typeface="+mn-ea"/>
-                <a:cs typeface="+mn-cs"/>
-              </a:defRPr>
-            </a:lvl9pPr>
-          </a:lstStyle>
+            <a:r>
+              <a:rPr lang="en-US" sz="2000" b="1" dirty="0">
+                <a:solidFill>
+                  <a:schemeClr val="accent3"/>
+                </a:solidFill>
+              </a:rPr>
+              <a:t>Mitch:	</a:t>
+            </a:r>
+            <a:r>
+              <a:rPr lang="en-US" sz="2000" dirty="0"/>
+              <a:t>	Complete Dashboard and Package Wrap-up</a:t>
+            </a:r>
+          </a:p>
+          <a:p>
+            <a:endParaRPr lang="en-US" sz="2000" dirty="0"/>
+          </a:p>
+          <a:p>
+            <a:r>
+              <a:rPr lang="en-US" sz="2000" b="1" dirty="0">
+                <a:solidFill>
+                  <a:schemeClr val="accent3"/>
+                </a:solidFill>
+              </a:rPr>
+              <a:t>Ryan:	</a:t>
+            </a:r>
+            <a:r>
+              <a:rPr lang="en-US" sz="2000" dirty="0"/>
+              <a:t>	Results Section of Report</a:t>
+            </a:r>
+          </a:p>
+          <a:p>
+            <a:endParaRPr lang="en-US" sz="2000" dirty="0"/>
+          </a:p>
+          <a:p>
+            <a:r>
+              <a:rPr lang="en-US" sz="2000" b="1" dirty="0">
+                <a:solidFill>
+                  <a:schemeClr val="accent3"/>
+                </a:solidFill>
+              </a:rPr>
+              <a:t>Nate:</a:t>
+            </a:r>
+            <a:r>
+              <a:rPr lang="en-US" sz="2000" dirty="0"/>
+              <a:t>	</a:t>
+            </a:r>
+            <a:r>
+              <a:rPr lang="en-US" sz="2400" dirty="0"/>
+              <a:t>	</a:t>
+            </a:r>
+            <a:r>
+              <a:rPr lang="en-US" sz="2000" dirty="0"/>
+              <a:t>Report, Presentation, Walkthrough, and Repo Wrap-up</a:t>
+            </a:r>
+          </a:p>
+          <a:p>
+            <a:endParaRPr lang="en-US" sz="2000" dirty="0"/>
+          </a:p>
           <a:p>
             <a:r>
               <a:rPr lang="en-US" sz="2000" b="1" dirty="0"/>
-              <a:t>Stick to Wrap-up and schedule</a:t>
-            </a:r>
-            <a:endParaRPr lang="en-US" sz="2000" dirty="0"/>
-          </a:p>
-          <a:p>
-            <a:endParaRPr lang="en-US" sz="2000" dirty="0"/>
-          </a:p>
-          <a:p>
-            <a:endParaRPr lang="en-US" dirty="0"/>
+              <a:t>We have a detailed daily task list to ensure we’re on track</a:t>
+            </a:r>
+          </a:p>
+          <a:p>
+            <a:endParaRPr lang="en-US" sz="2400" dirty="0"/>
           </a:p>
         </p:txBody>
       </p:sp>
     </p:spTree>
     <p:extLst>
       <p:ext uri="{BB962C8B-B14F-4D97-AF65-F5344CB8AC3E}">
-        <p14:creationId xmlns:p14="http://schemas.microsoft.com/office/powerpoint/2010/main" val="3951149325"/>
+        <p14:creationId xmlns:p14="http://schemas.microsoft.com/office/powerpoint/2010/main" val="3302555714"/>
       </p:ext>
     </p:extLst>
   </p:cSld>
@@ -9453,10 +9313,10 @@
       </p:grpSpPr>
       <p:sp>
         <p:nvSpPr>
-          <p:cNvPr id="3" name="Title 2">
-            <a:extLst>
-              <a:ext uri="{FF2B5EF4-FFF2-40B4-BE49-F238E27FC236}">
-                <a16:creationId xmlns:a16="http://schemas.microsoft.com/office/drawing/2014/main" id="{AB324FA0-0DB4-3942-B6B8-27D09C4FFA0C}"/>
+          <p:cNvPr id="2" name="Title 1">
+            <a:extLst>
+              <a:ext uri="{FF2B5EF4-FFF2-40B4-BE49-F238E27FC236}">
+                <a16:creationId xmlns:a16="http://schemas.microsoft.com/office/drawing/2014/main" id="{A8E966EE-4FBD-534E-AAED-6C54465EF91C}"/>
               </a:ext>
             </a:extLst>
           </p:cNvPr>
@@ -9467,15 +9327,66 @@
             <p:ph type="title"/>
           </p:nvPr>
         </p:nvSpPr>
-        <p:spPr/>
+        <p:spPr>
+          <a:xfrm>
+            <a:off x="1028699" y="381000"/>
+            <a:ext cx="10086976" cy="1263352"/>
+          </a:xfrm>
+        </p:spPr>
         <p:txBody>
           <a:bodyPr/>
           <a:lstStyle/>
           <a:p>
             <a:r>
               <a:rPr lang="en-US" dirty="0"/>
-              <a:t>Timeline Reflection</a:t>
-            </a:r>
+              <a:t>Challenges</a:t>
+            </a:r>
+            <a:br>
+              <a:rPr lang="en-US" dirty="0"/>
+            </a:br>
+            <a:r>
+              <a:rPr lang="en-US" sz="3000" dirty="0"/>
+              <a:t>Next Week (June 14 - 22)</a:t>
+            </a:r>
+          </a:p>
+        </p:txBody>
+      </p:sp>
+      <p:sp>
+        <p:nvSpPr>
+          <p:cNvPr id="3" name="Content Placeholder 2">
+            <a:extLst>
+              <a:ext uri="{FF2B5EF4-FFF2-40B4-BE49-F238E27FC236}">
+                <a16:creationId xmlns:a16="http://schemas.microsoft.com/office/drawing/2014/main" id="{0EC737E2-1EBF-6244-8E0A-274D170CCCE9}"/>
+              </a:ext>
+            </a:extLst>
+          </p:cNvPr>
+          <p:cNvSpPr>
+            <a:spLocks noGrp="1"/>
+          </p:cNvSpPr>
+          <p:nvPr>
+            <p:ph sz="half" idx="1"/>
+          </p:nvPr>
+        </p:nvSpPr>
+        <p:spPr>
+          <a:xfrm>
+            <a:off x="1028700" y="2286003"/>
+            <a:ext cx="9791700" cy="3568696"/>
+          </a:xfrm>
+        </p:spPr>
+        <p:txBody>
+          <a:bodyPr/>
+          <a:lstStyle/>
+          <a:p>
+            <a:endParaRPr lang="en-US" dirty="0"/>
+          </a:p>
+          <a:p>
+            <a:endParaRPr lang="en-US" sz="2400" dirty="0"/>
+          </a:p>
+          <a:p>
+            <a:endParaRPr lang="en-US" sz="2400" dirty="0"/>
+          </a:p>
+          <a:p>
+            <a:endParaRPr lang="en-US" sz="2400" dirty="0"/>
           </a:p>
         </p:txBody>
       </p:sp>
@@ -9484,7 +9395,7 @@
           <p:cNvPr id="4" name="Date Placeholder 3">
             <a:extLst>
               <a:ext uri="{FF2B5EF4-FFF2-40B4-BE49-F238E27FC236}">
-                <a16:creationId xmlns:a16="http://schemas.microsoft.com/office/drawing/2014/main" id="{872757B9-F955-4193-88D9-F4EA85D547DA}"/>
+                <a16:creationId xmlns:a16="http://schemas.microsoft.com/office/drawing/2014/main" id="{D8E5B39E-73CB-4B96-BBFA-E350F71F2E1F}"/>
               </a:ext>
             </a:extLst>
           </p:cNvPr>
@@ -9507,7 +9418,7 @@
           <a:p>
             <a:r>
               <a:rPr lang="en-US" dirty="0"/>
-              <a:t>June 15, 2021 </a:t>
+              <a:t>June 15, 2021</a:t>
             </a:r>
           </a:p>
         </p:txBody>
@@ -9517,7 +9428,7 @@
           <p:cNvPr id="5" name="Footer Placeholder 4">
             <a:extLst>
               <a:ext uri="{FF2B5EF4-FFF2-40B4-BE49-F238E27FC236}">
-                <a16:creationId xmlns:a16="http://schemas.microsoft.com/office/drawing/2014/main" id="{23AB3FA8-4599-46DB-9C0B-749220AC2384}"/>
+                <a16:creationId xmlns:a16="http://schemas.microsoft.com/office/drawing/2014/main" id="{CD9C25C0-C28C-43A9-A830-FCBFC8BAA610}"/>
               </a:ext>
             </a:extLst>
           </p:cNvPr>
@@ -9555,7 +9466,7 @@
           <p:cNvPr id="6" name="Slide Number Placeholder 5">
             <a:extLst>
               <a:ext uri="{FF2B5EF4-FFF2-40B4-BE49-F238E27FC236}">
-                <a16:creationId xmlns:a16="http://schemas.microsoft.com/office/drawing/2014/main" id="{6841C65C-0714-4BCD-8550-1DD2C44FAD8F}"/>
+                <a16:creationId xmlns:a16="http://schemas.microsoft.com/office/drawing/2014/main" id="{2ADE5F9E-39DA-49B7-8AA0-FF8E2B15DEEB}"/>
               </a:ext>
             </a:extLst>
           </p:cNvPr>
@@ -9587,10 +9498,10 @@
       </p:sp>
       <p:sp>
         <p:nvSpPr>
-          <p:cNvPr id="7" name="Content Placeholder 2">
-            <a:extLst>
-              <a:ext uri="{FF2B5EF4-FFF2-40B4-BE49-F238E27FC236}">
-                <a16:creationId xmlns:a16="http://schemas.microsoft.com/office/drawing/2014/main" id="{1B053E32-00B8-4F5A-A2D8-2B2D76DB5655}"/>
+          <p:cNvPr id="8" name="Content Placeholder 2">
+            <a:extLst>
+              <a:ext uri="{FF2B5EF4-FFF2-40B4-BE49-F238E27FC236}">
+                <a16:creationId xmlns:a16="http://schemas.microsoft.com/office/drawing/2014/main" id="{0602D64C-7A74-4F54-BE39-917963439AAF}"/>
               </a:ext>
             </a:extLst>
           </p:cNvPr>
@@ -9601,7 +9512,7 @@
         </p:nvSpPr>
         <p:spPr>
           <a:xfrm>
-            <a:off x="1028699" y="2183102"/>
+            <a:off x="1181100" y="2438403"/>
             <a:ext cx="9791700" cy="3568696"/>
           </a:xfrm>
           <a:prstGeom prst="rect">
@@ -9775,16 +9686,16 @@
             </a:lvl9pPr>
           </a:lstStyle>
           <a:p>
-            <a:endParaRPr lang="en-US" sz="2400" dirty="0"/>
-          </a:p>
-        </p:txBody>
-      </p:sp>
-      <p:sp>
-        <p:nvSpPr>
-          <p:cNvPr id="10" name="Content Placeholder 2">
-            <a:extLst>
-              <a:ext uri="{FF2B5EF4-FFF2-40B4-BE49-F238E27FC236}">
-                <a16:creationId xmlns:a16="http://schemas.microsoft.com/office/drawing/2014/main" id="{84590C14-A2A9-4C9D-B1C8-0265235C379E}"/>
+            <a:endParaRPr lang="en-US" sz="2400"/>
+          </a:p>
+        </p:txBody>
+      </p:sp>
+      <p:sp>
+        <p:nvSpPr>
+          <p:cNvPr id="9" name="Content Placeholder 2">
+            <a:extLst>
+              <a:ext uri="{FF2B5EF4-FFF2-40B4-BE49-F238E27FC236}">
+                <a16:creationId xmlns:a16="http://schemas.microsoft.com/office/drawing/2014/main" id="{39A4B542-AD86-4947-BE50-B8A0EC20CC09}"/>
               </a:ext>
             </a:extLst>
           </p:cNvPr>
@@ -9795,8 +9706,8 @@
         </p:nvSpPr>
         <p:spPr>
           <a:xfrm>
-            <a:off x="1181099" y="2335502"/>
-            <a:ext cx="9791700" cy="3568696"/>
+            <a:off x="1028700" y="2183994"/>
+            <a:ext cx="10464800" cy="4020863"/>
           </a:xfrm>
           <a:prstGeom prst="rect">
             <a:avLst/>
@@ -9969,14 +9880,24 @@
             </a:lvl9pPr>
           </a:lstStyle>
           <a:p>
-            <a:endParaRPr lang="en-US" sz="2400" dirty="0"/>
+            <a:r>
+              <a:rPr lang="en-US" sz="2000" b="1" dirty="0"/>
+              <a:t>Stick to Wrap-up and schedule</a:t>
+            </a:r>
+            <a:endParaRPr lang="en-US" sz="2000" dirty="0"/>
+          </a:p>
+          <a:p>
+            <a:endParaRPr lang="en-US" sz="2000" dirty="0"/>
+          </a:p>
+          <a:p>
+            <a:endParaRPr lang="en-US" dirty="0"/>
           </a:p>
         </p:txBody>
       </p:sp>
     </p:spTree>
     <p:extLst>
       <p:ext uri="{BB962C8B-B14F-4D97-AF65-F5344CB8AC3E}">
-        <p14:creationId xmlns:p14="http://schemas.microsoft.com/office/powerpoint/2010/main" val="2960237701"/>
+        <p14:creationId xmlns:p14="http://schemas.microsoft.com/office/powerpoint/2010/main" val="3951149325"/>
       </p:ext>
     </p:extLst>
   </p:cSld>
@@ -10005,10 +9926,10 @@
       </p:grpSpPr>
       <p:sp>
         <p:nvSpPr>
-          <p:cNvPr id="2" name="Title 1">
-            <a:extLst>
-              <a:ext uri="{FF2B5EF4-FFF2-40B4-BE49-F238E27FC236}">
-                <a16:creationId xmlns:a16="http://schemas.microsoft.com/office/drawing/2014/main" id="{A8E966EE-4FBD-534E-AAED-6C54465EF91C}"/>
+          <p:cNvPr id="3" name="Title 2">
+            <a:extLst>
+              <a:ext uri="{FF2B5EF4-FFF2-40B4-BE49-F238E27FC236}">
+                <a16:creationId xmlns:a16="http://schemas.microsoft.com/office/drawing/2014/main" id="{AB324FA0-0DB4-3942-B6B8-27D09C4FFA0C}"/>
               </a:ext>
             </a:extLst>
           </p:cNvPr>
@@ -10019,25 +9940,13 @@
             <p:ph type="title"/>
           </p:nvPr>
         </p:nvSpPr>
-        <p:spPr>
-          <a:xfrm>
-            <a:off x="1028699" y="381000"/>
-            <a:ext cx="10086976" cy="1263352"/>
-          </a:xfrm>
-        </p:spPr>
+        <p:spPr/>
         <p:txBody>
           <a:bodyPr/>
           <a:lstStyle/>
           <a:p>
             <a:r>
               <a:rPr lang="en-US" dirty="0"/>
-              <a:t>Schedule</a:t>
-            </a:r>
-            <a:br>
-              <a:rPr lang="en-US" dirty="0"/>
-            </a:br>
-            <a:r>
-              <a:rPr lang="en-US" sz="3000" dirty="0"/>
               <a:t>Timeline Reflection</a:t>
             </a:r>
           </a:p>
@@ -10045,72 +9954,33 @@
       </p:sp>
       <p:sp>
         <p:nvSpPr>
-          <p:cNvPr id="3" name="Content Placeholder 2">
-            <a:extLst>
-              <a:ext uri="{FF2B5EF4-FFF2-40B4-BE49-F238E27FC236}">
-                <a16:creationId xmlns:a16="http://schemas.microsoft.com/office/drawing/2014/main" id="{0EC737E2-1EBF-6244-8E0A-274D170CCCE9}"/>
-              </a:ext>
-            </a:extLst>
-          </p:cNvPr>
-          <p:cNvSpPr>
-            <a:spLocks noGrp="1"/>
-          </p:cNvSpPr>
-          <p:nvPr>
-            <p:ph sz="half" idx="1"/>
-          </p:nvPr>
-        </p:nvSpPr>
-        <p:spPr>
-          <a:xfrm>
-            <a:off x="1028700" y="2286003"/>
-            <a:ext cx="9791700" cy="3568696"/>
+          <p:cNvPr id="4" name="Date Placeholder 3">
+            <a:extLst>
+              <a:ext uri="{FF2B5EF4-FFF2-40B4-BE49-F238E27FC236}">
+                <a16:creationId xmlns:a16="http://schemas.microsoft.com/office/drawing/2014/main" id="{872757B9-F955-4193-88D9-F4EA85D547DA}"/>
+              </a:ext>
+            </a:extLst>
+          </p:cNvPr>
+          <p:cNvSpPr>
+            <a:spLocks noGrp="1"/>
+          </p:cNvSpPr>
+          <p:nvPr>
+            <p:ph type="dt" sz="half" idx="11"/>
+          </p:nvPr>
+        </p:nvSpPr>
+        <p:spPr>
+          <a:xfrm>
+            <a:off x="9830818" y="6292334"/>
+            <a:ext cx="1522982" cy="182880"/>
           </a:xfrm>
         </p:spPr>
         <p:txBody>
           <a:bodyPr/>
           <a:lstStyle/>
           <a:p>
-            <a:endParaRPr lang="en-US" dirty="0"/>
-          </a:p>
-          <a:p>
-            <a:endParaRPr lang="en-US" sz="2400" dirty="0"/>
-          </a:p>
-          <a:p>
-            <a:endParaRPr lang="en-US" sz="2400" dirty="0"/>
-          </a:p>
-          <a:p>
-            <a:endParaRPr lang="en-US" sz="2400" dirty="0"/>
-          </a:p>
-        </p:txBody>
-      </p:sp>
-      <p:sp>
-        <p:nvSpPr>
-          <p:cNvPr id="4" name="Date Placeholder 3">
-            <a:extLst>
-              <a:ext uri="{FF2B5EF4-FFF2-40B4-BE49-F238E27FC236}">
-                <a16:creationId xmlns:a16="http://schemas.microsoft.com/office/drawing/2014/main" id="{D8E5B39E-73CB-4B96-BBFA-E350F71F2E1F}"/>
-              </a:ext>
-            </a:extLst>
-          </p:cNvPr>
-          <p:cNvSpPr>
-            <a:spLocks noGrp="1"/>
-          </p:cNvSpPr>
-          <p:nvPr>
-            <p:ph type="dt" sz="half" idx="11"/>
-          </p:nvPr>
-        </p:nvSpPr>
-        <p:spPr>
-          <a:xfrm>
-            <a:off x="9830818" y="6292334"/>
-            <a:ext cx="1522982" cy="182880"/>
-          </a:xfrm>
-        </p:spPr>
-        <p:txBody>
-          <a:bodyPr/>
-          <a:lstStyle/>
-          <a:p>
             <a:r>
               <a:rPr lang="en-US" dirty="0"/>
-              <a:t>June 15, 2021</a:t>
+              <a:t>June 15, 2021 </a:t>
             </a:r>
           </a:p>
         </p:txBody>
@@ -10120,7 +9990,7 @@
           <p:cNvPr id="5" name="Footer Placeholder 4">
             <a:extLst>
               <a:ext uri="{FF2B5EF4-FFF2-40B4-BE49-F238E27FC236}">
-                <a16:creationId xmlns:a16="http://schemas.microsoft.com/office/drawing/2014/main" id="{CD9C25C0-C28C-43A9-A830-FCBFC8BAA610}"/>
+                <a16:creationId xmlns:a16="http://schemas.microsoft.com/office/drawing/2014/main" id="{23AB3FA8-4599-46DB-9C0B-749220AC2384}"/>
               </a:ext>
             </a:extLst>
           </p:cNvPr>
@@ -10158,7 +10028,7 @@
           <p:cNvPr id="6" name="Slide Number Placeholder 5">
             <a:extLst>
               <a:ext uri="{FF2B5EF4-FFF2-40B4-BE49-F238E27FC236}">
-                <a16:creationId xmlns:a16="http://schemas.microsoft.com/office/drawing/2014/main" id="{2ADE5F9E-39DA-49B7-8AA0-FF8E2B15DEEB}"/>
+                <a16:creationId xmlns:a16="http://schemas.microsoft.com/office/drawing/2014/main" id="{6841C65C-0714-4BCD-8550-1DD2C44FAD8F}"/>
               </a:ext>
             </a:extLst>
           </p:cNvPr>
@@ -10183,6 +10053,609 @@
               <a:rPr lang="en-US" smtClean="0"/>
               <a:pPr/>
               <a:t>17</a:t>
+            </a:fld>
+            <a:endParaRPr lang="en-US"/>
+          </a:p>
+        </p:txBody>
+      </p:sp>
+      <p:sp>
+        <p:nvSpPr>
+          <p:cNvPr id="7" name="Content Placeholder 2">
+            <a:extLst>
+              <a:ext uri="{FF2B5EF4-FFF2-40B4-BE49-F238E27FC236}">
+                <a16:creationId xmlns:a16="http://schemas.microsoft.com/office/drawing/2014/main" id="{1B053E32-00B8-4F5A-A2D8-2B2D76DB5655}"/>
+              </a:ext>
+            </a:extLst>
+          </p:cNvPr>
+          <p:cNvSpPr txBox="1">
+            <a:spLocks/>
+          </p:cNvSpPr>
+          <p:nvPr/>
+        </p:nvSpPr>
+        <p:spPr>
+          <a:xfrm>
+            <a:off x="1028699" y="2183102"/>
+            <a:ext cx="9791700" cy="3568696"/>
+          </a:xfrm>
+          <a:prstGeom prst="rect">
+            <a:avLst/>
+          </a:prstGeom>
+        </p:spPr>
+        <p:txBody>
+          <a:bodyPr lIns="0" tIns="0" rIns="0" bIns="0"/>
+          <a:lstStyle>
+            <a:lvl1pPr marL="0" indent="0" algn="l" defTabSz="914400" rtl="0" eaLnBrk="1" latinLnBrk="0" hangingPunct="1">
+              <a:lnSpc>
+                <a:spcPct val="100000"/>
+              </a:lnSpc>
+              <a:spcBef>
+                <a:spcPts val="1000"/>
+              </a:spcBef>
+              <a:buFont typeface="Arial" panose="020B0604020202020204" pitchFamily="34" charset="0"/>
+              <a:buNone/>
+              <a:defRPr sz="1800" kern="1200">
+                <a:solidFill>
+                  <a:schemeClr val="bg1"/>
+                </a:solidFill>
+                <a:latin typeface="+mn-lt"/>
+                <a:ea typeface="+mn-ea"/>
+                <a:cs typeface="+mn-cs"/>
+              </a:defRPr>
+            </a:lvl1pPr>
+            <a:lvl2pPr marL="457200" indent="0" algn="l" defTabSz="914400" rtl="0" eaLnBrk="1" latinLnBrk="0" hangingPunct="1">
+              <a:lnSpc>
+                <a:spcPct val="90000"/>
+              </a:lnSpc>
+              <a:spcBef>
+                <a:spcPts val="500"/>
+              </a:spcBef>
+              <a:buFont typeface="Arial" panose="020B0604020202020204" pitchFamily="34" charset="0"/>
+              <a:buNone/>
+              <a:defRPr sz="2000" kern="1200">
+                <a:solidFill>
+                  <a:schemeClr val="bg1"/>
+                </a:solidFill>
+                <a:latin typeface="+mn-lt"/>
+                <a:ea typeface="+mn-ea"/>
+                <a:cs typeface="+mn-cs"/>
+              </a:defRPr>
+            </a:lvl2pPr>
+            <a:lvl3pPr marL="914400" indent="0" algn="l" defTabSz="914400" rtl="0" eaLnBrk="1" latinLnBrk="0" hangingPunct="1">
+              <a:lnSpc>
+                <a:spcPct val="90000"/>
+              </a:lnSpc>
+              <a:spcBef>
+                <a:spcPts val="500"/>
+              </a:spcBef>
+              <a:buFont typeface="Arial" panose="020B0604020202020204" pitchFamily="34" charset="0"/>
+              <a:buNone/>
+              <a:defRPr sz="2000" kern="1200">
+                <a:solidFill>
+                  <a:schemeClr val="bg1"/>
+                </a:solidFill>
+                <a:latin typeface="+mn-lt"/>
+                <a:ea typeface="+mn-ea"/>
+                <a:cs typeface="+mn-cs"/>
+              </a:defRPr>
+            </a:lvl3pPr>
+            <a:lvl4pPr marL="1371600" indent="0" algn="l" defTabSz="914400" rtl="0" eaLnBrk="1" latinLnBrk="0" hangingPunct="1">
+              <a:lnSpc>
+                <a:spcPct val="90000"/>
+              </a:lnSpc>
+              <a:spcBef>
+                <a:spcPts val="500"/>
+              </a:spcBef>
+              <a:buFont typeface="Arial" panose="020B0604020202020204" pitchFamily="34" charset="0"/>
+              <a:buNone/>
+              <a:defRPr sz="2000" kern="1200">
+                <a:solidFill>
+                  <a:schemeClr val="bg1"/>
+                </a:solidFill>
+                <a:latin typeface="+mn-lt"/>
+                <a:ea typeface="+mn-ea"/>
+                <a:cs typeface="+mn-cs"/>
+              </a:defRPr>
+            </a:lvl4pPr>
+            <a:lvl5pPr marL="1828800" indent="0" algn="l" defTabSz="914400" rtl="0" eaLnBrk="1" latinLnBrk="0" hangingPunct="1">
+              <a:lnSpc>
+                <a:spcPct val="90000"/>
+              </a:lnSpc>
+              <a:spcBef>
+                <a:spcPts val="500"/>
+              </a:spcBef>
+              <a:buFont typeface="Arial" panose="020B0604020202020204" pitchFamily="34" charset="0"/>
+              <a:buNone/>
+              <a:defRPr sz="2000" kern="1200">
+                <a:solidFill>
+                  <a:schemeClr val="bg1"/>
+                </a:solidFill>
+                <a:latin typeface="+mn-lt"/>
+                <a:ea typeface="+mn-ea"/>
+                <a:cs typeface="+mn-cs"/>
+              </a:defRPr>
+            </a:lvl5pPr>
+            <a:lvl6pPr marL="2514600" indent="-228600" algn="l" defTabSz="914400" rtl="0" eaLnBrk="1" latinLnBrk="0" hangingPunct="1">
+              <a:lnSpc>
+                <a:spcPct val="90000"/>
+              </a:lnSpc>
+              <a:spcBef>
+                <a:spcPts val="500"/>
+              </a:spcBef>
+              <a:buFont typeface="Arial" panose="020B0604020202020204" pitchFamily="34" charset="0"/>
+              <a:buChar char="•"/>
+              <a:defRPr sz="1800" kern="1200">
+                <a:solidFill>
+                  <a:schemeClr val="tx1"/>
+                </a:solidFill>
+                <a:latin typeface="+mn-lt"/>
+                <a:ea typeface="+mn-ea"/>
+                <a:cs typeface="+mn-cs"/>
+              </a:defRPr>
+            </a:lvl6pPr>
+            <a:lvl7pPr marL="2971800" indent="-228600" algn="l" defTabSz="914400" rtl="0" eaLnBrk="1" latinLnBrk="0" hangingPunct="1">
+              <a:lnSpc>
+                <a:spcPct val="90000"/>
+              </a:lnSpc>
+              <a:spcBef>
+                <a:spcPts val="500"/>
+              </a:spcBef>
+              <a:buFont typeface="Arial" panose="020B0604020202020204" pitchFamily="34" charset="0"/>
+              <a:buChar char="•"/>
+              <a:defRPr sz="1800" kern="1200">
+                <a:solidFill>
+                  <a:schemeClr val="tx1"/>
+                </a:solidFill>
+                <a:latin typeface="+mn-lt"/>
+                <a:ea typeface="+mn-ea"/>
+                <a:cs typeface="+mn-cs"/>
+              </a:defRPr>
+            </a:lvl7pPr>
+            <a:lvl8pPr marL="3429000" indent="-228600" algn="l" defTabSz="914400" rtl="0" eaLnBrk="1" latinLnBrk="0" hangingPunct="1">
+              <a:lnSpc>
+                <a:spcPct val="90000"/>
+              </a:lnSpc>
+              <a:spcBef>
+                <a:spcPts val="500"/>
+              </a:spcBef>
+              <a:buFont typeface="Arial" panose="020B0604020202020204" pitchFamily="34" charset="0"/>
+              <a:buChar char="•"/>
+              <a:defRPr sz="1800" kern="1200">
+                <a:solidFill>
+                  <a:schemeClr val="tx1"/>
+                </a:solidFill>
+                <a:latin typeface="+mn-lt"/>
+                <a:ea typeface="+mn-ea"/>
+                <a:cs typeface="+mn-cs"/>
+              </a:defRPr>
+            </a:lvl8pPr>
+            <a:lvl9pPr marL="3886200" indent="-228600" algn="l" defTabSz="914400" rtl="0" eaLnBrk="1" latinLnBrk="0" hangingPunct="1">
+              <a:lnSpc>
+                <a:spcPct val="90000"/>
+              </a:lnSpc>
+              <a:spcBef>
+                <a:spcPts val="500"/>
+              </a:spcBef>
+              <a:buFont typeface="Arial" panose="020B0604020202020204" pitchFamily="34" charset="0"/>
+              <a:buChar char="•"/>
+              <a:defRPr sz="1800" kern="1200">
+                <a:solidFill>
+                  <a:schemeClr val="tx1"/>
+                </a:solidFill>
+                <a:latin typeface="+mn-lt"/>
+                <a:ea typeface="+mn-ea"/>
+                <a:cs typeface="+mn-cs"/>
+              </a:defRPr>
+            </a:lvl9pPr>
+          </a:lstStyle>
+          <a:p>
+            <a:endParaRPr lang="en-US" sz="2400" dirty="0"/>
+          </a:p>
+        </p:txBody>
+      </p:sp>
+      <p:sp>
+        <p:nvSpPr>
+          <p:cNvPr id="10" name="Content Placeholder 2">
+            <a:extLst>
+              <a:ext uri="{FF2B5EF4-FFF2-40B4-BE49-F238E27FC236}">
+                <a16:creationId xmlns:a16="http://schemas.microsoft.com/office/drawing/2014/main" id="{84590C14-A2A9-4C9D-B1C8-0265235C379E}"/>
+              </a:ext>
+            </a:extLst>
+          </p:cNvPr>
+          <p:cNvSpPr txBox="1">
+            <a:spLocks/>
+          </p:cNvSpPr>
+          <p:nvPr/>
+        </p:nvSpPr>
+        <p:spPr>
+          <a:xfrm>
+            <a:off x="1181099" y="2335502"/>
+            <a:ext cx="9791700" cy="3568696"/>
+          </a:xfrm>
+          <a:prstGeom prst="rect">
+            <a:avLst/>
+          </a:prstGeom>
+        </p:spPr>
+        <p:txBody>
+          <a:bodyPr lIns="0" tIns="0" rIns="0" bIns="0"/>
+          <a:lstStyle>
+            <a:lvl1pPr marL="0" indent="0" algn="l" defTabSz="914400" rtl="0" eaLnBrk="1" latinLnBrk="0" hangingPunct="1">
+              <a:lnSpc>
+                <a:spcPct val="100000"/>
+              </a:lnSpc>
+              <a:spcBef>
+                <a:spcPts val="1000"/>
+              </a:spcBef>
+              <a:buFont typeface="Arial" panose="020B0604020202020204" pitchFamily="34" charset="0"/>
+              <a:buNone/>
+              <a:defRPr sz="1800" kern="1200">
+                <a:solidFill>
+                  <a:schemeClr val="bg1"/>
+                </a:solidFill>
+                <a:latin typeface="+mn-lt"/>
+                <a:ea typeface="+mn-ea"/>
+                <a:cs typeface="+mn-cs"/>
+              </a:defRPr>
+            </a:lvl1pPr>
+            <a:lvl2pPr marL="457200" indent="0" algn="l" defTabSz="914400" rtl="0" eaLnBrk="1" latinLnBrk="0" hangingPunct="1">
+              <a:lnSpc>
+                <a:spcPct val="90000"/>
+              </a:lnSpc>
+              <a:spcBef>
+                <a:spcPts val="500"/>
+              </a:spcBef>
+              <a:buFont typeface="Arial" panose="020B0604020202020204" pitchFamily="34" charset="0"/>
+              <a:buNone/>
+              <a:defRPr sz="2000" kern="1200">
+                <a:solidFill>
+                  <a:schemeClr val="bg1"/>
+                </a:solidFill>
+                <a:latin typeface="+mn-lt"/>
+                <a:ea typeface="+mn-ea"/>
+                <a:cs typeface="+mn-cs"/>
+              </a:defRPr>
+            </a:lvl2pPr>
+            <a:lvl3pPr marL="914400" indent="0" algn="l" defTabSz="914400" rtl="0" eaLnBrk="1" latinLnBrk="0" hangingPunct="1">
+              <a:lnSpc>
+                <a:spcPct val="90000"/>
+              </a:lnSpc>
+              <a:spcBef>
+                <a:spcPts val="500"/>
+              </a:spcBef>
+              <a:buFont typeface="Arial" panose="020B0604020202020204" pitchFamily="34" charset="0"/>
+              <a:buNone/>
+              <a:defRPr sz="2000" kern="1200">
+                <a:solidFill>
+                  <a:schemeClr val="bg1"/>
+                </a:solidFill>
+                <a:latin typeface="+mn-lt"/>
+                <a:ea typeface="+mn-ea"/>
+                <a:cs typeface="+mn-cs"/>
+              </a:defRPr>
+            </a:lvl3pPr>
+            <a:lvl4pPr marL="1371600" indent="0" algn="l" defTabSz="914400" rtl="0" eaLnBrk="1" latinLnBrk="0" hangingPunct="1">
+              <a:lnSpc>
+                <a:spcPct val="90000"/>
+              </a:lnSpc>
+              <a:spcBef>
+                <a:spcPts val="500"/>
+              </a:spcBef>
+              <a:buFont typeface="Arial" panose="020B0604020202020204" pitchFamily="34" charset="0"/>
+              <a:buNone/>
+              <a:defRPr sz="2000" kern="1200">
+                <a:solidFill>
+                  <a:schemeClr val="bg1"/>
+                </a:solidFill>
+                <a:latin typeface="+mn-lt"/>
+                <a:ea typeface="+mn-ea"/>
+                <a:cs typeface="+mn-cs"/>
+              </a:defRPr>
+            </a:lvl4pPr>
+            <a:lvl5pPr marL="1828800" indent="0" algn="l" defTabSz="914400" rtl="0" eaLnBrk="1" latinLnBrk="0" hangingPunct="1">
+              <a:lnSpc>
+                <a:spcPct val="90000"/>
+              </a:lnSpc>
+              <a:spcBef>
+                <a:spcPts val="500"/>
+              </a:spcBef>
+              <a:buFont typeface="Arial" panose="020B0604020202020204" pitchFamily="34" charset="0"/>
+              <a:buNone/>
+              <a:defRPr sz="2000" kern="1200">
+                <a:solidFill>
+                  <a:schemeClr val="bg1"/>
+                </a:solidFill>
+                <a:latin typeface="+mn-lt"/>
+                <a:ea typeface="+mn-ea"/>
+                <a:cs typeface="+mn-cs"/>
+              </a:defRPr>
+            </a:lvl5pPr>
+            <a:lvl6pPr marL="2514600" indent="-228600" algn="l" defTabSz="914400" rtl="0" eaLnBrk="1" latinLnBrk="0" hangingPunct="1">
+              <a:lnSpc>
+                <a:spcPct val="90000"/>
+              </a:lnSpc>
+              <a:spcBef>
+                <a:spcPts val="500"/>
+              </a:spcBef>
+              <a:buFont typeface="Arial" panose="020B0604020202020204" pitchFamily="34" charset="0"/>
+              <a:buChar char="•"/>
+              <a:defRPr sz="1800" kern="1200">
+                <a:solidFill>
+                  <a:schemeClr val="tx1"/>
+                </a:solidFill>
+                <a:latin typeface="+mn-lt"/>
+                <a:ea typeface="+mn-ea"/>
+                <a:cs typeface="+mn-cs"/>
+              </a:defRPr>
+            </a:lvl6pPr>
+            <a:lvl7pPr marL="2971800" indent="-228600" algn="l" defTabSz="914400" rtl="0" eaLnBrk="1" latinLnBrk="0" hangingPunct="1">
+              <a:lnSpc>
+                <a:spcPct val="90000"/>
+              </a:lnSpc>
+              <a:spcBef>
+                <a:spcPts val="500"/>
+              </a:spcBef>
+              <a:buFont typeface="Arial" panose="020B0604020202020204" pitchFamily="34" charset="0"/>
+              <a:buChar char="•"/>
+              <a:defRPr sz="1800" kern="1200">
+                <a:solidFill>
+                  <a:schemeClr val="tx1"/>
+                </a:solidFill>
+                <a:latin typeface="+mn-lt"/>
+                <a:ea typeface="+mn-ea"/>
+                <a:cs typeface="+mn-cs"/>
+              </a:defRPr>
+            </a:lvl7pPr>
+            <a:lvl8pPr marL="3429000" indent="-228600" algn="l" defTabSz="914400" rtl="0" eaLnBrk="1" latinLnBrk="0" hangingPunct="1">
+              <a:lnSpc>
+                <a:spcPct val="90000"/>
+              </a:lnSpc>
+              <a:spcBef>
+                <a:spcPts val="500"/>
+              </a:spcBef>
+              <a:buFont typeface="Arial" panose="020B0604020202020204" pitchFamily="34" charset="0"/>
+              <a:buChar char="•"/>
+              <a:defRPr sz="1800" kern="1200">
+                <a:solidFill>
+                  <a:schemeClr val="tx1"/>
+                </a:solidFill>
+                <a:latin typeface="+mn-lt"/>
+                <a:ea typeface="+mn-ea"/>
+                <a:cs typeface="+mn-cs"/>
+              </a:defRPr>
+            </a:lvl8pPr>
+            <a:lvl9pPr marL="3886200" indent="-228600" algn="l" defTabSz="914400" rtl="0" eaLnBrk="1" latinLnBrk="0" hangingPunct="1">
+              <a:lnSpc>
+                <a:spcPct val="90000"/>
+              </a:lnSpc>
+              <a:spcBef>
+                <a:spcPts val="500"/>
+              </a:spcBef>
+              <a:buFont typeface="Arial" panose="020B0604020202020204" pitchFamily="34" charset="0"/>
+              <a:buChar char="•"/>
+              <a:defRPr sz="1800" kern="1200">
+                <a:solidFill>
+                  <a:schemeClr val="tx1"/>
+                </a:solidFill>
+                <a:latin typeface="+mn-lt"/>
+                <a:ea typeface="+mn-ea"/>
+                <a:cs typeface="+mn-cs"/>
+              </a:defRPr>
+            </a:lvl9pPr>
+          </a:lstStyle>
+          <a:p>
+            <a:endParaRPr lang="en-US" sz="2400" dirty="0"/>
+          </a:p>
+        </p:txBody>
+      </p:sp>
+    </p:spTree>
+    <p:extLst>
+      <p:ext uri="{BB962C8B-B14F-4D97-AF65-F5344CB8AC3E}">
+        <p14:creationId xmlns:p14="http://schemas.microsoft.com/office/powerpoint/2010/main" val="2960237701"/>
+      </p:ext>
+    </p:extLst>
+  </p:cSld>
+  <p:clrMapOvr>
+    <a:masterClrMapping/>
+  </p:clrMapOvr>
+</p:sld>
+</file>
+
+<file path=ppt/slides/slide18.xml><?xml version="1.0" encoding="utf-8"?>
+<p:sld xmlns:a="http://schemas.openxmlformats.org/drawingml/2006/main" xmlns:r="http://schemas.openxmlformats.org/officeDocument/2006/relationships" xmlns:p="http://schemas.openxmlformats.org/presentationml/2006/main">
+  <p:cSld>
+    <p:spTree>
+      <p:nvGrpSpPr>
+        <p:cNvPr id="1" name=""/>
+        <p:cNvGrpSpPr/>
+        <p:nvPr/>
+      </p:nvGrpSpPr>
+      <p:grpSpPr>
+        <a:xfrm>
+          <a:off x="0" y="0"/>
+          <a:ext cx="0" cy="0"/>
+          <a:chOff x="0" y="0"/>
+          <a:chExt cx="0" cy="0"/>
+        </a:xfrm>
+      </p:grpSpPr>
+      <p:sp>
+        <p:nvSpPr>
+          <p:cNvPr id="2" name="Title 1">
+            <a:extLst>
+              <a:ext uri="{FF2B5EF4-FFF2-40B4-BE49-F238E27FC236}">
+                <a16:creationId xmlns:a16="http://schemas.microsoft.com/office/drawing/2014/main" id="{A8E966EE-4FBD-534E-AAED-6C54465EF91C}"/>
+              </a:ext>
+            </a:extLst>
+          </p:cNvPr>
+          <p:cNvSpPr>
+            <a:spLocks noGrp="1"/>
+          </p:cNvSpPr>
+          <p:nvPr>
+            <p:ph type="title"/>
+          </p:nvPr>
+        </p:nvSpPr>
+        <p:spPr>
+          <a:xfrm>
+            <a:off x="1028699" y="381000"/>
+            <a:ext cx="10086976" cy="1263352"/>
+          </a:xfrm>
+        </p:spPr>
+        <p:txBody>
+          <a:bodyPr/>
+          <a:lstStyle/>
+          <a:p>
+            <a:r>
+              <a:rPr lang="en-US" dirty="0"/>
+              <a:t>Schedule</a:t>
+            </a:r>
+            <a:br>
+              <a:rPr lang="en-US" dirty="0"/>
+            </a:br>
+            <a:r>
+              <a:rPr lang="en-US" sz="3000" dirty="0"/>
+              <a:t>Timeline Reflection</a:t>
+            </a:r>
+          </a:p>
+        </p:txBody>
+      </p:sp>
+      <p:sp>
+        <p:nvSpPr>
+          <p:cNvPr id="3" name="Content Placeholder 2">
+            <a:extLst>
+              <a:ext uri="{FF2B5EF4-FFF2-40B4-BE49-F238E27FC236}">
+                <a16:creationId xmlns:a16="http://schemas.microsoft.com/office/drawing/2014/main" id="{0EC737E2-1EBF-6244-8E0A-274D170CCCE9}"/>
+              </a:ext>
+            </a:extLst>
+          </p:cNvPr>
+          <p:cNvSpPr>
+            <a:spLocks noGrp="1"/>
+          </p:cNvSpPr>
+          <p:nvPr>
+            <p:ph sz="half" idx="1"/>
+          </p:nvPr>
+        </p:nvSpPr>
+        <p:spPr>
+          <a:xfrm>
+            <a:off x="1028700" y="2286003"/>
+            <a:ext cx="9791700" cy="3568696"/>
+          </a:xfrm>
+        </p:spPr>
+        <p:txBody>
+          <a:bodyPr/>
+          <a:lstStyle/>
+          <a:p>
+            <a:endParaRPr lang="en-US" dirty="0"/>
+          </a:p>
+          <a:p>
+            <a:endParaRPr lang="en-US" sz="2400" dirty="0"/>
+          </a:p>
+          <a:p>
+            <a:endParaRPr lang="en-US" sz="2400" dirty="0"/>
+          </a:p>
+          <a:p>
+            <a:endParaRPr lang="en-US" sz="2400" dirty="0"/>
+          </a:p>
+        </p:txBody>
+      </p:sp>
+      <p:sp>
+        <p:nvSpPr>
+          <p:cNvPr id="4" name="Date Placeholder 3">
+            <a:extLst>
+              <a:ext uri="{FF2B5EF4-FFF2-40B4-BE49-F238E27FC236}">
+                <a16:creationId xmlns:a16="http://schemas.microsoft.com/office/drawing/2014/main" id="{D8E5B39E-73CB-4B96-BBFA-E350F71F2E1F}"/>
+              </a:ext>
+            </a:extLst>
+          </p:cNvPr>
+          <p:cNvSpPr>
+            <a:spLocks noGrp="1"/>
+          </p:cNvSpPr>
+          <p:nvPr>
+            <p:ph type="dt" sz="half" idx="11"/>
+          </p:nvPr>
+        </p:nvSpPr>
+        <p:spPr>
+          <a:xfrm>
+            <a:off x="9830818" y="6292334"/>
+            <a:ext cx="1522982" cy="182880"/>
+          </a:xfrm>
+        </p:spPr>
+        <p:txBody>
+          <a:bodyPr/>
+          <a:lstStyle/>
+          <a:p>
+            <a:r>
+              <a:rPr lang="en-US" dirty="0"/>
+              <a:t>June 15, 2021</a:t>
+            </a:r>
+          </a:p>
+        </p:txBody>
+      </p:sp>
+      <p:sp>
+        <p:nvSpPr>
+          <p:cNvPr id="5" name="Footer Placeholder 4">
+            <a:extLst>
+              <a:ext uri="{FF2B5EF4-FFF2-40B4-BE49-F238E27FC236}">
+                <a16:creationId xmlns:a16="http://schemas.microsoft.com/office/drawing/2014/main" id="{CD9C25C0-C28C-43A9-A830-FCBFC8BAA610}"/>
+              </a:ext>
+            </a:extLst>
+          </p:cNvPr>
+          <p:cNvSpPr>
+            <a:spLocks noGrp="1"/>
+          </p:cNvSpPr>
+          <p:nvPr>
+            <p:ph type="ftr" sz="quarter" idx="12"/>
+          </p:nvPr>
+        </p:nvSpPr>
+        <p:spPr>
+          <a:xfrm>
+            <a:off x="8298180" y="6294120"/>
+            <a:ext cx="1462788" cy="182880"/>
+          </a:xfrm>
+        </p:spPr>
+        <p:txBody>
+          <a:bodyPr/>
+          <a:lstStyle/>
+          <a:p>
+            <a:r>
+              <a:rPr lang="en-US" dirty="0"/>
+              <a:t>Week 7 Status</a:t>
+            </a:r>
+            <a:endParaRPr lang="en-US" dirty="0">
+              <a:solidFill>
+                <a:schemeClr val="bg1"/>
+              </a:solidFill>
+            </a:endParaRPr>
+          </a:p>
+        </p:txBody>
+      </p:sp>
+      <p:sp>
+        <p:nvSpPr>
+          <p:cNvPr id="6" name="Slide Number Placeholder 5">
+            <a:extLst>
+              <a:ext uri="{FF2B5EF4-FFF2-40B4-BE49-F238E27FC236}">
+                <a16:creationId xmlns:a16="http://schemas.microsoft.com/office/drawing/2014/main" id="{2ADE5F9E-39DA-49B7-8AA0-FF8E2B15DEEB}"/>
+              </a:ext>
+            </a:extLst>
+          </p:cNvPr>
+          <p:cNvSpPr>
+            <a:spLocks noGrp="1"/>
+          </p:cNvSpPr>
+          <p:nvPr>
+            <p:ph type="sldNum" sz="quarter" idx="13"/>
+          </p:nvPr>
+        </p:nvSpPr>
+        <p:spPr>
+          <a:xfrm>
+            <a:off x="11493500" y="6292334"/>
+            <a:ext cx="412750" cy="182880"/>
+          </a:xfrm>
+        </p:spPr>
+        <p:txBody>
+          <a:bodyPr/>
+          <a:lstStyle/>
+          <a:p>
+            <a:fld id="{7782931A-7D25-4B4B-9464-57AE418934A3}" type="slidenum">
+              <a:rPr lang="en-US" smtClean="0"/>
+              <a:pPr/>
+              <a:t>18</a:t>
             </a:fld>
             <a:endParaRPr lang="en-US"/>
           </a:p>
@@ -11050,615 +11523,6 @@
 </p:sld>
 </file>
 
-<file path=ppt/slides/slide18.xml><?xml version="1.0" encoding="utf-8"?>
-<p:sld xmlns:a="http://schemas.openxmlformats.org/drawingml/2006/main" xmlns:r="http://schemas.openxmlformats.org/officeDocument/2006/relationships" xmlns:p="http://schemas.openxmlformats.org/presentationml/2006/main">
-  <p:cSld>
-    <p:spTree>
-      <p:nvGrpSpPr>
-        <p:cNvPr id="1" name=""/>
-        <p:cNvGrpSpPr/>
-        <p:nvPr/>
-      </p:nvGrpSpPr>
-      <p:grpSpPr>
-        <a:xfrm>
-          <a:off x="0" y="0"/>
-          <a:ext cx="0" cy="0"/>
-          <a:chOff x="0" y="0"/>
-          <a:chExt cx="0" cy="0"/>
-        </a:xfrm>
-      </p:grpSpPr>
-      <p:sp>
-        <p:nvSpPr>
-          <p:cNvPr id="2" name="Title 1">
-            <a:extLst>
-              <a:ext uri="{FF2B5EF4-FFF2-40B4-BE49-F238E27FC236}">
-                <a16:creationId xmlns:a16="http://schemas.microsoft.com/office/drawing/2014/main" id="{A8E966EE-4FBD-534E-AAED-6C54465EF91C}"/>
-              </a:ext>
-            </a:extLst>
-          </p:cNvPr>
-          <p:cNvSpPr>
-            <a:spLocks noGrp="1"/>
-          </p:cNvSpPr>
-          <p:nvPr>
-            <p:ph type="title"/>
-          </p:nvPr>
-        </p:nvSpPr>
-        <p:spPr>
-          <a:xfrm>
-            <a:off x="1028699" y="381000"/>
-            <a:ext cx="10086976" cy="1263352"/>
-          </a:xfrm>
-        </p:spPr>
-        <p:txBody>
-          <a:bodyPr/>
-          <a:lstStyle/>
-          <a:p>
-            <a:r>
-              <a:rPr lang="en-US" dirty="0"/>
-              <a:t>Impacts to Schedule</a:t>
-            </a:r>
-            <a:br>
-              <a:rPr lang="en-US" dirty="0"/>
-            </a:br>
-            <a:r>
-              <a:rPr lang="en-US" sz="3000" dirty="0"/>
-              <a:t>Timeline Reflection</a:t>
-            </a:r>
-          </a:p>
-        </p:txBody>
-      </p:sp>
-      <p:sp>
-        <p:nvSpPr>
-          <p:cNvPr id="3" name="Content Placeholder 2">
-            <a:extLst>
-              <a:ext uri="{FF2B5EF4-FFF2-40B4-BE49-F238E27FC236}">
-                <a16:creationId xmlns:a16="http://schemas.microsoft.com/office/drawing/2014/main" id="{0EC737E2-1EBF-6244-8E0A-274D170CCCE9}"/>
-              </a:ext>
-            </a:extLst>
-          </p:cNvPr>
-          <p:cNvSpPr>
-            <a:spLocks noGrp="1"/>
-          </p:cNvSpPr>
-          <p:nvPr>
-            <p:ph sz="half" idx="1"/>
-          </p:nvPr>
-        </p:nvSpPr>
-        <p:spPr>
-          <a:xfrm>
-            <a:off x="1028700" y="2286003"/>
-            <a:ext cx="9791700" cy="3568696"/>
-          </a:xfrm>
-        </p:spPr>
-        <p:txBody>
-          <a:bodyPr/>
-          <a:lstStyle/>
-          <a:p>
-            <a:endParaRPr lang="en-US" dirty="0"/>
-          </a:p>
-          <a:p>
-            <a:endParaRPr lang="en-US" sz="2400" dirty="0"/>
-          </a:p>
-          <a:p>
-            <a:endParaRPr lang="en-US" sz="2400" dirty="0"/>
-          </a:p>
-          <a:p>
-            <a:endParaRPr lang="en-US" sz="2400" dirty="0"/>
-          </a:p>
-        </p:txBody>
-      </p:sp>
-      <p:sp>
-        <p:nvSpPr>
-          <p:cNvPr id="4" name="Date Placeholder 3">
-            <a:extLst>
-              <a:ext uri="{FF2B5EF4-FFF2-40B4-BE49-F238E27FC236}">
-                <a16:creationId xmlns:a16="http://schemas.microsoft.com/office/drawing/2014/main" id="{D8E5B39E-73CB-4B96-BBFA-E350F71F2E1F}"/>
-              </a:ext>
-            </a:extLst>
-          </p:cNvPr>
-          <p:cNvSpPr>
-            <a:spLocks noGrp="1"/>
-          </p:cNvSpPr>
-          <p:nvPr>
-            <p:ph type="dt" sz="half" idx="11"/>
-          </p:nvPr>
-        </p:nvSpPr>
-        <p:spPr>
-          <a:xfrm>
-            <a:off x="9830818" y="6292334"/>
-            <a:ext cx="1522982" cy="182880"/>
-          </a:xfrm>
-        </p:spPr>
-        <p:txBody>
-          <a:bodyPr/>
-          <a:lstStyle/>
-          <a:p>
-            <a:r>
-              <a:rPr lang="en-US" dirty="0"/>
-              <a:t>June 15, 2021</a:t>
-            </a:r>
-          </a:p>
-        </p:txBody>
-      </p:sp>
-      <p:sp>
-        <p:nvSpPr>
-          <p:cNvPr id="5" name="Footer Placeholder 4">
-            <a:extLst>
-              <a:ext uri="{FF2B5EF4-FFF2-40B4-BE49-F238E27FC236}">
-                <a16:creationId xmlns:a16="http://schemas.microsoft.com/office/drawing/2014/main" id="{CD9C25C0-C28C-43A9-A830-FCBFC8BAA610}"/>
-              </a:ext>
-            </a:extLst>
-          </p:cNvPr>
-          <p:cNvSpPr>
-            <a:spLocks noGrp="1"/>
-          </p:cNvSpPr>
-          <p:nvPr>
-            <p:ph type="ftr" sz="quarter" idx="12"/>
-          </p:nvPr>
-        </p:nvSpPr>
-        <p:spPr>
-          <a:xfrm>
-            <a:off x="8298180" y="6294120"/>
-            <a:ext cx="1462788" cy="182880"/>
-          </a:xfrm>
-        </p:spPr>
-        <p:txBody>
-          <a:bodyPr/>
-          <a:lstStyle/>
-          <a:p>
-            <a:r>
-              <a:rPr lang="en-US" dirty="0"/>
-              <a:t>Week 7 Status</a:t>
-            </a:r>
-            <a:endParaRPr lang="en-US" dirty="0">
-              <a:solidFill>
-                <a:schemeClr val="bg1"/>
-              </a:solidFill>
-            </a:endParaRPr>
-          </a:p>
-        </p:txBody>
-      </p:sp>
-      <p:sp>
-        <p:nvSpPr>
-          <p:cNvPr id="6" name="Slide Number Placeholder 5">
-            <a:extLst>
-              <a:ext uri="{FF2B5EF4-FFF2-40B4-BE49-F238E27FC236}">
-                <a16:creationId xmlns:a16="http://schemas.microsoft.com/office/drawing/2014/main" id="{2ADE5F9E-39DA-49B7-8AA0-FF8E2B15DEEB}"/>
-              </a:ext>
-            </a:extLst>
-          </p:cNvPr>
-          <p:cNvSpPr>
-            <a:spLocks noGrp="1"/>
-          </p:cNvSpPr>
-          <p:nvPr>
-            <p:ph type="sldNum" sz="quarter" idx="13"/>
-          </p:nvPr>
-        </p:nvSpPr>
-        <p:spPr>
-          <a:xfrm>
-            <a:off x="11493500" y="6292334"/>
-            <a:ext cx="412750" cy="182880"/>
-          </a:xfrm>
-        </p:spPr>
-        <p:txBody>
-          <a:bodyPr/>
-          <a:lstStyle/>
-          <a:p>
-            <a:fld id="{7782931A-7D25-4B4B-9464-57AE418934A3}" type="slidenum">
-              <a:rPr lang="en-US" smtClean="0"/>
-              <a:pPr/>
-              <a:t>18</a:t>
-            </a:fld>
-            <a:endParaRPr lang="en-US"/>
-          </a:p>
-        </p:txBody>
-      </p:sp>
-      <p:sp>
-        <p:nvSpPr>
-          <p:cNvPr id="8" name="Content Placeholder 2">
-            <a:extLst>
-              <a:ext uri="{FF2B5EF4-FFF2-40B4-BE49-F238E27FC236}">
-                <a16:creationId xmlns:a16="http://schemas.microsoft.com/office/drawing/2014/main" id="{0602D64C-7A74-4F54-BE39-917963439AAF}"/>
-              </a:ext>
-            </a:extLst>
-          </p:cNvPr>
-          <p:cNvSpPr txBox="1">
-            <a:spLocks/>
-          </p:cNvSpPr>
-          <p:nvPr/>
-        </p:nvSpPr>
-        <p:spPr>
-          <a:xfrm>
-            <a:off x="1181100" y="2438403"/>
-            <a:ext cx="9791700" cy="3568696"/>
-          </a:xfrm>
-          <a:prstGeom prst="rect">
-            <a:avLst/>
-          </a:prstGeom>
-        </p:spPr>
-        <p:txBody>
-          <a:bodyPr lIns="0" tIns="0" rIns="0" bIns="0"/>
-          <a:lstStyle>
-            <a:lvl1pPr marL="0" indent="0" algn="l" defTabSz="914400" rtl="0" eaLnBrk="1" latinLnBrk="0" hangingPunct="1">
-              <a:lnSpc>
-                <a:spcPct val="100000"/>
-              </a:lnSpc>
-              <a:spcBef>
-                <a:spcPts val="1000"/>
-              </a:spcBef>
-              <a:buFont typeface="Arial" panose="020B0604020202020204" pitchFamily="34" charset="0"/>
-              <a:buNone/>
-              <a:defRPr sz="1800" kern="1200">
-                <a:solidFill>
-                  <a:schemeClr val="bg1"/>
-                </a:solidFill>
-                <a:latin typeface="+mn-lt"/>
-                <a:ea typeface="+mn-ea"/>
-                <a:cs typeface="+mn-cs"/>
-              </a:defRPr>
-            </a:lvl1pPr>
-            <a:lvl2pPr marL="457200" indent="0" algn="l" defTabSz="914400" rtl="0" eaLnBrk="1" latinLnBrk="0" hangingPunct="1">
-              <a:lnSpc>
-                <a:spcPct val="90000"/>
-              </a:lnSpc>
-              <a:spcBef>
-                <a:spcPts val="500"/>
-              </a:spcBef>
-              <a:buFont typeface="Arial" panose="020B0604020202020204" pitchFamily="34" charset="0"/>
-              <a:buNone/>
-              <a:defRPr sz="2000" kern="1200">
-                <a:solidFill>
-                  <a:schemeClr val="bg1"/>
-                </a:solidFill>
-                <a:latin typeface="+mn-lt"/>
-                <a:ea typeface="+mn-ea"/>
-                <a:cs typeface="+mn-cs"/>
-              </a:defRPr>
-            </a:lvl2pPr>
-            <a:lvl3pPr marL="914400" indent="0" algn="l" defTabSz="914400" rtl="0" eaLnBrk="1" latinLnBrk="0" hangingPunct="1">
-              <a:lnSpc>
-                <a:spcPct val="90000"/>
-              </a:lnSpc>
-              <a:spcBef>
-                <a:spcPts val="500"/>
-              </a:spcBef>
-              <a:buFont typeface="Arial" panose="020B0604020202020204" pitchFamily="34" charset="0"/>
-              <a:buNone/>
-              <a:defRPr sz="2000" kern="1200">
-                <a:solidFill>
-                  <a:schemeClr val="bg1"/>
-                </a:solidFill>
-                <a:latin typeface="+mn-lt"/>
-                <a:ea typeface="+mn-ea"/>
-                <a:cs typeface="+mn-cs"/>
-              </a:defRPr>
-            </a:lvl3pPr>
-            <a:lvl4pPr marL="1371600" indent="0" algn="l" defTabSz="914400" rtl="0" eaLnBrk="1" latinLnBrk="0" hangingPunct="1">
-              <a:lnSpc>
-                <a:spcPct val="90000"/>
-              </a:lnSpc>
-              <a:spcBef>
-                <a:spcPts val="500"/>
-              </a:spcBef>
-              <a:buFont typeface="Arial" panose="020B0604020202020204" pitchFamily="34" charset="0"/>
-              <a:buNone/>
-              <a:defRPr sz="2000" kern="1200">
-                <a:solidFill>
-                  <a:schemeClr val="bg1"/>
-                </a:solidFill>
-                <a:latin typeface="+mn-lt"/>
-                <a:ea typeface="+mn-ea"/>
-                <a:cs typeface="+mn-cs"/>
-              </a:defRPr>
-            </a:lvl4pPr>
-            <a:lvl5pPr marL="1828800" indent="0" algn="l" defTabSz="914400" rtl="0" eaLnBrk="1" latinLnBrk="0" hangingPunct="1">
-              <a:lnSpc>
-                <a:spcPct val="90000"/>
-              </a:lnSpc>
-              <a:spcBef>
-                <a:spcPts val="500"/>
-              </a:spcBef>
-              <a:buFont typeface="Arial" panose="020B0604020202020204" pitchFamily="34" charset="0"/>
-              <a:buNone/>
-              <a:defRPr sz="2000" kern="1200">
-                <a:solidFill>
-                  <a:schemeClr val="bg1"/>
-                </a:solidFill>
-                <a:latin typeface="+mn-lt"/>
-                <a:ea typeface="+mn-ea"/>
-                <a:cs typeface="+mn-cs"/>
-              </a:defRPr>
-            </a:lvl5pPr>
-            <a:lvl6pPr marL="2514600" indent="-228600" algn="l" defTabSz="914400" rtl="0" eaLnBrk="1" latinLnBrk="0" hangingPunct="1">
-              <a:lnSpc>
-                <a:spcPct val="90000"/>
-              </a:lnSpc>
-              <a:spcBef>
-                <a:spcPts val="500"/>
-              </a:spcBef>
-              <a:buFont typeface="Arial" panose="020B0604020202020204" pitchFamily="34" charset="0"/>
-              <a:buChar char="•"/>
-              <a:defRPr sz="1800" kern="1200">
-                <a:solidFill>
-                  <a:schemeClr val="tx1"/>
-                </a:solidFill>
-                <a:latin typeface="+mn-lt"/>
-                <a:ea typeface="+mn-ea"/>
-                <a:cs typeface="+mn-cs"/>
-              </a:defRPr>
-            </a:lvl6pPr>
-            <a:lvl7pPr marL="2971800" indent="-228600" algn="l" defTabSz="914400" rtl="0" eaLnBrk="1" latinLnBrk="0" hangingPunct="1">
-              <a:lnSpc>
-                <a:spcPct val="90000"/>
-              </a:lnSpc>
-              <a:spcBef>
-                <a:spcPts val="500"/>
-              </a:spcBef>
-              <a:buFont typeface="Arial" panose="020B0604020202020204" pitchFamily="34" charset="0"/>
-              <a:buChar char="•"/>
-              <a:defRPr sz="1800" kern="1200">
-                <a:solidFill>
-                  <a:schemeClr val="tx1"/>
-                </a:solidFill>
-                <a:latin typeface="+mn-lt"/>
-                <a:ea typeface="+mn-ea"/>
-                <a:cs typeface="+mn-cs"/>
-              </a:defRPr>
-            </a:lvl7pPr>
-            <a:lvl8pPr marL="3429000" indent="-228600" algn="l" defTabSz="914400" rtl="0" eaLnBrk="1" latinLnBrk="0" hangingPunct="1">
-              <a:lnSpc>
-                <a:spcPct val="90000"/>
-              </a:lnSpc>
-              <a:spcBef>
-                <a:spcPts val="500"/>
-              </a:spcBef>
-              <a:buFont typeface="Arial" panose="020B0604020202020204" pitchFamily="34" charset="0"/>
-              <a:buChar char="•"/>
-              <a:defRPr sz="1800" kern="1200">
-                <a:solidFill>
-                  <a:schemeClr val="tx1"/>
-                </a:solidFill>
-                <a:latin typeface="+mn-lt"/>
-                <a:ea typeface="+mn-ea"/>
-                <a:cs typeface="+mn-cs"/>
-              </a:defRPr>
-            </a:lvl8pPr>
-            <a:lvl9pPr marL="3886200" indent="-228600" algn="l" defTabSz="914400" rtl="0" eaLnBrk="1" latinLnBrk="0" hangingPunct="1">
-              <a:lnSpc>
-                <a:spcPct val="90000"/>
-              </a:lnSpc>
-              <a:spcBef>
-                <a:spcPts val="500"/>
-              </a:spcBef>
-              <a:buFont typeface="Arial" panose="020B0604020202020204" pitchFamily="34" charset="0"/>
-              <a:buChar char="•"/>
-              <a:defRPr sz="1800" kern="1200">
-                <a:solidFill>
-                  <a:schemeClr val="tx1"/>
-                </a:solidFill>
-                <a:latin typeface="+mn-lt"/>
-                <a:ea typeface="+mn-ea"/>
-                <a:cs typeface="+mn-cs"/>
-              </a:defRPr>
-            </a:lvl9pPr>
-          </a:lstStyle>
-          <a:p>
-            <a:endParaRPr lang="en-US" sz="2400"/>
-          </a:p>
-        </p:txBody>
-      </p:sp>
-      <p:sp>
-        <p:nvSpPr>
-          <p:cNvPr id="9" name="Content Placeholder 2">
-            <a:extLst>
-              <a:ext uri="{FF2B5EF4-FFF2-40B4-BE49-F238E27FC236}">
-                <a16:creationId xmlns:a16="http://schemas.microsoft.com/office/drawing/2014/main" id="{39A4B542-AD86-4947-BE50-B8A0EC20CC09}"/>
-              </a:ext>
-            </a:extLst>
-          </p:cNvPr>
-          <p:cNvSpPr txBox="1">
-            <a:spLocks/>
-          </p:cNvSpPr>
-          <p:nvPr/>
-        </p:nvSpPr>
-        <p:spPr>
-          <a:xfrm>
-            <a:off x="1028700" y="2183994"/>
-            <a:ext cx="10464800" cy="4020863"/>
-          </a:xfrm>
-          <a:prstGeom prst="rect">
-            <a:avLst/>
-          </a:prstGeom>
-        </p:spPr>
-        <p:txBody>
-          <a:bodyPr lIns="0" tIns="0" rIns="0" bIns="0"/>
-          <a:lstStyle>
-            <a:lvl1pPr marL="0" indent="0" algn="l" defTabSz="914400" rtl="0" eaLnBrk="1" latinLnBrk="0" hangingPunct="1">
-              <a:lnSpc>
-                <a:spcPct val="100000"/>
-              </a:lnSpc>
-              <a:spcBef>
-                <a:spcPts val="1000"/>
-              </a:spcBef>
-              <a:buFont typeface="Arial" panose="020B0604020202020204" pitchFamily="34" charset="0"/>
-              <a:buNone/>
-              <a:defRPr sz="1800" kern="1200">
-                <a:solidFill>
-                  <a:schemeClr val="bg1"/>
-                </a:solidFill>
-                <a:latin typeface="+mn-lt"/>
-                <a:ea typeface="+mn-ea"/>
-                <a:cs typeface="+mn-cs"/>
-              </a:defRPr>
-            </a:lvl1pPr>
-            <a:lvl2pPr marL="457200" indent="0" algn="l" defTabSz="914400" rtl="0" eaLnBrk="1" latinLnBrk="0" hangingPunct="1">
-              <a:lnSpc>
-                <a:spcPct val="90000"/>
-              </a:lnSpc>
-              <a:spcBef>
-                <a:spcPts val="500"/>
-              </a:spcBef>
-              <a:buFont typeface="Arial" panose="020B0604020202020204" pitchFamily="34" charset="0"/>
-              <a:buNone/>
-              <a:defRPr sz="2000" kern="1200">
-                <a:solidFill>
-                  <a:schemeClr val="bg1"/>
-                </a:solidFill>
-                <a:latin typeface="+mn-lt"/>
-                <a:ea typeface="+mn-ea"/>
-                <a:cs typeface="+mn-cs"/>
-              </a:defRPr>
-            </a:lvl2pPr>
-            <a:lvl3pPr marL="914400" indent="0" algn="l" defTabSz="914400" rtl="0" eaLnBrk="1" latinLnBrk="0" hangingPunct="1">
-              <a:lnSpc>
-                <a:spcPct val="90000"/>
-              </a:lnSpc>
-              <a:spcBef>
-                <a:spcPts val="500"/>
-              </a:spcBef>
-              <a:buFont typeface="Arial" panose="020B0604020202020204" pitchFamily="34" charset="0"/>
-              <a:buNone/>
-              <a:defRPr sz="2000" kern="1200">
-                <a:solidFill>
-                  <a:schemeClr val="bg1"/>
-                </a:solidFill>
-                <a:latin typeface="+mn-lt"/>
-                <a:ea typeface="+mn-ea"/>
-                <a:cs typeface="+mn-cs"/>
-              </a:defRPr>
-            </a:lvl3pPr>
-            <a:lvl4pPr marL="1371600" indent="0" algn="l" defTabSz="914400" rtl="0" eaLnBrk="1" latinLnBrk="0" hangingPunct="1">
-              <a:lnSpc>
-                <a:spcPct val="90000"/>
-              </a:lnSpc>
-              <a:spcBef>
-                <a:spcPts val="500"/>
-              </a:spcBef>
-              <a:buFont typeface="Arial" panose="020B0604020202020204" pitchFamily="34" charset="0"/>
-              <a:buNone/>
-              <a:defRPr sz="2000" kern="1200">
-                <a:solidFill>
-                  <a:schemeClr val="bg1"/>
-                </a:solidFill>
-                <a:latin typeface="+mn-lt"/>
-                <a:ea typeface="+mn-ea"/>
-                <a:cs typeface="+mn-cs"/>
-              </a:defRPr>
-            </a:lvl4pPr>
-            <a:lvl5pPr marL="1828800" indent="0" algn="l" defTabSz="914400" rtl="0" eaLnBrk="1" latinLnBrk="0" hangingPunct="1">
-              <a:lnSpc>
-                <a:spcPct val="90000"/>
-              </a:lnSpc>
-              <a:spcBef>
-                <a:spcPts val="500"/>
-              </a:spcBef>
-              <a:buFont typeface="Arial" panose="020B0604020202020204" pitchFamily="34" charset="0"/>
-              <a:buNone/>
-              <a:defRPr sz="2000" kern="1200">
-                <a:solidFill>
-                  <a:schemeClr val="bg1"/>
-                </a:solidFill>
-                <a:latin typeface="+mn-lt"/>
-                <a:ea typeface="+mn-ea"/>
-                <a:cs typeface="+mn-cs"/>
-              </a:defRPr>
-            </a:lvl5pPr>
-            <a:lvl6pPr marL="2514600" indent="-228600" algn="l" defTabSz="914400" rtl="0" eaLnBrk="1" latinLnBrk="0" hangingPunct="1">
-              <a:lnSpc>
-                <a:spcPct val="90000"/>
-              </a:lnSpc>
-              <a:spcBef>
-                <a:spcPts val="500"/>
-              </a:spcBef>
-              <a:buFont typeface="Arial" panose="020B0604020202020204" pitchFamily="34" charset="0"/>
-              <a:buChar char="•"/>
-              <a:defRPr sz="1800" kern="1200">
-                <a:solidFill>
-                  <a:schemeClr val="tx1"/>
-                </a:solidFill>
-                <a:latin typeface="+mn-lt"/>
-                <a:ea typeface="+mn-ea"/>
-                <a:cs typeface="+mn-cs"/>
-              </a:defRPr>
-            </a:lvl6pPr>
-            <a:lvl7pPr marL="2971800" indent="-228600" algn="l" defTabSz="914400" rtl="0" eaLnBrk="1" latinLnBrk="0" hangingPunct="1">
-              <a:lnSpc>
-                <a:spcPct val="90000"/>
-              </a:lnSpc>
-              <a:spcBef>
-                <a:spcPts val="500"/>
-              </a:spcBef>
-              <a:buFont typeface="Arial" panose="020B0604020202020204" pitchFamily="34" charset="0"/>
-              <a:buChar char="•"/>
-              <a:defRPr sz="1800" kern="1200">
-                <a:solidFill>
-                  <a:schemeClr val="tx1"/>
-                </a:solidFill>
-                <a:latin typeface="+mn-lt"/>
-                <a:ea typeface="+mn-ea"/>
-                <a:cs typeface="+mn-cs"/>
-              </a:defRPr>
-            </a:lvl7pPr>
-            <a:lvl8pPr marL="3429000" indent="-228600" algn="l" defTabSz="914400" rtl="0" eaLnBrk="1" latinLnBrk="0" hangingPunct="1">
-              <a:lnSpc>
-                <a:spcPct val="90000"/>
-              </a:lnSpc>
-              <a:spcBef>
-                <a:spcPts val="500"/>
-              </a:spcBef>
-              <a:buFont typeface="Arial" panose="020B0604020202020204" pitchFamily="34" charset="0"/>
-              <a:buChar char="•"/>
-              <a:defRPr sz="1800" kern="1200">
-                <a:solidFill>
-                  <a:schemeClr val="tx1"/>
-                </a:solidFill>
-                <a:latin typeface="+mn-lt"/>
-                <a:ea typeface="+mn-ea"/>
-                <a:cs typeface="+mn-cs"/>
-              </a:defRPr>
-            </a:lvl8pPr>
-            <a:lvl9pPr marL="3886200" indent="-228600" algn="l" defTabSz="914400" rtl="0" eaLnBrk="1" latinLnBrk="0" hangingPunct="1">
-              <a:lnSpc>
-                <a:spcPct val="90000"/>
-              </a:lnSpc>
-              <a:spcBef>
-                <a:spcPts val="500"/>
-              </a:spcBef>
-              <a:buFont typeface="Arial" panose="020B0604020202020204" pitchFamily="34" charset="0"/>
-              <a:buChar char="•"/>
-              <a:defRPr sz="1800" kern="1200">
-                <a:solidFill>
-                  <a:schemeClr val="tx1"/>
-                </a:solidFill>
-                <a:latin typeface="+mn-lt"/>
-                <a:ea typeface="+mn-ea"/>
-                <a:cs typeface="+mn-cs"/>
-              </a:defRPr>
-            </a:lvl9pPr>
-          </a:lstStyle>
-          <a:p>
-            <a:r>
-              <a:rPr lang="en-US" sz="2000" b="1" dirty="0"/>
-              <a:t>It’s going to be busy but we believe doable</a:t>
-            </a:r>
-          </a:p>
-          <a:p>
-            <a:endParaRPr lang="en-US" sz="2000" b="1" dirty="0"/>
-          </a:p>
-        </p:txBody>
-      </p:sp>
-    </p:spTree>
-    <p:extLst>
-      <p:ext uri="{BB962C8B-B14F-4D97-AF65-F5344CB8AC3E}">
-        <p14:creationId xmlns:p14="http://schemas.microsoft.com/office/powerpoint/2010/main" val="1462775055"/>
-      </p:ext>
-    </p:extLst>
-  </p:cSld>
-  <p:clrMapOvr>
-    <a:masterClrMapping/>
-  </p:clrMapOvr>
-</p:sld>
-</file>
-
 <file path=ppt/slides/slide19.xml><?xml version="1.0" encoding="utf-8"?>
 <p:sld xmlns:a="http://schemas.openxmlformats.org/drawingml/2006/main" xmlns:r="http://schemas.openxmlformats.org/officeDocument/2006/relationships" xmlns:p="http://schemas.openxmlformats.org/presentationml/2006/main">
   <p:cSld>
@@ -11681,7 +11545,7 @@
           <p:cNvPr id="2" name="Title 1">
             <a:extLst>
               <a:ext uri="{FF2B5EF4-FFF2-40B4-BE49-F238E27FC236}">
-                <a16:creationId xmlns:a16="http://schemas.microsoft.com/office/drawing/2014/main" id="{2AB67F85-B014-E54D-AC82-A789515E821B}"/>
+                <a16:creationId xmlns:a16="http://schemas.microsoft.com/office/drawing/2014/main" id="{A8E966EE-4FBD-534E-AAED-6C54465EF91C}"/>
               </a:ext>
             </a:extLst>
           </p:cNvPr>
@@ -11692,60 +11556,66 @@
             <p:ph type="title"/>
           </p:nvPr>
         </p:nvSpPr>
-        <p:spPr/>
+        <p:spPr>
+          <a:xfrm>
+            <a:off x="1028699" y="381000"/>
+            <a:ext cx="10086976" cy="1263352"/>
+          </a:xfrm>
+        </p:spPr>
         <p:txBody>
           <a:bodyPr/>
           <a:lstStyle/>
           <a:p>
             <a:r>
               <a:rPr lang="en-US" dirty="0"/>
-              <a:t>Thank You</a:t>
-            </a:r>
-          </a:p>
-        </p:txBody>
-      </p:sp>
-      <p:sp>
-        <p:nvSpPr>
-          <p:cNvPr id="5" name="Content Placeholder 4">
-            <a:extLst>
-              <a:ext uri="{FF2B5EF4-FFF2-40B4-BE49-F238E27FC236}">
-                <a16:creationId xmlns:a16="http://schemas.microsoft.com/office/drawing/2014/main" id="{788D6534-C18A-6F43-BFAE-88E2F83FD9B4}"/>
-              </a:ext>
-            </a:extLst>
-          </p:cNvPr>
-          <p:cNvSpPr>
-            <a:spLocks noGrp="1"/>
-          </p:cNvSpPr>
-          <p:nvPr>
-            <p:ph sz="quarter" idx="12"/>
-          </p:nvPr>
-        </p:nvSpPr>
-        <p:spPr>
-          <a:xfrm>
-            <a:off x="6257107" y="2354531"/>
-            <a:ext cx="4876800" cy="1152149"/>
+              <a:t>Impacts to Schedule</a:t>
+            </a:r>
+            <a:br>
+              <a:rPr lang="en-US" dirty="0"/>
+            </a:br>
+            <a:r>
+              <a:rPr lang="en-US" sz="3000" dirty="0"/>
+              <a:t>Timeline Reflection</a:t>
+            </a:r>
+          </a:p>
+        </p:txBody>
+      </p:sp>
+      <p:sp>
+        <p:nvSpPr>
+          <p:cNvPr id="3" name="Content Placeholder 2">
+            <a:extLst>
+              <a:ext uri="{FF2B5EF4-FFF2-40B4-BE49-F238E27FC236}">
+                <a16:creationId xmlns:a16="http://schemas.microsoft.com/office/drawing/2014/main" id="{0EC737E2-1EBF-6244-8E0A-274D170CCCE9}"/>
+              </a:ext>
+            </a:extLst>
+          </p:cNvPr>
+          <p:cNvSpPr>
+            <a:spLocks noGrp="1"/>
+          </p:cNvSpPr>
+          <p:nvPr>
+            <p:ph sz="half" idx="1"/>
+          </p:nvPr>
+        </p:nvSpPr>
+        <p:spPr>
+          <a:xfrm>
+            <a:off x="1028700" y="2286003"/>
+            <a:ext cx="9791700" cy="3568696"/>
           </a:xfrm>
         </p:spPr>
         <p:txBody>
           <a:bodyPr/>
           <a:lstStyle/>
           <a:p>
-            <a:r>
-              <a:rPr lang="en-US" b="1"/>
-              <a:t>Mitch Harris</a:t>
-            </a:r>
-          </a:p>
-          <a:p>
-            <a:r>
-              <a:rPr lang="en-US" b="1"/>
-              <a:t>Ryan Koenig</a:t>
-            </a:r>
-          </a:p>
-          <a:p>
-            <a:r>
-              <a:rPr lang="en-US" b="1"/>
-              <a:t>Nathan Smith</a:t>
-            </a:r>
+            <a:endParaRPr lang="en-US" dirty="0"/>
+          </a:p>
+          <a:p>
+            <a:endParaRPr lang="en-US" sz="2400" dirty="0"/>
+          </a:p>
+          <a:p>
+            <a:endParaRPr lang="en-US" sz="2400" dirty="0"/>
+          </a:p>
+          <a:p>
+            <a:endParaRPr lang="en-US" sz="2400" dirty="0"/>
           </a:p>
         </p:txBody>
       </p:sp>
@@ -11754,15 +11624,15 @@
           <p:cNvPr id="4" name="Date Placeholder 3">
             <a:extLst>
               <a:ext uri="{FF2B5EF4-FFF2-40B4-BE49-F238E27FC236}">
-                <a16:creationId xmlns:a16="http://schemas.microsoft.com/office/drawing/2014/main" id="{D4137C36-233D-4261-A151-481DEB983F84}"/>
-              </a:ext>
-            </a:extLst>
-          </p:cNvPr>
-          <p:cNvSpPr>
-            <a:spLocks noGrp="1"/>
-          </p:cNvSpPr>
-          <p:nvPr>
-            <p:ph type="dt" sz="half" idx="13"/>
+                <a16:creationId xmlns:a16="http://schemas.microsoft.com/office/drawing/2014/main" id="{D8E5B39E-73CB-4B96-BBFA-E350F71F2E1F}"/>
+              </a:ext>
+            </a:extLst>
+          </p:cNvPr>
+          <p:cNvSpPr>
+            <a:spLocks noGrp="1"/>
+          </p:cNvSpPr>
+          <p:nvPr>
+            <p:ph type="dt" sz="half" idx="11"/>
           </p:nvPr>
         </p:nvSpPr>
         <p:spPr>
@@ -11784,18 +11654,18 @@
       </p:sp>
       <p:sp>
         <p:nvSpPr>
-          <p:cNvPr id="6" name="Footer Placeholder 5">
-            <a:extLst>
-              <a:ext uri="{FF2B5EF4-FFF2-40B4-BE49-F238E27FC236}">
-                <a16:creationId xmlns:a16="http://schemas.microsoft.com/office/drawing/2014/main" id="{7F17CE90-6DC0-4BAD-AFD2-6566038ECD03}"/>
-              </a:ext>
-            </a:extLst>
-          </p:cNvPr>
-          <p:cNvSpPr>
-            <a:spLocks noGrp="1"/>
-          </p:cNvSpPr>
-          <p:nvPr>
-            <p:ph type="ftr" sz="quarter" idx="14"/>
+          <p:cNvPr id="5" name="Footer Placeholder 4">
+            <a:extLst>
+              <a:ext uri="{FF2B5EF4-FFF2-40B4-BE49-F238E27FC236}">
+                <a16:creationId xmlns:a16="http://schemas.microsoft.com/office/drawing/2014/main" id="{CD9C25C0-C28C-43A9-A830-FCBFC8BAA610}"/>
+              </a:ext>
+            </a:extLst>
+          </p:cNvPr>
+          <p:cNvSpPr>
+            <a:spLocks noGrp="1"/>
+          </p:cNvSpPr>
+          <p:nvPr>
+            <p:ph type="ftr" sz="quarter" idx="12"/>
           </p:nvPr>
         </p:nvSpPr>
         <p:spPr>
@@ -11822,18 +11692,18 @@
       </p:sp>
       <p:sp>
         <p:nvSpPr>
-          <p:cNvPr id="8" name="Slide Number Placeholder 7">
-            <a:extLst>
-              <a:ext uri="{FF2B5EF4-FFF2-40B4-BE49-F238E27FC236}">
-                <a16:creationId xmlns:a16="http://schemas.microsoft.com/office/drawing/2014/main" id="{8A0CAF6B-5914-4E2F-90A1-4B2D92D5ADC0}"/>
-              </a:ext>
-            </a:extLst>
-          </p:cNvPr>
-          <p:cNvSpPr>
-            <a:spLocks noGrp="1"/>
-          </p:cNvSpPr>
-          <p:nvPr>
-            <p:ph type="sldNum" sz="quarter" idx="15"/>
+          <p:cNvPr id="6" name="Slide Number Placeholder 5">
+            <a:extLst>
+              <a:ext uri="{FF2B5EF4-FFF2-40B4-BE49-F238E27FC236}">
+                <a16:creationId xmlns:a16="http://schemas.microsoft.com/office/drawing/2014/main" id="{2ADE5F9E-39DA-49B7-8AA0-FF8E2B15DEEB}"/>
+              </a:ext>
+            </a:extLst>
+          </p:cNvPr>
+          <p:cNvSpPr>
+            <a:spLocks noGrp="1"/>
+          </p:cNvSpPr>
+          <p:nvPr>
+            <p:ph type="sldNum" sz="quarter" idx="13"/>
           </p:nvPr>
         </p:nvSpPr>
         <p:spPr>
@@ -11855,44 +11725,404 @@
           </a:p>
         </p:txBody>
       </p:sp>
-      <p:pic>
-        <p:nvPicPr>
-          <p:cNvPr id="13" name="Picture Placeholder 12">
-            <a:extLst>
-              <a:ext uri="{FF2B5EF4-FFF2-40B4-BE49-F238E27FC236}">
-                <a16:creationId xmlns:a16="http://schemas.microsoft.com/office/drawing/2014/main" id="{2F485E91-8B2E-42EB-AE3D-84E04C06EA53}"/>
-              </a:ext>
-            </a:extLst>
-          </p:cNvPr>
-          <p:cNvPicPr>
-            <a:picLocks noGrp="1" noChangeAspect="1"/>
-          </p:cNvPicPr>
-          <p:nvPr>
-            <p:ph type="pic" sz="quarter" idx="10"/>
-          </p:nvPr>
-        </p:nvPicPr>
-        <p:blipFill>
-          <a:blip r:embed="rId2">
-            <a:extLst>
-              <a:ext uri="{28A0092B-C50C-407E-A947-70E740481C1C}">
-                <a14:useLocalDpi xmlns:a14="http://schemas.microsoft.com/office/drawing/2010/main" val="0"/>
-              </a:ext>
-            </a:extLst>
-          </a:blip>
-          <a:srcRect/>
-          <a:stretch/>
-        </p:blipFill>
-        <p:spPr>
-          <a:xfrm>
-            <a:off x="0" y="990600"/>
-            <a:ext cx="4837176" cy="4837176"/>
-          </a:xfrm>
-        </p:spPr>
-      </p:pic>
+      <p:sp>
+        <p:nvSpPr>
+          <p:cNvPr id="8" name="Content Placeholder 2">
+            <a:extLst>
+              <a:ext uri="{FF2B5EF4-FFF2-40B4-BE49-F238E27FC236}">
+                <a16:creationId xmlns:a16="http://schemas.microsoft.com/office/drawing/2014/main" id="{0602D64C-7A74-4F54-BE39-917963439AAF}"/>
+              </a:ext>
+            </a:extLst>
+          </p:cNvPr>
+          <p:cNvSpPr txBox="1">
+            <a:spLocks/>
+          </p:cNvSpPr>
+          <p:nvPr/>
+        </p:nvSpPr>
+        <p:spPr>
+          <a:xfrm>
+            <a:off x="1181100" y="2438403"/>
+            <a:ext cx="9791700" cy="3568696"/>
+          </a:xfrm>
+          <a:prstGeom prst="rect">
+            <a:avLst/>
+          </a:prstGeom>
+        </p:spPr>
+        <p:txBody>
+          <a:bodyPr lIns="0" tIns="0" rIns="0" bIns="0"/>
+          <a:lstStyle>
+            <a:lvl1pPr marL="0" indent="0" algn="l" defTabSz="914400" rtl="0" eaLnBrk="1" latinLnBrk="0" hangingPunct="1">
+              <a:lnSpc>
+                <a:spcPct val="100000"/>
+              </a:lnSpc>
+              <a:spcBef>
+                <a:spcPts val="1000"/>
+              </a:spcBef>
+              <a:buFont typeface="Arial" panose="020B0604020202020204" pitchFamily="34" charset="0"/>
+              <a:buNone/>
+              <a:defRPr sz="1800" kern="1200">
+                <a:solidFill>
+                  <a:schemeClr val="bg1"/>
+                </a:solidFill>
+                <a:latin typeface="+mn-lt"/>
+                <a:ea typeface="+mn-ea"/>
+                <a:cs typeface="+mn-cs"/>
+              </a:defRPr>
+            </a:lvl1pPr>
+            <a:lvl2pPr marL="457200" indent="0" algn="l" defTabSz="914400" rtl="0" eaLnBrk="1" latinLnBrk="0" hangingPunct="1">
+              <a:lnSpc>
+                <a:spcPct val="90000"/>
+              </a:lnSpc>
+              <a:spcBef>
+                <a:spcPts val="500"/>
+              </a:spcBef>
+              <a:buFont typeface="Arial" panose="020B0604020202020204" pitchFamily="34" charset="0"/>
+              <a:buNone/>
+              <a:defRPr sz="2000" kern="1200">
+                <a:solidFill>
+                  <a:schemeClr val="bg1"/>
+                </a:solidFill>
+                <a:latin typeface="+mn-lt"/>
+                <a:ea typeface="+mn-ea"/>
+                <a:cs typeface="+mn-cs"/>
+              </a:defRPr>
+            </a:lvl2pPr>
+            <a:lvl3pPr marL="914400" indent="0" algn="l" defTabSz="914400" rtl="0" eaLnBrk="1" latinLnBrk="0" hangingPunct="1">
+              <a:lnSpc>
+                <a:spcPct val="90000"/>
+              </a:lnSpc>
+              <a:spcBef>
+                <a:spcPts val="500"/>
+              </a:spcBef>
+              <a:buFont typeface="Arial" panose="020B0604020202020204" pitchFamily="34" charset="0"/>
+              <a:buNone/>
+              <a:defRPr sz="2000" kern="1200">
+                <a:solidFill>
+                  <a:schemeClr val="bg1"/>
+                </a:solidFill>
+                <a:latin typeface="+mn-lt"/>
+                <a:ea typeface="+mn-ea"/>
+                <a:cs typeface="+mn-cs"/>
+              </a:defRPr>
+            </a:lvl3pPr>
+            <a:lvl4pPr marL="1371600" indent="0" algn="l" defTabSz="914400" rtl="0" eaLnBrk="1" latinLnBrk="0" hangingPunct="1">
+              <a:lnSpc>
+                <a:spcPct val="90000"/>
+              </a:lnSpc>
+              <a:spcBef>
+                <a:spcPts val="500"/>
+              </a:spcBef>
+              <a:buFont typeface="Arial" panose="020B0604020202020204" pitchFamily="34" charset="0"/>
+              <a:buNone/>
+              <a:defRPr sz="2000" kern="1200">
+                <a:solidFill>
+                  <a:schemeClr val="bg1"/>
+                </a:solidFill>
+                <a:latin typeface="+mn-lt"/>
+                <a:ea typeface="+mn-ea"/>
+                <a:cs typeface="+mn-cs"/>
+              </a:defRPr>
+            </a:lvl4pPr>
+            <a:lvl5pPr marL="1828800" indent="0" algn="l" defTabSz="914400" rtl="0" eaLnBrk="1" latinLnBrk="0" hangingPunct="1">
+              <a:lnSpc>
+                <a:spcPct val="90000"/>
+              </a:lnSpc>
+              <a:spcBef>
+                <a:spcPts val="500"/>
+              </a:spcBef>
+              <a:buFont typeface="Arial" panose="020B0604020202020204" pitchFamily="34" charset="0"/>
+              <a:buNone/>
+              <a:defRPr sz="2000" kern="1200">
+                <a:solidFill>
+                  <a:schemeClr val="bg1"/>
+                </a:solidFill>
+                <a:latin typeface="+mn-lt"/>
+                <a:ea typeface="+mn-ea"/>
+                <a:cs typeface="+mn-cs"/>
+              </a:defRPr>
+            </a:lvl5pPr>
+            <a:lvl6pPr marL="2514600" indent="-228600" algn="l" defTabSz="914400" rtl="0" eaLnBrk="1" latinLnBrk="0" hangingPunct="1">
+              <a:lnSpc>
+                <a:spcPct val="90000"/>
+              </a:lnSpc>
+              <a:spcBef>
+                <a:spcPts val="500"/>
+              </a:spcBef>
+              <a:buFont typeface="Arial" panose="020B0604020202020204" pitchFamily="34" charset="0"/>
+              <a:buChar char="•"/>
+              <a:defRPr sz="1800" kern="1200">
+                <a:solidFill>
+                  <a:schemeClr val="tx1"/>
+                </a:solidFill>
+                <a:latin typeface="+mn-lt"/>
+                <a:ea typeface="+mn-ea"/>
+                <a:cs typeface="+mn-cs"/>
+              </a:defRPr>
+            </a:lvl6pPr>
+            <a:lvl7pPr marL="2971800" indent="-228600" algn="l" defTabSz="914400" rtl="0" eaLnBrk="1" latinLnBrk="0" hangingPunct="1">
+              <a:lnSpc>
+                <a:spcPct val="90000"/>
+              </a:lnSpc>
+              <a:spcBef>
+                <a:spcPts val="500"/>
+              </a:spcBef>
+              <a:buFont typeface="Arial" panose="020B0604020202020204" pitchFamily="34" charset="0"/>
+              <a:buChar char="•"/>
+              <a:defRPr sz="1800" kern="1200">
+                <a:solidFill>
+                  <a:schemeClr val="tx1"/>
+                </a:solidFill>
+                <a:latin typeface="+mn-lt"/>
+                <a:ea typeface="+mn-ea"/>
+                <a:cs typeface="+mn-cs"/>
+              </a:defRPr>
+            </a:lvl7pPr>
+            <a:lvl8pPr marL="3429000" indent="-228600" algn="l" defTabSz="914400" rtl="0" eaLnBrk="1" latinLnBrk="0" hangingPunct="1">
+              <a:lnSpc>
+                <a:spcPct val="90000"/>
+              </a:lnSpc>
+              <a:spcBef>
+                <a:spcPts val="500"/>
+              </a:spcBef>
+              <a:buFont typeface="Arial" panose="020B0604020202020204" pitchFamily="34" charset="0"/>
+              <a:buChar char="•"/>
+              <a:defRPr sz="1800" kern="1200">
+                <a:solidFill>
+                  <a:schemeClr val="tx1"/>
+                </a:solidFill>
+                <a:latin typeface="+mn-lt"/>
+                <a:ea typeface="+mn-ea"/>
+                <a:cs typeface="+mn-cs"/>
+              </a:defRPr>
+            </a:lvl8pPr>
+            <a:lvl9pPr marL="3886200" indent="-228600" algn="l" defTabSz="914400" rtl="0" eaLnBrk="1" latinLnBrk="0" hangingPunct="1">
+              <a:lnSpc>
+                <a:spcPct val="90000"/>
+              </a:lnSpc>
+              <a:spcBef>
+                <a:spcPts val="500"/>
+              </a:spcBef>
+              <a:buFont typeface="Arial" panose="020B0604020202020204" pitchFamily="34" charset="0"/>
+              <a:buChar char="•"/>
+              <a:defRPr sz="1800" kern="1200">
+                <a:solidFill>
+                  <a:schemeClr val="tx1"/>
+                </a:solidFill>
+                <a:latin typeface="+mn-lt"/>
+                <a:ea typeface="+mn-ea"/>
+                <a:cs typeface="+mn-cs"/>
+              </a:defRPr>
+            </a:lvl9pPr>
+          </a:lstStyle>
+          <a:p>
+            <a:endParaRPr lang="en-US" sz="2400"/>
+          </a:p>
+        </p:txBody>
+      </p:sp>
+      <p:sp>
+        <p:nvSpPr>
+          <p:cNvPr id="9" name="Content Placeholder 2">
+            <a:extLst>
+              <a:ext uri="{FF2B5EF4-FFF2-40B4-BE49-F238E27FC236}">
+                <a16:creationId xmlns:a16="http://schemas.microsoft.com/office/drawing/2014/main" id="{39A4B542-AD86-4947-BE50-B8A0EC20CC09}"/>
+              </a:ext>
+            </a:extLst>
+          </p:cNvPr>
+          <p:cNvSpPr txBox="1">
+            <a:spLocks/>
+          </p:cNvSpPr>
+          <p:nvPr/>
+        </p:nvSpPr>
+        <p:spPr>
+          <a:xfrm>
+            <a:off x="1028700" y="2183994"/>
+            <a:ext cx="10464800" cy="4020863"/>
+          </a:xfrm>
+          <a:prstGeom prst="rect">
+            <a:avLst/>
+          </a:prstGeom>
+        </p:spPr>
+        <p:txBody>
+          <a:bodyPr lIns="0" tIns="0" rIns="0" bIns="0"/>
+          <a:lstStyle>
+            <a:lvl1pPr marL="0" indent="0" algn="l" defTabSz="914400" rtl="0" eaLnBrk="1" latinLnBrk="0" hangingPunct="1">
+              <a:lnSpc>
+                <a:spcPct val="100000"/>
+              </a:lnSpc>
+              <a:spcBef>
+                <a:spcPts val="1000"/>
+              </a:spcBef>
+              <a:buFont typeface="Arial" panose="020B0604020202020204" pitchFamily="34" charset="0"/>
+              <a:buNone/>
+              <a:defRPr sz="1800" kern="1200">
+                <a:solidFill>
+                  <a:schemeClr val="bg1"/>
+                </a:solidFill>
+                <a:latin typeface="+mn-lt"/>
+                <a:ea typeface="+mn-ea"/>
+                <a:cs typeface="+mn-cs"/>
+              </a:defRPr>
+            </a:lvl1pPr>
+            <a:lvl2pPr marL="457200" indent="0" algn="l" defTabSz="914400" rtl="0" eaLnBrk="1" latinLnBrk="0" hangingPunct="1">
+              <a:lnSpc>
+                <a:spcPct val="90000"/>
+              </a:lnSpc>
+              <a:spcBef>
+                <a:spcPts val="500"/>
+              </a:spcBef>
+              <a:buFont typeface="Arial" panose="020B0604020202020204" pitchFamily="34" charset="0"/>
+              <a:buNone/>
+              <a:defRPr sz="2000" kern="1200">
+                <a:solidFill>
+                  <a:schemeClr val="bg1"/>
+                </a:solidFill>
+                <a:latin typeface="+mn-lt"/>
+                <a:ea typeface="+mn-ea"/>
+                <a:cs typeface="+mn-cs"/>
+              </a:defRPr>
+            </a:lvl2pPr>
+            <a:lvl3pPr marL="914400" indent="0" algn="l" defTabSz="914400" rtl="0" eaLnBrk="1" latinLnBrk="0" hangingPunct="1">
+              <a:lnSpc>
+                <a:spcPct val="90000"/>
+              </a:lnSpc>
+              <a:spcBef>
+                <a:spcPts val="500"/>
+              </a:spcBef>
+              <a:buFont typeface="Arial" panose="020B0604020202020204" pitchFamily="34" charset="0"/>
+              <a:buNone/>
+              <a:defRPr sz="2000" kern="1200">
+                <a:solidFill>
+                  <a:schemeClr val="bg1"/>
+                </a:solidFill>
+                <a:latin typeface="+mn-lt"/>
+                <a:ea typeface="+mn-ea"/>
+                <a:cs typeface="+mn-cs"/>
+              </a:defRPr>
+            </a:lvl3pPr>
+            <a:lvl4pPr marL="1371600" indent="0" algn="l" defTabSz="914400" rtl="0" eaLnBrk="1" latinLnBrk="0" hangingPunct="1">
+              <a:lnSpc>
+                <a:spcPct val="90000"/>
+              </a:lnSpc>
+              <a:spcBef>
+                <a:spcPts val="500"/>
+              </a:spcBef>
+              <a:buFont typeface="Arial" panose="020B0604020202020204" pitchFamily="34" charset="0"/>
+              <a:buNone/>
+              <a:defRPr sz="2000" kern="1200">
+                <a:solidFill>
+                  <a:schemeClr val="bg1"/>
+                </a:solidFill>
+                <a:latin typeface="+mn-lt"/>
+                <a:ea typeface="+mn-ea"/>
+                <a:cs typeface="+mn-cs"/>
+              </a:defRPr>
+            </a:lvl4pPr>
+            <a:lvl5pPr marL="1828800" indent="0" algn="l" defTabSz="914400" rtl="0" eaLnBrk="1" latinLnBrk="0" hangingPunct="1">
+              <a:lnSpc>
+                <a:spcPct val="90000"/>
+              </a:lnSpc>
+              <a:spcBef>
+                <a:spcPts val="500"/>
+              </a:spcBef>
+              <a:buFont typeface="Arial" panose="020B0604020202020204" pitchFamily="34" charset="0"/>
+              <a:buNone/>
+              <a:defRPr sz="2000" kern="1200">
+                <a:solidFill>
+                  <a:schemeClr val="bg1"/>
+                </a:solidFill>
+                <a:latin typeface="+mn-lt"/>
+                <a:ea typeface="+mn-ea"/>
+                <a:cs typeface="+mn-cs"/>
+              </a:defRPr>
+            </a:lvl5pPr>
+            <a:lvl6pPr marL="2514600" indent="-228600" algn="l" defTabSz="914400" rtl="0" eaLnBrk="1" latinLnBrk="0" hangingPunct="1">
+              <a:lnSpc>
+                <a:spcPct val="90000"/>
+              </a:lnSpc>
+              <a:spcBef>
+                <a:spcPts val="500"/>
+              </a:spcBef>
+              <a:buFont typeface="Arial" panose="020B0604020202020204" pitchFamily="34" charset="0"/>
+              <a:buChar char="•"/>
+              <a:defRPr sz="1800" kern="1200">
+                <a:solidFill>
+                  <a:schemeClr val="tx1"/>
+                </a:solidFill>
+                <a:latin typeface="+mn-lt"/>
+                <a:ea typeface="+mn-ea"/>
+                <a:cs typeface="+mn-cs"/>
+              </a:defRPr>
+            </a:lvl6pPr>
+            <a:lvl7pPr marL="2971800" indent="-228600" algn="l" defTabSz="914400" rtl="0" eaLnBrk="1" latinLnBrk="0" hangingPunct="1">
+              <a:lnSpc>
+                <a:spcPct val="90000"/>
+              </a:lnSpc>
+              <a:spcBef>
+                <a:spcPts val="500"/>
+              </a:spcBef>
+              <a:buFont typeface="Arial" panose="020B0604020202020204" pitchFamily="34" charset="0"/>
+              <a:buChar char="•"/>
+              <a:defRPr sz="1800" kern="1200">
+                <a:solidFill>
+                  <a:schemeClr val="tx1"/>
+                </a:solidFill>
+                <a:latin typeface="+mn-lt"/>
+                <a:ea typeface="+mn-ea"/>
+                <a:cs typeface="+mn-cs"/>
+              </a:defRPr>
+            </a:lvl7pPr>
+            <a:lvl8pPr marL="3429000" indent="-228600" algn="l" defTabSz="914400" rtl="0" eaLnBrk="1" latinLnBrk="0" hangingPunct="1">
+              <a:lnSpc>
+                <a:spcPct val="90000"/>
+              </a:lnSpc>
+              <a:spcBef>
+                <a:spcPts val="500"/>
+              </a:spcBef>
+              <a:buFont typeface="Arial" panose="020B0604020202020204" pitchFamily="34" charset="0"/>
+              <a:buChar char="•"/>
+              <a:defRPr sz="1800" kern="1200">
+                <a:solidFill>
+                  <a:schemeClr val="tx1"/>
+                </a:solidFill>
+                <a:latin typeface="+mn-lt"/>
+                <a:ea typeface="+mn-ea"/>
+                <a:cs typeface="+mn-cs"/>
+              </a:defRPr>
+            </a:lvl8pPr>
+            <a:lvl9pPr marL="3886200" indent="-228600" algn="l" defTabSz="914400" rtl="0" eaLnBrk="1" latinLnBrk="0" hangingPunct="1">
+              <a:lnSpc>
+                <a:spcPct val="90000"/>
+              </a:lnSpc>
+              <a:spcBef>
+                <a:spcPts val="500"/>
+              </a:spcBef>
+              <a:buFont typeface="Arial" panose="020B0604020202020204" pitchFamily="34" charset="0"/>
+              <a:buChar char="•"/>
+              <a:defRPr sz="1800" kern="1200">
+                <a:solidFill>
+                  <a:schemeClr val="tx1"/>
+                </a:solidFill>
+                <a:latin typeface="+mn-lt"/>
+                <a:ea typeface="+mn-ea"/>
+                <a:cs typeface="+mn-cs"/>
+              </a:defRPr>
+            </a:lvl9pPr>
+          </a:lstStyle>
+          <a:p>
+            <a:r>
+              <a:rPr lang="en-US" sz="2000" b="1" dirty="0"/>
+              <a:t>It’s going to be busy but we believe doable</a:t>
+            </a:r>
+          </a:p>
+          <a:p>
+            <a:endParaRPr lang="en-US" sz="2000" b="1" dirty="0"/>
+          </a:p>
+        </p:txBody>
+      </p:sp>
     </p:spTree>
     <p:extLst>
       <p:ext uri="{BB962C8B-B14F-4D97-AF65-F5344CB8AC3E}">
-        <p14:creationId xmlns:p14="http://schemas.microsoft.com/office/powerpoint/2010/main" val="605976070"/>
+        <p14:creationId xmlns:p14="http://schemas.microsoft.com/office/powerpoint/2010/main" val="1462775055"/>
       </p:ext>
     </p:extLst>
   </p:cSld>
@@ -12347,6 +12577,249 @@
 </p:sld>
 </file>
 
+<file path=ppt/slides/slide20.xml><?xml version="1.0" encoding="utf-8"?>
+<p:sld xmlns:a="http://schemas.openxmlformats.org/drawingml/2006/main" xmlns:r="http://schemas.openxmlformats.org/officeDocument/2006/relationships" xmlns:p="http://schemas.openxmlformats.org/presentationml/2006/main">
+  <p:cSld>
+    <p:spTree>
+      <p:nvGrpSpPr>
+        <p:cNvPr id="1" name=""/>
+        <p:cNvGrpSpPr/>
+        <p:nvPr/>
+      </p:nvGrpSpPr>
+      <p:grpSpPr>
+        <a:xfrm>
+          <a:off x="0" y="0"/>
+          <a:ext cx="0" cy="0"/>
+          <a:chOff x="0" y="0"/>
+          <a:chExt cx="0" cy="0"/>
+        </a:xfrm>
+      </p:grpSpPr>
+      <p:sp>
+        <p:nvSpPr>
+          <p:cNvPr id="2" name="Title 1">
+            <a:extLst>
+              <a:ext uri="{FF2B5EF4-FFF2-40B4-BE49-F238E27FC236}">
+                <a16:creationId xmlns:a16="http://schemas.microsoft.com/office/drawing/2014/main" id="{2AB67F85-B014-E54D-AC82-A789515E821B}"/>
+              </a:ext>
+            </a:extLst>
+          </p:cNvPr>
+          <p:cNvSpPr>
+            <a:spLocks noGrp="1"/>
+          </p:cNvSpPr>
+          <p:nvPr>
+            <p:ph type="title"/>
+          </p:nvPr>
+        </p:nvSpPr>
+        <p:spPr/>
+        <p:txBody>
+          <a:bodyPr/>
+          <a:lstStyle/>
+          <a:p>
+            <a:r>
+              <a:rPr lang="en-US" dirty="0"/>
+              <a:t>Thank You</a:t>
+            </a:r>
+          </a:p>
+        </p:txBody>
+      </p:sp>
+      <p:sp>
+        <p:nvSpPr>
+          <p:cNvPr id="5" name="Content Placeholder 4">
+            <a:extLst>
+              <a:ext uri="{FF2B5EF4-FFF2-40B4-BE49-F238E27FC236}">
+                <a16:creationId xmlns:a16="http://schemas.microsoft.com/office/drawing/2014/main" id="{788D6534-C18A-6F43-BFAE-88E2F83FD9B4}"/>
+              </a:ext>
+            </a:extLst>
+          </p:cNvPr>
+          <p:cNvSpPr>
+            <a:spLocks noGrp="1"/>
+          </p:cNvSpPr>
+          <p:nvPr>
+            <p:ph sz="quarter" idx="12"/>
+          </p:nvPr>
+        </p:nvSpPr>
+        <p:spPr>
+          <a:xfrm>
+            <a:off x="6257107" y="2354531"/>
+            <a:ext cx="4876800" cy="1152149"/>
+          </a:xfrm>
+        </p:spPr>
+        <p:txBody>
+          <a:bodyPr/>
+          <a:lstStyle/>
+          <a:p>
+            <a:r>
+              <a:rPr lang="en-US" b="1"/>
+              <a:t>Mitch Harris</a:t>
+            </a:r>
+          </a:p>
+          <a:p>
+            <a:r>
+              <a:rPr lang="en-US" b="1"/>
+              <a:t>Ryan Koenig</a:t>
+            </a:r>
+          </a:p>
+          <a:p>
+            <a:r>
+              <a:rPr lang="en-US" b="1"/>
+              <a:t>Nathan Smith</a:t>
+            </a:r>
+          </a:p>
+        </p:txBody>
+      </p:sp>
+      <p:sp>
+        <p:nvSpPr>
+          <p:cNvPr id="4" name="Date Placeholder 3">
+            <a:extLst>
+              <a:ext uri="{FF2B5EF4-FFF2-40B4-BE49-F238E27FC236}">
+                <a16:creationId xmlns:a16="http://schemas.microsoft.com/office/drawing/2014/main" id="{D4137C36-233D-4261-A151-481DEB983F84}"/>
+              </a:ext>
+            </a:extLst>
+          </p:cNvPr>
+          <p:cNvSpPr>
+            <a:spLocks noGrp="1"/>
+          </p:cNvSpPr>
+          <p:nvPr>
+            <p:ph type="dt" sz="half" idx="13"/>
+          </p:nvPr>
+        </p:nvSpPr>
+        <p:spPr>
+          <a:xfrm>
+            <a:off x="9830818" y="6292334"/>
+            <a:ext cx="1522982" cy="182880"/>
+          </a:xfrm>
+        </p:spPr>
+        <p:txBody>
+          <a:bodyPr/>
+          <a:lstStyle/>
+          <a:p>
+            <a:r>
+              <a:rPr lang="en-US" dirty="0"/>
+              <a:t>June 15, 2021</a:t>
+            </a:r>
+          </a:p>
+        </p:txBody>
+      </p:sp>
+      <p:sp>
+        <p:nvSpPr>
+          <p:cNvPr id="6" name="Footer Placeholder 5">
+            <a:extLst>
+              <a:ext uri="{FF2B5EF4-FFF2-40B4-BE49-F238E27FC236}">
+                <a16:creationId xmlns:a16="http://schemas.microsoft.com/office/drawing/2014/main" id="{7F17CE90-6DC0-4BAD-AFD2-6566038ECD03}"/>
+              </a:ext>
+            </a:extLst>
+          </p:cNvPr>
+          <p:cNvSpPr>
+            <a:spLocks noGrp="1"/>
+          </p:cNvSpPr>
+          <p:nvPr>
+            <p:ph type="ftr" sz="quarter" idx="14"/>
+          </p:nvPr>
+        </p:nvSpPr>
+        <p:spPr>
+          <a:xfrm>
+            <a:off x="8298180" y="6294120"/>
+            <a:ext cx="1462788" cy="182880"/>
+          </a:xfrm>
+        </p:spPr>
+        <p:txBody>
+          <a:bodyPr/>
+          <a:lstStyle/>
+          <a:p>
+            <a:r>
+              <a:rPr lang="en-US" dirty="0"/>
+              <a:t>Week 7 Status</a:t>
+            </a:r>
+            <a:endParaRPr lang="en-US" dirty="0">
+              <a:solidFill>
+                <a:schemeClr val="bg1"/>
+              </a:solidFill>
+            </a:endParaRPr>
+          </a:p>
+        </p:txBody>
+      </p:sp>
+      <p:sp>
+        <p:nvSpPr>
+          <p:cNvPr id="8" name="Slide Number Placeholder 7">
+            <a:extLst>
+              <a:ext uri="{FF2B5EF4-FFF2-40B4-BE49-F238E27FC236}">
+                <a16:creationId xmlns:a16="http://schemas.microsoft.com/office/drawing/2014/main" id="{8A0CAF6B-5914-4E2F-90A1-4B2D92D5ADC0}"/>
+              </a:ext>
+            </a:extLst>
+          </p:cNvPr>
+          <p:cNvSpPr>
+            <a:spLocks noGrp="1"/>
+          </p:cNvSpPr>
+          <p:nvPr>
+            <p:ph type="sldNum" sz="quarter" idx="15"/>
+          </p:nvPr>
+        </p:nvSpPr>
+        <p:spPr>
+          <a:xfrm>
+            <a:off x="11493500" y="6292334"/>
+            <a:ext cx="412750" cy="182880"/>
+          </a:xfrm>
+        </p:spPr>
+        <p:txBody>
+          <a:bodyPr/>
+          <a:lstStyle/>
+          <a:p>
+            <a:fld id="{7782931A-7D25-4B4B-9464-57AE418934A3}" type="slidenum">
+              <a:rPr lang="en-US" smtClean="0"/>
+              <a:pPr/>
+              <a:t>20</a:t>
+            </a:fld>
+            <a:endParaRPr lang="en-US"/>
+          </a:p>
+        </p:txBody>
+      </p:sp>
+      <p:pic>
+        <p:nvPicPr>
+          <p:cNvPr id="13" name="Picture Placeholder 12">
+            <a:extLst>
+              <a:ext uri="{FF2B5EF4-FFF2-40B4-BE49-F238E27FC236}">
+                <a16:creationId xmlns:a16="http://schemas.microsoft.com/office/drawing/2014/main" id="{2F485E91-8B2E-42EB-AE3D-84E04C06EA53}"/>
+              </a:ext>
+            </a:extLst>
+          </p:cNvPr>
+          <p:cNvPicPr>
+            <a:picLocks noGrp="1" noChangeAspect="1"/>
+          </p:cNvPicPr>
+          <p:nvPr>
+            <p:ph type="pic" sz="quarter" idx="10"/>
+          </p:nvPr>
+        </p:nvPicPr>
+        <p:blipFill>
+          <a:blip r:embed="rId2">
+            <a:extLst>
+              <a:ext uri="{28A0092B-C50C-407E-A947-70E740481C1C}">
+                <a14:useLocalDpi xmlns:a14="http://schemas.microsoft.com/office/drawing/2010/main" val="0"/>
+              </a:ext>
+            </a:extLst>
+          </a:blip>
+          <a:srcRect/>
+          <a:stretch/>
+        </p:blipFill>
+        <p:spPr>
+          <a:xfrm>
+            <a:off x="0" y="990600"/>
+            <a:ext cx="4837176" cy="4837176"/>
+          </a:xfrm>
+        </p:spPr>
+      </p:pic>
+    </p:spTree>
+    <p:extLst>
+      <p:ext uri="{BB962C8B-B14F-4D97-AF65-F5344CB8AC3E}">
+        <p14:creationId xmlns:p14="http://schemas.microsoft.com/office/powerpoint/2010/main" val="605976070"/>
+      </p:ext>
+    </p:extLst>
+  </p:cSld>
+  <p:clrMapOvr>
+    <a:masterClrMapping/>
+  </p:clrMapOvr>
+</p:sld>
+</file>
+
 <file path=ppt/slides/slide3.xml><?xml version="1.0" encoding="utf-8"?>
 <p:sld xmlns:a="http://schemas.openxmlformats.org/drawingml/2006/main" xmlns:r="http://schemas.openxmlformats.org/officeDocument/2006/relationships" xmlns:p="http://schemas.openxmlformats.org/presentationml/2006/main">
   <p:cSld>
@@ -12710,7 +13183,7 @@
             </a:pPr>
             <a:r>
               <a:rPr lang="en-US" sz="2000" dirty="0"/>
-              <a:t>Wrap-up Model Implementation and Code</a:t>
+              <a:t>Work on Report</a:t>
             </a:r>
           </a:p>
           <a:p>
@@ -12730,10 +13203,8 @@
             </a:pPr>
             <a:r>
               <a:rPr lang="en-US" sz="2000" dirty="0"/>
-              <a:t>Work on Report</a:t>
-            </a:r>
-          </a:p>
-          <a:p>
+              <a:t>Wrap-up Model Implementation</a:t>
+            </a:r>
             <a:endParaRPr lang="en-US" sz="2400" dirty="0"/>
           </a:p>
         </p:txBody>
@@ -13530,46 +14001,6 @@
       </p:grpSpPr>
       <p:sp>
         <p:nvSpPr>
-          <p:cNvPr id="2" name="Title 1">
-            <a:extLst>
-              <a:ext uri="{FF2B5EF4-FFF2-40B4-BE49-F238E27FC236}">
-                <a16:creationId xmlns:a16="http://schemas.microsoft.com/office/drawing/2014/main" id="{A8E966EE-4FBD-534E-AAED-6C54465EF91C}"/>
-              </a:ext>
-            </a:extLst>
-          </p:cNvPr>
-          <p:cNvSpPr>
-            <a:spLocks noGrp="1"/>
-          </p:cNvSpPr>
-          <p:nvPr>
-            <p:ph type="title"/>
-          </p:nvPr>
-        </p:nvSpPr>
-        <p:spPr>
-          <a:xfrm>
-            <a:off x="1028699" y="381000"/>
-            <a:ext cx="10086976" cy="1263352"/>
-          </a:xfrm>
-        </p:spPr>
-        <p:txBody>
-          <a:bodyPr/>
-          <a:lstStyle/>
-          <a:p>
-            <a:r>
-              <a:rPr lang="en-US" dirty="0"/>
-              <a:t>Week 6 Tasks</a:t>
-            </a:r>
-            <a:br>
-              <a:rPr lang="en-US" dirty="0"/>
-            </a:br>
-            <a:r>
-              <a:rPr lang="en-US" sz="3000" dirty="0"/>
-              <a:t>Previous Week (June 7 - 13)</a:t>
-            </a:r>
-          </a:p>
-        </p:txBody>
-      </p:sp>
-      <p:sp>
-        <p:nvSpPr>
           <p:cNvPr id="3" name="Content Placeholder 2">
             <a:extLst>
               <a:ext uri="{FF2B5EF4-FFF2-40B4-BE49-F238E27FC236}">
@@ -13716,270 +14147,167 @@
       </p:sp>
       <p:sp>
         <p:nvSpPr>
-          <p:cNvPr id="10" name="Content Placeholder 2">
-            <a:extLst>
-              <a:ext uri="{FF2B5EF4-FFF2-40B4-BE49-F238E27FC236}">
-                <a16:creationId xmlns:a16="http://schemas.microsoft.com/office/drawing/2014/main" id="{02C52A92-3263-4C50-A3F1-1A01857F5740}"/>
-              </a:ext>
-            </a:extLst>
-          </p:cNvPr>
-          <p:cNvSpPr txBox="1">
-            <a:spLocks/>
-          </p:cNvSpPr>
+          <p:cNvPr id="15" name="Title 1">
+            <a:extLst>
+              <a:ext uri="{FF2B5EF4-FFF2-40B4-BE49-F238E27FC236}">
+                <a16:creationId xmlns:a16="http://schemas.microsoft.com/office/drawing/2014/main" id="{6858403A-E227-449E-ABFD-2D82F5B39E0B}"/>
+              </a:ext>
+            </a:extLst>
+          </p:cNvPr>
+          <p:cNvSpPr>
+            <a:spLocks noGrp="1"/>
+          </p:cNvSpPr>
+          <p:nvPr>
+            <p:ph type="title"/>
+          </p:nvPr>
+        </p:nvSpPr>
+        <p:spPr>
+          <a:xfrm>
+            <a:off x="1028699" y="381000"/>
+            <a:ext cx="10086976" cy="1263352"/>
+          </a:xfrm>
+        </p:spPr>
+        <p:txBody>
+          <a:bodyPr/>
+          <a:lstStyle/>
+          <a:p>
+            <a:r>
+              <a:rPr lang="en-US" dirty="0"/>
+              <a:t>Week 6 Tasks</a:t>
+            </a:r>
+            <a:br>
+              <a:rPr lang="en-US" dirty="0"/>
+            </a:br>
+            <a:r>
+              <a:rPr lang="en-US" sz="3000" dirty="0"/>
+              <a:t>Previous Week (June 7 - 13)</a:t>
+            </a:r>
+          </a:p>
+        </p:txBody>
+      </p:sp>
+      <p:pic>
+        <p:nvPicPr>
+          <p:cNvPr id="8" name="Picture 7">
+            <a:extLst>
+              <a:ext uri="{FF2B5EF4-FFF2-40B4-BE49-F238E27FC236}">
+                <a16:creationId xmlns:a16="http://schemas.microsoft.com/office/drawing/2014/main" id="{45D1673C-63C1-46B0-9E9D-F8B441B76A4E}"/>
+              </a:ext>
+            </a:extLst>
+          </p:cNvPr>
+          <p:cNvPicPr>
+            <a:picLocks noChangeAspect="1"/>
+          </p:cNvPicPr>
           <p:nvPr/>
-        </p:nvSpPr>
-        <p:spPr>
-          <a:xfrm>
-            <a:off x="1028699" y="2183102"/>
-            <a:ext cx="9791700" cy="3568696"/>
+        </p:nvPicPr>
+        <p:blipFill>
+          <a:blip r:embed="rId2">
+            <a:extLst>
+              <a:ext uri="{28A0092B-C50C-407E-A947-70E740481C1C}">
+                <a14:useLocalDpi xmlns:a14="http://schemas.microsoft.com/office/drawing/2010/main" val="0"/>
+              </a:ext>
+            </a:extLst>
+          </a:blip>
+          <a:stretch>
+            <a:fillRect/>
+          </a:stretch>
+        </p:blipFill>
+        <p:spPr>
+          <a:xfrm>
+            <a:off x="1028699" y="4539900"/>
+            <a:ext cx="6144458" cy="1300150"/>
           </a:xfrm>
           <a:prstGeom prst="rect">
             <a:avLst/>
           </a:prstGeom>
         </p:spPr>
-        <p:txBody>
-          <a:bodyPr lIns="0" tIns="0" rIns="0" bIns="0"/>
-          <a:lstStyle>
-            <a:lvl1pPr marL="0" indent="0" algn="l" defTabSz="914400" rtl="0" eaLnBrk="1" latinLnBrk="0" hangingPunct="1">
-              <a:lnSpc>
-                <a:spcPct val="100000"/>
-              </a:lnSpc>
-              <a:spcBef>
-                <a:spcPts val="1000"/>
-              </a:spcBef>
-              <a:buFont typeface="Arial" panose="020B0604020202020204" pitchFamily="34" charset="0"/>
-              <a:buNone/>
-              <a:defRPr sz="1800" kern="1200">
-                <a:solidFill>
-                  <a:schemeClr val="bg1"/>
-                </a:solidFill>
-                <a:latin typeface="+mn-lt"/>
-                <a:ea typeface="+mn-ea"/>
-                <a:cs typeface="+mn-cs"/>
-              </a:defRPr>
-            </a:lvl1pPr>
-            <a:lvl2pPr marL="457200" indent="0" algn="l" defTabSz="914400" rtl="0" eaLnBrk="1" latinLnBrk="0" hangingPunct="1">
-              <a:lnSpc>
-                <a:spcPct val="90000"/>
-              </a:lnSpc>
-              <a:spcBef>
-                <a:spcPts val="500"/>
-              </a:spcBef>
-              <a:buFont typeface="Arial" panose="020B0604020202020204" pitchFamily="34" charset="0"/>
-              <a:buNone/>
-              <a:defRPr sz="2000" kern="1200">
-                <a:solidFill>
-                  <a:schemeClr val="bg1"/>
-                </a:solidFill>
-                <a:latin typeface="+mn-lt"/>
-                <a:ea typeface="+mn-ea"/>
-                <a:cs typeface="+mn-cs"/>
-              </a:defRPr>
-            </a:lvl2pPr>
-            <a:lvl3pPr marL="914400" indent="0" algn="l" defTabSz="914400" rtl="0" eaLnBrk="1" latinLnBrk="0" hangingPunct="1">
-              <a:lnSpc>
-                <a:spcPct val="90000"/>
-              </a:lnSpc>
-              <a:spcBef>
-                <a:spcPts val="500"/>
-              </a:spcBef>
-              <a:buFont typeface="Arial" panose="020B0604020202020204" pitchFamily="34" charset="0"/>
-              <a:buNone/>
-              <a:defRPr sz="2000" kern="1200">
-                <a:solidFill>
-                  <a:schemeClr val="bg1"/>
-                </a:solidFill>
-                <a:latin typeface="+mn-lt"/>
-                <a:ea typeface="+mn-ea"/>
-                <a:cs typeface="+mn-cs"/>
-              </a:defRPr>
-            </a:lvl3pPr>
-            <a:lvl4pPr marL="1371600" indent="0" algn="l" defTabSz="914400" rtl="0" eaLnBrk="1" latinLnBrk="0" hangingPunct="1">
-              <a:lnSpc>
-                <a:spcPct val="90000"/>
-              </a:lnSpc>
-              <a:spcBef>
-                <a:spcPts val="500"/>
-              </a:spcBef>
-              <a:buFont typeface="Arial" panose="020B0604020202020204" pitchFamily="34" charset="0"/>
-              <a:buNone/>
-              <a:defRPr sz="2000" kern="1200">
-                <a:solidFill>
-                  <a:schemeClr val="bg1"/>
-                </a:solidFill>
-                <a:latin typeface="+mn-lt"/>
-                <a:ea typeface="+mn-ea"/>
-                <a:cs typeface="+mn-cs"/>
-              </a:defRPr>
-            </a:lvl4pPr>
-            <a:lvl5pPr marL="1828800" indent="0" algn="l" defTabSz="914400" rtl="0" eaLnBrk="1" latinLnBrk="0" hangingPunct="1">
-              <a:lnSpc>
-                <a:spcPct val="90000"/>
-              </a:lnSpc>
-              <a:spcBef>
-                <a:spcPts val="500"/>
-              </a:spcBef>
-              <a:buFont typeface="Arial" panose="020B0604020202020204" pitchFamily="34" charset="0"/>
-              <a:buNone/>
-              <a:defRPr sz="2000" kern="1200">
-                <a:solidFill>
-                  <a:schemeClr val="bg1"/>
-                </a:solidFill>
-                <a:latin typeface="+mn-lt"/>
-                <a:ea typeface="+mn-ea"/>
-                <a:cs typeface="+mn-cs"/>
-              </a:defRPr>
-            </a:lvl5pPr>
-            <a:lvl6pPr marL="2514600" indent="-228600" algn="l" defTabSz="914400" rtl="0" eaLnBrk="1" latinLnBrk="0" hangingPunct="1">
-              <a:lnSpc>
-                <a:spcPct val="90000"/>
-              </a:lnSpc>
-              <a:spcBef>
-                <a:spcPts val="500"/>
-              </a:spcBef>
-              <a:buFont typeface="Arial" panose="020B0604020202020204" pitchFamily="34" charset="0"/>
-              <a:buChar char="•"/>
-              <a:defRPr sz="1800" kern="1200">
-                <a:solidFill>
-                  <a:schemeClr val="tx1"/>
-                </a:solidFill>
-                <a:latin typeface="+mn-lt"/>
-                <a:ea typeface="+mn-ea"/>
-                <a:cs typeface="+mn-cs"/>
-              </a:defRPr>
-            </a:lvl6pPr>
-            <a:lvl7pPr marL="2971800" indent="-228600" algn="l" defTabSz="914400" rtl="0" eaLnBrk="1" latinLnBrk="0" hangingPunct="1">
-              <a:lnSpc>
-                <a:spcPct val="90000"/>
-              </a:lnSpc>
-              <a:spcBef>
-                <a:spcPts val="500"/>
-              </a:spcBef>
-              <a:buFont typeface="Arial" panose="020B0604020202020204" pitchFamily="34" charset="0"/>
-              <a:buChar char="•"/>
-              <a:defRPr sz="1800" kern="1200">
-                <a:solidFill>
-                  <a:schemeClr val="tx1"/>
-                </a:solidFill>
-                <a:latin typeface="+mn-lt"/>
-                <a:ea typeface="+mn-ea"/>
-                <a:cs typeface="+mn-cs"/>
-              </a:defRPr>
-            </a:lvl7pPr>
-            <a:lvl8pPr marL="3429000" indent="-228600" algn="l" defTabSz="914400" rtl="0" eaLnBrk="1" latinLnBrk="0" hangingPunct="1">
-              <a:lnSpc>
-                <a:spcPct val="90000"/>
-              </a:lnSpc>
-              <a:spcBef>
-                <a:spcPts val="500"/>
-              </a:spcBef>
-              <a:buFont typeface="Arial" panose="020B0604020202020204" pitchFamily="34" charset="0"/>
-              <a:buChar char="•"/>
-              <a:defRPr sz="1800" kern="1200">
-                <a:solidFill>
-                  <a:schemeClr val="tx1"/>
-                </a:solidFill>
-                <a:latin typeface="+mn-lt"/>
-                <a:ea typeface="+mn-ea"/>
-                <a:cs typeface="+mn-cs"/>
-              </a:defRPr>
-            </a:lvl8pPr>
-            <a:lvl9pPr marL="3886200" indent="-228600" algn="l" defTabSz="914400" rtl="0" eaLnBrk="1" latinLnBrk="0" hangingPunct="1">
-              <a:lnSpc>
-                <a:spcPct val="90000"/>
-              </a:lnSpc>
-              <a:spcBef>
-                <a:spcPts val="500"/>
-              </a:spcBef>
-              <a:buFont typeface="Arial" panose="020B0604020202020204" pitchFamily="34" charset="0"/>
-              <a:buChar char="•"/>
-              <a:defRPr sz="1800" kern="1200">
-                <a:solidFill>
-                  <a:schemeClr val="tx1"/>
-                </a:solidFill>
-                <a:latin typeface="+mn-lt"/>
-                <a:ea typeface="+mn-ea"/>
-                <a:cs typeface="+mn-cs"/>
-              </a:defRPr>
-            </a:lvl9pPr>
-          </a:lstStyle>
-          <a:p>
-            <a:r>
-              <a:rPr lang="en-US" sz="2000" b="1" dirty="0"/>
-              <a:t>Continued Reporting</a:t>
-            </a:r>
-            <a:endParaRPr lang="en-US" sz="2000" dirty="0">
-              <a:solidFill>
-                <a:schemeClr val="accent3"/>
-              </a:solidFill>
-            </a:endParaRPr>
-          </a:p>
-          <a:p>
-            <a:pPr marL="285750" indent="-285750">
-              <a:buFont typeface="Arial" panose="020B0604020202020204" pitchFamily="34" charset="0"/>
-              <a:buChar char="•"/>
-            </a:pPr>
-            <a:r>
-              <a:rPr lang="en-US" sz="2000" dirty="0"/>
-              <a:t>Mainly complete, just needs additional results and several figures</a:t>
-            </a:r>
-          </a:p>
-          <a:p>
-            <a:pPr marL="285750" indent="-285750">
-              <a:buFont typeface="Arial" panose="020B0604020202020204" pitchFamily="34" charset="0"/>
-              <a:buChar char="•"/>
-            </a:pPr>
-            <a:r>
-              <a:rPr lang="en-US" sz="2000" dirty="0"/>
-              <a:t>Targeting final draft report completion for Wednesday</a:t>
-            </a:r>
-          </a:p>
-          <a:p>
-            <a:pPr marL="285750" indent="-285750">
-              <a:buFont typeface="Arial" panose="020B0604020202020204" pitchFamily="34" charset="0"/>
-              <a:buChar char="•"/>
-            </a:pPr>
-            <a:r>
-              <a:rPr lang="en-US" sz="2000" dirty="0"/>
-              <a:t>Already started final presentation</a:t>
-            </a:r>
-          </a:p>
-          <a:p>
-            <a:pPr marL="285750" indent="-285750">
-              <a:buFont typeface="Arial" panose="020B0604020202020204" pitchFamily="34" charset="0"/>
-              <a:buChar char="•"/>
-            </a:pPr>
-            <a:endParaRPr lang="en-US" sz="2000" dirty="0"/>
-          </a:p>
-          <a:p>
-            <a:endParaRPr lang="en-US" sz="2000" dirty="0"/>
-          </a:p>
-          <a:p>
-            <a:endParaRPr lang="en-US" sz="2000" dirty="0">
-              <a:solidFill>
-                <a:srgbClr val="00B050"/>
-              </a:solidFill>
-            </a:endParaRPr>
-          </a:p>
-          <a:p>
-            <a:r>
-              <a:rPr lang="en-US" sz="2000" dirty="0">
-                <a:solidFill>
-                  <a:srgbClr val="00B050"/>
-                </a:solidFill>
-              </a:rPr>
-              <a:t>On track (and ahead of schedule)</a:t>
-            </a:r>
-          </a:p>
-          <a:p>
-            <a:endParaRPr lang="en-US" sz="2400" dirty="0"/>
+      </p:pic>
+      <p:pic>
+        <p:nvPicPr>
+          <p:cNvPr id="16" name="Picture 15">
+            <a:extLst>
+              <a:ext uri="{FF2B5EF4-FFF2-40B4-BE49-F238E27FC236}">
+                <a16:creationId xmlns:a16="http://schemas.microsoft.com/office/drawing/2014/main" id="{C04BCF9E-7BF9-4F20-8C57-38A2F04FBF97}"/>
+              </a:ext>
+            </a:extLst>
+          </p:cNvPr>
+          <p:cNvPicPr>
+            <a:picLocks noChangeAspect="1"/>
+          </p:cNvPicPr>
+          <p:nvPr/>
+        </p:nvPicPr>
+        <p:blipFill>
+          <a:blip r:embed="rId3">
+            <a:extLst>
+              <a:ext uri="{28A0092B-C50C-407E-A947-70E740481C1C}">
+                <a14:useLocalDpi xmlns:a14="http://schemas.microsoft.com/office/drawing/2010/main" val="0"/>
+              </a:ext>
+            </a:extLst>
+          </a:blip>
+          <a:stretch>
+            <a:fillRect/>
+          </a:stretch>
+        </p:blipFill>
+        <p:spPr>
+          <a:xfrm>
+            <a:off x="1028699" y="2183101"/>
+            <a:ext cx="6253508" cy="1981200"/>
+          </a:xfrm>
+          <a:prstGeom prst="rect">
+            <a:avLst/>
+          </a:prstGeom>
+        </p:spPr>
+      </p:pic>
+      <p:sp>
+        <p:nvSpPr>
+          <p:cNvPr id="17" name="Rectangle: Rounded Corners 16">
+            <a:extLst>
+              <a:ext uri="{FF2B5EF4-FFF2-40B4-BE49-F238E27FC236}">
+                <a16:creationId xmlns:a16="http://schemas.microsoft.com/office/drawing/2014/main" id="{180F36B5-D4BA-4CF6-BCEB-AA396B921F75}"/>
+              </a:ext>
+            </a:extLst>
+          </p:cNvPr>
+          <p:cNvSpPr/>
+          <p:nvPr/>
+        </p:nvSpPr>
+        <p:spPr>
+          <a:xfrm>
+            <a:off x="1145219" y="2183101"/>
+            <a:ext cx="6027938" cy="515711"/>
+          </a:xfrm>
+          <a:prstGeom prst="roundRect">
+            <a:avLst/>
+          </a:prstGeom>
+          <a:noFill/>
+        </p:spPr>
+        <p:style>
+          <a:lnRef idx="2">
+            <a:schemeClr val="accent1">
+              <a:shade val="50000"/>
+            </a:schemeClr>
+          </a:lnRef>
+          <a:fillRef idx="1">
+            <a:schemeClr val="accent1"/>
+          </a:fillRef>
+          <a:effectRef idx="0">
+            <a:schemeClr val="accent1"/>
+          </a:effectRef>
+          <a:fontRef idx="minor">
+            <a:schemeClr val="lt1"/>
+          </a:fontRef>
+        </p:style>
+        <p:txBody>
+          <a:bodyPr rtlCol="0" anchor="ctr"/>
+          <a:lstStyle/>
+          <a:p>
+            <a:pPr algn="ctr"/>
+            <a:endParaRPr lang="en-US"/>
           </a:p>
         </p:txBody>
       </p:sp>
     </p:spTree>
     <p:extLst>
       <p:ext uri="{BB962C8B-B14F-4D97-AF65-F5344CB8AC3E}">
-        <p14:creationId xmlns:p14="http://schemas.microsoft.com/office/powerpoint/2010/main" val="1579526029"/>
+        <p14:creationId xmlns:p14="http://schemas.microsoft.com/office/powerpoint/2010/main" val="2525789529"/>
       </p:ext>
     </p:extLst>
   </p:cSld>
@@ -14208,7 +14536,7 @@
         </p:nvSpPr>
         <p:spPr>
           <a:xfrm>
-            <a:off x="1028699" y="2183101"/>
+            <a:off x="1028699" y="2183102"/>
             <a:ext cx="9791700" cy="3568696"/>
           </a:xfrm>
           <a:prstGeom prst="rect">
@@ -14384,9 +14712,13 @@
           <a:p>
             <a:r>
               <a:rPr lang="en-US" sz="2000" b="1" dirty="0"/>
-              <a:t>Dashboard and Notification System</a:t>
-            </a:r>
-            <a:endParaRPr lang="en-US" sz="2000" dirty="0"/>
+              <a:t>Continued Reporting</a:t>
+            </a:r>
+            <a:endParaRPr lang="en-US" sz="2000" dirty="0">
+              <a:solidFill>
+                <a:schemeClr val="accent3"/>
+              </a:solidFill>
+            </a:endParaRPr>
           </a:p>
           <a:p>
             <a:pPr marL="285750" indent="-285750">
@@ -14395,7 +14727,7 @@
             </a:pPr>
             <a:r>
               <a:rPr lang="en-US" sz="2000" dirty="0"/>
-              <a:t>Simple dashboard built directly into InfluxDB</a:t>
+              <a:t>Mainly complete, just needs additional results and several figures</a:t>
             </a:r>
           </a:p>
           <a:p>
@@ -14405,9 +14737,18 @@
             </a:pPr>
             <a:r>
               <a:rPr lang="en-US" sz="2000" dirty="0"/>
-              <a:t>Simple notification system – if an anomaly is predicted for a sensor a notification is sent to a Slack channel</a:t>
-            </a:r>
-            <a:endParaRPr lang="en-US" sz="2200" dirty="0"/>
+              <a:t>Targeting final draft report completion for Wednesday</a:t>
+            </a:r>
+          </a:p>
+          <a:p>
+            <a:pPr marL="285750" indent="-285750">
+              <a:buFont typeface="Arial" panose="020B0604020202020204" pitchFamily="34" charset="0"/>
+              <a:buChar char="•"/>
+            </a:pPr>
+            <a:r>
+              <a:rPr lang="en-US" sz="2000" dirty="0"/>
+              <a:t>Already started final presentation</a:t>
+            </a:r>
           </a:p>
           <a:p>
             <a:pPr marL="285750" indent="-285750">
@@ -14417,21 +14758,23 @@
             <a:endParaRPr lang="en-US" sz="2000" dirty="0"/>
           </a:p>
           <a:p>
-            <a:pPr lvl="1"/>
             <a:endParaRPr lang="en-US" sz="2000" dirty="0"/>
           </a:p>
           <a:p>
-            <a:pPr lvl="1"/>
-            <a:endParaRPr lang="en-US" sz="2000" dirty="0"/>
+            <a:endParaRPr lang="en-US" sz="2000" dirty="0">
+              <a:solidFill>
+                <a:srgbClr val="00B050"/>
+              </a:solidFill>
+            </a:endParaRPr>
           </a:p>
           <a:p>
             <a:r>
               <a:rPr lang="en-US" sz="2000" dirty="0">
                 <a:solidFill>
-                  <a:srgbClr val="FFC000"/>
+                  <a:srgbClr val="00B050"/>
                 </a:solidFill>
               </a:rPr>
-              <a:t>Still finishing dashboard and notification system – wrapping up today</a:t>
+              <a:t>On track (and ahead of schedule)</a:t>
             </a:r>
           </a:p>
           <a:p>
@@ -14442,7 +14785,7 @@
     </p:spTree>
     <p:extLst>
       <p:ext uri="{BB962C8B-B14F-4D97-AF65-F5344CB8AC3E}">
-        <p14:creationId xmlns:p14="http://schemas.microsoft.com/office/powerpoint/2010/main" val="492495433"/>
+        <p14:creationId xmlns:p14="http://schemas.microsoft.com/office/powerpoint/2010/main" val="1579526029"/>
       </p:ext>
     </p:extLst>
   </p:cSld>
@@ -14471,6 +14814,46 @@
       </p:grpSpPr>
       <p:sp>
         <p:nvSpPr>
+          <p:cNvPr id="2" name="Title 1">
+            <a:extLst>
+              <a:ext uri="{FF2B5EF4-FFF2-40B4-BE49-F238E27FC236}">
+                <a16:creationId xmlns:a16="http://schemas.microsoft.com/office/drawing/2014/main" id="{A8E966EE-4FBD-534E-AAED-6C54465EF91C}"/>
+              </a:ext>
+            </a:extLst>
+          </p:cNvPr>
+          <p:cNvSpPr>
+            <a:spLocks noGrp="1"/>
+          </p:cNvSpPr>
+          <p:nvPr>
+            <p:ph type="title"/>
+          </p:nvPr>
+        </p:nvSpPr>
+        <p:spPr>
+          <a:xfrm>
+            <a:off x="1028699" y="381000"/>
+            <a:ext cx="10086976" cy="1263352"/>
+          </a:xfrm>
+        </p:spPr>
+        <p:txBody>
+          <a:bodyPr/>
+          <a:lstStyle/>
+          <a:p>
+            <a:r>
+              <a:rPr lang="en-US" dirty="0"/>
+              <a:t>Week 6 Tasks</a:t>
+            </a:r>
+            <a:br>
+              <a:rPr lang="en-US" dirty="0"/>
+            </a:br>
+            <a:r>
+              <a:rPr lang="en-US" sz="3000" dirty="0"/>
+              <a:t>Previous Week (June 7 - 13)</a:t>
+            </a:r>
+          </a:p>
+        </p:txBody>
+      </p:sp>
+      <p:sp>
+        <p:nvSpPr>
           <p:cNvPr id="3" name="Content Placeholder 2">
             <a:extLst>
               <a:ext uri="{FF2B5EF4-FFF2-40B4-BE49-F238E27FC236}">
@@ -14617,114 +15000,255 @@
       </p:sp>
       <p:sp>
         <p:nvSpPr>
-          <p:cNvPr id="15" name="Title 1">
-            <a:extLst>
-              <a:ext uri="{FF2B5EF4-FFF2-40B4-BE49-F238E27FC236}">
-                <a16:creationId xmlns:a16="http://schemas.microsoft.com/office/drawing/2014/main" id="{6858403A-E227-449E-ABFD-2D82F5B39E0B}"/>
-              </a:ext>
-            </a:extLst>
-          </p:cNvPr>
-          <p:cNvSpPr>
-            <a:spLocks noGrp="1"/>
-          </p:cNvSpPr>
-          <p:nvPr>
-            <p:ph type="title"/>
-          </p:nvPr>
-        </p:nvSpPr>
-        <p:spPr>
-          <a:xfrm>
-            <a:off x="1028699" y="381000"/>
-            <a:ext cx="10086976" cy="1263352"/>
-          </a:xfrm>
-        </p:spPr>
-        <p:txBody>
-          <a:bodyPr/>
-          <a:lstStyle/>
-          <a:p>
-            <a:r>
-              <a:rPr lang="en-US" dirty="0"/>
-              <a:t>Week 6 Tasks</a:t>
-            </a:r>
-            <a:br>
-              <a:rPr lang="en-US" dirty="0"/>
-            </a:br>
-            <a:r>
-              <a:rPr lang="en-US" sz="3000" dirty="0"/>
-              <a:t>Previous Week (June 7 - 13)</a:t>
-            </a:r>
-          </a:p>
-        </p:txBody>
-      </p:sp>
-      <p:pic>
-        <p:nvPicPr>
-          <p:cNvPr id="11" name="Picture 10">
-            <a:extLst>
-              <a:ext uri="{FF2B5EF4-FFF2-40B4-BE49-F238E27FC236}">
-                <a16:creationId xmlns:a16="http://schemas.microsoft.com/office/drawing/2014/main" id="{1FA05FB7-D37A-4D61-B21F-58DD8A0AA5E5}"/>
-              </a:ext>
-            </a:extLst>
-          </p:cNvPr>
-          <p:cNvPicPr>
-            <a:picLocks noChangeAspect="1"/>
-          </p:cNvPicPr>
+          <p:cNvPr id="10" name="Content Placeholder 2">
+            <a:extLst>
+              <a:ext uri="{FF2B5EF4-FFF2-40B4-BE49-F238E27FC236}">
+                <a16:creationId xmlns:a16="http://schemas.microsoft.com/office/drawing/2014/main" id="{02C52A92-3263-4C50-A3F1-1A01857F5740}"/>
+              </a:ext>
+            </a:extLst>
+          </p:cNvPr>
+          <p:cNvSpPr txBox="1">
+            <a:spLocks/>
+          </p:cNvSpPr>
           <p:nvPr/>
-        </p:nvPicPr>
-        <p:blipFill>
-          <a:blip r:embed="rId2">
-            <a:extLst>
-              <a:ext uri="{28A0092B-C50C-407E-A947-70E740481C1C}">
-                <a14:useLocalDpi xmlns:a14="http://schemas.microsoft.com/office/drawing/2010/main" val="0"/>
-              </a:ext>
-            </a:extLst>
-          </a:blip>
-          <a:stretch>
-            <a:fillRect/>
-          </a:stretch>
-        </p:blipFill>
-        <p:spPr>
-          <a:xfrm>
-            <a:off x="1028699" y="2194702"/>
-            <a:ext cx="7467231" cy="3406655"/>
+        </p:nvSpPr>
+        <p:spPr>
+          <a:xfrm>
+            <a:off x="1028699" y="2183101"/>
+            <a:ext cx="9791700" cy="3568696"/>
           </a:xfrm>
           <a:prstGeom prst="rect">
             <a:avLst/>
           </a:prstGeom>
         </p:spPr>
-      </p:pic>
-      <p:pic>
-        <p:nvPicPr>
-          <p:cNvPr id="13" name="Picture 12">
-            <a:extLst>
-              <a:ext uri="{FF2B5EF4-FFF2-40B4-BE49-F238E27FC236}">
-                <a16:creationId xmlns:a16="http://schemas.microsoft.com/office/drawing/2014/main" id="{E7CA5356-7660-41FC-8122-A31BF578D1C2}"/>
-              </a:ext>
-            </a:extLst>
-          </p:cNvPr>
-          <p:cNvPicPr>
-            <a:picLocks noChangeAspect="1"/>
-          </p:cNvPicPr>
-          <p:nvPr/>
-        </p:nvPicPr>
-        <p:blipFill>
-          <a:blip r:embed="rId3"/>
-          <a:stretch>
-            <a:fillRect/>
-          </a:stretch>
-        </p:blipFill>
-        <p:spPr>
-          <a:xfrm>
-            <a:off x="1005303" y="5662866"/>
-            <a:ext cx="6124575" cy="847725"/>
-          </a:xfrm>
-          <a:prstGeom prst="rect">
-            <a:avLst/>
-          </a:prstGeom>
-        </p:spPr>
-      </p:pic>
+        <p:txBody>
+          <a:bodyPr lIns="0" tIns="0" rIns="0" bIns="0"/>
+          <a:lstStyle>
+            <a:lvl1pPr marL="0" indent="0" algn="l" defTabSz="914400" rtl="0" eaLnBrk="1" latinLnBrk="0" hangingPunct="1">
+              <a:lnSpc>
+                <a:spcPct val="100000"/>
+              </a:lnSpc>
+              <a:spcBef>
+                <a:spcPts val="1000"/>
+              </a:spcBef>
+              <a:buFont typeface="Arial" panose="020B0604020202020204" pitchFamily="34" charset="0"/>
+              <a:buNone/>
+              <a:defRPr sz="1800" kern="1200">
+                <a:solidFill>
+                  <a:schemeClr val="bg1"/>
+                </a:solidFill>
+                <a:latin typeface="+mn-lt"/>
+                <a:ea typeface="+mn-ea"/>
+                <a:cs typeface="+mn-cs"/>
+              </a:defRPr>
+            </a:lvl1pPr>
+            <a:lvl2pPr marL="457200" indent="0" algn="l" defTabSz="914400" rtl="0" eaLnBrk="1" latinLnBrk="0" hangingPunct="1">
+              <a:lnSpc>
+                <a:spcPct val="90000"/>
+              </a:lnSpc>
+              <a:spcBef>
+                <a:spcPts val="500"/>
+              </a:spcBef>
+              <a:buFont typeface="Arial" panose="020B0604020202020204" pitchFamily="34" charset="0"/>
+              <a:buNone/>
+              <a:defRPr sz="2000" kern="1200">
+                <a:solidFill>
+                  <a:schemeClr val="bg1"/>
+                </a:solidFill>
+                <a:latin typeface="+mn-lt"/>
+                <a:ea typeface="+mn-ea"/>
+                <a:cs typeface="+mn-cs"/>
+              </a:defRPr>
+            </a:lvl2pPr>
+            <a:lvl3pPr marL="914400" indent="0" algn="l" defTabSz="914400" rtl="0" eaLnBrk="1" latinLnBrk="0" hangingPunct="1">
+              <a:lnSpc>
+                <a:spcPct val="90000"/>
+              </a:lnSpc>
+              <a:spcBef>
+                <a:spcPts val="500"/>
+              </a:spcBef>
+              <a:buFont typeface="Arial" panose="020B0604020202020204" pitchFamily="34" charset="0"/>
+              <a:buNone/>
+              <a:defRPr sz="2000" kern="1200">
+                <a:solidFill>
+                  <a:schemeClr val="bg1"/>
+                </a:solidFill>
+                <a:latin typeface="+mn-lt"/>
+                <a:ea typeface="+mn-ea"/>
+                <a:cs typeface="+mn-cs"/>
+              </a:defRPr>
+            </a:lvl3pPr>
+            <a:lvl4pPr marL="1371600" indent="0" algn="l" defTabSz="914400" rtl="0" eaLnBrk="1" latinLnBrk="0" hangingPunct="1">
+              <a:lnSpc>
+                <a:spcPct val="90000"/>
+              </a:lnSpc>
+              <a:spcBef>
+                <a:spcPts val="500"/>
+              </a:spcBef>
+              <a:buFont typeface="Arial" panose="020B0604020202020204" pitchFamily="34" charset="0"/>
+              <a:buNone/>
+              <a:defRPr sz="2000" kern="1200">
+                <a:solidFill>
+                  <a:schemeClr val="bg1"/>
+                </a:solidFill>
+                <a:latin typeface="+mn-lt"/>
+                <a:ea typeface="+mn-ea"/>
+                <a:cs typeface="+mn-cs"/>
+              </a:defRPr>
+            </a:lvl4pPr>
+            <a:lvl5pPr marL="1828800" indent="0" algn="l" defTabSz="914400" rtl="0" eaLnBrk="1" latinLnBrk="0" hangingPunct="1">
+              <a:lnSpc>
+                <a:spcPct val="90000"/>
+              </a:lnSpc>
+              <a:spcBef>
+                <a:spcPts val="500"/>
+              </a:spcBef>
+              <a:buFont typeface="Arial" panose="020B0604020202020204" pitchFamily="34" charset="0"/>
+              <a:buNone/>
+              <a:defRPr sz="2000" kern="1200">
+                <a:solidFill>
+                  <a:schemeClr val="bg1"/>
+                </a:solidFill>
+                <a:latin typeface="+mn-lt"/>
+                <a:ea typeface="+mn-ea"/>
+                <a:cs typeface="+mn-cs"/>
+              </a:defRPr>
+            </a:lvl5pPr>
+            <a:lvl6pPr marL="2514600" indent="-228600" algn="l" defTabSz="914400" rtl="0" eaLnBrk="1" latinLnBrk="0" hangingPunct="1">
+              <a:lnSpc>
+                <a:spcPct val="90000"/>
+              </a:lnSpc>
+              <a:spcBef>
+                <a:spcPts val="500"/>
+              </a:spcBef>
+              <a:buFont typeface="Arial" panose="020B0604020202020204" pitchFamily="34" charset="0"/>
+              <a:buChar char="•"/>
+              <a:defRPr sz="1800" kern="1200">
+                <a:solidFill>
+                  <a:schemeClr val="tx1"/>
+                </a:solidFill>
+                <a:latin typeface="+mn-lt"/>
+                <a:ea typeface="+mn-ea"/>
+                <a:cs typeface="+mn-cs"/>
+              </a:defRPr>
+            </a:lvl6pPr>
+            <a:lvl7pPr marL="2971800" indent="-228600" algn="l" defTabSz="914400" rtl="0" eaLnBrk="1" latinLnBrk="0" hangingPunct="1">
+              <a:lnSpc>
+                <a:spcPct val="90000"/>
+              </a:lnSpc>
+              <a:spcBef>
+                <a:spcPts val="500"/>
+              </a:spcBef>
+              <a:buFont typeface="Arial" panose="020B0604020202020204" pitchFamily="34" charset="0"/>
+              <a:buChar char="•"/>
+              <a:defRPr sz="1800" kern="1200">
+                <a:solidFill>
+                  <a:schemeClr val="tx1"/>
+                </a:solidFill>
+                <a:latin typeface="+mn-lt"/>
+                <a:ea typeface="+mn-ea"/>
+                <a:cs typeface="+mn-cs"/>
+              </a:defRPr>
+            </a:lvl7pPr>
+            <a:lvl8pPr marL="3429000" indent="-228600" algn="l" defTabSz="914400" rtl="0" eaLnBrk="1" latinLnBrk="0" hangingPunct="1">
+              <a:lnSpc>
+                <a:spcPct val="90000"/>
+              </a:lnSpc>
+              <a:spcBef>
+                <a:spcPts val="500"/>
+              </a:spcBef>
+              <a:buFont typeface="Arial" panose="020B0604020202020204" pitchFamily="34" charset="0"/>
+              <a:buChar char="•"/>
+              <a:defRPr sz="1800" kern="1200">
+                <a:solidFill>
+                  <a:schemeClr val="tx1"/>
+                </a:solidFill>
+                <a:latin typeface="+mn-lt"/>
+                <a:ea typeface="+mn-ea"/>
+                <a:cs typeface="+mn-cs"/>
+              </a:defRPr>
+            </a:lvl8pPr>
+            <a:lvl9pPr marL="3886200" indent="-228600" algn="l" defTabSz="914400" rtl="0" eaLnBrk="1" latinLnBrk="0" hangingPunct="1">
+              <a:lnSpc>
+                <a:spcPct val="90000"/>
+              </a:lnSpc>
+              <a:spcBef>
+                <a:spcPts val="500"/>
+              </a:spcBef>
+              <a:buFont typeface="Arial" panose="020B0604020202020204" pitchFamily="34" charset="0"/>
+              <a:buChar char="•"/>
+              <a:defRPr sz="1800" kern="1200">
+                <a:solidFill>
+                  <a:schemeClr val="tx1"/>
+                </a:solidFill>
+                <a:latin typeface="+mn-lt"/>
+                <a:ea typeface="+mn-ea"/>
+                <a:cs typeface="+mn-cs"/>
+              </a:defRPr>
+            </a:lvl9pPr>
+          </a:lstStyle>
+          <a:p>
+            <a:r>
+              <a:rPr lang="en-US" sz="2000" b="1" dirty="0"/>
+              <a:t>Dashboard and Notification System</a:t>
+            </a:r>
+            <a:endParaRPr lang="en-US" sz="2000" dirty="0"/>
+          </a:p>
+          <a:p>
+            <a:pPr marL="285750" indent="-285750">
+              <a:buFont typeface="Arial" panose="020B0604020202020204" pitchFamily="34" charset="0"/>
+              <a:buChar char="•"/>
+            </a:pPr>
+            <a:r>
+              <a:rPr lang="en-US" sz="2000" dirty="0"/>
+              <a:t>Simple dashboard built directly into InfluxDB</a:t>
+            </a:r>
+          </a:p>
+          <a:p>
+            <a:pPr marL="285750" indent="-285750">
+              <a:buFont typeface="Arial" panose="020B0604020202020204" pitchFamily="34" charset="0"/>
+              <a:buChar char="•"/>
+            </a:pPr>
+            <a:r>
+              <a:rPr lang="en-US" sz="2000" dirty="0"/>
+              <a:t>Simple notification system – if an anomaly is predicted for a sensor a notification is sent to a Slack channel</a:t>
+            </a:r>
+            <a:endParaRPr lang="en-US" sz="2200" dirty="0"/>
+          </a:p>
+          <a:p>
+            <a:pPr marL="285750" indent="-285750">
+              <a:buFont typeface="Arial" panose="020B0604020202020204" pitchFamily="34" charset="0"/>
+              <a:buChar char="•"/>
+            </a:pPr>
+            <a:endParaRPr lang="en-US" sz="2000" dirty="0"/>
+          </a:p>
+          <a:p>
+            <a:pPr lvl="1"/>
+            <a:endParaRPr lang="en-US" sz="2000" dirty="0"/>
+          </a:p>
+          <a:p>
+            <a:pPr lvl="1"/>
+            <a:endParaRPr lang="en-US" sz="2000" dirty="0"/>
+          </a:p>
+          <a:p>
+            <a:r>
+              <a:rPr lang="en-US" sz="2000" dirty="0">
+                <a:solidFill>
+                  <a:srgbClr val="FFC000"/>
+                </a:solidFill>
+              </a:rPr>
+              <a:t>Still finishing dashboard and notification system – wrapping up today</a:t>
+            </a:r>
+          </a:p>
+          <a:p>
+            <a:endParaRPr lang="en-US" sz="2400" dirty="0"/>
+          </a:p>
+        </p:txBody>
+      </p:sp>
     </p:spTree>
     <p:extLst>
       <p:ext uri="{BB962C8B-B14F-4D97-AF65-F5344CB8AC3E}">
-        <p14:creationId xmlns:p14="http://schemas.microsoft.com/office/powerpoint/2010/main" val="441478039"/>
+        <p14:creationId xmlns:p14="http://schemas.microsoft.com/office/powerpoint/2010/main" val="492495433"/>
       </p:ext>
     </p:extLst>
   </p:cSld>
@@ -14753,46 +15277,6 @@
       </p:grpSpPr>
       <p:sp>
         <p:nvSpPr>
-          <p:cNvPr id="2" name="Title 1">
-            <a:extLst>
-              <a:ext uri="{FF2B5EF4-FFF2-40B4-BE49-F238E27FC236}">
-                <a16:creationId xmlns:a16="http://schemas.microsoft.com/office/drawing/2014/main" id="{A8E966EE-4FBD-534E-AAED-6C54465EF91C}"/>
-              </a:ext>
-            </a:extLst>
-          </p:cNvPr>
-          <p:cNvSpPr>
-            <a:spLocks noGrp="1"/>
-          </p:cNvSpPr>
-          <p:nvPr>
-            <p:ph type="title"/>
-          </p:nvPr>
-        </p:nvSpPr>
-        <p:spPr>
-          <a:xfrm>
-            <a:off x="1028699" y="381000"/>
-            <a:ext cx="10086976" cy="1263352"/>
-          </a:xfrm>
-        </p:spPr>
-        <p:txBody>
-          <a:bodyPr/>
-          <a:lstStyle/>
-          <a:p>
-            <a:r>
-              <a:rPr lang="en-US" dirty="0"/>
-              <a:t>Week 6 Tasks</a:t>
-            </a:r>
-            <a:br>
-              <a:rPr lang="en-US" dirty="0"/>
-            </a:br>
-            <a:r>
-              <a:rPr lang="en-US" sz="3000" dirty="0"/>
-              <a:t>Previous Week (June 7 - 13)</a:t>
-            </a:r>
-          </a:p>
-        </p:txBody>
-      </p:sp>
-      <p:sp>
-        <p:nvSpPr>
           <p:cNvPr id="3" name="Content Placeholder 2">
             <a:extLst>
               <a:ext uri="{FF2B5EF4-FFF2-40B4-BE49-F238E27FC236}">
@@ -14939,260 +15423,114 @@
       </p:sp>
       <p:sp>
         <p:nvSpPr>
-          <p:cNvPr id="10" name="Content Placeholder 2">
-            <a:extLst>
-              <a:ext uri="{FF2B5EF4-FFF2-40B4-BE49-F238E27FC236}">
-                <a16:creationId xmlns:a16="http://schemas.microsoft.com/office/drawing/2014/main" id="{02C52A92-3263-4C50-A3F1-1A01857F5740}"/>
-              </a:ext>
-            </a:extLst>
-          </p:cNvPr>
-          <p:cNvSpPr txBox="1">
-            <a:spLocks/>
-          </p:cNvSpPr>
+          <p:cNvPr id="15" name="Title 1">
+            <a:extLst>
+              <a:ext uri="{FF2B5EF4-FFF2-40B4-BE49-F238E27FC236}">
+                <a16:creationId xmlns:a16="http://schemas.microsoft.com/office/drawing/2014/main" id="{6858403A-E227-449E-ABFD-2D82F5B39E0B}"/>
+              </a:ext>
+            </a:extLst>
+          </p:cNvPr>
+          <p:cNvSpPr>
+            <a:spLocks noGrp="1"/>
+          </p:cNvSpPr>
+          <p:nvPr>
+            <p:ph type="title"/>
+          </p:nvPr>
+        </p:nvSpPr>
+        <p:spPr>
+          <a:xfrm>
+            <a:off x="1028699" y="381000"/>
+            <a:ext cx="10086976" cy="1263352"/>
+          </a:xfrm>
+        </p:spPr>
+        <p:txBody>
+          <a:bodyPr/>
+          <a:lstStyle/>
+          <a:p>
+            <a:r>
+              <a:rPr lang="en-US" dirty="0"/>
+              <a:t>Week 6 Tasks</a:t>
+            </a:r>
+            <a:br>
+              <a:rPr lang="en-US" dirty="0"/>
+            </a:br>
+            <a:r>
+              <a:rPr lang="en-US" sz="3000" dirty="0"/>
+              <a:t>Previous Week (June 7 - 13)</a:t>
+            </a:r>
+          </a:p>
+        </p:txBody>
+      </p:sp>
+      <p:pic>
+        <p:nvPicPr>
+          <p:cNvPr id="11" name="Picture 10">
+            <a:extLst>
+              <a:ext uri="{FF2B5EF4-FFF2-40B4-BE49-F238E27FC236}">
+                <a16:creationId xmlns:a16="http://schemas.microsoft.com/office/drawing/2014/main" id="{1FA05FB7-D37A-4D61-B21F-58DD8A0AA5E5}"/>
+              </a:ext>
+            </a:extLst>
+          </p:cNvPr>
+          <p:cNvPicPr>
+            <a:picLocks noChangeAspect="1"/>
+          </p:cNvPicPr>
           <p:nvPr/>
-        </p:nvSpPr>
-        <p:spPr>
-          <a:xfrm>
-            <a:off x="1028699" y="2183101"/>
-            <a:ext cx="9791700" cy="3568696"/>
+        </p:nvPicPr>
+        <p:blipFill>
+          <a:blip r:embed="rId2">
+            <a:extLst>
+              <a:ext uri="{28A0092B-C50C-407E-A947-70E740481C1C}">
+                <a14:useLocalDpi xmlns:a14="http://schemas.microsoft.com/office/drawing/2010/main" val="0"/>
+              </a:ext>
+            </a:extLst>
+          </a:blip>
+          <a:stretch>
+            <a:fillRect/>
+          </a:stretch>
+        </p:blipFill>
+        <p:spPr>
+          <a:xfrm>
+            <a:off x="1028699" y="2194702"/>
+            <a:ext cx="7467231" cy="3406655"/>
           </a:xfrm>
           <a:prstGeom prst="rect">
             <a:avLst/>
           </a:prstGeom>
         </p:spPr>
-        <p:txBody>
-          <a:bodyPr lIns="0" tIns="0" rIns="0" bIns="0"/>
-          <a:lstStyle>
-            <a:lvl1pPr marL="0" indent="0" algn="l" defTabSz="914400" rtl="0" eaLnBrk="1" latinLnBrk="0" hangingPunct="1">
-              <a:lnSpc>
-                <a:spcPct val="100000"/>
-              </a:lnSpc>
-              <a:spcBef>
-                <a:spcPts val="1000"/>
-              </a:spcBef>
-              <a:buFont typeface="Arial" panose="020B0604020202020204" pitchFamily="34" charset="0"/>
-              <a:buNone/>
-              <a:defRPr sz="1800" kern="1200">
-                <a:solidFill>
-                  <a:schemeClr val="bg1"/>
-                </a:solidFill>
-                <a:latin typeface="+mn-lt"/>
-                <a:ea typeface="+mn-ea"/>
-                <a:cs typeface="+mn-cs"/>
-              </a:defRPr>
-            </a:lvl1pPr>
-            <a:lvl2pPr marL="457200" indent="0" algn="l" defTabSz="914400" rtl="0" eaLnBrk="1" latinLnBrk="0" hangingPunct="1">
-              <a:lnSpc>
-                <a:spcPct val="90000"/>
-              </a:lnSpc>
-              <a:spcBef>
-                <a:spcPts val="500"/>
-              </a:spcBef>
-              <a:buFont typeface="Arial" panose="020B0604020202020204" pitchFamily="34" charset="0"/>
-              <a:buNone/>
-              <a:defRPr sz="2000" kern="1200">
-                <a:solidFill>
-                  <a:schemeClr val="bg1"/>
-                </a:solidFill>
-                <a:latin typeface="+mn-lt"/>
-                <a:ea typeface="+mn-ea"/>
-                <a:cs typeface="+mn-cs"/>
-              </a:defRPr>
-            </a:lvl2pPr>
-            <a:lvl3pPr marL="914400" indent="0" algn="l" defTabSz="914400" rtl="0" eaLnBrk="1" latinLnBrk="0" hangingPunct="1">
-              <a:lnSpc>
-                <a:spcPct val="90000"/>
-              </a:lnSpc>
-              <a:spcBef>
-                <a:spcPts val="500"/>
-              </a:spcBef>
-              <a:buFont typeface="Arial" panose="020B0604020202020204" pitchFamily="34" charset="0"/>
-              <a:buNone/>
-              <a:defRPr sz="2000" kern="1200">
-                <a:solidFill>
-                  <a:schemeClr val="bg1"/>
-                </a:solidFill>
-                <a:latin typeface="+mn-lt"/>
-                <a:ea typeface="+mn-ea"/>
-                <a:cs typeface="+mn-cs"/>
-              </a:defRPr>
-            </a:lvl3pPr>
-            <a:lvl4pPr marL="1371600" indent="0" algn="l" defTabSz="914400" rtl="0" eaLnBrk="1" latinLnBrk="0" hangingPunct="1">
-              <a:lnSpc>
-                <a:spcPct val="90000"/>
-              </a:lnSpc>
-              <a:spcBef>
-                <a:spcPts val="500"/>
-              </a:spcBef>
-              <a:buFont typeface="Arial" panose="020B0604020202020204" pitchFamily="34" charset="0"/>
-              <a:buNone/>
-              <a:defRPr sz="2000" kern="1200">
-                <a:solidFill>
-                  <a:schemeClr val="bg1"/>
-                </a:solidFill>
-                <a:latin typeface="+mn-lt"/>
-                <a:ea typeface="+mn-ea"/>
-                <a:cs typeface="+mn-cs"/>
-              </a:defRPr>
-            </a:lvl4pPr>
-            <a:lvl5pPr marL="1828800" indent="0" algn="l" defTabSz="914400" rtl="0" eaLnBrk="1" latinLnBrk="0" hangingPunct="1">
-              <a:lnSpc>
-                <a:spcPct val="90000"/>
-              </a:lnSpc>
-              <a:spcBef>
-                <a:spcPts val="500"/>
-              </a:spcBef>
-              <a:buFont typeface="Arial" panose="020B0604020202020204" pitchFamily="34" charset="0"/>
-              <a:buNone/>
-              <a:defRPr sz="2000" kern="1200">
-                <a:solidFill>
-                  <a:schemeClr val="bg1"/>
-                </a:solidFill>
-                <a:latin typeface="+mn-lt"/>
-                <a:ea typeface="+mn-ea"/>
-                <a:cs typeface="+mn-cs"/>
-              </a:defRPr>
-            </a:lvl5pPr>
-            <a:lvl6pPr marL="2514600" indent="-228600" algn="l" defTabSz="914400" rtl="0" eaLnBrk="1" latinLnBrk="0" hangingPunct="1">
-              <a:lnSpc>
-                <a:spcPct val="90000"/>
-              </a:lnSpc>
-              <a:spcBef>
-                <a:spcPts val="500"/>
-              </a:spcBef>
-              <a:buFont typeface="Arial" panose="020B0604020202020204" pitchFamily="34" charset="0"/>
-              <a:buChar char="•"/>
-              <a:defRPr sz="1800" kern="1200">
-                <a:solidFill>
-                  <a:schemeClr val="tx1"/>
-                </a:solidFill>
-                <a:latin typeface="+mn-lt"/>
-                <a:ea typeface="+mn-ea"/>
-                <a:cs typeface="+mn-cs"/>
-              </a:defRPr>
-            </a:lvl6pPr>
-            <a:lvl7pPr marL="2971800" indent="-228600" algn="l" defTabSz="914400" rtl="0" eaLnBrk="1" latinLnBrk="0" hangingPunct="1">
-              <a:lnSpc>
-                <a:spcPct val="90000"/>
-              </a:lnSpc>
-              <a:spcBef>
-                <a:spcPts val="500"/>
-              </a:spcBef>
-              <a:buFont typeface="Arial" panose="020B0604020202020204" pitchFamily="34" charset="0"/>
-              <a:buChar char="•"/>
-              <a:defRPr sz="1800" kern="1200">
-                <a:solidFill>
-                  <a:schemeClr val="tx1"/>
-                </a:solidFill>
-                <a:latin typeface="+mn-lt"/>
-                <a:ea typeface="+mn-ea"/>
-                <a:cs typeface="+mn-cs"/>
-              </a:defRPr>
-            </a:lvl7pPr>
-            <a:lvl8pPr marL="3429000" indent="-228600" algn="l" defTabSz="914400" rtl="0" eaLnBrk="1" latinLnBrk="0" hangingPunct="1">
-              <a:lnSpc>
-                <a:spcPct val="90000"/>
-              </a:lnSpc>
-              <a:spcBef>
-                <a:spcPts val="500"/>
-              </a:spcBef>
-              <a:buFont typeface="Arial" panose="020B0604020202020204" pitchFamily="34" charset="0"/>
-              <a:buChar char="•"/>
-              <a:defRPr sz="1800" kern="1200">
-                <a:solidFill>
-                  <a:schemeClr val="tx1"/>
-                </a:solidFill>
-                <a:latin typeface="+mn-lt"/>
-                <a:ea typeface="+mn-ea"/>
-                <a:cs typeface="+mn-cs"/>
-              </a:defRPr>
-            </a:lvl8pPr>
-            <a:lvl9pPr marL="3886200" indent="-228600" algn="l" defTabSz="914400" rtl="0" eaLnBrk="1" latinLnBrk="0" hangingPunct="1">
-              <a:lnSpc>
-                <a:spcPct val="90000"/>
-              </a:lnSpc>
-              <a:spcBef>
-                <a:spcPts val="500"/>
-              </a:spcBef>
-              <a:buFont typeface="Arial" panose="020B0604020202020204" pitchFamily="34" charset="0"/>
-              <a:buChar char="•"/>
-              <a:defRPr sz="1800" kern="1200">
-                <a:solidFill>
-                  <a:schemeClr val="tx1"/>
-                </a:solidFill>
-                <a:latin typeface="+mn-lt"/>
-                <a:ea typeface="+mn-ea"/>
-                <a:cs typeface="+mn-cs"/>
-              </a:defRPr>
-            </a:lvl9pPr>
-          </a:lstStyle>
-          <a:p>
-            <a:r>
-              <a:rPr lang="en-US" sz="2000" b="1" dirty="0"/>
-              <a:t>Model Implementation</a:t>
-            </a:r>
-          </a:p>
-          <a:p>
-            <a:pPr marL="342900" indent="-342900">
-              <a:buFont typeface="Arial" panose="020B0604020202020204" pitchFamily="34" charset="0"/>
-              <a:buChar char="•"/>
-            </a:pPr>
-            <a:r>
-              <a:rPr lang="en-US" sz="2000" dirty="0"/>
-              <a:t>Implementation in test environment with notebook walk-through</a:t>
-            </a:r>
-          </a:p>
-          <a:p>
-            <a:pPr marL="285750" indent="-285750">
-              <a:buFont typeface="Arial" panose="020B0604020202020204" pitchFamily="34" charset="0"/>
-              <a:buChar char="•"/>
-            </a:pPr>
-            <a:r>
-              <a:rPr lang="en-US" sz="2000" dirty="0"/>
-              <a:t>Still needs additional work</a:t>
-            </a:r>
-          </a:p>
-          <a:p>
-            <a:pPr marL="285750" indent="-285750">
-              <a:buFont typeface="Arial" panose="020B0604020202020204" pitchFamily="34" charset="0"/>
-              <a:buChar char="•"/>
-            </a:pPr>
-            <a:r>
-              <a:rPr lang="en-US" sz="2000" dirty="0"/>
-              <a:t>As real-time data streaming to InfluxDB is not available this will be the main implementation</a:t>
-            </a:r>
-            <a:endParaRPr lang="en-US" dirty="0"/>
-          </a:p>
-          <a:p>
-            <a:pPr marL="742950" lvl="1" indent="-285750">
-              <a:buFont typeface="Arial" panose="020B0604020202020204" pitchFamily="34" charset="0"/>
-              <a:buChar char="•"/>
-            </a:pPr>
-            <a:endParaRPr lang="en-US" sz="2000" dirty="0"/>
-          </a:p>
-          <a:p>
-            <a:pPr lvl="1"/>
-            <a:endParaRPr lang="en-US" sz="2000" dirty="0"/>
-          </a:p>
-          <a:p>
-            <a:r>
-              <a:rPr lang="en-US" sz="2000" dirty="0">
-                <a:solidFill>
-                  <a:srgbClr val="FFC000"/>
-                </a:solidFill>
-              </a:rPr>
-              <a:t>Additional work required on this during the week</a:t>
-            </a:r>
-          </a:p>
-          <a:p>
-            <a:endParaRPr lang="en-US" sz="2400" dirty="0"/>
-          </a:p>
-        </p:txBody>
-      </p:sp>
+      </p:pic>
+      <p:pic>
+        <p:nvPicPr>
+          <p:cNvPr id="13" name="Picture 12">
+            <a:extLst>
+              <a:ext uri="{FF2B5EF4-FFF2-40B4-BE49-F238E27FC236}">
+                <a16:creationId xmlns:a16="http://schemas.microsoft.com/office/drawing/2014/main" id="{E7CA5356-7660-41FC-8122-A31BF578D1C2}"/>
+              </a:ext>
+            </a:extLst>
+          </p:cNvPr>
+          <p:cNvPicPr>
+            <a:picLocks noChangeAspect="1"/>
+          </p:cNvPicPr>
+          <p:nvPr/>
+        </p:nvPicPr>
+        <p:blipFill>
+          <a:blip r:embed="rId3"/>
+          <a:stretch>
+            <a:fillRect/>
+          </a:stretch>
+        </p:blipFill>
+        <p:spPr>
+          <a:xfrm>
+            <a:off x="1005303" y="5662866"/>
+            <a:ext cx="6124575" cy="847725"/>
+          </a:xfrm>
+          <a:prstGeom prst="rect">
+            <a:avLst/>
+          </a:prstGeom>
+        </p:spPr>
+      </p:pic>
     </p:spTree>
     <p:extLst>
       <p:ext uri="{BB962C8B-B14F-4D97-AF65-F5344CB8AC3E}">
-        <p14:creationId xmlns:p14="http://schemas.microsoft.com/office/powerpoint/2010/main" val="567051792"/>
+        <p14:creationId xmlns:p14="http://schemas.microsoft.com/office/powerpoint/2010/main" val="441478039"/>
       </p:ext>
     </p:extLst>
   </p:cSld>
